--- a/Mock Up.pptx
+++ b/Mock Up.pptx
@@ -7,11 +7,16 @@
     <p:sldMasterId id="2147483660" r:id="rId3"/>
     <p:sldMasterId id="2147483672" r:id="rId4"/>
   </p:sldMasterIdLst>
+  <p:notesMasterIdLst>
+    <p:notesMasterId r:id="rId11"/>
+  </p:notesMasterIdLst>
   <p:sldIdLst>
-    <p:sldId id="258" r:id="rId5"/>
+    <p:sldId id="261" r:id="rId5"/>
     <p:sldId id="259" r:id="rId6"/>
     <p:sldId id="256" r:id="rId7"/>
-    <p:sldId id="257" r:id="rId8"/>
+    <p:sldId id="262" r:id="rId8"/>
+    <p:sldId id="257" r:id="rId9"/>
+    <p:sldId id="260" r:id="rId10"/>
   </p:sldIdLst>
   <p:sldSz cx="9144000" cy="5715000" type="screen16x10"/>
   <p:notesSz cx="6858000" cy="9144000"/>
@@ -113,6 +118,356 @@
 </p:presentation>
 </file>
 
+<file path=ppt/notesMasters/notesMaster1.xml><?xml version="1.0" encoding="utf-8"?>
+<p:notesMaster xmlns:a="http://schemas.openxmlformats.org/drawingml/2006/main" xmlns:r="http://schemas.openxmlformats.org/officeDocument/2006/relationships" xmlns:p="http://schemas.openxmlformats.org/presentationml/2006/main">
+  <p:cSld>
+    <p:bg>
+      <p:bgRef idx="1001">
+        <a:schemeClr val="bg1"/>
+      </p:bgRef>
+    </p:bg>
+    <p:spTree>
+      <p:nvGrpSpPr>
+        <p:cNvPr id="1" name=""/>
+        <p:cNvGrpSpPr/>
+        <p:nvPr/>
+      </p:nvGrpSpPr>
+      <p:grpSpPr>
+        <a:xfrm>
+          <a:off x="0" y="0"/>
+          <a:ext cx="0" cy="0"/>
+          <a:chOff x="0" y="0"/>
+          <a:chExt cx="0" cy="0"/>
+        </a:xfrm>
+      </p:grpSpPr>
+      <p:sp>
+        <p:nvSpPr>
+          <p:cNvPr id="2" name="Header Placeholder 1"/>
+          <p:cNvSpPr>
+            <a:spLocks noGrp="1"/>
+          </p:cNvSpPr>
+          <p:nvPr>
+            <p:ph type="hdr" sz="quarter"/>
+          </p:nvPr>
+        </p:nvSpPr>
+        <p:spPr>
+          <a:xfrm>
+            <a:off x="0" y="0"/>
+            <a:ext cx="2971800" cy="457200"/>
+          </a:xfrm>
+          <a:prstGeom prst="rect">
+            <a:avLst/>
+          </a:prstGeom>
+        </p:spPr>
+        <p:txBody>
+          <a:bodyPr vert="horz" lIns="91440" tIns="45720" rIns="91440" bIns="45720" rtlCol="0"/>
+          <a:lstStyle>
+            <a:lvl1pPr algn="l">
+              <a:defRPr sz="1200"/>
+            </a:lvl1pPr>
+          </a:lstStyle>
+          <a:p>
+            <a:endParaRPr lang="en-SG"/>
+          </a:p>
+        </p:txBody>
+      </p:sp>
+      <p:sp>
+        <p:nvSpPr>
+          <p:cNvPr id="3" name="Date Placeholder 2"/>
+          <p:cNvSpPr>
+            <a:spLocks noGrp="1"/>
+          </p:cNvSpPr>
+          <p:nvPr>
+            <p:ph type="dt" idx="1"/>
+          </p:nvPr>
+        </p:nvSpPr>
+        <p:spPr>
+          <a:xfrm>
+            <a:off x="3884613" y="0"/>
+            <a:ext cx="2971800" cy="457200"/>
+          </a:xfrm>
+          <a:prstGeom prst="rect">
+            <a:avLst/>
+          </a:prstGeom>
+        </p:spPr>
+        <p:txBody>
+          <a:bodyPr vert="horz" lIns="91440" tIns="45720" rIns="91440" bIns="45720" rtlCol="0"/>
+          <a:lstStyle>
+            <a:lvl1pPr algn="r">
+              <a:defRPr sz="1200"/>
+            </a:lvl1pPr>
+          </a:lstStyle>
+          <a:p>
+            <a:fld id="{C5B6A388-4B95-4451-B4B4-D8455374327C}" type="datetimeFigureOut">
+              <a:rPr lang="en-SG" smtClean="0"/>
+              <a:t>2014-10-15</a:t>
+            </a:fld>
+            <a:endParaRPr lang="en-SG"/>
+          </a:p>
+        </p:txBody>
+      </p:sp>
+      <p:sp>
+        <p:nvSpPr>
+          <p:cNvPr id="4" name="Slide Image Placeholder 3"/>
+          <p:cNvSpPr>
+            <a:spLocks noGrp="1" noRot="1" noChangeAspect="1"/>
+          </p:cNvSpPr>
+          <p:nvPr>
+            <p:ph type="sldImg" idx="2"/>
+          </p:nvPr>
+        </p:nvSpPr>
+        <p:spPr>
+          <a:xfrm>
+            <a:off x="685800" y="685800"/>
+            <a:ext cx="5486400" cy="3429000"/>
+          </a:xfrm>
+          <a:prstGeom prst="rect">
+            <a:avLst/>
+          </a:prstGeom>
+          <a:noFill/>
+          <a:ln w="12700">
+            <a:solidFill>
+              <a:prstClr val="black"/>
+            </a:solidFill>
+          </a:ln>
+        </p:spPr>
+        <p:txBody>
+          <a:bodyPr vert="horz" lIns="91440" tIns="45720" rIns="91440" bIns="45720" rtlCol="0" anchor="ctr"/>
+          <a:lstStyle/>
+          <a:p>
+            <a:endParaRPr lang="en-SG"/>
+          </a:p>
+        </p:txBody>
+      </p:sp>
+      <p:sp>
+        <p:nvSpPr>
+          <p:cNvPr id="5" name="Notes Placeholder 4"/>
+          <p:cNvSpPr>
+            <a:spLocks noGrp="1"/>
+          </p:cNvSpPr>
+          <p:nvPr>
+            <p:ph type="body" sz="quarter" idx="3"/>
+          </p:nvPr>
+        </p:nvSpPr>
+        <p:spPr>
+          <a:xfrm>
+            <a:off x="685800" y="4343400"/>
+            <a:ext cx="5486400" cy="4114800"/>
+          </a:xfrm>
+          <a:prstGeom prst="rect">
+            <a:avLst/>
+          </a:prstGeom>
+        </p:spPr>
+        <p:txBody>
+          <a:bodyPr vert="horz" lIns="91440" tIns="45720" rIns="91440" bIns="45720" rtlCol="0"/>
+          <a:lstStyle/>
+          <a:p>
+            <a:pPr lvl="0"/>
+            <a:r>
+              <a:rPr lang="en-US" smtClean="0"/>
+              <a:t>Click to edit Master text styles</a:t>
+            </a:r>
+          </a:p>
+          <a:p>
+            <a:pPr lvl="1"/>
+            <a:r>
+              <a:rPr lang="en-US" smtClean="0"/>
+              <a:t>Second level</a:t>
+            </a:r>
+          </a:p>
+          <a:p>
+            <a:pPr lvl="2"/>
+            <a:r>
+              <a:rPr lang="en-US" smtClean="0"/>
+              <a:t>Third level</a:t>
+            </a:r>
+          </a:p>
+          <a:p>
+            <a:pPr lvl="3"/>
+            <a:r>
+              <a:rPr lang="en-US" smtClean="0"/>
+              <a:t>Fourth level</a:t>
+            </a:r>
+          </a:p>
+          <a:p>
+            <a:pPr lvl="4"/>
+            <a:r>
+              <a:rPr lang="en-US" smtClean="0"/>
+              <a:t>Fifth level</a:t>
+            </a:r>
+            <a:endParaRPr lang="en-SG"/>
+          </a:p>
+        </p:txBody>
+      </p:sp>
+      <p:sp>
+        <p:nvSpPr>
+          <p:cNvPr id="6" name="Footer Placeholder 5"/>
+          <p:cNvSpPr>
+            <a:spLocks noGrp="1"/>
+          </p:cNvSpPr>
+          <p:nvPr>
+            <p:ph type="ftr" sz="quarter" idx="4"/>
+          </p:nvPr>
+        </p:nvSpPr>
+        <p:spPr>
+          <a:xfrm>
+            <a:off x="0" y="8685213"/>
+            <a:ext cx="2971800" cy="457200"/>
+          </a:xfrm>
+          <a:prstGeom prst="rect">
+            <a:avLst/>
+          </a:prstGeom>
+        </p:spPr>
+        <p:txBody>
+          <a:bodyPr vert="horz" lIns="91440" tIns="45720" rIns="91440" bIns="45720" rtlCol="0" anchor="b"/>
+          <a:lstStyle>
+            <a:lvl1pPr algn="l">
+              <a:defRPr sz="1200"/>
+            </a:lvl1pPr>
+          </a:lstStyle>
+          <a:p>
+            <a:endParaRPr lang="en-SG"/>
+          </a:p>
+        </p:txBody>
+      </p:sp>
+      <p:sp>
+        <p:nvSpPr>
+          <p:cNvPr id="7" name="Slide Number Placeholder 6"/>
+          <p:cNvSpPr>
+            <a:spLocks noGrp="1"/>
+          </p:cNvSpPr>
+          <p:nvPr>
+            <p:ph type="sldNum" sz="quarter" idx="5"/>
+          </p:nvPr>
+        </p:nvSpPr>
+        <p:spPr>
+          <a:xfrm>
+            <a:off x="3884613" y="8685213"/>
+            <a:ext cx="2971800" cy="457200"/>
+          </a:xfrm>
+          <a:prstGeom prst="rect">
+            <a:avLst/>
+          </a:prstGeom>
+        </p:spPr>
+        <p:txBody>
+          <a:bodyPr vert="horz" lIns="91440" tIns="45720" rIns="91440" bIns="45720" rtlCol="0" anchor="b"/>
+          <a:lstStyle>
+            <a:lvl1pPr algn="r">
+              <a:defRPr sz="1200"/>
+            </a:lvl1pPr>
+          </a:lstStyle>
+          <a:p>
+            <a:fld id="{750FF958-4790-47B9-94B1-2B8F3B801D00}" type="slidenum">
+              <a:rPr lang="en-SG" smtClean="0"/>
+              <a:t>‹#›</a:t>
+            </a:fld>
+            <a:endParaRPr lang="en-SG"/>
+          </a:p>
+        </p:txBody>
+      </p:sp>
+    </p:spTree>
+    <p:extLst>
+      <p:ext uri="{BB962C8B-B14F-4D97-AF65-F5344CB8AC3E}">
+        <p14:creationId xmlns:p14="http://schemas.microsoft.com/office/powerpoint/2010/main" val="3301837154"/>
+      </p:ext>
+    </p:extLst>
+  </p:cSld>
+  <p:clrMap bg1="lt1" tx1="dk1" bg2="lt2" tx2="dk2" accent1="accent1" accent2="accent2" accent3="accent3" accent4="accent4" accent5="accent5" accent6="accent6" hlink="hlink" folHlink="folHlink"/>
+  <p:notesStyle>
+    <a:lvl1pPr marL="0" algn="l" defTabSz="914400" rtl="0" eaLnBrk="1" latinLnBrk="0" hangingPunct="1">
+      <a:defRPr sz="1200" kern="1200">
+        <a:solidFill>
+          <a:schemeClr val="tx1"/>
+        </a:solidFill>
+        <a:latin typeface="+mn-lt"/>
+        <a:ea typeface="+mn-ea"/>
+        <a:cs typeface="+mn-cs"/>
+      </a:defRPr>
+    </a:lvl1pPr>
+    <a:lvl2pPr marL="457200" algn="l" defTabSz="914400" rtl="0" eaLnBrk="1" latinLnBrk="0" hangingPunct="1">
+      <a:defRPr sz="1200" kern="1200">
+        <a:solidFill>
+          <a:schemeClr val="tx1"/>
+        </a:solidFill>
+        <a:latin typeface="+mn-lt"/>
+        <a:ea typeface="+mn-ea"/>
+        <a:cs typeface="+mn-cs"/>
+      </a:defRPr>
+    </a:lvl2pPr>
+    <a:lvl3pPr marL="914400" algn="l" defTabSz="914400" rtl="0" eaLnBrk="1" latinLnBrk="0" hangingPunct="1">
+      <a:defRPr sz="1200" kern="1200">
+        <a:solidFill>
+          <a:schemeClr val="tx1"/>
+        </a:solidFill>
+        <a:latin typeface="+mn-lt"/>
+        <a:ea typeface="+mn-ea"/>
+        <a:cs typeface="+mn-cs"/>
+      </a:defRPr>
+    </a:lvl3pPr>
+    <a:lvl4pPr marL="1371600" algn="l" defTabSz="914400" rtl="0" eaLnBrk="1" latinLnBrk="0" hangingPunct="1">
+      <a:defRPr sz="1200" kern="1200">
+        <a:solidFill>
+          <a:schemeClr val="tx1"/>
+        </a:solidFill>
+        <a:latin typeface="+mn-lt"/>
+        <a:ea typeface="+mn-ea"/>
+        <a:cs typeface="+mn-cs"/>
+      </a:defRPr>
+    </a:lvl4pPr>
+    <a:lvl5pPr marL="1828800" algn="l" defTabSz="914400" rtl="0" eaLnBrk="1" latinLnBrk="0" hangingPunct="1">
+      <a:defRPr sz="1200" kern="1200">
+        <a:solidFill>
+          <a:schemeClr val="tx1"/>
+        </a:solidFill>
+        <a:latin typeface="+mn-lt"/>
+        <a:ea typeface="+mn-ea"/>
+        <a:cs typeface="+mn-cs"/>
+      </a:defRPr>
+    </a:lvl5pPr>
+    <a:lvl6pPr marL="2286000" algn="l" defTabSz="914400" rtl="0" eaLnBrk="1" latinLnBrk="0" hangingPunct="1">
+      <a:defRPr sz="1200" kern="1200">
+        <a:solidFill>
+          <a:schemeClr val="tx1"/>
+        </a:solidFill>
+        <a:latin typeface="+mn-lt"/>
+        <a:ea typeface="+mn-ea"/>
+        <a:cs typeface="+mn-cs"/>
+      </a:defRPr>
+    </a:lvl6pPr>
+    <a:lvl7pPr marL="2743200" algn="l" defTabSz="914400" rtl="0" eaLnBrk="1" latinLnBrk="0" hangingPunct="1">
+      <a:defRPr sz="1200" kern="1200">
+        <a:solidFill>
+          <a:schemeClr val="tx1"/>
+        </a:solidFill>
+        <a:latin typeface="+mn-lt"/>
+        <a:ea typeface="+mn-ea"/>
+        <a:cs typeface="+mn-cs"/>
+      </a:defRPr>
+    </a:lvl7pPr>
+    <a:lvl8pPr marL="3200400" algn="l" defTabSz="914400" rtl="0" eaLnBrk="1" latinLnBrk="0" hangingPunct="1">
+      <a:defRPr sz="1200" kern="1200">
+        <a:solidFill>
+          <a:schemeClr val="tx1"/>
+        </a:solidFill>
+        <a:latin typeface="+mn-lt"/>
+        <a:ea typeface="+mn-ea"/>
+        <a:cs typeface="+mn-cs"/>
+      </a:defRPr>
+    </a:lvl8pPr>
+    <a:lvl9pPr marL="3657600" algn="l" defTabSz="914400" rtl="0" eaLnBrk="1" latinLnBrk="0" hangingPunct="1">
+      <a:defRPr sz="1200" kern="1200">
+        <a:solidFill>
+          <a:schemeClr val="tx1"/>
+        </a:solidFill>
+        <a:latin typeface="+mn-lt"/>
+        <a:ea typeface="+mn-ea"/>
+        <a:cs typeface="+mn-cs"/>
+      </a:defRPr>
+    </a:lvl9pPr>
+  </p:notesStyle>
+</p:notesMaster>
+</file>
+
 <file path=ppt/slideLayouts/slideLayout1.xml><?xml version="1.0" encoding="utf-8"?>
 <p:sldLayout xmlns:a="http://schemas.openxmlformats.org/drawingml/2006/main" xmlns:r="http://schemas.openxmlformats.org/officeDocument/2006/relationships" xmlns:p="http://schemas.openxmlformats.org/presentationml/2006/main" type="title" preserve="1">
   <p:cSld name="Title Slide">
@@ -308,7 +663,7 @@
           <a:p>
             <a:fld id="{B3EF4CC4-C208-4DE2-891F-7A53AB728EE8}" type="datetimeFigureOut">
               <a:rPr lang="en-SG" smtClean="0"/>
-              <a:t>2014-10-13</a:t>
+              <a:t>2014-10-15</a:t>
             </a:fld>
             <a:endParaRPr lang="en-SG"/>
           </a:p>
@@ -525,7 +880,7 @@
           <a:p>
             <a:fld id="{B3EF4CC4-C208-4DE2-891F-7A53AB728EE8}" type="datetimeFigureOut">
               <a:rPr lang="en-SG" smtClean="0"/>
-              <a:t>2014-10-13</a:t>
+              <a:t>2014-10-15</a:t>
             </a:fld>
             <a:endParaRPr lang="en-SG"/>
           </a:p>
@@ -735,7 +1090,7 @@
           <a:p>
             <a:fld id="{B3EF4CC4-C208-4DE2-891F-7A53AB728EE8}" type="datetimeFigureOut">
               <a:rPr lang="en-SG" smtClean="0"/>
-              <a:t>2014-10-13</a:t>
+              <a:t>2014-10-15</a:t>
             </a:fld>
             <a:endParaRPr lang="en-SG"/>
           </a:p>
@@ -1000,7 +1355,7 @@
           <a:p>
             <a:fld id="{08257FF3-5822-48FB-8472-3361E840B723}" type="datetimeFigureOut">
               <a:rPr lang="en-SG" smtClean="0"/>
-              <a:t>2014-10-13</a:t>
+              <a:t>2014-10-15</a:t>
             </a:fld>
             <a:endParaRPr lang="en-SG"/>
           </a:p>
@@ -1170,7 +1525,7 @@
           <a:p>
             <a:fld id="{08257FF3-5822-48FB-8472-3361E840B723}" type="datetimeFigureOut">
               <a:rPr lang="en-SG" smtClean="0"/>
-              <a:t>2014-10-13</a:t>
+              <a:t>2014-10-15</a:t>
             </a:fld>
             <a:endParaRPr lang="en-SG"/>
           </a:p>
@@ -1416,7 +1771,7 @@
           <a:p>
             <a:fld id="{08257FF3-5822-48FB-8472-3361E840B723}" type="datetimeFigureOut">
               <a:rPr lang="en-SG" smtClean="0"/>
-              <a:t>2014-10-13</a:t>
+              <a:t>2014-10-15</a:t>
             </a:fld>
             <a:endParaRPr lang="en-SG"/>
           </a:p>
@@ -1704,7 +2059,7 @@
           <a:p>
             <a:fld id="{08257FF3-5822-48FB-8472-3361E840B723}" type="datetimeFigureOut">
               <a:rPr lang="en-SG" smtClean="0"/>
-              <a:t>2014-10-13</a:t>
+              <a:t>2014-10-15</a:t>
             </a:fld>
             <a:endParaRPr lang="en-SG"/>
           </a:p>
@@ -2126,7 +2481,7 @@
           <a:p>
             <a:fld id="{08257FF3-5822-48FB-8472-3361E840B723}" type="datetimeFigureOut">
               <a:rPr lang="en-SG" smtClean="0"/>
-              <a:t>2014-10-13</a:t>
+              <a:t>2014-10-15</a:t>
             </a:fld>
             <a:endParaRPr lang="en-SG"/>
           </a:p>
@@ -2184,6 +2539,13 @@
   <p:clrMapOvr>
     <a:masterClrMapping/>
   </p:clrMapOvr>
+  <p:timing>
+    <p:tnLst>
+      <p:par>
+        <p:cTn id="1" dur="indefinite" restart="never" nodeType="tmRoot"/>
+      </p:par>
+    </p:tnLst>
+  </p:timing>
 </p:sldLayout>
 </file>
 
@@ -2244,7 +2606,7 @@
           <a:p>
             <a:fld id="{08257FF3-5822-48FB-8472-3361E840B723}" type="datetimeFigureOut">
               <a:rPr lang="en-SG" smtClean="0"/>
-              <a:t>2014-10-13</a:t>
+              <a:t>2014-10-15</a:t>
             </a:fld>
             <a:endParaRPr lang="en-SG"/>
           </a:p>
@@ -2302,6 +2664,13 @@
   <p:clrMapOvr>
     <a:masterClrMapping/>
   </p:clrMapOvr>
+  <p:timing>
+    <p:tnLst>
+      <p:par>
+        <p:cTn id="1" dur="indefinite" restart="never" nodeType="tmRoot"/>
+      </p:par>
+    </p:tnLst>
+  </p:timing>
 </p:sldLayout>
 </file>
 
@@ -2339,7 +2708,7 @@
           <a:p>
             <a:fld id="{08257FF3-5822-48FB-8472-3361E840B723}" type="datetimeFigureOut">
               <a:rPr lang="en-SG" smtClean="0"/>
-              <a:t>2014-10-13</a:t>
+              <a:t>2014-10-15</a:t>
             </a:fld>
             <a:endParaRPr lang="en-SG"/>
           </a:p>
@@ -2616,7 +2985,7 @@
           <a:p>
             <a:fld id="{08257FF3-5822-48FB-8472-3361E840B723}" type="datetimeFigureOut">
               <a:rPr lang="en-SG" smtClean="0"/>
-              <a:t>2014-10-13</a:t>
+              <a:t>2014-10-15</a:t>
             </a:fld>
             <a:endParaRPr lang="en-SG"/>
           </a:p>
@@ -2810,7 +3179,7 @@
           <a:p>
             <a:fld id="{B3EF4CC4-C208-4DE2-891F-7A53AB728EE8}" type="datetimeFigureOut">
               <a:rPr lang="en-SG" smtClean="0"/>
-              <a:t>2014-10-13</a:t>
+              <a:t>2014-10-15</a:t>
             </a:fld>
             <a:endParaRPr lang="en-SG"/>
           </a:p>
@@ -3086,7 +3455,7 @@
           <a:p>
             <a:fld id="{08257FF3-5822-48FB-8472-3361E840B723}" type="datetimeFigureOut">
               <a:rPr lang="en-SG" smtClean="0"/>
-              <a:t>2014-10-13</a:t>
+              <a:t>2014-10-15</a:t>
             </a:fld>
             <a:endParaRPr lang="en-SG"/>
           </a:p>
@@ -3144,6 +3513,13 @@
   <p:clrMapOvr>
     <a:masterClrMapping/>
   </p:clrMapOvr>
+  <p:timing>
+    <p:tnLst>
+      <p:par>
+        <p:cTn id="1" dur="indefinite" restart="never" nodeType="tmRoot"/>
+      </p:par>
+    </p:tnLst>
+  </p:timing>
 </p:sldLayout>
 </file>
 
@@ -3256,7 +3632,7 @@
           <a:p>
             <a:fld id="{08257FF3-5822-48FB-8472-3361E840B723}" type="datetimeFigureOut">
               <a:rPr lang="en-SG" smtClean="0"/>
-              <a:t>2014-10-13</a:t>
+              <a:t>2014-10-15</a:t>
             </a:fld>
             <a:endParaRPr lang="en-SG"/>
           </a:p>
@@ -3436,7 +3812,7 @@
           <a:p>
             <a:fld id="{08257FF3-5822-48FB-8472-3361E840B723}" type="datetimeFigureOut">
               <a:rPr lang="en-SG" smtClean="0"/>
-              <a:t>2014-10-13</a:t>
+              <a:t>2014-10-15</a:t>
             </a:fld>
             <a:endParaRPr lang="en-SG"/>
           </a:p>
@@ -3494,6 +3870,13 @@
   <p:clrMapOvr>
     <a:masterClrMapping/>
   </p:clrMapOvr>
+  <p:timing>
+    <p:tnLst>
+      <p:par>
+        <p:cTn id="1" dur="indefinite" restart="never" nodeType="tmRoot"/>
+      </p:par>
+    </p:tnLst>
+  </p:timing>
 </p:sldLayout>
 </file>
 
@@ -3692,7 +4075,7 @@
           <a:p>
             <a:fld id="{1E044EAF-1B12-4939-99EF-61829F3E5861}" type="datetimeFigureOut">
               <a:rPr lang="en-SG" smtClean="0"/>
-              <a:t>2014-10-13</a:t>
+              <a:t>2014-10-15</a:t>
             </a:fld>
             <a:endParaRPr lang="en-SG"/>
           </a:p>
@@ -3909,7 +4292,7 @@
           <a:p>
             <a:fld id="{1E044EAF-1B12-4939-99EF-61829F3E5861}" type="datetimeFigureOut">
               <a:rPr lang="en-SG" smtClean="0"/>
-              <a:t>2014-10-13</a:t>
+              <a:t>2014-10-15</a:t>
             </a:fld>
             <a:endParaRPr lang="en-SG"/>
           </a:p>
@@ -4192,7 +4575,7 @@
           <a:p>
             <a:fld id="{1E044EAF-1B12-4939-99EF-61829F3E5861}" type="datetimeFigureOut">
               <a:rPr lang="en-SG" smtClean="0"/>
-              <a:t>2014-10-13</a:t>
+              <a:t>2014-10-15</a:t>
             </a:fld>
             <a:endParaRPr lang="en-SG"/>
           </a:p>
@@ -4518,7 +4901,7 @@
           <a:p>
             <a:fld id="{1E044EAF-1B12-4939-99EF-61829F3E5861}" type="datetimeFigureOut">
               <a:rPr lang="en-SG" smtClean="0"/>
-              <a:t>2014-10-13</a:t>
+              <a:t>2014-10-15</a:t>
             </a:fld>
             <a:endParaRPr lang="en-SG"/>
           </a:p>
@@ -4984,7 +5367,7 @@
           <a:p>
             <a:fld id="{1E044EAF-1B12-4939-99EF-61829F3E5861}" type="datetimeFigureOut">
               <a:rPr lang="en-SG" smtClean="0"/>
-              <a:t>2014-10-13</a:t>
+              <a:t>2014-10-15</a:t>
             </a:fld>
             <a:endParaRPr lang="en-SG"/>
           </a:p>
@@ -5134,7 +5517,7 @@
           <a:p>
             <a:fld id="{1E044EAF-1B12-4939-99EF-61829F3E5861}" type="datetimeFigureOut">
               <a:rPr lang="en-SG" smtClean="0"/>
-              <a:t>2014-10-13</a:t>
+              <a:t>2014-10-15</a:t>
             </a:fld>
             <a:endParaRPr lang="en-SG"/>
           </a:p>
@@ -5253,7 +5636,7 @@
           <a:p>
             <a:fld id="{1E044EAF-1B12-4939-99EF-61829F3E5861}" type="datetimeFigureOut">
               <a:rPr lang="en-SG" smtClean="0"/>
-              <a:t>2014-10-13</a:t>
+              <a:t>2014-10-15</a:t>
             </a:fld>
             <a:endParaRPr lang="en-SG"/>
           </a:p>
@@ -5529,7 +5912,7 @@
           <a:p>
             <a:fld id="{B3EF4CC4-C208-4DE2-891F-7A53AB728EE8}" type="datetimeFigureOut">
               <a:rPr lang="en-SG" smtClean="0"/>
-              <a:t>2014-10-13</a:t>
+              <a:t>2014-10-15</a:t>
             </a:fld>
             <a:endParaRPr lang="en-SG"/>
           </a:p>
@@ -5846,7 +6229,7 @@
           <a:p>
             <a:fld id="{1E044EAF-1B12-4939-99EF-61829F3E5861}" type="datetimeFigureOut">
               <a:rPr lang="en-SG" smtClean="0"/>
-              <a:t>2014-10-13</a:t>
+              <a:t>2014-10-15</a:t>
             </a:fld>
             <a:endParaRPr lang="en-SG"/>
           </a:p>
@@ -6132,7 +6515,7 @@
           <a:p>
             <a:fld id="{1E044EAF-1B12-4939-99EF-61829F3E5861}" type="datetimeFigureOut">
               <a:rPr lang="en-SG" smtClean="0"/>
-              <a:t>2014-10-13</a:t>
+              <a:t>2014-10-15</a:t>
             </a:fld>
             <a:endParaRPr lang="en-SG"/>
           </a:p>
@@ -6342,7 +6725,7 @@
           <a:p>
             <a:fld id="{1E044EAF-1B12-4939-99EF-61829F3E5861}" type="datetimeFigureOut">
               <a:rPr lang="en-SG" smtClean="0"/>
-              <a:t>2014-10-13</a:t>
+              <a:t>2014-10-15</a:t>
             </a:fld>
             <a:endParaRPr lang="en-SG"/>
           </a:p>
@@ -6552,7 +6935,7 @@
           <a:p>
             <a:fld id="{1E044EAF-1B12-4939-99EF-61829F3E5861}" type="datetimeFigureOut">
               <a:rPr lang="en-SG" smtClean="0"/>
-              <a:t>2014-10-13</a:t>
+              <a:t>2014-10-15</a:t>
             </a:fld>
             <a:endParaRPr lang="en-SG"/>
           </a:p>
@@ -6817,7 +7200,7 @@
           <a:p>
             <a:fld id="{BBE85857-A7BD-4FD0-86B4-1BAD7CA30811}" type="datetimeFigureOut">
               <a:rPr lang="en-SG" smtClean="0"/>
-              <a:t>2014-10-13</a:t>
+              <a:t>2014-10-15</a:t>
             </a:fld>
             <a:endParaRPr lang="en-SG"/>
           </a:p>
@@ -6987,7 +7370,7 @@
           <a:p>
             <a:fld id="{BBE85857-A7BD-4FD0-86B4-1BAD7CA30811}" type="datetimeFigureOut">
               <a:rPr lang="en-SG" smtClean="0"/>
-              <a:t>2014-10-13</a:t>
+              <a:t>2014-10-15</a:t>
             </a:fld>
             <a:endParaRPr lang="en-SG"/>
           </a:p>
@@ -7233,7 +7616,7 @@
           <a:p>
             <a:fld id="{BBE85857-A7BD-4FD0-86B4-1BAD7CA30811}" type="datetimeFigureOut">
               <a:rPr lang="en-SG" smtClean="0"/>
-              <a:t>2014-10-13</a:t>
+              <a:t>2014-10-15</a:t>
             </a:fld>
             <a:endParaRPr lang="en-SG"/>
           </a:p>
@@ -7521,7 +7904,7 @@
           <a:p>
             <a:fld id="{BBE85857-A7BD-4FD0-86B4-1BAD7CA30811}" type="datetimeFigureOut">
               <a:rPr lang="en-SG" smtClean="0"/>
-              <a:t>2014-10-13</a:t>
+              <a:t>2014-10-15</a:t>
             </a:fld>
             <a:endParaRPr lang="en-SG"/>
           </a:p>
@@ -7943,7 +8326,7 @@
           <a:p>
             <a:fld id="{BBE85857-A7BD-4FD0-86B4-1BAD7CA30811}" type="datetimeFigureOut">
               <a:rPr lang="en-SG" smtClean="0"/>
-              <a:t>2014-10-13</a:t>
+              <a:t>2014-10-15</a:t>
             </a:fld>
             <a:endParaRPr lang="en-SG"/>
           </a:p>
@@ -8061,7 +8444,7 @@
           <a:p>
             <a:fld id="{BBE85857-A7BD-4FD0-86B4-1BAD7CA30811}" type="datetimeFigureOut">
               <a:rPr lang="en-SG" smtClean="0"/>
-              <a:t>2014-10-13</a:t>
+              <a:t>2014-10-15</a:t>
             </a:fld>
             <a:endParaRPr lang="en-SG"/>
           </a:p>
@@ -8371,7 +8754,7 @@
           <a:p>
             <a:fld id="{B3EF4CC4-C208-4DE2-891F-7A53AB728EE8}" type="datetimeFigureOut">
               <a:rPr lang="en-SG" smtClean="0"/>
-              <a:t>2014-10-13</a:t>
+              <a:t>2014-10-15</a:t>
             </a:fld>
             <a:endParaRPr lang="en-SG"/>
           </a:p>
@@ -8489,7 +8872,7 @@
           <a:p>
             <a:fld id="{BBE85857-A7BD-4FD0-86B4-1BAD7CA30811}" type="datetimeFigureOut">
               <a:rPr lang="en-SG" smtClean="0"/>
-              <a:t>2014-10-13</a:t>
+              <a:t>2014-10-15</a:t>
             </a:fld>
             <a:endParaRPr lang="en-SG"/>
           </a:p>
@@ -8766,7 +9149,7 @@
           <a:p>
             <a:fld id="{BBE85857-A7BD-4FD0-86B4-1BAD7CA30811}" type="datetimeFigureOut">
               <a:rPr lang="en-SG" smtClean="0"/>
-              <a:t>2014-10-13</a:t>
+              <a:t>2014-10-15</a:t>
             </a:fld>
             <a:endParaRPr lang="en-SG"/>
           </a:p>
@@ -9019,7 +9402,7 @@
           <a:p>
             <a:fld id="{BBE85857-A7BD-4FD0-86B4-1BAD7CA30811}" type="datetimeFigureOut">
               <a:rPr lang="en-SG" smtClean="0"/>
-              <a:t>2014-10-13</a:t>
+              <a:t>2014-10-15</a:t>
             </a:fld>
             <a:endParaRPr lang="en-SG"/>
           </a:p>
@@ -9189,7 +9572,7 @@
           <a:p>
             <a:fld id="{BBE85857-A7BD-4FD0-86B4-1BAD7CA30811}" type="datetimeFigureOut">
               <a:rPr lang="en-SG" smtClean="0"/>
-              <a:t>2014-10-13</a:t>
+              <a:t>2014-10-15</a:t>
             </a:fld>
             <a:endParaRPr lang="en-SG"/>
           </a:p>
@@ -9369,7 +9752,7 @@
           <a:p>
             <a:fld id="{BBE85857-A7BD-4FD0-86B4-1BAD7CA30811}" type="datetimeFigureOut">
               <a:rPr lang="en-SG" smtClean="0"/>
-              <a:t>2014-10-13</a:t>
+              <a:t>2014-10-15</a:t>
             </a:fld>
             <a:endParaRPr lang="en-SG"/>
           </a:p>
@@ -9819,7 +10202,7 @@
           <a:p>
             <a:fld id="{B3EF4CC4-C208-4DE2-891F-7A53AB728EE8}" type="datetimeFigureOut">
               <a:rPr lang="en-SG" smtClean="0"/>
-              <a:t>2014-10-13</a:t>
+              <a:t>2014-10-15</a:t>
             </a:fld>
             <a:endParaRPr lang="en-SG"/>
           </a:p>
@@ -9976,7 +10359,7 @@
           <a:p>
             <a:fld id="{B3EF4CC4-C208-4DE2-891F-7A53AB728EE8}" type="datetimeFigureOut">
               <a:rPr lang="en-SG" smtClean="0"/>
-              <a:t>2014-10-13</a:t>
+              <a:t>2014-10-15</a:t>
             </a:fld>
             <a:endParaRPr lang="en-SG"/>
           </a:p>
@@ -10102,7 +10485,7 @@
           <a:p>
             <a:fld id="{B3EF4CC4-C208-4DE2-891F-7A53AB728EE8}" type="datetimeFigureOut">
               <a:rPr lang="en-SG" smtClean="0"/>
-              <a:t>2014-10-13</a:t>
+              <a:t>2014-10-15</a:t>
             </a:fld>
             <a:endParaRPr lang="en-SG"/>
           </a:p>
@@ -10412,7 +10795,7 @@
           <a:p>
             <a:fld id="{B3EF4CC4-C208-4DE2-891F-7A53AB728EE8}" type="datetimeFigureOut">
               <a:rPr lang="en-SG" smtClean="0"/>
-              <a:t>2014-10-13</a:t>
+              <a:t>2014-10-15</a:t>
             </a:fld>
             <a:endParaRPr lang="en-SG"/>
           </a:p>
@@ -10698,7 +11081,7 @@
           <a:p>
             <a:fld id="{B3EF4CC4-C208-4DE2-891F-7A53AB728EE8}" type="datetimeFigureOut">
               <a:rPr lang="en-SG" smtClean="0"/>
-              <a:t>2014-10-13</a:t>
+              <a:t>2014-10-15</a:t>
             </a:fld>
             <a:endParaRPr lang="en-SG"/>
           </a:p>
@@ -10820,7 +11203,7 @@
         </p:blipFill>
         <p:spPr bwMode="auto">
           <a:xfrm>
-            <a:off x="0" y="-5525"/>
+            <a:off x="0" y="-21428"/>
             <a:ext cx="9169065" cy="3943145"/>
           </a:xfrm>
           <a:prstGeom prst="rect">
@@ -11031,19 +11414,69 @@
       </p:pic>
       <p:sp>
         <p:nvSpPr>
+          <p:cNvPr id="2" name="Rectangle 1"/>
+          <p:cNvSpPr/>
+          <p:nvPr userDrawn="1"/>
+        </p:nvSpPr>
+        <p:spPr>
+          <a:xfrm>
+            <a:off x="0" y="337222"/>
+            <a:ext cx="9108504" cy="248754"/>
+          </a:xfrm>
+          <a:prstGeom prst="rect">
+            <a:avLst/>
+          </a:prstGeom>
+          <a:solidFill>
+            <a:schemeClr val="bg2"/>
+          </a:solidFill>
+          <a:ln>
+            <a:solidFill>
+              <a:schemeClr val="bg2"/>
+            </a:solidFill>
+          </a:ln>
+        </p:spPr>
+        <p:style>
+          <a:lnRef idx="2">
+            <a:schemeClr val="accent1">
+              <a:shade val="50000"/>
+            </a:schemeClr>
+          </a:lnRef>
+          <a:fillRef idx="1">
+            <a:schemeClr val="accent1"/>
+          </a:fillRef>
+          <a:effectRef idx="0">
+            <a:schemeClr val="accent1"/>
+          </a:effectRef>
+          <a:fontRef idx="minor">
+            <a:schemeClr val="lt1"/>
+          </a:fontRef>
+        </p:style>
+        <p:txBody>
+          <a:bodyPr rtlCol="0" anchor="ctr"/>
+          <a:lstStyle/>
+          <a:p>
+            <a:pPr algn="ctr"/>
+            <a:endParaRPr lang="en-SG"/>
+          </a:p>
+        </p:txBody>
+      </p:sp>
+      <p:sp>
+        <p:nvSpPr>
           <p:cNvPr id="10" name="TextBox 9"/>
           <p:cNvSpPr txBox="1"/>
           <p:nvPr userDrawn="1"/>
         </p:nvSpPr>
         <p:spPr>
           <a:xfrm>
-            <a:off x="7524328" y="369266"/>
+            <a:off x="7832888" y="361571"/>
             <a:ext cx="720080" cy="200055"/>
           </a:xfrm>
           <a:prstGeom prst="rect">
             <a:avLst/>
           </a:prstGeom>
-          <a:noFill/>
+          <a:solidFill>
+            <a:schemeClr val="bg2"/>
+          </a:solidFill>
         </p:spPr>
         <p:txBody>
           <a:bodyPr wrap="square" rtlCol="0">
@@ -11061,6 +11494,353 @@
               <a:t> OUT</a:t>
             </a:r>
             <a:endParaRPr lang="en-SG" sz="700" b="1" dirty="0"/>
+          </a:p>
+        </p:txBody>
+      </p:sp>
+      <p:pic>
+        <p:nvPicPr>
+          <p:cNvPr id="1026" name="Picture 2"/>
+          <p:cNvPicPr>
+            <a:picLocks noChangeAspect="1" noChangeArrowheads="1"/>
+          </p:cNvPicPr>
+          <p:nvPr userDrawn="1"/>
+        </p:nvPicPr>
+        <p:blipFill>
+          <a:blip r:embed="rId15">
+            <a:extLst>
+              <a:ext uri="{28A0092B-C50C-407E-A947-70E740481C1C}">
+                <a14:useLocalDpi xmlns:a14="http://schemas.microsoft.com/office/drawing/2010/main" val="0"/>
+              </a:ext>
+            </a:extLst>
+          </a:blip>
+          <a:srcRect/>
+          <a:stretch>
+            <a:fillRect/>
+          </a:stretch>
+        </p:blipFill>
+        <p:spPr bwMode="auto">
+          <a:xfrm>
+            <a:off x="7319131" y="361571"/>
+            <a:ext cx="257175" cy="209550"/>
+          </a:xfrm>
+          <a:prstGeom prst="rect">
+            <a:avLst/>
+          </a:prstGeom>
+          <a:noFill/>
+          <a:ln>
+            <a:noFill/>
+          </a:ln>
+          <a:extLst>
+            <a:ext uri="{909E8E84-426E-40DD-AFC4-6F175D3DCCD1}">
+              <a14:hiddenFill xmlns:a14="http://schemas.microsoft.com/office/drawing/2010/main">
+                <a:solidFill>
+                  <a:schemeClr val="accent1"/>
+                </a:solidFill>
+              </a14:hiddenFill>
+            </a:ext>
+            <a:ext uri="{91240B29-F687-4F45-9708-019B960494DF}">
+              <a14:hiddenLine xmlns:a14="http://schemas.microsoft.com/office/drawing/2010/main" w="9525">
+                <a:solidFill>
+                  <a:schemeClr val="tx1"/>
+                </a:solidFill>
+                <a:miter lim="800000"/>
+                <a:headEnd/>
+                <a:tailEnd/>
+              </a14:hiddenLine>
+            </a:ext>
+          </a:extLst>
+        </p:spPr>
+      </p:pic>
+      <p:sp>
+        <p:nvSpPr>
+          <p:cNvPr id="18" name="Rectangle 17"/>
+          <p:cNvSpPr/>
+          <p:nvPr userDrawn="1"/>
+        </p:nvSpPr>
+        <p:spPr>
+          <a:xfrm>
+            <a:off x="1184385" y="337224"/>
+            <a:ext cx="899592" cy="248754"/>
+          </a:xfrm>
+          <a:prstGeom prst="rect">
+            <a:avLst/>
+          </a:prstGeom>
+          <a:solidFill>
+            <a:schemeClr val="bg2"/>
+          </a:solidFill>
+          <a:ln>
+            <a:solidFill>
+              <a:schemeClr val="bg2"/>
+            </a:solidFill>
+          </a:ln>
+          <a:scene3d>
+            <a:camera prst="orthographicFront"/>
+            <a:lightRig rig="threePt" dir="t"/>
+          </a:scene3d>
+          <a:sp3d>
+            <a:bevelT/>
+          </a:sp3d>
+        </p:spPr>
+        <p:style>
+          <a:lnRef idx="2">
+            <a:schemeClr val="accent1">
+              <a:shade val="50000"/>
+            </a:schemeClr>
+          </a:lnRef>
+          <a:fillRef idx="1">
+            <a:schemeClr val="accent1"/>
+          </a:fillRef>
+          <a:effectRef idx="0">
+            <a:schemeClr val="accent1"/>
+          </a:effectRef>
+          <a:fontRef idx="minor">
+            <a:schemeClr val="lt1"/>
+          </a:fontRef>
+        </p:style>
+        <p:txBody>
+          <a:bodyPr rtlCol="0" anchor="ctr"/>
+          <a:lstStyle/>
+          <a:p>
+            <a:pPr algn="ctr"/>
+            <a:r>
+              <a:rPr lang="en-US" sz="1200" b="1" dirty="0" smtClean="0">
+                <a:solidFill>
+                  <a:schemeClr val="tx1"/>
+                </a:solidFill>
+              </a:rPr>
+              <a:t>All</a:t>
+            </a:r>
+            <a:r>
+              <a:rPr lang="en-US" sz="1200" b="1" baseline="0" dirty="0" smtClean="0">
+                <a:solidFill>
+                  <a:schemeClr val="tx1"/>
+                </a:solidFill>
+              </a:rPr>
+              <a:t> Listings</a:t>
+            </a:r>
+            <a:endParaRPr lang="en-SG" sz="1200" b="1" dirty="0">
+              <a:solidFill>
+                <a:schemeClr val="tx1"/>
+              </a:solidFill>
+            </a:endParaRPr>
+          </a:p>
+        </p:txBody>
+      </p:sp>
+      <p:sp>
+        <p:nvSpPr>
+          <p:cNvPr id="19" name="Rectangle 18"/>
+          <p:cNvSpPr/>
+          <p:nvPr userDrawn="1"/>
+        </p:nvSpPr>
+        <p:spPr>
+          <a:xfrm>
+            <a:off x="2097459" y="337224"/>
+            <a:ext cx="899592" cy="248754"/>
+          </a:xfrm>
+          <a:prstGeom prst="rect">
+            <a:avLst/>
+          </a:prstGeom>
+          <a:solidFill>
+            <a:schemeClr val="bg2"/>
+          </a:solidFill>
+          <a:ln>
+            <a:solidFill>
+              <a:schemeClr val="bg2"/>
+            </a:solidFill>
+          </a:ln>
+          <a:scene3d>
+            <a:camera prst="orthographicFront"/>
+            <a:lightRig rig="threePt" dir="t"/>
+          </a:scene3d>
+          <a:sp3d>
+            <a:bevelT/>
+          </a:sp3d>
+        </p:spPr>
+        <p:style>
+          <a:lnRef idx="2">
+            <a:schemeClr val="accent1">
+              <a:shade val="50000"/>
+            </a:schemeClr>
+          </a:lnRef>
+          <a:fillRef idx="1">
+            <a:schemeClr val="accent1"/>
+          </a:fillRef>
+          <a:effectRef idx="0">
+            <a:schemeClr val="accent1"/>
+          </a:effectRef>
+          <a:fontRef idx="minor">
+            <a:schemeClr val="lt1"/>
+          </a:fontRef>
+        </p:style>
+        <p:txBody>
+          <a:bodyPr rtlCol="0" anchor="ctr"/>
+          <a:lstStyle/>
+          <a:p>
+            <a:pPr algn="ctr"/>
+            <a:r>
+              <a:rPr lang="en-US" sz="1200" b="1" dirty="0" smtClean="0">
+                <a:solidFill>
+                  <a:schemeClr val="tx1"/>
+                </a:solidFill>
+              </a:rPr>
+              <a:t>My</a:t>
+            </a:r>
+            <a:r>
+              <a:rPr lang="en-US" sz="1200" b="1" baseline="0" dirty="0" smtClean="0">
+                <a:solidFill>
+                  <a:schemeClr val="tx1"/>
+                </a:solidFill>
+              </a:rPr>
+              <a:t> Page</a:t>
+            </a:r>
+            <a:endParaRPr lang="en-SG" sz="1200" b="1" dirty="0">
+              <a:solidFill>
+                <a:schemeClr val="tx1"/>
+              </a:solidFill>
+            </a:endParaRPr>
+          </a:p>
+        </p:txBody>
+      </p:sp>
+      <p:sp>
+        <p:nvSpPr>
+          <p:cNvPr id="20" name="Rectangle 19"/>
+          <p:cNvSpPr/>
+          <p:nvPr userDrawn="1"/>
+        </p:nvSpPr>
+        <p:spPr>
+          <a:xfrm>
+            <a:off x="3024336" y="337221"/>
+            <a:ext cx="899592" cy="248754"/>
+          </a:xfrm>
+          <a:prstGeom prst="rect">
+            <a:avLst/>
+          </a:prstGeom>
+          <a:solidFill>
+            <a:schemeClr val="bg2"/>
+          </a:solidFill>
+          <a:ln>
+            <a:solidFill>
+              <a:schemeClr val="bg2"/>
+            </a:solidFill>
+          </a:ln>
+          <a:scene3d>
+            <a:camera prst="orthographicFront"/>
+            <a:lightRig rig="threePt" dir="t"/>
+          </a:scene3d>
+          <a:sp3d>
+            <a:bevelT/>
+          </a:sp3d>
+        </p:spPr>
+        <p:style>
+          <a:lnRef idx="2">
+            <a:schemeClr val="accent1">
+              <a:shade val="50000"/>
+            </a:schemeClr>
+          </a:lnRef>
+          <a:fillRef idx="1">
+            <a:schemeClr val="accent1"/>
+          </a:fillRef>
+          <a:effectRef idx="0">
+            <a:schemeClr val="accent1"/>
+          </a:effectRef>
+          <a:fontRef idx="minor">
+            <a:schemeClr val="lt1"/>
+          </a:fontRef>
+        </p:style>
+        <p:txBody>
+          <a:bodyPr rtlCol="0" anchor="ctr"/>
+          <a:lstStyle/>
+          <a:p>
+            <a:pPr algn="ctr"/>
+            <a:r>
+              <a:rPr lang="en-US" sz="1200" b="1" dirty="0" smtClean="0">
+                <a:solidFill>
+                  <a:schemeClr val="tx1"/>
+                </a:solidFill>
+              </a:rPr>
+              <a:t>FAQ</a:t>
+            </a:r>
+            <a:endParaRPr lang="en-SG" sz="1200" b="1" dirty="0">
+              <a:solidFill>
+                <a:schemeClr val="tx1"/>
+              </a:solidFill>
+            </a:endParaRPr>
+          </a:p>
+        </p:txBody>
+      </p:sp>
+      <p:sp>
+        <p:nvSpPr>
+          <p:cNvPr id="21" name="Rectangle 20"/>
+          <p:cNvSpPr/>
+          <p:nvPr userDrawn="1"/>
+        </p:nvSpPr>
+        <p:spPr>
+          <a:xfrm>
+            <a:off x="97234" y="337220"/>
+            <a:ext cx="1020466" cy="248754"/>
+          </a:xfrm>
+          <a:prstGeom prst="rect">
+            <a:avLst/>
+          </a:prstGeom>
+          <a:solidFill>
+            <a:schemeClr val="bg2"/>
+          </a:solidFill>
+          <a:ln>
+            <a:solidFill>
+              <a:schemeClr val="bg2"/>
+            </a:solidFill>
+          </a:ln>
+        </p:spPr>
+        <p:style>
+          <a:lnRef idx="2">
+            <a:schemeClr val="accent1">
+              <a:shade val="50000"/>
+            </a:schemeClr>
+          </a:lnRef>
+          <a:fillRef idx="1">
+            <a:schemeClr val="accent1"/>
+          </a:fillRef>
+          <a:effectRef idx="0">
+            <a:schemeClr val="accent1"/>
+          </a:effectRef>
+          <a:fontRef idx="minor">
+            <a:schemeClr val="lt1"/>
+          </a:fontRef>
+        </p:style>
+        <p:txBody>
+          <a:bodyPr rtlCol="0" anchor="ctr"/>
+          <a:lstStyle/>
+          <a:p>
+            <a:pPr algn="ctr"/>
+            <a:r>
+              <a:rPr lang="en-US" sz="900" b="1" dirty="0" err="1" smtClean="0">
+                <a:solidFill>
+                  <a:schemeClr val="tx1"/>
+                </a:solidFill>
+              </a:rPr>
+              <a:t>Karung</a:t>
+            </a:r>
+            <a:r>
+              <a:rPr lang="en-US" sz="900" b="1" baseline="0" dirty="0" err="1" smtClean="0">
+                <a:solidFill>
+                  <a:schemeClr val="tx1"/>
+                </a:solidFill>
+              </a:rPr>
+              <a:t>Guni</a:t>
+            </a:r>
+            <a:r>
+              <a:rPr lang="en-US" sz="900" b="1" baseline="0" dirty="0" smtClean="0">
+                <a:solidFill>
+                  <a:schemeClr val="tx1"/>
+                </a:solidFill>
+              </a:rPr>
+              <a:t> App</a:t>
+            </a:r>
+            <a:endParaRPr lang="en-SG" sz="900" b="1" dirty="0">
+              <a:solidFill>
+                <a:schemeClr val="tx1"/>
+              </a:solidFill>
+            </a:endParaRPr>
           </a:p>
         </p:txBody>
       </p:sp>
@@ -11497,7 +12277,7 @@
           <a:p>
             <a:fld id="{08257FF3-5822-48FB-8472-3361E840B723}" type="datetimeFigureOut">
               <a:rPr lang="en-SG" smtClean="0"/>
-              <a:t>2014-10-13</a:t>
+              <a:t>2014-10-15</a:t>
             </a:fld>
             <a:endParaRPr lang="en-SG"/>
           </a:p>
@@ -11907,7 +12687,7 @@
         </p:blipFill>
         <p:spPr bwMode="auto">
           <a:xfrm>
-            <a:off x="0" y="-5525"/>
+            <a:off x="11447" y="-5525"/>
             <a:ext cx="9169065" cy="3943145"/>
           </a:xfrm>
           <a:prstGeom prst="rect">
@@ -12063,6 +12843,471 @@
           <a:p>
             <a:pPr algn="ctr"/>
             <a:endParaRPr lang="en-SG"/>
+          </a:p>
+        </p:txBody>
+      </p:sp>
+      <p:pic>
+        <p:nvPicPr>
+          <p:cNvPr id="6" name="Picture 4"/>
+          <p:cNvPicPr>
+            <a:picLocks noChangeAspect="1" noChangeArrowheads="1"/>
+          </p:cNvPicPr>
+          <p:nvPr userDrawn="1"/>
+        </p:nvPicPr>
+        <p:blipFill>
+          <a:blip r:embed="rId14">
+            <a:extLst>
+              <a:ext uri="{28A0092B-C50C-407E-A947-70E740481C1C}">
+                <a14:useLocalDpi xmlns:a14="http://schemas.microsoft.com/office/drawing/2010/main" val="0"/>
+              </a:ext>
+            </a:extLst>
+          </a:blip>
+          <a:srcRect/>
+          <a:stretch>
+            <a:fillRect/>
+          </a:stretch>
+        </p:blipFill>
+        <p:spPr bwMode="auto">
+          <a:xfrm>
+            <a:off x="7308304" y="337224"/>
+            <a:ext cx="1224136" cy="248754"/>
+          </a:xfrm>
+          <a:prstGeom prst="rect">
+            <a:avLst/>
+          </a:prstGeom>
+          <a:noFill/>
+          <a:ln>
+            <a:noFill/>
+          </a:ln>
+          <a:extLst>
+            <a:ext uri="{909E8E84-426E-40DD-AFC4-6F175D3DCCD1}">
+              <a14:hiddenFill xmlns:a14="http://schemas.microsoft.com/office/drawing/2010/main">
+                <a:solidFill>
+                  <a:schemeClr val="accent1"/>
+                </a:solidFill>
+              </a14:hiddenFill>
+            </a:ext>
+            <a:ext uri="{91240B29-F687-4F45-9708-019B960494DF}">
+              <a14:hiddenLine xmlns:a14="http://schemas.microsoft.com/office/drawing/2010/main" w="9525">
+                <a:solidFill>
+                  <a:schemeClr val="tx1"/>
+                </a:solidFill>
+                <a:miter lim="800000"/>
+                <a:headEnd/>
+                <a:tailEnd/>
+              </a14:hiddenLine>
+            </a:ext>
+          </a:extLst>
+        </p:spPr>
+      </p:pic>
+      <p:sp>
+        <p:nvSpPr>
+          <p:cNvPr id="11" name="Rectangle 10"/>
+          <p:cNvSpPr/>
+          <p:nvPr userDrawn="1"/>
+        </p:nvSpPr>
+        <p:spPr>
+          <a:xfrm>
+            <a:off x="0" y="337224"/>
+            <a:ext cx="9108504" cy="248754"/>
+          </a:xfrm>
+          <a:prstGeom prst="rect">
+            <a:avLst/>
+          </a:prstGeom>
+          <a:solidFill>
+            <a:schemeClr val="bg2"/>
+          </a:solidFill>
+          <a:ln>
+            <a:solidFill>
+              <a:schemeClr val="bg2"/>
+            </a:solidFill>
+          </a:ln>
+        </p:spPr>
+        <p:style>
+          <a:lnRef idx="2">
+            <a:schemeClr val="accent1">
+              <a:shade val="50000"/>
+            </a:schemeClr>
+          </a:lnRef>
+          <a:fillRef idx="1">
+            <a:schemeClr val="accent1"/>
+          </a:fillRef>
+          <a:effectRef idx="0">
+            <a:schemeClr val="accent1"/>
+          </a:effectRef>
+          <a:fontRef idx="minor">
+            <a:schemeClr val="lt1"/>
+          </a:fontRef>
+        </p:style>
+        <p:txBody>
+          <a:bodyPr rtlCol="0" anchor="ctr"/>
+          <a:lstStyle/>
+          <a:p>
+            <a:pPr algn="ctr"/>
+            <a:endParaRPr lang="en-SG"/>
+          </a:p>
+        </p:txBody>
+      </p:sp>
+      <p:sp>
+        <p:nvSpPr>
+          <p:cNvPr id="12" name="TextBox 11"/>
+          <p:cNvSpPr txBox="1"/>
+          <p:nvPr userDrawn="1"/>
+        </p:nvSpPr>
+        <p:spPr>
+          <a:xfrm>
+            <a:off x="7832888" y="337222"/>
+            <a:ext cx="720080" cy="253916"/>
+          </a:xfrm>
+          <a:prstGeom prst="rect">
+            <a:avLst/>
+          </a:prstGeom>
+          <a:solidFill>
+            <a:schemeClr val="bg2"/>
+          </a:solidFill>
+        </p:spPr>
+        <p:txBody>
+          <a:bodyPr wrap="square" rtlCol="0">
+            <a:spAutoFit/>
+          </a:bodyPr>
+          <a:lstStyle/>
+          <a:p>
+            <a:pPr algn="ctr"/>
+            <a:r>
+              <a:rPr lang="en-US" sz="1050" b="1" dirty="0" smtClean="0"/>
+              <a:t>Register</a:t>
+            </a:r>
+            <a:endParaRPr lang="en-SG" sz="1050" b="1" dirty="0"/>
+          </a:p>
+        </p:txBody>
+      </p:sp>
+      <p:sp>
+        <p:nvSpPr>
+          <p:cNvPr id="17" name="TextBox 16"/>
+          <p:cNvSpPr txBox="1"/>
+          <p:nvPr userDrawn="1"/>
+        </p:nvSpPr>
+        <p:spPr>
+          <a:xfrm>
+            <a:off x="7177769" y="337220"/>
+            <a:ext cx="720080" cy="253916"/>
+          </a:xfrm>
+          <a:prstGeom prst="rect">
+            <a:avLst/>
+          </a:prstGeom>
+          <a:solidFill>
+            <a:schemeClr val="bg2"/>
+          </a:solidFill>
+        </p:spPr>
+        <p:txBody>
+          <a:bodyPr wrap="square" rtlCol="0">
+            <a:spAutoFit/>
+          </a:bodyPr>
+          <a:lstStyle/>
+          <a:p>
+            <a:pPr algn="ctr"/>
+            <a:r>
+              <a:rPr lang="en-US" sz="1050" b="1" dirty="0" smtClean="0"/>
+              <a:t>Sign</a:t>
+            </a:r>
+            <a:r>
+              <a:rPr lang="en-US" sz="1050" b="1" baseline="0" dirty="0" smtClean="0"/>
+              <a:t> In</a:t>
+            </a:r>
+            <a:endParaRPr lang="en-SG" sz="1050" b="1" dirty="0"/>
+          </a:p>
+        </p:txBody>
+      </p:sp>
+      <p:sp>
+        <p:nvSpPr>
+          <p:cNvPr id="19" name="Rectangle 18"/>
+          <p:cNvSpPr/>
+          <p:nvPr userDrawn="1"/>
+        </p:nvSpPr>
+        <p:spPr>
+          <a:xfrm>
+            <a:off x="1184385" y="337224"/>
+            <a:ext cx="899592" cy="248754"/>
+          </a:xfrm>
+          <a:prstGeom prst="rect">
+            <a:avLst/>
+          </a:prstGeom>
+          <a:solidFill>
+            <a:schemeClr val="bg2"/>
+          </a:solidFill>
+          <a:ln>
+            <a:solidFill>
+              <a:schemeClr val="bg2"/>
+            </a:solidFill>
+          </a:ln>
+          <a:scene3d>
+            <a:camera prst="orthographicFront"/>
+            <a:lightRig rig="threePt" dir="t"/>
+          </a:scene3d>
+          <a:sp3d>
+            <a:bevelT/>
+          </a:sp3d>
+        </p:spPr>
+        <p:style>
+          <a:lnRef idx="2">
+            <a:schemeClr val="accent1">
+              <a:shade val="50000"/>
+            </a:schemeClr>
+          </a:lnRef>
+          <a:fillRef idx="1">
+            <a:schemeClr val="accent1"/>
+          </a:fillRef>
+          <a:effectRef idx="0">
+            <a:schemeClr val="accent1"/>
+          </a:effectRef>
+          <a:fontRef idx="minor">
+            <a:schemeClr val="lt1"/>
+          </a:fontRef>
+        </p:style>
+        <p:txBody>
+          <a:bodyPr rtlCol="0" anchor="ctr"/>
+          <a:lstStyle/>
+          <a:p>
+            <a:pPr algn="ctr"/>
+            <a:r>
+              <a:rPr lang="en-US" sz="1200" b="1" dirty="0" smtClean="0">
+                <a:solidFill>
+                  <a:schemeClr val="tx1"/>
+                </a:solidFill>
+              </a:rPr>
+              <a:t>All</a:t>
+            </a:r>
+            <a:r>
+              <a:rPr lang="en-US" sz="1200" b="1" baseline="0" dirty="0" smtClean="0">
+                <a:solidFill>
+                  <a:schemeClr val="tx1"/>
+                </a:solidFill>
+              </a:rPr>
+              <a:t> Listings</a:t>
+            </a:r>
+            <a:endParaRPr lang="en-SG" sz="1200" b="1" dirty="0">
+              <a:solidFill>
+                <a:schemeClr val="tx1"/>
+              </a:solidFill>
+            </a:endParaRPr>
+          </a:p>
+        </p:txBody>
+      </p:sp>
+      <p:sp>
+        <p:nvSpPr>
+          <p:cNvPr id="20" name="Rectangle 19"/>
+          <p:cNvSpPr/>
+          <p:nvPr userDrawn="1"/>
+        </p:nvSpPr>
+        <p:spPr>
+          <a:xfrm>
+            <a:off x="2097459" y="337224"/>
+            <a:ext cx="899592" cy="248754"/>
+          </a:xfrm>
+          <a:prstGeom prst="rect">
+            <a:avLst/>
+          </a:prstGeom>
+          <a:solidFill>
+            <a:schemeClr val="bg2"/>
+          </a:solidFill>
+          <a:ln>
+            <a:solidFill>
+              <a:schemeClr val="bg2"/>
+            </a:solidFill>
+          </a:ln>
+          <a:scene3d>
+            <a:camera prst="orthographicFront"/>
+            <a:lightRig rig="threePt" dir="t"/>
+          </a:scene3d>
+          <a:sp3d>
+            <a:bevelT/>
+          </a:sp3d>
+        </p:spPr>
+        <p:style>
+          <a:lnRef idx="2">
+            <a:schemeClr val="accent1">
+              <a:shade val="50000"/>
+            </a:schemeClr>
+          </a:lnRef>
+          <a:fillRef idx="1">
+            <a:schemeClr val="accent1"/>
+          </a:fillRef>
+          <a:effectRef idx="0">
+            <a:schemeClr val="accent1"/>
+          </a:effectRef>
+          <a:fontRef idx="minor">
+            <a:schemeClr val="lt1"/>
+          </a:fontRef>
+        </p:style>
+        <p:txBody>
+          <a:bodyPr rtlCol="0" anchor="ctr"/>
+          <a:lstStyle/>
+          <a:p>
+            <a:pPr algn="ctr"/>
+            <a:r>
+              <a:rPr lang="en-US" sz="1200" b="1" dirty="0" smtClean="0">
+                <a:solidFill>
+                  <a:schemeClr val="tx1"/>
+                </a:solidFill>
+              </a:rPr>
+              <a:t>My</a:t>
+            </a:r>
+            <a:r>
+              <a:rPr lang="en-US" sz="1200" b="1" baseline="0" dirty="0" smtClean="0">
+                <a:solidFill>
+                  <a:schemeClr val="tx1"/>
+                </a:solidFill>
+              </a:rPr>
+              <a:t> Page</a:t>
+            </a:r>
+            <a:endParaRPr lang="en-SG" sz="1200" b="1" dirty="0">
+              <a:solidFill>
+                <a:schemeClr val="tx1"/>
+              </a:solidFill>
+            </a:endParaRPr>
+          </a:p>
+        </p:txBody>
+      </p:sp>
+      <p:sp>
+        <p:nvSpPr>
+          <p:cNvPr id="21" name="Rectangle 20"/>
+          <p:cNvSpPr/>
+          <p:nvPr userDrawn="1"/>
+        </p:nvSpPr>
+        <p:spPr>
+          <a:xfrm>
+            <a:off x="3024336" y="337221"/>
+            <a:ext cx="899592" cy="248754"/>
+          </a:xfrm>
+          <a:prstGeom prst="rect">
+            <a:avLst/>
+          </a:prstGeom>
+          <a:solidFill>
+            <a:schemeClr val="bg2"/>
+          </a:solidFill>
+          <a:ln>
+            <a:solidFill>
+              <a:schemeClr val="bg2"/>
+            </a:solidFill>
+          </a:ln>
+          <a:scene3d>
+            <a:camera prst="orthographicFront"/>
+            <a:lightRig rig="threePt" dir="t"/>
+          </a:scene3d>
+          <a:sp3d>
+            <a:bevelT/>
+          </a:sp3d>
+        </p:spPr>
+        <p:style>
+          <a:lnRef idx="2">
+            <a:schemeClr val="accent1">
+              <a:shade val="50000"/>
+            </a:schemeClr>
+          </a:lnRef>
+          <a:fillRef idx="1">
+            <a:schemeClr val="accent1"/>
+          </a:fillRef>
+          <a:effectRef idx="0">
+            <a:schemeClr val="accent1"/>
+          </a:effectRef>
+          <a:fontRef idx="minor">
+            <a:schemeClr val="lt1"/>
+          </a:fontRef>
+        </p:style>
+        <p:txBody>
+          <a:bodyPr rtlCol="0" anchor="ctr"/>
+          <a:lstStyle/>
+          <a:p>
+            <a:pPr algn="ctr"/>
+            <a:r>
+              <a:rPr lang="en-US" sz="1200" b="1" dirty="0" smtClean="0">
+                <a:solidFill>
+                  <a:schemeClr val="tx1"/>
+                </a:solidFill>
+              </a:rPr>
+              <a:t>FAQ</a:t>
+            </a:r>
+            <a:endParaRPr lang="en-SG" sz="1200" b="1" dirty="0">
+              <a:solidFill>
+                <a:schemeClr val="tx1"/>
+              </a:solidFill>
+            </a:endParaRPr>
+          </a:p>
+        </p:txBody>
+      </p:sp>
+      <p:sp>
+        <p:nvSpPr>
+          <p:cNvPr id="22" name="Rectangle 21"/>
+          <p:cNvSpPr/>
+          <p:nvPr userDrawn="1"/>
+        </p:nvSpPr>
+        <p:spPr>
+          <a:xfrm>
+            <a:off x="97234" y="337220"/>
+            <a:ext cx="1020466" cy="248754"/>
+          </a:xfrm>
+          <a:prstGeom prst="rect">
+            <a:avLst/>
+          </a:prstGeom>
+          <a:solidFill>
+            <a:schemeClr val="bg2"/>
+          </a:solidFill>
+          <a:ln>
+            <a:solidFill>
+              <a:schemeClr val="bg2"/>
+            </a:solidFill>
+          </a:ln>
+        </p:spPr>
+        <p:style>
+          <a:lnRef idx="2">
+            <a:schemeClr val="accent1">
+              <a:shade val="50000"/>
+            </a:schemeClr>
+          </a:lnRef>
+          <a:fillRef idx="1">
+            <a:schemeClr val="accent1"/>
+          </a:fillRef>
+          <a:effectRef idx="0">
+            <a:schemeClr val="accent1"/>
+          </a:effectRef>
+          <a:fontRef idx="minor">
+            <a:schemeClr val="lt1"/>
+          </a:fontRef>
+        </p:style>
+        <p:txBody>
+          <a:bodyPr rtlCol="0" anchor="ctr"/>
+          <a:lstStyle/>
+          <a:p>
+            <a:pPr algn="ctr"/>
+            <a:r>
+              <a:rPr lang="en-US" sz="900" b="1" dirty="0" err="1" smtClean="0">
+                <a:solidFill>
+                  <a:schemeClr val="tx1"/>
+                </a:solidFill>
+              </a:rPr>
+              <a:t>Karung</a:t>
+            </a:r>
+            <a:r>
+              <a:rPr lang="en-US" sz="900" b="1" baseline="0" dirty="0" err="1" smtClean="0">
+                <a:solidFill>
+                  <a:schemeClr val="tx1"/>
+                </a:solidFill>
+              </a:rPr>
+              <a:t>Guni</a:t>
+            </a:r>
+            <a:r>
+              <a:rPr lang="en-US" sz="900" b="1" baseline="0" dirty="0" smtClean="0">
+                <a:solidFill>
+                  <a:schemeClr val="tx1"/>
+                </a:solidFill>
+              </a:rPr>
+              <a:t> App</a:t>
+            </a:r>
+            <a:endParaRPr lang="en-SG" sz="900" b="1" dirty="0">
+              <a:solidFill>
+                <a:schemeClr val="tx1"/>
+              </a:solidFill>
+            </a:endParaRPr>
           </a:p>
         </p:txBody>
       </p:sp>
@@ -12499,7 +13744,7 @@
           <a:p>
             <a:fld id="{BBE85857-A7BD-4FD0-86B4-1BAD7CA30811}" type="datetimeFigureOut">
               <a:rPr lang="en-SG" smtClean="0"/>
-              <a:t>2014-10-13</a:t>
+              <a:t>2014-10-15</a:t>
             </a:fld>
             <a:endParaRPr lang="en-SG"/>
           </a:p>
@@ -12881,9 +14126,83 @@
           <a:chExt cx="0" cy="0"/>
         </a:xfrm>
       </p:grpSpPr>
+      <p:sp>
+        <p:nvSpPr>
+          <p:cNvPr id="3" name="TextBox 2"/>
+          <p:cNvSpPr txBox="1"/>
+          <p:nvPr/>
+        </p:nvSpPr>
+        <p:spPr>
+          <a:xfrm>
+            <a:off x="2555776" y="913284"/>
+            <a:ext cx="4032448" cy="400110"/>
+          </a:xfrm>
+          <a:prstGeom prst="rect">
+            <a:avLst/>
+          </a:prstGeom>
+          <a:noFill/>
+        </p:spPr>
+        <p:txBody>
+          <a:bodyPr wrap="square" rtlCol="0">
+            <a:spAutoFit/>
+          </a:bodyPr>
+          <a:lstStyle/>
+          <a:p>
+            <a:pPr algn="ctr"/>
+            <a:r>
+              <a:rPr lang="en-US" sz="2000" b="1" dirty="0" err="1" smtClean="0"/>
+              <a:t>Karung</a:t>
+            </a:r>
+            <a:r>
+              <a:rPr lang="en-US" sz="2000" b="1" dirty="0" smtClean="0"/>
+              <a:t> </a:t>
+            </a:r>
+            <a:r>
+              <a:rPr lang="en-US" sz="2000" b="1" dirty="0" err="1" smtClean="0"/>
+              <a:t>Guni</a:t>
+            </a:r>
+            <a:r>
+              <a:rPr lang="en-US" sz="2000" b="1" dirty="0" smtClean="0"/>
+              <a:t> Application</a:t>
+            </a:r>
+            <a:endParaRPr lang="en-SG" sz="2000" b="1" dirty="0"/>
+          </a:p>
+        </p:txBody>
+      </p:sp>
+      <p:sp>
+        <p:nvSpPr>
+          <p:cNvPr id="5" name="TextBox 4"/>
+          <p:cNvSpPr txBox="1"/>
+          <p:nvPr/>
+        </p:nvSpPr>
+        <p:spPr>
+          <a:xfrm>
+            <a:off x="2555776" y="1294810"/>
+            <a:ext cx="4032448" cy="338554"/>
+          </a:xfrm>
+          <a:prstGeom prst="rect">
+            <a:avLst/>
+          </a:prstGeom>
+          <a:noFill/>
+        </p:spPr>
+        <p:txBody>
+          <a:bodyPr wrap="square" rtlCol="0">
+            <a:spAutoFit/>
+          </a:bodyPr>
+          <a:lstStyle/>
+          <a:p>
+            <a:pPr algn="ctr"/>
+            <a:r>
+              <a:rPr lang="en-US" sz="1600" dirty="0" smtClean="0"/>
+              <a:t>Buy &amp; Sell your recyclable items now!</a:t>
+            </a:r>
+            <a:endParaRPr lang="en-SG" sz="1600" dirty="0"/>
+          </a:p>
+        </p:txBody>
+      </p:sp>
       <p:pic>
         <p:nvPicPr>
-          <p:cNvPr id="3075" name="Picture 3"/>
+          <p:cNvPr id="1026" name="Picture 2" descr="C:\Users\Zu Cheng\Desktop\IDP\IDP\Karung Guni App\img\homepage.JPG"/>
           <p:cNvPicPr>
             <a:picLocks noChangeAspect="1" noChangeArrowheads="1"/>
           </p:cNvPicPr>
@@ -12904,41 +14223,58 @@
         </p:blipFill>
         <p:spPr bwMode="auto">
           <a:xfrm>
-            <a:off x="-5357" y="-23614"/>
-            <a:ext cx="9149358" cy="4872955"/>
+            <a:off x="742950" y="1863502"/>
+            <a:ext cx="7658100" cy="2679700"/>
           </a:xfrm>
           <a:prstGeom prst="rect">
             <a:avLst/>
           </a:prstGeom>
           <a:noFill/>
-          <a:ln>
-            <a:noFill/>
-          </a:ln>
           <a:extLst>
             <a:ext uri="{909E8E84-426E-40DD-AFC4-6F175D3DCCD1}">
               <a14:hiddenFill xmlns:a14="http://schemas.microsoft.com/office/drawing/2010/main">
                 <a:solidFill>
-                  <a:schemeClr val="accent1"/>
+                  <a:srgbClr val="FFFFFF"/>
                 </a:solidFill>
               </a14:hiddenFill>
             </a:ext>
-            <a:ext uri="{91240B29-F687-4F45-9708-019B960494DF}">
-              <a14:hiddenLine xmlns:a14="http://schemas.microsoft.com/office/drawing/2010/main" w="9525">
-                <a:solidFill>
-                  <a:schemeClr val="tx1"/>
-                </a:solidFill>
-                <a:miter lim="800000"/>
-                <a:headEnd/>
-                <a:tailEnd/>
-              </a14:hiddenLine>
-            </a:ext>
           </a:extLst>
         </p:spPr>
       </p:pic>
+      <p:sp>
+        <p:nvSpPr>
+          <p:cNvPr id="4" name="TextBox 3"/>
+          <p:cNvSpPr txBox="1"/>
+          <p:nvPr/>
+        </p:nvSpPr>
+        <p:spPr>
+          <a:xfrm>
+            <a:off x="742950" y="1633364"/>
+            <a:ext cx="1668810" cy="276999"/>
+          </a:xfrm>
+          <a:prstGeom prst="rect">
+            <a:avLst/>
+          </a:prstGeom>
+          <a:noFill/>
+        </p:spPr>
+        <p:txBody>
+          <a:bodyPr wrap="square" rtlCol="0">
+            <a:spAutoFit/>
+          </a:bodyPr>
+          <a:lstStyle/>
+          <a:p>
+            <a:r>
+              <a:rPr lang="en-US" sz="1200" b="1" dirty="0" smtClean="0"/>
+              <a:t>In 3 simple easy steps:</a:t>
+            </a:r>
+            <a:endParaRPr lang="en-SG" sz="1200" b="1" dirty="0"/>
+          </a:p>
+        </p:txBody>
+      </p:sp>
     </p:spTree>
     <p:extLst>
       <p:ext uri="{BB962C8B-B14F-4D97-AF65-F5344CB8AC3E}">
-        <p14:creationId xmlns:p14="http://schemas.microsoft.com/office/powerpoint/2010/main" val="1383910149"/>
+        <p14:creationId xmlns:p14="http://schemas.microsoft.com/office/powerpoint/2010/main" val="617522791"/>
       </p:ext>
     </p:extLst>
   </p:cSld>
@@ -12974,7 +14310,7 @@
       </p:grpSpPr>
       <p:pic>
         <p:nvPicPr>
-          <p:cNvPr id="4099" name="Picture 3"/>
+          <p:cNvPr id="4101" name="Picture 5" descr="http://www2.tnp.sg/sites/default/files/styles/large/public/22788049%20-%2013_01_2012%20-%20byguni.jpg"/>
           <p:cNvPicPr>
             <a:picLocks noChangeAspect="1" noChangeArrowheads="1"/>
           </p:cNvPicPr>
@@ -12982,60 +14318,6 @@
         </p:nvPicPr>
         <p:blipFill>
           <a:blip r:embed="rId2">
-            <a:extLst>
-              <a:ext uri="{28A0092B-C50C-407E-A947-70E740481C1C}">
-                <a14:useLocalDpi xmlns:a14="http://schemas.microsoft.com/office/drawing/2010/main" val="0"/>
-              </a:ext>
-            </a:extLst>
-          </a:blip>
-          <a:srcRect/>
-          <a:stretch>
-            <a:fillRect/>
-          </a:stretch>
-        </p:blipFill>
-        <p:spPr bwMode="auto">
-          <a:xfrm>
-            <a:off x="5793" y="-22820"/>
-            <a:ext cx="9138207" cy="4840237"/>
-          </a:xfrm>
-          <a:prstGeom prst="rect">
-            <a:avLst/>
-          </a:prstGeom>
-          <a:noFill/>
-          <a:ln>
-            <a:noFill/>
-          </a:ln>
-          <a:extLst>
-            <a:ext uri="{909E8E84-426E-40DD-AFC4-6F175D3DCCD1}">
-              <a14:hiddenFill xmlns:a14="http://schemas.microsoft.com/office/drawing/2010/main">
-                <a:solidFill>
-                  <a:schemeClr val="accent1"/>
-                </a:solidFill>
-              </a14:hiddenFill>
-            </a:ext>
-            <a:ext uri="{91240B29-F687-4F45-9708-019B960494DF}">
-              <a14:hiddenLine xmlns:a14="http://schemas.microsoft.com/office/drawing/2010/main" w="9525">
-                <a:solidFill>
-                  <a:schemeClr val="tx1"/>
-                </a:solidFill>
-                <a:miter lim="800000"/>
-                <a:headEnd/>
-                <a:tailEnd/>
-              </a14:hiddenLine>
-            </a:ext>
-          </a:extLst>
-        </p:spPr>
-      </p:pic>
-      <p:pic>
-        <p:nvPicPr>
-          <p:cNvPr id="4101" name="Picture 5" descr="http://www2.tnp.sg/sites/default/files/styles/large/public/22788049%20-%2013_01_2012%20-%20byguni.jpg"/>
-          <p:cNvPicPr>
-            <a:picLocks noChangeAspect="1" noChangeArrowheads="1"/>
-          </p:cNvPicPr>
-          <p:nvPr/>
-        </p:nvPicPr>
-        <p:blipFill>
-          <a:blip r:embed="rId3">
             <a:extLst>
               <a:ext uri="{28A0092B-C50C-407E-A947-70E740481C1C}">
                 <a14:useLocalDpi xmlns:a14="http://schemas.microsoft.com/office/drawing/2010/main" val="0"/>
@@ -13086,7 +14368,7 @@
           <p:nvPr/>
         </p:nvPicPr>
         <p:blipFill>
-          <a:blip r:embed="rId4">
+          <a:blip r:embed="rId3">
             <a:extLst>
               <a:ext uri="{28A0092B-C50C-407E-A947-70E740481C1C}">
                 <a14:useLocalDpi xmlns:a14="http://schemas.microsoft.com/office/drawing/2010/main" val="0"/>
@@ -13128,6 +14410,125 @@
           </a:extLst>
         </p:spPr>
       </p:pic>
+      <p:sp>
+        <p:nvSpPr>
+          <p:cNvPr id="2" name="TextBox 1"/>
+          <p:cNvSpPr txBox="1"/>
+          <p:nvPr/>
+        </p:nvSpPr>
+        <p:spPr>
+          <a:xfrm>
+            <a:off x="2339752" y="985292"/>
+            <a:ext cx="4392488" cy="461665"/>
+          </a:xfrm>
+          <a:prstGeom prst="rect">
+            <a:avLst/>
+          </a:prstGeom>
+          <a:noFill/>
+        </p:spPr>
+        <p:txBody>
+          <a:bodyPr wrap="square" rtlCol="0">
+            <a:spAutoFit/>
+          </a:bodyPr>
+          <a:lstStyle/>
+          <a:p>
+            <a:pPr algn="ctr"/>
+            <a:r>
+              <a:rPr lang="en-US" sz="2400" b="1" dirty="0" smtClean="0"/>
+              <a:t>Choose a user type</a:t>
+            </a:r>
+            <a:endParaRPr lang="en-SG" sz="2400" b="1" dirty="0"/>
+          </a:p>
+        </p:txBody>
+      </p:sp>
+      <p:sp>
+        <p:nvSpPr>
+          <p:cNvPr id="3" name="Rectangle 2"/>
+          <p:cNvSpPr/>
+          <p:nvPr/>
+        </p:nvSpPr>
+        <p:spPr>
+          <a:xfrm>
+            <a:off x="1461075" y="3766671"/>
+            <a:ext cx="2894901" cy="530989"/>
+          </a:xfrm>
+          <a:prstGeom prst="rect">
+            <a:avLst/>
+          </a:prstGeom>
+        </p:spPr>
+        <p:style>
+          <a:lnRef idx="2">
+            <a:schemeClr val="accent1">
+              <a:shade val="50000"/>
+            </a:schemeClr>
+          </a:lnRef>
+          <a:fillRef idx="1">
+            <a:schemeClr val="accent1"/>
+          </a:fillRef>
+          <a:effectRef idx="0">
+            <a:schemeClr val="accent1"/>
+          </a:effectRef>
+          <a:fontRef idx="minor">
+            <a:schemeClr val="lt1"/>
+          </a:fontRef>
+        </p:style>
+        <p:txBody>
+          <a:bodyPr rtlCol="0" anchor="ctr"/>
+          <a:lstStyle/>
+          <a:p>
+            <a:pPr algn="ctr"/>
+            <a:r>
+              <a:rPr lang="en-US" b="1" dirty="0" smtClean="0"/>
+              <a:t>Seller</a:t>
+            </a:r>
+            <a:endParaRPr lang="en-SG" b="1" dirty="0"/>
+          </a:p>
+        </p:txBody>
+      </p:sp>
+      <p:sp>
+        <p:nvSpPr>
+          <p:cNvPr id="6" name="Rectangle 5"/>
+          <p:cNvSpPr/>
+          <p:nvPr/>
+        </p:nvSpPr>
+        <p:spPr>
+          <a:xfrm>
+            <a:off x="4800546" y="3766670"/>
+            <a:ext cx="2939805" cy="530989"/>
+          </a:xfrm>
+          <a:prstGeom prst="rect">
+            <a:avLst/>
+          </a:prstGeom>
+        </p:spPr>
+        <p:style>
+          <a:lnRef idx="2">
+            <a:schemeClr val="accent2">
+              <a:shade val="50000"/>
+            </a:schemeClr>
+          </a:lnRef>
+          <a:fillRef idx="1">
+            <a:schemeClr val="accent2"/>
+          </a:fillRef>
+          <a:effectRef idx="0">
+            <a:schemeClr val="accent2"/>
+          </a:effectRef>
+          <a:fontRef idx="minor">
+            <a:schemeClr val="lt1"/>
+          </a:fontRef>
+        </p:style>
+        <p:txBody>
+          <a:bodyPr rtlCol="0" anchor="ctr"/>
+          <a:lstStyle/>
+          <a:p>
+            <a:pPr algn="ctr"/>
+            <a:r>
+              <a:rPr lang="en-US" b="1" dirty="0" smtClean="0"/>
+              <a:t>Buyer</a:t>
+            </a:r>
+            <a:endParaRPr lang="en-SG" b="1" dirty="0"/>
+          </a:p>
+        </p:txBody>
+      </p:sp>
     </p:spTree>
     <p:extLst>
       <p:ext uri="{BB962C8B-B14F-4D97-AF65-F5344CB8AC3E}">
@@ -13165,6 +14566,1388 @@
           <a:chExt cx="0" cy="0"/>
         </a:xfrm>
       </p:grpSpPr>
+      <p:sp>
+        <p:nvSpPr>
+          <p:cNvPr id="2" name="TextBox 1"/>
+          <p:cNvSpPr txBox="1"/>
+          <p:nvPr/>
+        </p:nvSpPr>
+        <p:spPr>
+          <a:xfrm>
+            <a:off x="3491881" y="3099049"/>
+            <a:ext cx="1584176" cy="246221"/>
+          </a:xfrm>
+          <a:prstGeom prst="rect">
+            <a:avLst/>
+          </a:prstGeom>
+          <a:noFill/>
+          <a:ln>
+            <a:solidFill>
+              <a:schemeClr val="bg1"/>
+            </a:solidFill>
+          </a:ln>
+        </p:spPr>
+        <p:txBody>
+          <a:bodyPr wrap="square" rtlCol="0">
+            <a:spAutoFit/>
+          </a:bodyPr>
+          <a:lstStyle/>
+          <a:p>
+            <a:pPr algn="r"/>
+            <a:r>
+              <a:rPr lang="en-US" sz="1000" b="1" dirty="0" smtClean="0"/>
+              <a:t>6PM – 9PM</a:t>
+            </a:r>
+            <a:endParaRPr lang="en-SG" sz="1000" b="1" dirty="0"/>
+          </a:p>
+        </p:txBody>
+      </p:sp>
+      <p:sp>
+        <p:nvSpPr>
+          <p:cNvPr id="3" name="TextBox 2"/>
+          <p:cNvSpPr txBox="1"/>
+          <p:nvPr/>
+        </p:nvSpPr>
+        <p:spPr>
+          <a:xfrm>
+            <a:off x="3491881" y="2014309"/>
+            <a:ext cx="1584176" cy="246221"/>
+          </a:xfrm>
+          <a:prstGeom prst="rect">
+            <a:avLst/>
+          </a:prstGeom>
+          <a:noFill/>
+          <a:ln>
+            <a:solidFill>
+              <a:schemeClr val="bg1"/>
+            </a:solidFill>
+          </a:ln>
+        </p:spPr>
+        <p:txBody>
+          <a:bodyPr wrap="square" rtlCol="0">
+            <a:spAutoFit/>
+          </a:bodyPr>
+          <a:lstStyle/>
+          <a:p>
+            <a:pPr algn="r"/>
+            <a:r>
+              <a:rPr lang="en-US" sz="1000" b="1" dirty="0" smtClean="0"/>
+              <a:t>9AM – 12PM</a:t>
+            </a:r>
+            <a:endParaRPr lang="en-SG" sz="1000" b="1" dirty="0"/>
+          </a:p>
+        </p:txBody>
+      </p:sp>
+      <p:sp>
+        <p:nvSpPr>
+          <p:cNvPr id="4" name="TextBox 3"/>
+          <p:cNvSpPr txBox="1"/>
+          <p:nvPr/>
+        </p:nvSpPr>
+        <p:spPr>
+          <a:xfrm>
+            <a:off x="3491881" y="2378969"/>
+            <a:ext cx="1584176" cy="246221"/>
+          </a:xfrm>
+          <a:prstGeom prst="rect">
+            <a:avLst/>
+          </a:prstGeom>
+          <a:noFill/>
+          <a:ln>
+            <a:solidFill>
+              <a:schemeClr val="bg1"/>
+            </a:solidFill>
+          </a:ln>
+        </p:spPr>
+        <p:txBody>
+          <a:bodyPr wrap="square" rtlCol="0">
+            <a:spAutoFit/>
+          </a:bodyPr>
+          <a:lstStyle/>
+          <a:p>
+            <a:pPr algn="r"/>
+            <a:r>
+              <a:rPr lang="en-US" sz="1000" b="1" dirty="0" smtClean="0"/>
+              <a:t>12PM – 3PM</a:t>
+            </a:r>
+            <a:endParaRPr lang="en-SG" sz="1000" b="1" dirty="0"/>
+          </a:p>
+        </p:txBody>
+      </p:sp>
+      <p:sp>
+        <p:nvSpPr>
+          <p:cNvPr id="5" name="TextBox 4"/>
+          <p:cNvSpPr txBox="1"/>
+          <p:nvPr/>
+        </p:nvSpPr>
+        <p:spPr>
+          <a:xfrm>
+            <a:off x="3491881" y="2754398"/>
+            <a:ext cx="1584176" cy="246221"/>
+          </a:xfrm>
+          <a:prstGeom prst="rect">
+            <a:avLst/>
+          </a:prstGeom>
+          <a:noFill/>
+          <a:ln>
+            <a:solidFill>
+              <a:schemeClr val="bg1"/>
+            </a:solidFill>
+          </a:ln>
+        </p:spPr>
+        <p:txBody>
+          <a:bodyPr wrap="square" rtlCol="0">
+            <a:spAutoFit/>
+          </a:bodyPr>
+          <a:lstStyle/>
+          <a:p>
+            <a:pPr algn="r"/>
+            <a:r>
+              <a:rPr lang="en-US" sz="1000" b="1" dirty="0" smtClean="0"/>
+              <a:t>3PM – 6PM</a:t>
+            </a:r>
+            <a:endParaRPr lang="en-SG" sz="1000" b="1" dirty="0"/>
+          </a:p>
+        </p:txBody>
+      </p:sp>
+      <p:sp>
+        <p:nvSpPr>
+          <p:cNvPr id="6" name="TextBox 5"/>
+          <p:cNvSpPr txBox="1"/>
+          <p:nvPr/>
+        </p:nvSpPr>
+        <p:spPr>
+          <a:xfrm>
+            <a:off x="2092702" y="3377525"/>
+            <a:ext cx="446169" cy="215444"/>
+          </a:xfrm>
+          <a:prstGeom prst="rect">
+            <a:avLst/>
+          </a:prstGeom>
+          <a:noFill/>
+          <a:ln>
+            <a:solidFill>
+              <a:schemeClr val="bg1"/>
+            </a:solidFill>
+          </a:ln>
+        </p:spPr>
+        <p:txBody>
+          <a:bodyPr wrap="square" rtlCol="0">
+            <a:spAutoFit/>
+          </a:bodyPr>
+          <a:lstStyle/>
+          <a:p>
+            <a:pPr algn="r"/>
+            <a:r>
+              <a:rPr lang="en-US" sz="800" b="1" dirty="0" smtClean="0"/>
+              <a:t>Unit:</a:t>
+            </a:r>
+            <a:endParaRPr lang="en-SG" sz="800" b="1" dirty="0"/>
+          </a:p>
+        </p:txBody>
+      </p:sp>
+      <p:sp>
+        <p:nvSpPr>
+          <p:cNvPr id="7" name="Rectangle 6"/>
+          <p:cNvSpPr/>
+          <p:nvPr/>
+        </p:nvSpPr>
+        <p:spPr>
+          <a:xfrm>
+            <a:off x="539551" y="769268"/>
+            <a:ext cx="1944217" cy="504056"/>
+          </a:xfrm>
+          <a:prstGeom prst="rect">
+            <a:avLst/>
+          </a:prstGeom>
+          <a:solidFill>
+            <a:schemeClr val="accent1">
+              <a:lumMod val="60000"/>
+              <a:lumOff val="40000"/>
+            </a:schemeClr>
+          </a:solidFill>
+          <a:ln>
+            <a:solidFill>
+              <a:schemeClr val="bg1"/>
+            </a:solidFill>
+          </a:ln>
+          <a:effectLst>
+            <a:softEdge rad="31750"/>
+          </a:effectLst>
+        </p:spPr>
+        <p:style>
+          <a:lnRef idx="2">
+            <a:schemeClr val="accent1">
+              <a:shade val="50000"/>
+            </a:schemeClr>
+          </a:lnRef>
+          <a:fillRef idx="1">
+            <a:schemeClr val="accent1"/>
+          </a:fillRef>
+          <a:effectRef idx="0">
+            <a:schemeClr val="accent1"/>
+          </a:effectRef>
+          <a:fontRef idx="minor">
+            <a:schemeClr val="lt1"/>
+          </a:fontRef>
+        </p:style>
+        <p:txBody>
+          <a:bodyPr rtlCol="0" anchor="ctr"/>
+          <a:lstStyle/>
+          <a:p>
+            <a:pPr algn="ctr"/>
+            <a:r>
+              <a:rPr lang="en-US" b="1" dirty="0" smtClean="0">
+                <a:solidFill>
+                  <a:schemeClr val="tx1"/>
+                </a:solidFill>
+              </a:rPr>
+              <a:t>REGISTER - SELLER</a:t>
+            </a:r>
+            <a:endParaRPr lang="en-SG" b="1" dirty="0">
+              <a:solidFill>
+                <a:schemeClr val="tx1"/>
+              </a:solidFill>
+            </a:endParaRPr>
+          </a:p>
+        </p:txBody>
+      </p:sp>
+      <p:sp>
+        <p:nvSpPr>
+          <p:cNvPr id="8" name="TextBox 7"/>
+          <p:cNvSpPr txBox="1"/>
+          <p:nvPr/>
+        </p:nvSpPr>
+        <p:spPr>
+          <a:xfrm>
+            <a:off x="1602769" y="1589639"/>
+            <a:ext cx="1584176" cy="184666"/>
+          </a:xfrm>
+          <a:prstGeom prst="rect">
+            <a:avLst/>
+          </a:prstGeom>
+          <a:noFill/>
+          <a:ln w="19050">
+            <a:solidFill>
+              <a:schemeClr val="tx1"/>
+            </a:solidFill>
+          </a:ln>
+        </p:spPr>
+        <p:txBody>
+          <a:bodyPr wrap="square" rtlCol="0">
+            <a:spAutoFit/>
+          </a:bodyPr>
+          <a:lstStyle/>
+          <a:p>
+            <a:endParaRPr lang="en-SG" dirty="0"/>
+          </a:p>
+        </p:txBody>
+      </p:sp>
+      <p:sp>
+        <p:nvSpPr>
+          <p:cNvPr id="9" name="TextBox 8"/>
+          <p:cNvSpPr txBox="1"/>
+          <p:nvPr/>
+        </p:nvSpPr>
+        <p:spPr>
+          <a:xfrm>
+            <a:off x="1602769" y="3029799"/>
+            <a:ext cx="1584176" cy="184666"/>
+          </a:xfrm>
+          <a:prstGeom prst="rect">
+            <a:avLst/>
+          </a:prstGeom>
+          <a:noFill/>
+          <a:ln w="19050">
+            <a:solidFill>
+              <a:schemeClr val="tx1"/>
+            </a:solidFill>
+          </a:ln>
+        </p:spPr>
+        <p:txBody>
+          <a:bodyPr wrap="square" rtlCol="0">
+            <a:spAutoFit/>
+          </a:bodyPr>
+          <a:lstStyle/>
+          <a:p>
+            <a:endParaRPr lang="en-SG" dirty="0"/>
+          </a:p>
+        </p:txBody>
+      </p:sp>
+      <p:sp>
+        <p:nvSpPr>
+          <p:cNvPr id="10" name="TextBox 9"/>
+          <p:cNvSpPr txBox="1"/>
+          <p:nvPr/>
+        </p:nvSpPr>
+        <p:spPr>
+          <a:xfrm>
+            <a:off x="1602769" y="2309719"/>
+            <a:ext cx="1584176" cy="184666"/>
+          </a:xfrm>
+          <a:prstGeom prst="rect">
+            <a:avLst/>
+          </a:prstGeom>
+          <a:noFill/>
+          <a:ln w="19050">
+            <a:solidFill>
+              <a:schemeClr val="tx1"/>
+            </a:solidFill>
+          </a:ln>
+        </p:spPr>
+        <p:txBody>
+          <a:bodyPr wrap="square" rtlCol="0">
+            <a:spAutoFit/>
+          </a:bodyPr>
+          <a:lstStyle/>
+          <a:p>
+            <a:endParaRPr lang="en-SG" dirty="0"/>
+          </a:p>
+        </p:txBody>
+      </p:sp>
+      <p:sp>
+        <p:nvSpPr>
+          <p:cNvPr id="11" name="TextBox 10"/>
+          <p:cNvSpPr txBox="1"/>
+          <p:nvPr/>
+        </p:nvSpPr>
+        <p:spPr>
+          <a:xfrm>
+            <a:off x="1602769" y="2669759"/>
+            <a:ext cx="1584176" cy="184666"/>
+          </a:xfrm>
+          <a:prstGeom prst="rect">
+            <a:avLst/>
+          </a:prstGeom>
+          <a:noFill/>
+          <a:ln w="19050">
+            <a:solidFill>
+              <a:schemeClr val="tx1"/>
+            </a:solidFill>
+          </a:ln>
+        </p:spPr>
+        <p:txBody>
+          <a:bodyPr wrap="square" rtlCol="0">
+            <a:spAutoFit/>
+          </a:bodyPr>
+          <a:lstStyle/>
+          <a:p>
+            <a:endParaRPr lang="en-SG" dirty="0"/>
+          </a:p>
+        </p:txBody>
+      </p:sp>
+      <p:sp>
+        <p:nvSpPr>
+          <p:cNvPr id="12" name="TextBox 11"/>
+          <p:cNvSpPr txBox="1"/>
+          <p:nvPr/>
+        </p:nvSpPr>
+        <p:spPr>
+          <a:xfrm>
+            <a:off x="1602769" y="1952754"/>
+            <a:ext cx="1584176" cy="184666"/>
+          </a:xfrm>
+          <a:prstGeom prst="rect">
+            <a:avLst/>
+          </a:prstGeom>
+          <a:noFill/>
+          <a:ln w="19050">
+            <a:solidFill>
+              <a:schemeClr val="tx1"/>
+            </a:solidFill>
+          </a:ln>
+        </p:spPr>
+        <p:txBody>
+          <a:bodyPr wrap="square" rtlCol="0">
+            <a:spAutoFit/>
+          </a:bodyPr>
+          <a:lstStyle/>
+          <a:p>
+            <a:endParaRPr lang="en-SG" dirty="0"/>
+          </a:p>
+        </p:txBody>
+      </p:sp>
+      <p:sp>
+        <p:nvSpPr>
+          <p:cNvPr id="13" name="TextBox 12"/>
+          <p:cNvSpPr txBox="1"/>
+          <p:nvPr/>
+        </p:nvSpPr>
+        <p:spPr>
+          <a:xfrm>
+            <a:off x="1602767" y="3737308"/>
+            <a:ext cx="1586512" cy="560351"/>
+          </a:xfrm>
+          <a:prstGeom prst="rect">
+            <a:avLst/>
+          </a:prstGeom>
+          <a:noFill/>
+          <a:ln w="19050">
+            <a:solidFill>
+              <a:schemeClr val="tx1"/>
+            </a:solidFill>
+          </a:ln>
+        </p:spPr>
+        <p:txBody>
+          <a:bodyPr wrap="square" rtlCol="0">
+            <a:spAutoFit/>
+          </a:bodyPr>
+          <a:lstStyle/>
+          <a:p>
+            <a:endParaRPr lang="en-SG" dirty="0"/>
+          </a:p>
+        </p:txBody>
+      </p:sp>
+      <p:sp>
+        <p:nvSpPr>
+          <p:cNvPr id="14" name="TextBox 13"/>
+          <p:cNvSpPr txBox="1"/>
+          <p:nvPr/>
+        </p:nvSpPr>
+        <p:spPr>
+          <a:xfrm>
+            <a:off x="1602767" y="3377269"/>
+            <a:ext cx="489935" cy="184666"/>
+          </a:xfrm>
+          <a:prstGeom prst="rect">
+            <a:avLst/>
+          </a:prstGeom>
+          <a:noFill/>
+          <a:ln w="19050">
+            <a:solidFill>
+              <a:schemeClr val="tx1"/>
+            </a:solidFill>
+          </a:ln>
+        </p:spPr>
+        <p:txBody>
+          <a:bodyPr wrap="square" rtlCol="0">
+            <a:spAutoFit/>
+          </a:bodyPr>
+          <a:lstStyle/>
+          <a:p>
+            <a:endParaRPr lang="en-SG" dirty="0"/>
+          </a:p>
+        </p:txBody>
+      </p:sp>
+      <p:sp>
+        <p:nvSpPr>
+          <p:cNvPr id="15" name="TextBox 14"/>
+          <p:cNvSpPr txBox="1"/>
+          <p:nvPr/>
+        </p:nvSpPr>
+        <p:spPr>
+          <a:xfrm>
+            <a:off x="2538871" y="3377269"/>
+            <a:ext cx="489935" cy="184666"/>
+          </a:xfrm>
+          <a:prstGeom prst="rect">
+            <a:avLst/>
+          </a:prstGeom>
+          <a:noFill/>
+          <a:ln w="19050">
+            <a:solidFill>
+              <a:schemeClr val="tx1"/>
+            </a:solidFill>
+          </a:ln>
+        </p:spPr>
+        <p:txBody>
+          <a:bodyPr wrap="square" rtlCol="0">
+            <a:spAutoFit/>
+          </a:bodyPr>
+          <a:lstStyle/>
+          <a:p>
+            <a:endParaRPr lang="en-SG" dirty="0"/>
+          </a:p>
+        </p:txBody>
+      </p:sp>
+      <p:sp>
+        <p:nvSpPr>
+          <p:cNvPr id="16" name="TextBox 15"/>
+          <p:cNvSpPr txBox="1"/>
+          <p:nvPr/>
+        </p:nvSpPr>
+        <p:spPr>
+          <a:xfrm>
+            <a:off x="1605103" y="4457645"/>
+            <a:ext cx="1584176" cy="184666"/>
+          </a:xfrm>
+          <a:prstGeom prst="rect">
+            <a:avLst/>
+          </a:prstGeom>
+          <a:noFill/>
+          <a:ln w="19050">
+            <a:solidFill>
+              <a:schemeClr val="tx1"/>
+            </a:solidFill>
+          </a:ln>
+        </p:spPr>
+        <p:txBody>
+          <a:bodyPr wrap="square" rtlCol="0">
+            <a:spAutoFit/>
+          </a:bodyPr>
+          <a:lstStyle/>
+          <a:p>
+            <a:endParaRPr lang="en-SG" dirty="0"/>
+          </a:p>
+        </p:txBody>
+      </p:sp>
+      <p:graphicFrame>
+        <p:nvGraphicFramePr>
+          <p:cNvPr id="17" name="Table 16"/>
+          <p:cNvGraphicFramePr>
+            <a:graphicFrameLocks noGrp="1"/>
+          </p:cNvGraphicFramePr>
+          <p:nvPr>
+            <p:extLst>
+              <p:ext uri="{D42A27DB-BD31-4B8C-83A1-F6EECF244321}">
+                <p14:modId xmlns:p14="http://schemas.microsoft.com/office/powerpoint/2010/main" val="2907473129"/>
+              </p:ext>
+            </p:extLst>
+          </p:nvPr>
+        </p:nvGraphicFramePr>
+        <p:xfrm>
+          <a:off x="5076056" y="1640802"/>
+          <a:ext cx="3047996" cy="1828800"/>
+        </p:xfrm>
+        <a:graphic>
+          <a:graphicData uri="http://schemas.openxmlformats.org/drawingml/2006/table">
+            <a:tbl>
+              <a:tblPr firstRow="1" firstCol="1" bandRow="1">
+                <a:tableStyleId>{5940675A-B579-460E-94D1-54222C63F5DA}</a:tableStyleId>
+              </a:tblPr>
+              <a:tblGrid>
+                <a:gridCol w="435428"/>
+                <a:gridCol w="435428"/>
+                <a:gridCol w="435428"/>
+                <a:gridCol w="435428"/>
+                <a:gridCol w="435428"/>
+                <a:gridCol w="435428"/>
+                <a:gridCol w="435428"/>
+              </a:tblGrid>
+              <a:tr h="181079">
+                <a:tc>
+                  <a:txBody>
+                    <a:bodyPr/>
+                    <a:lstStyle/>
+                    <a:p>
+                      <a:pPr algn="ctr"/>
+                      <a:r>
+                        <a:rPr lang="en-US" dirty="0" smtClean="0"/>
+                        <a:t>M</a:t>
+                      </a:r>
+                      <a:endParaRPr lang="en-SG" dirty="0"/>
+                    </a:p>
+                  </a:txBody>
+                  <a:tcPr/>
+                </a:tc>
+                <a:tc>
+                  <a:txBody>
+                    <a:bodyPr/>
+                    <a:lstStyle/>
+                    <a:p>
+                      <a:pPr algn="ctr"/>
+                      <a:r>
+                        <a:rPr lang="en-US" dirty="0" smtClean="0"/>
+                        <a:t>T</a:t>
+                      </a:r>
+                      <a:endParaRPr lang="en-SG" dirty="0"/>
+                    </a:p>
+                  </a:txBody>
+                  <a:tcPr/>
+                </a:tc>
+                <a:tc>
+                  <a:txBody>
+                    <a:bodyPr/>
+                    <a:lstStyle/>
+                    <a:p>
+                      <a:pPr algn="ctr"/>
+                      <a:r>
+                        <a:rPr lang="en-US" dirty="0" smtClean="0"/>
+                        <a:t>W</a:t>
+                      </a:r>
+                      <a:endParaRPr lang="en-SG" dirty="0"/>
+                    </a:p>
+                  </a:txBody>
+                  <a:tcPr/>
+                </a:tc>
+                <a:tc>
+                  <a:txBody>
+                    <a:bodyPr/>
+                    <a:lstStyle/>
+                    <a:p>
+                      <a:pPr algn="ctr"/>
+                      <a:r>
+                        <a:rPr lang="en-US" dirty="0" smtClean="0"/>
+                        <a:t>T</a:t>
+                      </a:r>
+                      <a:endParaRPr lang="en-SG" dirty="0"/>
+                    </a:p>
+                  </a:txBody>
+                  <a:tcPr/>
+                </a:tc>
+                <a:tc>
+                  <a:txBody>
+                    <a:bodyPr/>
+                    <a:lstStyle/>
+                    <a:p>
+                      <a:pPr algn="ctr"/>
+                      <a:r>
+                        <a:rPr lang="en-US" dirty="0" smtClean="0"/>
+                        <a:t>F</a:t>
+                      </a:r>
+                      <a:endParaRPr lang="en-SG" dirty="0"/>
+                    </a:p>
+                  </a:txBody>
+                  <a:tcPr/>
+                </a:tc>
+                <a:tc>
+                  <a:txBody>
+                    <a:bodyPr/>
+                    <a:lstStyle/>
+                    <a:p>
+                      <a:pPr algn="ctr"/>
+                      <a:r>
+                        <a:rPr lang="en-US" dirty="0" smtClean="0"/>
+                        <a:t>S</a:t>
+                      </a:r>
+                      <a:endParaRPr lang="en-SG" dirty="0"/>
+                    </a:p>
+                  </a:txBody>
+                  <a:tcPr/>
+                </a:tc>
+                <a:tc>
+                  <a:txBody>
+                    <a:bodyPr/>
+                    <a:lstStyle/>
+                    <a:p>
+                      <a:pPr algn="ctr"/>
+                      <a:r>
+                        <a:rPr lang="en-US" dirty="0" smtClean="0"/>
+                        <a:t>S</a:t>
+                      </a:r>
+                      <a:endParaRPr lang="en-SG" dirty="0"/>
+                    </a:p>
+                  </a:txBody>
+                  <a:tcPr/>
+                </a:tc>
+              </a:tr>
+              <a:tr h="181079">
+                <a:tc>
+                  <a:txBody>
+                    <a:bodyPr/>
+                    <a:lstStyle/>
+                    <a:p>
+                      <a:endParaRPr lang="en-SG"/>
+                    </a:p>
+                  </a:txBody>
+                  <a:tcPr/>
+                </a:tc>
+                <a:tc>
+                  <a:txBody>
+                    <a:bodyPr/>
+                    <a:lstStyle/>
+                    <a:p>
+                      <a:endParaRPr lang="en-SG"/>
+                    </a:p>
+                  </a:txBody>
+                  <a:tcPr/>
+                </a:tc>
+                <a:tc>
+                  <a:txBody>
+                    <a:bodyPr/>
+                    <a:lstStyle/>
+                    <a:p>
+                      <a:endParaRPr lang="en-SG"/>
+                    </a:p>
+                  </a:txBody>
+                  <a:tcPr/>
+                </a:tc>
+                <a:tc>
+                  <a:txBody>
+                    <a:bodyPr/>
+                    <a:lstStyle/>
+                    <a:p>
+                      <a:endParaRPr lang="en-SG"/>
+                    </a:p>
+                  </a:txBody>
+                  <a:tcPr/>
+                </a:tc>
+                <a:tc>
+                  <a:txBody>
+                    <a:bodyPr/>
+                    <a:lstStyle/>
+                    <a:p>
+                      <a:endParaRPr lang="en-SG"/>
+                    </a:p>
+                  </a:txBody>
+                  <a:tcPr/>
+                </a:tc>
+                <a:tc>
+                  <a:txBody>
+                    <a:bodyPr/>
+                    <a:lstStyle/>
+                    <a:p>
+                      <a:endParaRPr lang="en-SG"/>
+                    </a:p>
+                  </a:txBody>
+                  <a:tcPr/>
+                </a:tc>
+                <a:tc>
+                  <a:txBody>
+                    <a:bodyPr/>
+                    <a:lstStyle/>
+                    <a:p>
+                      <a:endParaRPr lang="en-SG" dirty="0"/>
+                    </a:p>
+                  </a:txBody>
+                  <a:tcPr/>
+                </a:tc>
+              </a:tr>
+              <a:tr h="181079">
+                <a:tc>
+                  <a:txBody>
+                    <a:bodyPr/>
+                    <a:lstStyle/>
+                    <a:p>
+                      <a:endParaRPr lang="en-SG"/>
+                    </a:p>
+                  </a:txBody>
+                  <a:tcPr/>
+                </a:tc>
+                <a:tc>
+                  <a:txBody>
+                    <a:bodyPr/>
+                    <a:lstStyle/>
+                    <a:p>
+                      <a:endParaRPr lang="en-SG"/>
+                    </a:p>
+                  </a:txBody>
+                  <a:tcPr/>
+                </a:tc>
+                <a:tc>
+                  <a:txBody>
+                    <a:bodyPr/>
+                    <a:lstStyle/>
+                    <a:p>
+                      <a:endParaRPr lang="en-SG" dirty="0"/>
+                    </a:p>
+                  </a:txBody>
+                  <a:tcPr/>
+                </a:tc>
+                <a:tc>
+                  <a:txBody>
+                    <a:bodyPr/>
+                    <a:lstStyle/>
+                    <a:p>
+                      <a:endParaRPr lang="en-SG"/>
+                    </a:p>
+                  </a:txBody>
+                  <a:tcPr/>
+                </a:tc>
+                <a:tc>
+                  <a:txBody>
+                    <a:bodyPr/>
+                    <a:lstStyle/>
+                    <a:p>
+                      <a:endParaRPr lang="en-SG"/>
+                    </a:p>
+                  </a:txBody>
+                  <a:tcPr/>
+                </a:tc>
+                <a:tc>
+                  <a:txBody>
+                    <a:bodyPr/>
+                    <a:lstStyle/>
+                    <a:p>
+                      <a:endParaRPr lang="en-SG"/>
+                    </a:p>
+                  </a:txBody>
+                  <a:tcPr/>
+                </a:tc>
+                <a:tc>
+                  <a:txBody>
+                    <a:bodyPr/>
+                    <a:lstStyle/>
+                    <a:p>
+                      <a:endParaRPr lang="en-SG"/>
+                    </a:p>
+                  </a:txBody>
+                  <a:tcPr/>
+                </a:tc>
+              </a:tr>
+              <a:tr h="181079">
+                <a:tc>
+                  <a:txBody>
+                    <a:bodyPr/>
+                    <a:lstStyle/>
+                    <a:p>
+                      <a:endParaRPr lang="en-SG"/>
+                    </a:p>
+                  </a:txBody>
+                  <a:tcPr/>
+                </a:tc>
+                <a:tc>
+                  <a:txBody>
+                    <a:bodyPr/>
+                    <a:lstStyle/>
+                    <a:p>
+                      <a:endParaRPr lang="en-SG"/>
+                    </a:p>
+                  </a:txBody>
+                  <a:tcPr/>
+                </a:tc>
+                <a:tc>
+                  <a:txBody>
+                    <a:bodyPr/>
+                    <a:lstStyle/>
+                    <a:p>
+                      <a:endParaRPr lang="en-SG"/>
+                    </a:p>
+                  </a:txBody>
+                  <a:tcPr/>
+                </a:tc>
+                <a:tc>
+                  <a:txBody>
+                    <a:bodyPr/>
+                    <a:lstStyle/>
+                    <a:p>
+                      <a:endParaRPr lang="en-SG"/>
+                    </a:p>
+                  </a:txBody>
+                  <a:tcPr/>
+                </a:tc>
+                <a:tc>
+                  <a:txBody>
+                    <a:bodyPr/>
+                    <a:lstStyle/>
+                    <a:p>
+                      <a:endParaRPr lang="en-SG"/>
+                    </a:p>
+                  </a:txBody>
+                  <a:tcPr/>
+                </a:tc>
+                <a:tc>
+                  <a:txBody>
+                    <a:bodyPr/>
+                    <a:lstStyle/>
+                    <a:p>
+                      <a:endParaRPr lang="en-SG"/>
+                    </a:p>
+                  </a:txBody>
+                  <a:tcPr/>
+                </a:tc>
+                <a:tc>
+                  <a:txBody>
+                    <a:bodyPr/>
+                    <a:lstStyle/>
+                    <a:p>
+                      <a:endParaRPr lang="en-SG"/>
+                    </a:p>
+                  </a:txBody>
+                  <a:tcPr/>
+                </a:tc>
+              </a:tr>
+              <a:tr h="181079">
+                <a:tc>
+                  <a:txBody>
+                    <a:bodyPr/>
+                    <a:lstStyle/>
+                    <a:p>
+                      <a:endParaRPr lang="en-SG" dirty="0"/>
+                    </a:p>
+                  </a:txBody>
+                  <a:tcPr/>
+                </a:tc>
+                <a:tc>
+                  <a:txBody>
+                    <a:bodyPr/>
+                    <a:lstStyle/>
+                    <a:p>
+                      <a:endParaRPr lang="en-SG"/>
+                    </a:p>
+                  </a:txBody>
+                  <a:tcPr/>
+                </a:tc>
+                <a:tc>
+                  <a:txBody>
+                    <a:bodyPr/>
+                    <a:lstStyle/>
+                    <a:p>
+                      <a:endParaRPr lang="en-SG" dirty="0"/>
+                    </a:p>
+                  </a:txBody>
+                  <a:tcPr/>
+                </a:tc>
+                <a:tc>
+                  <a:txBody>
+                    <a:bodyPr/>
+                    <a:lstStyle/>
+                    <a:p>
+                      <a:endParaRPr lang="en-SG"/>
+                    </a:p>
+                  </a:txBody>
+                  <a:tcPr/>
+                </a:tc>
+                <a:tc>
+                  <a:txBody>
+                    <a:bodyPr/>
+                    <a:lstStyle/>
+                    <a:p>
+                      <a:endParaRPr lang="en-SG"/>
+                    </a:p>
+                  </a:txBody>
+                  <a:tcPr/>
+                </a:tc>
+                <a:tc>
+                  <a:txBody>
+                    <a:bodyPr/>
+                    <a:lstStyle/>
+                    <a:p>
+                      <a:endParaRPr lang="en-SG"/>
+                    </a:p>
+                  </a:txBody>
+                  <a:tcPr/>
+                </a:tc>
+                <a:tc>
+                  <a:txBody>
+                    <a:bodyPr/>
+                    <a:lstStyle/>
+                    <a:p>
+                      <a:endParaRPr lang="en-SG" dirty="0"/>
+                    </a:p>
+                  </a:txBody>
+                  <a:tcPr/>
+                </a:tc>
+              </a:tr>
+            </a:tbl>
+          </a:graphicData>
+        </a:graphic>
+      </p:graphicFrame>
+      <p:sp>
+        <p:nvSpPr>
+          <p:cNvPr id="18" name="TextBox 17"/>
+          <p:cNvSpPr txBox="1"/>
+          <p:nvPr/>
+        </p:nvSpPr>
+        <p:spPr>
+          <a:xfrm>
+            <a:off x="5004048" y="1103123"/>
+            <a:ext cx="2952328" cy="307777"/>
+          </a:xfrm>
+          <a:prstGeom prst="rect">
+            <a:avLst/>
+          </a:prstGeom>
+          <a:noFill/>
+          <a:ln>
+            <a:solidFill>
+              <a:schemeClr val="bg1"/>
+            </a:solidFill>
+          </a:ln>
+        </p:spPr>
+        <p:txBody>
+          <a:bodyPr wrap="square" rtlCol="0">
+            <a:spAutoFit/>
+          </a:bodyPr>
+          <a:lstStyle/>
+          <a:p>
+            <a:r>
+              <a:rPr lang="en-US" sz="1400" b="1" dirty="0" smtClean="0"/>
+              <a:t>Please select your preferred timings</a:t>
+            </a:r>
+            <a:endParaRPr lang="en-SG" sz="1400" b="1" dirty="0"/>
+          </a:p>
+        </p:txBody>
+      </p:sp>
+      <p:sp>
+        <p:nvSpPr>
+          <p:cNvPr id="19" name="Rounded Rectangle 18"/>
+          <p:cNvSpPr/>
+          <p:nvPr/>
+        </p:nvSpPr>
+        <p:spPr>
+          <a:xfrm>
+            <a:off x="5076056" y="3737309"/>
+            <a:ext cx="1296144" cy="560351"/>
+          </a:xfrm>
+          <a:prstGeom prst="roundRect">
+            <a:avLst/>
+          </a:prstGeom>
+          <a:scene3d>
+            <a:camera prst="orthographicFront"/>
+            <a:lightRig rig="threePt" dir="t"/>
+          </a:scene3d>
+          <a:sp3d>
+            <a:bevelT/>
+          </a:sp3d>
+        </p:spPr>
+        <p:style>
+          <a:lnRef idx="2">
+            <a:schemeClr val="accent1"/>
+          </a:lnRef>
+          <a:fillRef idx="1">
+            <a:schemeClr val="lt1"/>
+          </a:fillRef>
+          <a:effectRef idx="0">
+            <a:schemeClr val="accent1"/>
+          </a:effectRef>
+          <a:fontRef idx="minor">
+            <a:schemeClr val="dk1"/>
+          </a:fontRef>
+        </p:style>
+        <p:txBody>
+          <a:bodyPr rtlCol="0" anchor="ctr"/>
+          <a:lstStyle/>
+          <a:p>
+            <a:pPr algn="ctr"/>
+            <a:r>
+              <a:rPr lang="en-US" b="1" dirty="0" smtClean="0"/>
+              <a:t>Submit</a:t>
+            </a:r>
+            <a:endParaRPr lang="en-SG" b="1" dirty="0"/>
+          </a:p>
+        </p:txBody>
+      </p:sp>
+      <p:sp>
+        <p:nvSpPr>
+          <p:cNvPr id="20" name="Rounded Rectangle 19"/>
+          <p:cNvSpPr/>
+          <p:nvPr/>
+        </p:nvSpPr>
+        <p:spPr>
+          <a:xfrm>
+            <a:off x="6804248" y="3737307"/>
+            <a:ext cx="1296144" cy="560351"/>
+          </a:xfrm>
+          <a:prstGeom prst="roundRect">
+            <a:avLst/>
+          </a:prstGeom>
+          <a:scene3d>
+            <a:camera prst="orthographicFront"/>
+            <a:lightRig rig="threePt" dir="t"/>
+          </a:scene3d>
+          <a:sp3d>
+            <a:bevelT/>
+          </a:sp3d>
+        </p:spPr>
+        <p:style>
+          <a:lnRef idx="2">
+            <a:schemeClr val="accent1"/>
+          </a:lnRef>
+          <a:fillRef idx="1">
+            <a:schemeClr val="lt1"/>
+          </a:fillRef>
+          <a:effectRef idx="0">
+            <a:schemeClr val="accent1"/>
+          </a:effectRef>
+          <a:fontRef idx="minor">
+            <a:schemeClr val="dk1"/>
+          </a:fontRef>
+        </p:style>
+        <p:txBody>
+          <a:bodyPr rtlCol="0" anchor="ctr"/>
+          <a:lstStyle/>
+          <a:p>
+            <a:pPr algn="ctr"/>
+            <a:r>
+              <a:rPr lang="en-US" b="1" dirty="0" smtClean="0"/>
+              <a:t>Cancel</a:t>
+            </a:r>
+            <a:endParaRPr lang="en-SG" b="1" dirty="0"/>
+          </a:p>
+        </p:txBody>
+      </p:sp>
+      <p:sp>
+        <p:nvSpPr>
+          <p:cNvPr id="21" name="TextBox 20"/>
+          <p:cNvSpPr txBox="1"/>
+          <p:nvPr/>
+        </p:nvSpPr>
+        <p:spPr>
+          <a:xfrm>
+            <a:off x="179512" y="1589639"/>
+            <a:ext cx="1423257" cy="215444"/>
+          </a:xfrm>
+          <a:prstGeom prst="rect">
+            <a:avLst/>
+          </a:prstGeom>
+          <a:noFill/>
+          <a:ln>
+            <a:solidFill>
+              <a:schemeClr val="bg1"/>
+            </a:solidFill>
+          </a:ln>
+        </p:spPr>
+        <p:txBody>
+          <a:bodyPr wrap="square" rtlCol="0">
+            <a:spAutoFit/>
+          </a:bodyPr>
+          <a:lstStyle/>
+          <a:p>
+            <a:pPr algn="r"/>
+            <a:r>
+              <a:rPr lang="en-US" sz="800" b="1" dirty="0" smtClean="0"/>
+              <a:t>Username/E-mail:</a:t>
+            </a:r>
+            <a:endParaRPr lang="en-SG" sz="800" b="1" dirty="0"/>
+          </a:p>
+        </p:txBody>
+      </p:sp>
+      <p:sp>
+        <p:nvSpPr>
+          <p:cNvPr id="22" name="TextBox 21"/>
+          <p:cNvSpPr txBox="1"/>
+          <p:nvPr/>
+        </p:nvSpPr>
+        <p:spPr>
+          <a:xfrm>
+            <a:off x="181844" y="1952754"/>
+            <a:ext cx="1423257" cy="215444"/>
+          </a:xfrm>
+          <a:prstGeom prst="rect">
+            <a:avLst/>
+          </a:prstGeom>
+          <a:noFill/>
+          <a:ln>
+            <a:solidFill>
+              <a:schemeClr val="bg1"/>
+            </a:solidFill>
+          </a:ln>
+        </p:spPr>
+        <p:txBody>
+          <a:bodyPr wrap="square" rtlCol="0">
+            <a:spAutoFit/>
+          </a:bodyPr>
+          <a:lstStyle/>
+          <a:p>
+            <a:pPr algn="r"/>
+            <a:r>
+              <a:rPr lang="en-US" sz="800" b="1" dirty="0" smtClean="0"/>
+              <a:t>Password:</a:t>
+            </a:r>
+            <a:endParaRPr lang="en-SG" sz="800" b="1" dirty="0"/>
+          </a:p>
+        </p:txBody>
+      </p:sp>
+      <p:sp>
+        <p:nvSpPr>
+          <p:cNvPr id="23" name="TextBox 22"/>
+          <p:cNvSpPr txBox="1"/>
+          <p:nvPr/>
+        </p:nvSpPr>
+        <p:spPr>
+          <a:xfrm>
+            <a:off x="179511" y="2309719"/>
+            <a:ext cx="1423257" cy="215444"/>
+          </a:xfrm>
+          <a:prstGeom prst="rect">
+            <a:avLst/>
+          </a:prstGeom>
+          <a:noFill/>
+          <a:ln>
+            <a:solidFill>
+              <a:schemeClr val="bg1"/>
+            </a:solidFill>
+          </a:ln>
+        </p:spPr>
+        <p:txBody>
+          <a:bodyPr wrap="square" rtlCol="0">
+            <a:spAutoFit/>
+          </a:bodyPr>
+          <a:lstStyle/>
+          <a:p>
+            <a:pPr algn="r"/>
+            <a:r>
+              <a:rPr lang="en-US" sz="800" b="1" dirty="0" smtClean="0"/>
+              <a:t>Confirm Password:</a:t>
+            </a:r>
+            <a:endParaRPr lang="en-SG" sz="800" b="1" dirty="0"/>
+          </a:p>
+        </p:txBody>
+      </p:sp>
+      <p:sp>
+        <p:nvSpPr>
+          <p:cNvPr id="24" name="TextBox 23"/>
+          <p:cNvSpPr txBox="1"/>
+          <p:nvPr/>
+        </p:nvSpPr>
+        <p:spPr>
+          <a:xfrm>
+            <a:off x="181844" y="2669759"/>
+            <a:ext cx="1423257" cy="215444"/>
+          </a:xfrm>
+          <a:prstGeom prst="rect">
+            <a:avLst/>
+          </a:prstGeom>
+          <a:noFill/>
+          <a:ln>
+            <a:solidFill>
+              <a:schemeClr val="bg1"/>
+            </a:solidFill>
+          </a:ln>
+        </p:spPr>
+        <p:txBody>
+          <a:bodyPr wrap="square" rtlCol="0">
+            <a:spAutoFit/>
+          </a:bodyPr>
+          <a:lstStyle/>
+          <a:p>
+            <a:pPr algn="r"/>
+            <a:r>
+              <a:rPr lang="en-US" sz="800" b="1" dirty="0" smtClean="0"/>
+              <a:t>Name:</a:t>
+            </a:r>
+            <a:endParaRPr lang="en-SG" sz="800" b="1" dirty="0"/>
+          </a:p>
+        </p:txBody>
+      </p:sp>
+      <p:sp>
+        <p:nvSpPr>
+          <p:cNvPr id="25" name="TextBox 24"/>
+          <p:cNvSpPr txBox="1"/>
+          <p:nvPr/>
+        </p:nvSpPr>
+        <p:spPr>
+          <a:xfrm>
+            <a:off x="179510" y="3029799"/>
+            <a:ext cx="1423257" cy="215444"/>
+          </a:xfrm>
+          <a:prstGeom prst="rect">
+            <a:avLst/>
+          </a:prstGeom>
+          <a:noFill/>
+          <a:ln>
+            <a:solidFill>
+              <a:schemeClr val="bg1"/>
+            </a:solidFill>
+          </a:ln>
+        </p:spPr>
+        <p:txBody>
+          <a:bodyPr wrap="square" rtlCol="0">
+            <a:spAutoFit/>
+          </a:bodyPr>
+          <a:lstStyle/>
+          <a:p>
+            <a:pPr algn="r"/>
+            <a:r>
+              <a:rPr lang="en-US" sz="800" b="1" dirty="0" smtClean="0"/>
+              <a:t>Contact:</a:t>
+            </a:r>
+            <a:endParaRPr lang="en-SG" sz="800" b="1" dirty="0"/>
+          </a:p>
+        </p:txBody>
+      </p:sp>
+      <p:sp>
+        <p:nvSpPr>
+          <p:cNvPr id="26" name="TextBox 25"/>
+          <p:cNvSpPr txBox="1"/>
+          <p:nvPr/>
+        </p:nvSpPr>
+        <p:spPr>
+          <a:xfrm>
+            <a:off x="181842" y="3377269"/>
+            <a:ext cx="1423257" cy="215444"/>
+          </a:xfrm>
+          <a:prstGeom prst="rect">
+            <a:avLst/>
+          </a:prstGeom>
+          <a:noFill/>
+          <a:ln>
+            <a:solidFill>
+              <a:schemeClr val="bg1"/>
+            </a:solidFill>
+          </a:ln>
+        </p:spPr>
+        <p:txBody>
+          <a:bodyPr wrap="square" rtlCol="0">
+            <a:spAutoFit/>
+          </a:bodyPr>
+          <a:lstStyle/>
+          <a:p>
+            <a:pPr algn="r"/>
+            <a:r>
+              <a:rPr lang="en-US" sz="800" b="1" dirty="0" smtClean="0"/>
+              <a:t>Address:   </a:t>
+            </a:r>
+            <a:r>
+              <a:rPr lang="en-US" sz="800" b="1" dirty="0" err="1" smtClean="0"/>
+              <a:t>Blk</a:t>
+            </a:r>
+            <a:endParaRPr lang="en-SG" sz="800" b="1" dirty="0"/>
+          </a:p>
+        </p:txBody>
+      </p:sp>
+      <p:sp>
+        <p:nvSpPr>
+          <p:cNvPr id="27" name="TextBox 26"/>
+          <p:cNvSpPr txBox="1"/>
+          <p:nvPr/>
+        </p:nvSpPr>
+        <p:spPr>
+          <a:xfrm>
+            <a:off x="179508" y="3737309"/>
+            <a:ext cx="1423257" cy="215444"/>
+          </a:xfrm>
+          <a:prstGeom prst="rect">
+            <a:avLst/>
+          </a:prstGeom>
+          <a:noFill/>
+          <a:ln>
+            <a:solidFill>
+              <a:schemeClr val="bg1"/>
+            </a:solidFill>
+          </a:ln>
+        </p:spPr>
+        <p:txBody>
+          <a:bodyPr wrap="square" rtlCol="0">
+            <a:spAutoFit/>
+          </a:bodyPr>
+          <a:lstStyle/>
+          <a:p>
+            <a:pPr algn="r"/>
+            <a:r>
+              <a:rPr lang="en-US" sz="800" b="1" dirty="0" smtClean="0"/>
+              <a:t>Road:</a:t>
+            </a:r>
+            <a:endParaRPr lang="en-SG" sz="800" b="1" dirty="0"/>
+          </a:p>
+        </p:txBody>
+      </p:sp>
+      <p:sp>
+        <p:nvSpPr>
+          <p:cNvPr id="28" name="TextBox 27"/>
+          <p:cNvSpPr txBox="1"/>
+          <p:nvPr/>
+        </p:nvSpPr>
+        <p:spPr>
+          <a:xfrm>
+            <a:off x="181844" y="4457645"/>
+            <a:ext cx="1423257" cy="215444"/>
+          </a:xfrm>
+          <a:prstGeom prst="rect">
+            <a:avLst/>
+          </a:prstGeom>
+          <a:noFill/>
+          <a:ln>
+            <a:solidFill>
+              <a:schemeClr val="bg1"/>
+            </a:solidFill>
+          </a:ln>
+        </p:spPr>
+        <p:txBody>
+          <a:bodyPr wrap="square" rtlCol="0">
+            <a:spAutoFit/>
+          </a:bodyPr>
+          <a:lstStyle/>
+          <a:p>
+            <a:pPr algn="r"/>
+            <a:r>
+              <a:rPr lang="en-US" sz="800" b="1" dirty="0" smtClean="0"/>
+              <a:t>Postal Code:</a:t>
+            </a:r>
+            <a:endParaRPr lang="en-SG" sz="800" b="1" dirty="0"/>
+          </a:p>
+        </p:txBody>
+      </p:sp>
     </p:spTree>
     <p:extLst>
       <p:ext uri="{BB962C8B-B14F-4D97-AF65-F5344CB8AC3E}">
@@ -13202,10 +15985,3474 @@
           <a:chExt cx="0" cy="0"/>
         </a:xfrm>
       </p:grpSpPr>
+      <p:sp>
+        <p:nvSpPr>
+          <p:cNvPr id="8" name="TextBox 7"/>
+          <p:cNvSpPr txBox="1"/>
+          <p:nvPr/>
+        </p:nvSpPr>
+        <p:spPr>
+          <a:xfrm>
+            <a:off x="2092702" y="3377525"/>
+            <a:ext cx="446169" cy="215444"/>
+          </a:xfrm>
+          <a:prstGeom prst="rect">
+            <a:avLst/>
+          </a:prstGeom>
+          <a:noFill/>
+          <a:ln>
+            <a:solidFill>
+              <a:schemeClr val="bg1"/>
+            </a:solidFill>
+          </a:ln>
+        </p:spPr>
+        <p:txBody>
+          <a:bodyPr wrap="square" rtlCol="0">
+            <a:spAutoFit/>
+          </a:bodyPr>
+          <a:lstStyle/>
+          <a:p>
+            <a:pPr algn="r"/>
+            <a:r>
+              <a:rPr lang="en-US" sz="800" b="1" dirty="0" smtClean="0"/>
+              <a:t>Unit:</a:t>
+            </a:r>
+            <a:endParaRPr lang="en-SG" sz="800" b="1" dirty="0"/>
+          </a:p>
+        </p:txBody>
+      </p:sp>
+      <p:sp>
+        <p:nvSpPr>
+          <p:cNvPr id="9" name="Rectangle 8"/>
+          <p:cNvSpPr/>
+          <p:nvPr/>
+        </p:nvSpPr>
+        <p:spPr>
+          <a:xfrm>
+            <a:off x="539551" y="769268"/>
+            <a:ext cx="1944217" cy="504056"/>
+          </a:xfrm>
+          <a:prstGeom prst="rect">
+            <a:avLst/>
+          </a:prstGeom>
+          <a:solidFill>
+            <a:schemeClr val="accent1">
+              <a:lumMod val="60000"/>
+              <a:lumOff val="40000"/>
+            </a:schemeClr>
+          </a:solidFill>
+          <a:ln>
+            <a:solidFill>
+              <a:schemeClr val="bg1"/>
+            </a:solidFill>
+          </a:ln>
+          <a:effectLst>
+            <a:softEdge rad="31750"/>
+          </a:effectLst>
+        </p:spPr>
+        <p:style>
+          <a:lnRef idx="2">
+            <a:schemeClr val="accent1">
+              <a:shade val="50000"/>
+            </a:schemeClr>
+          </a:lnRef>
+          <a:fillRef idx="1">
+            <a:schemeClr val="accent1"/>
+          </a:fillRef>
+          <a:effectRef idx="0">
+            <a:schemeClr val="accent1"/>
+          </a:effectRef>
+          <a:fontRef idx="minor">
+            <a:schemeClr val="lt1"/>
+          </a:fontRef>
+        </p:style>
+        <p:txBody>
+          <a:bodyPr rtlCol="0" anchor="ctr"/>
+          <a:lstStyle/>
+          <a:p>
+            <a:pPr algn="ctr"/>
+            <a:r>
+              <a:rPr lang="en-US" b="1" dirty="0" smtClean="0">
+                <a:solidFill>
+                  <a:schemeClr val="tx1"/>
+                </a:solidFill>
+              </a:rPr>
+              <a:t>REGISTER - SELLER</a:t>
+            </a:r>
+            <a:endParaRPr lang="en-SG" b="1" dirty="0">
+              <a:solidFill>
+                <a:schemeClr val="tx1"/>
+              </a:solidFill>
+            </a:endParaRPr>
+          </a:p>
+        </p:txBody>
+      </p:sp>
+      <p:sp>
+        <p:nvSpPr>
+          <p:cNvPr id="10" name="TextBox 9"/>
+          <p:cNvSpPr txBox="1"/>
+          <p:nvPr/>
+        </p:nvSpPr>
+        <p:spPr>
+          <a:xfrm>
+            <a:off x="1602769" y="1589639"/>
+            <a:ext cx="1584176" cy="184666"/>
+          </a:xfrm>
+          <a:prstGeom prst="rect">
+            <a:avLst/>
+          </a:prstGeom>
+          <a:noFill/>
+          <a:ln w="19050">
+            <a:solidFill>
+              <a:schemeClr val="tx1"/>
+            </a:solidFill>
+          </a:ln>
+        </p:spPr>
+        <p:txBody>
+          <a:bodyPr wrap="square" rtlCol="0">
+            <a:spAutoFit/>
+          </a:bodyPr>
+          <a:lstStyle/>
+          <a:p>
+            <a:endParaRPr lang="en-SG" dirty="0"/>
+          </a:p>
+        </p:txBody>
+      </p:sp>
+      <p:sp>
+        <p:nvSpPr>
+          <p:cNvPr id="11" name="TextBox 10"/>
+          <p:cNvSpPr txBox="1"/>
+          <p:nvPr/>
+        </p:nvSpPr>
+        <p:spPr>
+          <a:xfrm>
+            <a:off x="1602769" y="3029799"/>
+            <a:ext cx="1584176" cy="184666"/>
+          </a:xfrm>
+          <a:prstGeom prst="rect">
+            <a:avLst/>
+          </a:prstGeom>
+          <a:noFill/>
+          <a:ln w="19050">
+            <a:solidFill>
+              <a:schemeClr val="tx1"/>
+            </a:solidFill>
+          </a:ln>
+        </p:spPr>
+        <p:txBody>
+          <a:bodyPr wrap="square" rtlCol="0">
+            <a:spAutoFit/>
+          </a:bodyPr>
+          <a:lstStyle/>
+          <a:p>
+            <a:endParaRPr lang="en-SG" dirty="0"/>
+          </a:p>
+        </p:txBody>
+      </p:sp>
+      <p:sp>
+        <p:nvSpPr>
+          <p:cNvPr id="12" name="TextBox 11"/>
+          <p:cNvSpPr txBox="1"/>
+          <p:nvPr/>
+        </p:nvSpPr>
+        <p:spPr>
+          <a:xfrm>
+            <a:off x="1602769" y="2309719"/>
+            <a:ext cx="1584176" cy="184666"/>
+          </a:xfrm>
+          <a:prstGeom prst="rect">
+            <a:avLst/>
+          </a:prstGeom>
+          <a:noFill/>
+          <a:ln w="19050">
+            <a:solidFill>
+              <a:schemeClr val="tx1"/>
+            </a:solidFill>
+          </a:ln>
+        </p:spPr>
+        <p:txBody>
+          <a:bodyPr wrap="square" rtlCol="0">
+            <a:spAutoFit/>
+          </a:bodyPr>
+          <a:lstStyle/>
+          <a:p>
+            <a:endParaRPr lang="en-SG" dirty="0"/>
+          </a:p>
+        </p:txBody>
+      </p:sp>
+      <p:sp>
+        <p:nvSpPr>
+          <p:cNvPr id="13" name="TextBox 12"/>
+          <p:cNvSpPr txBox="1"/>
+          <p:nvPr/>
+        </p:nvSpPr>
+        <p:spPr>
+          <a:xfrm>
+            <a:off x="1602769" y="2669759"/>
+            <a:ext cx="1584176" cy="184666"/>
+          </a:xfrm>
+          <a:prstGeom prst="rect">
+            <a:avLst/>
+          </a:prstGeom>
+          <a:noFill/>
+          <a:ln w="19050">
+            <a:solidFill>
+              <a:schemeClr val="tx1"/>
+            </a:solidFill>
+          </a:ln>
+        </p:spPr>
+        <p:txBody>
+          <a:bodyPr wrap="square" rtlCol="0">
+            <a:spAutoFit/>
+          </a:bodyPr>
+          <a:lstStyle/>
+          <a:p>
+            <a:endParaRPr lang="en-SG" dirty="0"/>
+          </a:p>
+        </p:txBody>
+      </p:sp>
+      <p:sp>
+        <p:nvSpPr>
+          <p:cNvPr id="14" name="TextBox 13"/>
+          <p:cNvSpPr txBox="1"/>
+          <p:nvPr/>
+        </p:nvSpPr>
+        <p:spPr>
+          <a:xfrm>
+            <a:off x="1602769" y="1952754"/>
+            <a:ext cx="1584176" cy="184666"/>
+          </a:xfrm>
+          <a:prstGeom prst="rect">
+            <a:avLst/>
+          </a:prstGeom>
+          <a:noFill/>
+          <a:ln w="19050">
+            <a:solidFill>
+              <a:schemeClr val="tx1"/>
+            </a:solidFill>
+          </a:ln>
+        </p:spPr>
+        <p:txBody>
+          <a:bodyPr wrap="square" rtlCol="0">
+            <a:spAutoFit/>
+          </a:bodyPr>
+          <a:lstStyle/>
+          <a:p>
+            <a:endParaRPr lang="en-SG" dirty="0"/>
+          </a:p>
+        </p:txBody>
+      </p:sp>
+      <p:sp>
+        <p:nvSpPr>
+          <p:cNvPr id="15" name="TextBox 14"/>
+          <p:cNvSpPr txBox="1"/>
+          <p:nvPr/>
+        </p:nvSpPr>
+        <p:spPr>
+          <a:xfrm>
+            <a:off x="1602767" y="3737308"/>
+            <a:ext cx="1586512" cy="560351"/>
+          </a:xfrm>
+          <a:prstGeom prst="rect">
+            <a:avLst/>
+          </a:prstGeom>
+          <a:noFill/>
+          <a:ln w="19050">
+            <a:solidFill>
+              <a:schemeClr val="tx1"/>
+            </a:solidFill>
+          </a:ln>
+        </p:spPr>
+        <p:txBody>
+          <a:bodyPr wrap="square" rtlCol="0">
+            <a:spAutoFit/>
+          </a:bodyPr>
+          <a:lstStyle/>
+          <a:p>
+            <a:endParaRPr lang="en-SG" dirty="0"/>
+          </a:p>
+        </p:txBody>
+      </p:sp>
+      <p:sp>
+        <p:nvSpPr>
+          <p:cNvPr id="16" name="TextBox 15"/>
+          <p:cNvSpPr txBox="1"/>
+          <p:nvPr/>
+        </p:nvSpPr>
+        <p:spPr>
+          <a:xfrm>
+            <a:off x="1602767" y="3377269"/>
+            <a:ext cx="489935" cy="184666"/>
+          </a:xfrm>
+          <a:prstGeom prst="rect">
+            <a:avLst/>
+          </a:prstGeom>
+          <a:noFill/>
+          <a:ln w="19050">
+            <a:solidFill>
+              <a:schemeClr val="tx1"/>
+            </a:solidFill>
+          </a:ln>
+        </p:spPr>
+        <p:txBody>
+          <a:bodyPr wrap="square" rtlCol="0">
+            <a:spAutoFit/>
+          </a:bodyPr>
+          <a:lstStyle/>
+          <a:p>
+            <a:endParaRPr lang="en-SG" dirty="0"/>
+          </a:p>
+        </p:txBody>
+      </p:sp>
+      <p:sp>
+        <p:nvSpPr>
+          <p:cNvPr id="17" name="TextBox 16"/>
+          <p:cNvSpPr txBox="1"/>
+          <p:nvPr/>
+        </p:nvSpPr>
+        <p:spPr>
+          <a:xfrm>
+            <a:off x="2538871" y="3377269"/>
+            <a:ext cx="489935" cy="184666"/>
+          </a:xfrm>
+          <a:prstGeom prst="rect">
+            <a:avLst/>
+          </a:prstGeom>
+          <a:noFill/>
+          <a:ln w="19050">
+            <a:solidFill>
+              <a:schemeClr val="tx1"/>
+            </a:solidFill>
+          </a:ln>
+        </p:spPr>
+        <p:txBody>
+          <a:bodyPr wrap="square" rtlCol="0">
+            <a:spAutoFit/>
+          </a:bodyPr>
+          <a:lstStyle/>
+          <a:p>
+            <a:endParaRPr lang="en-SG" dirty="0"/>
+          </a:p>
+        </p:txBody>
+      </p:sp>
+      <p:sp>
+        <p:nvSpPr>
+          <p:cNvPr id="18" name="TextBox 17"/>
+          <p:cNvSpPr txBox="1"/>
+          <p:nvPr/>
+        </p:nvSpPr>
+        <p:spPr>
+          <a:xfrm>
+            <a:off x="1605103" y="4457645"/>
+            <a:ext cx="1584176" cy="184666"/>
+          </a:xfrm>
+          <a:prstGeom prst="rect">
+            <a:avLst/>
+          </a:prstGeom>
+          <a:noFill/>
+          <a:ln w="19050">
+            <a:solidFill>
+              <a:schemeClr val="tx1"/>
+            </a:solidFill>
+          </a:ln>
+        </p:spPr>
+        <p:txBody>
+          <a:bodyPr wrap="square" rtlCol="0">
+            <a:spAutoFit/>
+          </a:bodyPr>
+          <a:lstStyle/>
+          <a:p>
+            <a:endParaRPr lang="en-SG" dirty="0"/>
+          </a:p>
+        </p:txBody>
+      </p:sp>
+      <p:sp>
+        <p:nvSpPr>
+          <p:cNvPr id="23" name="TextBox 22"/>
+          <p:cNvSpPr txBox="1"/>
+          <p:nvPr/>
+        </p:nvSpPr>
+        <p:spPr>
+          <a:xfrm>
+            <a:off x="179512" y="1589639"/>
+            <a:ext cx="1423257" cy="215444"/>
+          </a:xfrm>
+          <a:prstGeom prst="rect">
+            <a:avLst/>
+          </a:prstGeom>
+          <a:noFill/>
+          <a:ln>
+            <a:solidFill>
+              <a:schemeClr val="bg1"/>
+            </a:solidFill>
+          </a:ln>
+        </p:spPr>
+        <p:txBody>
+          <a:bodyPr wrap="square" rtlCol="0">
+            <a:spAutoFit/>
+          </a:bodyPr>
+          <a:lstStyle/>
+          <a:p>
+            <a:pPr algn="r"/>
+            <a:r>
+              <a:rPr lang="en-US" sz="800" b="1" dirty="0" smtClean="0"/>
+              <a:t>Username/E-mail:</a:t>
+            </a:r>
+            <a:endParaRPr lang="en-SG" sz="800" b="1" dirty="0"/>
+          </a:p>
+        </p:txBody>
+      </p:sp>
+      <p:sp>
+        <p:nvSpPr>
+          <p:cNvPr id="24" name="TextBox 23"/>
+          <p:cNvSpPr txBox="1"/>
+          <p:nvPr/>
+        </p:nvSpPr>
+        <p:spPr>
+          <a:xfrm>
+            <a:off x="181844" y="1952754"/>
+            <a:ext cx="1423257" cy="215444"/>
+          </a:xfrm>
+          <a:prstGeom prst="rect">
+            <a:avLst/>
+          </a:prstGeom>
+          <a:noFill/>
+          <a:ln>
+            <a:solidFill>
+              <a:schemeClr val="bg1"/>
+            </a:solidFill>
+          </a:ln>
+        </p:spPr>
+        <p:txBody>
+          <a:bodyPr wrap="square" rtlCol="0">
+            <a:spAutoFit/>
+          </a:bodyPr>
+          <a:lstStyle/>
+          <a:p>
+            <a:pPr algn="r"/>
+            <a:r>
+              <a:rPr lang="en-US" sz="800" b="1" dirty="0" smtClean="0"/>
+              <a:t>Password:</a:t>
+            </a:r>
+            <a:endParaRPr lang="en-SG" sz="800" b="1" dirty="0"/>
+          </a:p>
+        </p:txBody>
+      </p:sp>
+      <p:sp>
+        <p:nvSpPr>
+          <p:cNvPr id="25" name="TextBox 24"/>
+          <p:cNvSpPr txBox="1"/>
+          <p:nvPr/>
+        </p:nvSpPr>
+        <p:spPr>
+          <a:xfrm>
+            <a:off x="179511" y="2309719"/>
+            <a:ext cx="1423257" cy="215444"/>
+          </a:xfrm>
+          <a:prstGeom prst="rect">
+            <a:avLst/>
+          </a:prstGeom>
+          <a:noFill/>
+          <a:ln>
+            <a:solidFill>
+              <a:schemeClr val="bg1"/>
+            </a:solidFill>
+          </a:ln>
+        </p:spPr>
+        <p:txBody>
+          <a:bodyPr wrap="square" rtlCol="0">
+            <a:spAutoFit/>
+          </a:bodyPr>
+          <a:lstStyle/>
+          <a:p>
+            <a:pPr algn="r"/>
+            <a:r>
+              <a:rPr lang="en-US" sz="800" b="1" dirty="0" smtClean="0"/>
+              <a:t>Confirm Password:</a:t>
+            </a:r>
+            <a:endParaRPr lang="en-SG" sz="800" b="1" dirty="0"/>
+          </a:p>
+        </p:txBody>
+      </p:sp>
+      <p:sp>
+        <p:nvSpPr>
+          <p:cNvPr id="26" name="TextBox 25"/>
+          <p:cNvSpPr txBox="1"/>
+          <p:nvPr/>
+        </p:nvSpPr>
+        <p:spPr>
+          <a:xfrm>
+            <a:off x="181844" y="2669759"/>
+            <a:ext cx="1423257" cy="215444"/>
+          </a:xfrm>
+          <a:prstGeom prst="rect">
+            <a:avLst/>
+          </a:prstGeom>
+          <a:noFill/>
+          <a:ln>
+            <a:solidFill>
+              <a:schemeClr val="bg1"/>
+            </a:solidFill>
+          </a:ln>
+        </p:spPr>
+        <p:txBody>
+          <a:bodyPr wrap="square" rtlCol="0">
+            <a:spAutoFit/>
+          </a:bodyPr>
+          <a:lstStyle/>
+          <a:p>
+            <a:pPr algn="r"/>
+            <a:r>
+              <a:rPr lang="en-US" sz="800" b="1" dirty="0" smtClean="0"/>
+              <a:t>Name:</a:t>
+            </a:r>
+            <a:endParaRPr lang="en-SG" sz="800" b="1" dirty="0"/>
+          </a:p>
+        </p:txBody>
+      </p:sp>
+      <p:sp>
+        <p:nvSpPr>
+          <p:cNvPr id="27" name="TextBox 26"/>
+          <p:cNvSpPr txBox="1"/>
+          <p:nvPr/>
+        </p:nvSpPr>
+        <p:spPr>
+          <a:xfrm>
+            <a:off x="179510" y="3029799"/>
+            <a:ext cx="1423257" cy="215444"/>
+          </a:xfrm>
+          <a:prstGeom prst="rect">
+            <a:avLst/>
+          </a:prstGeom>
+          <a:noFill/>
+          <a:ln>
+            <a:solidFill>
+              <a:schemeClr val="bg1"/>
+            </a:solidFill>
+          </a:ln>
+        </p:spPr>
+        <p:txBody>
+          <a:bodyPr wrap="square" rtlCol="0">
+            <a:spAutoFit/>
+          </a:bodyPr>
+          <a:lstStyle/>
+          <a:p>
+            <a:pPr algn="r"/>
+            <a:r>
+              <a:rPr lang="en-US" sz="800" b="1" dirty="0" smtClean="0"/>
+              <a:t>Contact:</a:t>
+            </a:r>
+            <a:endParaRPr lang="en-SG" sz="800" b="1" dirty="0"/>
+          </a:p>
+        </p:txBody>
+      </p:sp>
+      <p:sp>
+        <p:nvSpPr>
+          <p:cNvPr id="28" name="TextBox 27"/>
+          <p:cNvSpPr txBox="1"/>
+          <p:nvPr/>
+        </p:nvSpPr>
+        <p:spPr>
+          <a:xfrm>
+            <a:off x="181842" y="3377269"/>
+            <a:ext cx="1423257" cy="215444"/>
+          </a:xfrm>
+          <a:prstGeom prst="rect">
+            <a:avLst/>
+          </a:prstGeom>
+          <a:noFill/>
+          <a:ln>
+            <a:solidFill>
+              <a:schemeClr val="bg1"/>
+            </a:solidFill>
+          </a:ln>
+        </p:spPr>
+        <p:txBody>
+          <a:bodyPr wrap="square" rtlCol="0">
+            <a:spAutoFit/>
+          </a:bodyPr>
+          <a:lstStyle/>
+          <a:p>
+            <a:pPr algn="r"/>
+            <a:r>
+              <a:rPr lang="en-US" sz="800" b="1" dirty="0" smtClean="0"/>
+              <a:t>Address:   </a:t>
+            </a:r>
+            <a:r>
+              <a:rPr lang="en-US" sz="800" b="1" dirty="0" err="1" smtClean="0"/>
+              <a:t>Blk</a:t>
+            </a:r>
+            <a:endParaRPr lang="en-SG" sz="800" b="1" dirty="0"/>
+          </a:p>
+        </p:txBody>
+      </p:sp>
+      <p:sp>
+        <p:nvSpPr>
+          <p:cNvPr id="29" name="TextBox 28"/>
+          <p:cNvSpPr txBox="1"/>
+          <p:nvPr/>
+        </p:nvSpPr>
+        <p:spPr>
+          <a:xfrm>
+            <a:off x="179508" y="3737309"/>
+            <a:ext cx="1423257" cy="215444"/>
+          </a:xfrm>
+          <a:prstGeom prst="rect">
+            <a:avLst/>
+          </a:prstGeom>
+          <a:noFill/>
+          <a:ln>
+            <a:solidFill>
+              <a:schemeClr val="bg1"/>
+            </a:solidFill>
+          </a:ln>
+        </p:spPr>
+        <p:txBody>
+          <a:bodyPr wrap="square" rtlCol="0">
+            <a:spAutoFit/>
+          </a:bodyPr>
+          <a:lstStyle/>
+          <a:p>
+            <a:pPr algn="r"/>
+            <a:r>
+              <a:rPr lang="en-US" sz="800" b="1" dirty="0" smtClean="0"/>
+              <a:t>Road:</a:t>
+            </a:r>
+            <a:endParaRPr lang="en-SG" sz="800" b="1" dirty="0"/>
+          </a:p>
+        </p:txBody>
+      </p:sp>
+      <p:sp>
+        <p:nvSpPr>
+          <p:cNvPr id="30" name="TextBox 29"/>
+          <p:cNvSpPr txBox="1"/>
+          <p:nvPr/>
+        </p:nvSpPr>
+        <p:spPr>
+          <a:xfrm>
+            <a:off x="181844" y="4457645"/>
+            <a:ext cx="1423257" cy="215444"/>
+          </a:xfrm>
+          <a:prstGeom prst="rect">
+            <a:avLst/>
+          </a:prstGeom>
+          <a:noFill/>
+          <a:ln>
+            <a:solidFill>
+              <a:schemeClr val="bg1"/>
+            </a:solidFill>
+          </a:ln>
+        </p:spPr>
+        <p:txBody>
+          <a:bodyPr wrap="square" rtlCol="0">
+            <a:spAutoFit/>
+          </a:bodyPr>
+          <a:lstStyle/>
+          <a:p>
+            <a:pPr algn="r"/>
+            <a:r>
+              <a:rPr lang="en-US" sz="800" b="1" dirty="0" smtClean="0"/>
+              <a:t>Postal Code:</a:t>
+            </a:r>
+            <a:endParaRPr lang="en-SG" sz="800" b="1" dirty="0"/>
+          </a:p>
+        </p:txBody>
+      </p:sp>
+      <p:sp>
+        <p:nvSpPr>
+          <p:cNvPr id="31" name="Rounded Rectangle 30"/>
+          <p:cNvSpPr/>
+          <p:nvPr/>
+        </p:nvSpPr>
+        <p:spPr>
+          <a:xfrm>
+            <a:off x="5076056" y="3737309"/>
+            <a:ext cx="1296144" cy="560351"/>
+          </a:xfrm>
+          <a:prstGeom prst="roundRect">
+            <a:avLst/>
+          </a:prstGeom>
+          <a:scene3d>
+            <a:camera prst="orthographicFront"/>
+            <a:lightRig rig="threePt" dir="t"/>
+          </a:scene3d>
+          <a:sp3d>
+            <a:bevelT/>
+          </a:sp3d>
+        </p:spPr>
+        <p:style>
+          <a:lnRef idx="2">
+            <a:schemeClr val="accent1"/>
+          </a:lnRef>
+          <a:fillRef idx="1">
+            <a:schemeClr val="lt1"/>
+          </a:fillRef>
+          <a:effectRef idx="0">
+            <a:schemeClr val="accent1"/>
+          </a:effectRef>
+          <a:fontRef idx="minor">
+            <a:schemeClr val="dk1"/>
+          </a:fontRef>
+        </p:style>
+        <p:txBody>
+          <a:bodyPr rtlCol="0" anchor="ctr"/>
+          <a:lstStyle/>
+          <a:p>
+            <a:pPr algn="ctr"/>
+            <a:r>
+              <a:rPr lang="en-US" b="1" dirty="0" smtClean="0"/>
+              <a:t>Submit</a:t>
+            </a:r>
+            <a:endParaRPr lang="en-SG" b="1" dirty="0"/>
+          </a:p>
+        </p:txBody>
+      </p:sp>
+      <p:sp>
+        <p:nvSpPr>
+          <p:cNvPr id="32" name="Rounded Rectangle 31"/>
+          <p:cNvSpPr/>
+          <p:nvPr/>
+        </p:nvSpPr>
+        <p:spPr>
+          <a:xfrm>
+            <a:off x="6804248" y="3737307"/>
+            <a:ext cx="1296144" cy="560351"/>
+          </a:xfrm>
+          <a:prstGeom prst="roundRect">
+            <a:avLst/>
+          </a:prstGeom>
+          <a:scene3d>
+            <a:camera prst="orthographicFront"/>
+            <a:lightRig rig="threePt" dir="t"/>
+          </a:scene3d>
+          <a:sp3d>
+            <a:bevelT/>
+          </a:sp3d>
+        </p:spPr>
+        <p:style>
+          <a:lnRef idx="2">
+            <a:schemeClr val="accent1"/>
+          </a:lnRef>
+          <a:fillRef idx="1">
+            <a:schemeClr val="lt1"/>
+          </a:fillRef>
+          <a:effectRef idx="0">
+            <a:schemeClr val="accent1"/>
+          </a:effectRef>
+          <a:fontRef idx="minor">
+            <a:schemeClr val="dk1"/>
+          </a:fontRef>
+        </p:style>
+        <p:txBody>
+          <a:bodyPr rtlCol="0" anchor="ctr"/>
+          <a:lstStyle/>
+          <a:p>
+            <a:pPr algn="ctr"/>
+            <a:r>
+              <a:rPr lang="en-US" b="1" dirty="0" smtClean="0"/>
+              <a:t>Cancel</a:t>
+            </a:r>
+            <a:endParaRPr lang="en-SG" b="1" dirty="0"/>
+          </a:p>
+        </p:txBody>
+      </p:sp>
+    </p:spTree>
+    <p:extLst>
+      <p:ext uri="{BB962C8B-B14F-4D97-AF65-F5344CB8AC3E}">
+        <p14:creationId xmlns:p14="http://schemas.microsoft.com/office/powerpoint/2010/main" val="1762381123"/>
+      </p:ext>
+    </p:extLst>
+  </p:cSld>
+  <p:clrMapOvr>
+    <a:masterClrMapping/>
+  </p:clrMapOvr>
+</p:sld>
+</file>
+
+<file path=ppt/slides/slide5.xml><?xml version="1.0" encoding="utf-8"?>
+<p:sld xmlns:a="http://schemas.openxmlformats.org/drawingml/2006/main" xmlns:r="http://schemas.openxmlformats.org/officeDocument/2006/relationships" xmlns:p="http://schemas.openxmlformats.org/presentationml/2006/main">
+  <p:cSld>
+    <p:spTree>
+      <p:nvGrpSpPr>
+        <p:cNvPr id="1" name=""/>
+        <p:cNvGrpSpPr/>
+        <p:nvPr/>
+      </p:nvGrpSpPr>
+      <p:grpSpPr>
+        <a:xfrm>
+          <a:off x="0" y="0"/>
+          <a:ext cx="0" cy="0"/>
+          <a:chOff x="0" y="0"/>
+          <a:chExt cx="0" cy="0"/>
+        </a:xfrm>
+      </p:grpSpPr>
+      <p:sp>
+        <p:nvSpPr>
+          <p:cNvPr id="30" name="TextBox 29"/>
+          <p:cNvSpPr txBox="1"/>
+          <p:nvPr/>
+        </p:nvSpPr>
+        <p:spPr>
+          <a:xfrm>
+            <a:off x="3491881" y="3099049"/>
+            <a:ext cx="1584176" cy="246221"/>
+          </a:xfrm>
+          <a:prstGeom prst="rect">
+            <a:avLst/>
+          </a:prstGeom>
+          <a:noFill/>
+          <a:ln>
+            <a:solidFill>
+              <a:schemeClr val="bg1"/>
+            </a:solidFill>
+          </a:ln>
+        </p:spPr>
+        <p:txBody>
+          <a:bodyPr wrap="square" rtlCol="0">
+            <a:spAutoFit/>
+          </a:bodyPr>
+          <a:lstStyle/>
+          <a:p>
+            <a:pPr algn="r"/>
+            <a:r>
+              <a:rPr lang="en-US" sz="1000" b="1" dirty="0" smtClean="0"/>
+              <a:t>6PM – 9PM</a:t>
+            </a:r>
+            <a:endParaRPr lang="en-SG" sz="1000" b="1" dirty="0"/>
+          </a:p>
+        </p:txBody>
+      </p:sp>
+      <p:sp>
+        <p:nvSpPr>
+          <p:cNvPr id="26" name="TextBox 25"/>
+          <p:cNvSpPr txBox="1"/>
+          <p:nvPr/>
+        </p:nvSpPr>
+        <p:spPr>
+          <a:xfrm>
+            <a:off x="3491881" y="2014309"/>
+            <a:ext cx="1584176" cy="246221"/>
+          </a:xfrm>
+          <a:prstGeom prst="rect">
+            <a:avLst/>
+          </a:prstGeom>
+          <a:noFill/>
+          <a:ln>
+            <a:solidFill>
+              <a:schemeClr val="bg1"/>
+            </a:solidFill>
+          </a:ln>
+        </p:spPr>
+        <p:txBody>
+          <a:bodyPr wrap="square" rtlCol="0">
+            <a:spAutoFit/>
+          </a:bodyPr>
+          <a:lstStyle/>
+          <a:p>
+            <a:pPr algn="r"/>
+            <a:r>
+              <a:rPr lang="en-US" sz="1000" b="1" dirty="0" smtClean="0"/>
+              <a:t>9AM – 12PM</a:t>
+            </a:r>
+            <a:endParaRPr lang="en-SG" sz="1000" b="1" dirty="0"/>
+          </a:p>
+        </p:txBody>
+      </p:sp>
+      <p:sp>
+        <p:nvSpPr>
+          <p:cNvPr id="28" name="TextBox 27"/>
+          <p:cNvSpPr txBox="1"/>
+          <p:nvPr/>
+        </p:nvSpPr>
+        <p:spPr>
+          <a:xfrm>
+            <a:off x="3491881" y="2378969"/>
+            <a:ext cx="1584176" cy="246221"/>
+          </a:xfrm>
+          <a:prstGeom prst="rect">
+            <a:avLst/>
+          </a:prstGeom>
+          <a:noFill/>
+          <a:ln>
+            <a:solidFill>
+              <a:schemeClr val="bg1"/>
+            </a:solidFill>
+          </a:ln>
+        </p:spPr>
+        <p:txBody>
+          <a:bodyPr wrap="square" rtlCol="0">
+            <a:spAutoFit/>
+          </a:bodyPr>
+          <a:lstStyle/>
+          <a:p>
+            <a:pPr algn="r"/>
+            <a:r>
+              <a:rPr lang="en-US" sz="1000" b="1" dirty="0" smtClean="0"/>
+              <a:t>12PM – 3PM</a:t>
+            </a:r>
+            <a:endParaRPr lang="en-SG" sz="1000" b="1" dirty="0"/>
+          </a:p>
+        </p:txBody>
+      </p:sp>
+      <p:sp>
+        <p:nvSpPr>
+          <p:cNvPr id="29" name="TextBox 28"/>
+          <p:cNvSpPr txBox="1"/>
+          <p:nvPr/>
+        </p:nvSpPr>
+        <p:spPr>
+          <a:xfrm>
+            <a:off x="3491881" y="2754398"/>
+            <a:ext cx="1584176" cy="246221"/>
+          </a:xfrm>
+          <a:prstGeom prst="rect">
+            <a:avLst/>
+          </a:prstGeom>
+          <a:noFill/>
+          <a:ln>
+            <a:solidFill>
+              <a:schemeClr val="bg1"/>
+            </a:solidFill>
+          </a:ln>
+        </p:spPr>
+        <p:txBody>
+          <a:bodyPr wrap="square" rtlCol="0">
+            <a:spAutoFit/>
+          </a:bodyPr>
+          <a:lstStyle/>
+          <a:p>
+            <a:pPr algn="r"/>
+            <a:r>
+              <a:rPr lang="en-US" sz="1000" b="1" dirty="0" smtClean="0"/>
+              <a:t>3PM – 6PM</a:t>
+            </a:r>
+            <a:endParaRPr lang="en-SG" sz="1000" b="1" dirty="0"/>
+          </a:p>
+        </p:txBody>
+      </p:sp>
+      <p:sp>
+        <p:nvSpPr>
+          <p:cNvPr id="20" name="TextBox 19"/>
+          <p:cNvSpPr txBox="1"/>
+          <p:nvPr/>
+        </p:nvSpPr>
+        <p:spPr>
+          <a:xfrm>
+            <a:off x="2092702" y="3377525"/>
+            <a:ext cx="446169" cy="215444"/>
+          </a:xfrm>
+          <a:prstGeom prst="rect">
+            <a:avLst/>
+          </a:prstGeom>
+          <a:noFill/>
+          <a:ln>
+            <a:solidFill>
+              <a:schemeClr val="bg1"/>
+            </a:solidFill>
+          </a:ln>
+        </p:spPr>
+        <p:txBody>
+          <a:bodyPr wrap="square" rtlCol="0">
+            <a:spAutoFit/>
+          </a:bodyPr>
+          <a:lstStyle/>
+          <a:p>
+            <a:pPr algn="r"/>
+            <a:r>
+              <a:rPr lang="en-US" sz="800" b="1" dirty="0" smtClean="0"/>
+              <a:t>Unit:</a:t>
+            </a:r>
+            <a:endParaRPr lang="en-SG" sz="800" b="1" dirty="0"/>
+          </a:p>
+        </p:txBody>
+      </p:sp>
+      <p:sp>
+        <p:nvSpPr>
+          <p:cNvPr id="8" name="TextBox 7"/>
+          <p:cNvSpPr txBox="1"/>
+          <p:nvPr/>
+        </p:nvSpPr>
+        <p:spPr>
+          <a:xfrm>
+            <a:off x="179512" y="1589639"/>
+            <a:ext cx="1423257" cy="215444"/>
+          </a:xfrm>
+          <a:prstGeom prst="rect">
+            <a:avLst/>
+          </a:prstGeom>
+          <a:noFill/>
+          <a:ln>
+            <a:solidFill>
+              <a:schemeClr val="bg1"/>
+            </a:solidFill>
+          </a:ln>
+        </p:spPr>
+        <p:txBody>
+          <a:bodyPr wrap="square" rtlCol="0">
+            <a:spAutoFit/>
+          </a:bodyPr>
+          <a:lstStyle/>
+          <a:p>
+            <a:pPr algn="r"/>
+            <a:r>
+              <a:rPr lang="en-US" sz="800" b="1" dirty="0" smtClean="0"/>
+              <a:t>Username/E-mail:</a:t>
+            </a:r>
+            <a:endParaRPr lang="en-SG" sz="800" b="1" dirty="0"/>
+          </a:p>
+        </p:txBody>
+      </p:sp>
+      <p:sp>
+        <p:nvSpPr>
+          <p:cNvPr id="9" name="TextBox 8"/>
+          <p:cNvSpPr txBox="1"/>
+          <p:nvPr/>
+        </p:nvSpPr>
+        <p:spPr>
+          <a:xfrm>
+            <a:off x="181844" y="1952754"/>
+            <a:ext cx="1423257" cy="215444"/>
+          </a:xfrm>
+          <a:prstGeom prst="rect">
+            <a:avLst/>
+          </a:prstGeom>
+          <a:noFill/>
+          <a:ln>
+            <a:solidFill>
+              <a:schemeClr val="bg1"/>
+            </a:solidFill>
+          </a:ln>
+        </p:spPr>
+        <p:txBody>
+          <a:bodyPr wrap="square" rtlCol="0">
+            <a:spAutoFit/>
+          </a:bodyPr>
+          <a:lstStyle/>
+          <a:p>
+            <a:pPr algn="r"/>
+            <a:r>
+              <a:rPr lang="en-US" sz="800" b="1" dirty="0" smtClean="0"/>
+              <a:t>Password:</a:t>
+            </a:r>
+            <a:endParaRPr lang="en-SG" sz="800" b="1" dirty="0"/>
+          </a:p>
+        </p:txBody>
+      </p:sp>
+      <p:sp>
+        <p:nvSpPr>
+          <p:cNvPr id="10" name="TextBox 9"/>
+          <p:cNvSpPr txBox="1"/>
+          <p:nvPr/>
+        </p:nvSpPr>
+        <p:spPr>
+          <a:xfrm>
+            <a:off x="179511" y="2309719"/>
+            <a:ext cx="1423257" cy="215444"/>
+          </a:xfrm>
+          <a:prstGeom prst="rect">
+            <a:avLst/>
+          </a:prstGeom>
+          <a:noFill/>
+          <a:ln>
+            <a:solidFill>
+              <a:schemeClr val="bg1"/>
+            </a:solidFill>
+          </a:ln>
+        </p:spPr>
+        <p:txBody>
+          <a:bodyPr wrap="square" rtlCol="0">
+            <a:spAutoFit/>
+          </a:bodyPr>
+          <a:lstStyle/>
+          <a:p>
+            <a:pPr algn="r"/>
+            <a:r>
+              <a:rPr lang="en-US" sz="800" b="1" dirty="0" smtClean="0"/>
+              <a:t>Confirm Password:</a:t>
+            </a:r>
+            <a:endParaRPr lang="en-SG" sz="800" b="1" dirty="0"/>
+          </a:p>
+        </p:txBody>
+      </p:sp>
+      <p:sp>
+        <p:nvSpPr>
+          <p:cNvPr id="11" name="TextBox 10"/>
+          <p:cNvSpPr txBox="1"/>
+          <p:nvPr/>
+        </p:nvSpPr>
+        <p:spPr>
+          <a:xfrm>
+            <a:off x="181844" y="2669759"/>
+            <a:ext cx="1423257" cy="215444"/>
+          </a:xfrm>
+          <a:prstGeom prst="rect">
+            <a:avLst/>
+          </a:prstGeom>
+          <a:noFill/>
+          <a:ln>
+            <a:solidFill>
+              <a:schemeClr val="bg1"/>
+            </a:solidFill>
+          </a:ln>
+        </p:spPr>
+        <p:txBody>
+          <a:bodyPr wrap="square" rtlCol="0">
+            <a:spAutoFit/>
+          </a:bodyPr>
+          <a:lstStyle/>
+          <a:p>
+            <a:pPr algn="r"/>
+            <a:r>
+              <a:rPr lang="en-US" sz="800" b="1" dirty="0" smtClean="0"/>
+              <a:t>Name:</a:t>
+            </a:r>
+            <a:endParaRPr lang="en-SG" sz="800" b="1" dirty="0"/>
+          </a:p>
+        </p:txBody>
+      </p:sp>
+      <p:sp>
+        <p:nvSpPr>
+          <p:cNvPr id="12" name="TextBox 11"/>
+          <p:cNvSpPr txBox="1"/>
+          <p:nvPr/>
+        </p:nvSpPr>
+        <p:spPr>
+          <a:xfrm>
+            <a:off x="179510" y="3029799"/>
+            <a:ext cx="1423257" cy="215444"/>
+          </a:xfrm>
+          <a:prstGeom prst="rect">
+            <a:avLst/>
+          </a:prstGeom>
+          <a:noFill/>
+          <a:ln>
+            <a:solidFill>
+              <a:schemeClr val="bg1"/>
+            </a:solidFill>
+          </a:ln>
+        </p:spPr>
+        <p:txBody>
+          <a:bodyPr wrap="square" rtlCol="0">
+            <a:spAutoFit/>
+          </a:bodyPr>
+          <a:lstStyle/>
+          <a:p>
+            <a:pPr algn="r"/>
+            <a:r>
+              <a:rPr lang="en-US" sz="800" b="1" dirty="0" smtClean="0"/>
+              <a:t>Contact:</a:t>
+            </a:r>
+            <a:endParaRPr lang="en-SG" sz="800" b="1" dirty="0"/>
+          </a:p>
+        </p:txBody>
+      </p:sp>
+      <p:sp>
+        <p:nvSpPr>
+          <p:cNvPr id="15" name="TextBox 14"/>
+          <p:cNvSpPr txBox="1"/>
+          <p:nvPr/>
+        </p:nvSpPr>
+        <p:spPr>
+          <a:xfrm>
+            <a:off x="181842" y="3377269"/>
+            <a:ext cx="1423257" cy="215444"/>
+          </a:xfrm>
+          <a:prstGeom prst="rect">
+            <a:avLst/>
+          </a:prstGeom>
+          <a:noFill/>
+          <a:ln>
+            <a:solidFill>
+              <a:schemeClr val="bg1"/>
+            </a:solidFill>
+          </a:ln>
+        </p:spPr>
+        <p:txBody>
+          <a:bodyPr wrap="square" rtlCol="0">
+            <a:spAutoFit/>
+          </a:bodyPr>
+          <a:lstStyle/>
+          <a:p>
+            <a:pPr algn="r"/>
+            <a:r>
+              <a:rPr lang="en-US" sz="800" b="1" dirty="0" smtClean="0"/>
+              <a:t>Address:   </a:t>
+            </a:r>
+            <a:r>
+              <a:rPr lang="en-US" sz="800" b="1" dirty="0" err="1" smtClean="0"/>
+              <a:t>Blk</a:t>
+            </a:r>
+            <a:endParaRPr lang="en-SG" sz="800" b="1" dirty="0"/>
+          </a:p>
+        </p:txBody>
+      </p:sp>
+      <p:sp>
+        <p:nvSpPr>
+          <p:cNvPr id="16" name="TextBox 15"/>
+          <p:cNvSpPr txBox="1"/>
+          <p:nvPr/>
+        </p:nvSpPr>
+        <p:spPr>
+          <a:xfrm>
+            <a:off x="179508" y="3737309"/>
+            <a:ext cx="1423257" cy="215444"/>
+          </a:xfrm>
+          <a:prstGeom prst="rect">
+            <a:avLst/>
+          </a:prstGeom>
+          <a:noFill/>
+          <a:ln>
+            <a:solidFill>
+              <a:schemeClr val="bg1"/>
+            </a:solidFill>
+          </a:ln>
+        </p:spPr>
+        <p:txBody>
+          <a:bodyPr wrap="square" rtlCol="0">
+            <a:spAutoFit/>
+          </a:bodyPr>
+          <a:lstStyle/>
+          <a:p>
+            <a:pPr algn="r"/>
+            <a:r>
+              <a:rPr lang="en-US" sz="800" b="1" dirty="0" smtClean="0"/>
+              <a:t>Road:</a:t>
+            </a:r>
+            <a:endParaRPr lang="en-SG" sz="800" b="1" dirty="0"/>
+          </a:p>
+        </p:txBody>
+      </p:sp>
+      <p:sp>
+        <p:nvSpPr>
+          <p:cNvPr id="22" name="TextBox 21"/>
+          <p:cNvSpPr txBox="1"/>
+          <p:nvPr/>
+        </p:nvSpPr>
+        <p:spPr>
+          <a:xfrm>
+            <a:off x="181844" y="4457645"/>
+            <a:ext cx="1423257" cy="215444"/>
+          </a:xfrm>
+          <a:prstGeom prst="rect">
+            <a:avLst/>
+          </a:prstGeom>
+          <a:noFill/>
+          <a:ln>
+            <a:solidFill>
+              <a:schemeClr val="bg1"/>
+            </a:solidFill>
+          </a:ln>
+        </p:spPr>
+        <p:txBody>
+          <a:bodyPr wrap="square" rtlCol="0">
+            <a:spAutoFit/>
+          </a:bodyPr>
+          <a:lstStyle/>
+          <a:p>
+            <a:pPr algn="r"/>
+            <a:r>
+              <a:rPr lang="en-US" sz="800" b="1" dirty="0" smtClean="0"/>
+              <a:t>Postal Code:</a:t>
+            </a:r>
+            <a:endParaRPr lang="en-SG" sz="800" b="1" dirty="0"/>
+          </a:p>
+        </p:txBody>
+      </p:sp>
+      <p:sp>
+        <p:nvSpPr>
+          <p:cNvPr id="7" name="Rectangle 6"/>
+          <p:cNvSpPr/>
+          <p:nvPr/>
+        </p:nvSpPr>
+        <p:spPr>
+          <a:xfrm>
+            <a:off x="539552" y="769268"/>
+            <a:ext cx="1639281" cy="504056"/>
+          </a:xfrm>
+          <a:prstGeom prst="rect">
+            <a:avLst/>
+          </a:prstGeom>
+          <a:solidFill>
+            <a:schemeClr val="accent1">
+              <a:lumMod val="60000"/>
+              <a:lumOff val="40000"/>
+            </a:schemeClr>
+          </a:solidFill>
+          <a:ln>
+            <a:solidFill>
+              <a:schemeClr val="bg1"/>
+            </a:solidFill>
+          </a:ln>
+          <a:effectLst>
+            <a:softEdge rad="31750"/>
+          </a:effectLst>
+        </p:spPr>
+        <p:style>
+          <a:lnRef idx="2">
+            <a:schemeClr val="accent1">
+              <a:shade val="50000"/>
+            </a:schemeClr>
+          </a:lnRef>
+          <a:fillRef idx="1">
+            <a:schemeClr val="accent1"/>
+          </a:fillRef>
+          <a:effectRef idx="0">
+            <a:schemeClr val="accent1"/>
+          </a:effectRef>
+          <a:fontRef idx="minor">
+            <a:schemeClr val="lt1"/>
+          </a:fontRef>
+        </p:style>
+        <p:txBody>
+          <a:bodyPr rtlCol="0" anchor="ctr"/>
+          <a:lstStyle/>
+          <a:p>
+            <a:pPr algn="ctr"/>
+            <a:r>
+              <a:rPr lang="en-US" b="1" dirty="0" smtClean="0">
+                <a:solidFill>
+                  <a:schemeClr val="tx1"/>
+                </a:solidFill>
+              </a:rPr>
+              <a:t>EDIT PROFILE</a:t>
+            </a:r>
+            <a:endParaRPr lang="en-SG" b="1" dirty="0">
+              <a:solidFill>
+                <a:schemeClr val="tx1"/>
+              </a:solidFill>
+            </a:endParaRPr>
+          </a:p>
+        </p:txBody>
+      </p:sp>
+      <p:sp>
+        <p:nvSpPr>
+          <p:cNvPr id="2" name="TextBox 1"/>
+          <p:cNvSpPr txBox="1"/>
+          <p:nvPr/>
+        </p:nvSpPr>
+        <p:spPr>
+          <a:xfrm>
+            <a:off x="1602769" y="1589639"/>
+            <a:ext cx="1584176" cy="184666"/>
+          </a:xfrm>
+          <a:prstGeom prst="rect">
+            <a:avLst/>
+          </a:prstGeom>
+          <a:noFill/>
+          <a:ln w="19050">
+            <a:solidFill>
+              <a:schemeClr val="tx1"/>
+            </a:solidFill>
+          </a:ln>
+        </p:spPr>
+        <p:txBody>
+          <a:bodyPr wrap="square" rtlCol="0">
+            <a:spAutoFit/>
+          </a:bodyPr>
+          <a:lstStyle/>
+          <a:p>
+            <a:endParaRPr lang="en-SG" dirty="0"/>
+          </a:p>
+        </p:txBody>
+      </p:sp>
+      <p:sp>
+        <p:nvSpPr>
+          <p:cNvPr id="3" name="TextBox 2"/>
+          <p:cNvSpPr txBox="1"/>
+          <p:nvPr/>
+        </p:nvSpPr>
+        <p:spPr>
+          <a:xfrm>
+            <a:off x="1602769" y="3029799"/>
+            <a:ext cx="1584176" cy="184666"/>
+          </a:xfrm>
+          <a:prstGeom prst="rect">
+            <a:avLst/>
+          </a:prstGeom>
+          <a:noFill/>
+          <a:ln w="19050">
+            <a:solidFill>
+              <a:schemeClr val="tx1"/>
+            </a:solidFill>
+          </a:ln>
+        </p:spPr>
+        <p:txBody>
+          <a:bodyPr wrap="square" rtlCol="0">
+            <a:spAutoFit/>
+          </a:bodyPr>
+          <a:lstStyle/>
+          <a:p>
+            <a:endParaRPr lang="en-SG" dirty="0"/>
+          </a:p>
+        </p:txBody>
+      </p:sp>
+      <p:sp>
+        <p:nvSpPr>
+          <p:cNvPr id="4" name="TextBox 3"/>
+          <p:cNvSpPr txBox="1"/>
+          <p:nvPr/>
+        </p:nvSpPr>
+        <p:spPr>
+          <a:xfrm>
+            <a:off x="1602769" y="2309719"/>
+            <a:ext cx="1584176" cy="184666"/>
+          </a:xfrm>
+          <a:prstGeom prst="rect">
+            <a:avLst/>
+          </a:prstGeom>
+          <a:noFill/>
+          <a:ln w="19050">
+            <a:solidFill>
+              <a:schemeClr val="tx1"/>
+            </a:solidFill>
+          </a:ln>
+        </p:spPr>
+        <p:txBody>
+          <a:bodyPr wrap="square" rtlCol="0">
+            <a:spAutoFit/>
+          </a:bodyPr>
+          <a:lstStyle/>
+          <a:p>
+            <a:endParaRPr lang="en-SG" dirty="0"/>
+          </a:p>
+        </p:txBody>
+      </p:sp>
+      <p:sp>
+        <p:nvSpPr>
+          <p:cNvPr id="5" name="TextBox 4"/>
+          <p:cNvSpPr txBox="1"/>
+          <p:nvPr/>
+        </p:nvSpPr>
+        <p:spPr>
+          <a:xfrm>
+            <a:off x="1602769" y="2669759"/>
+            <a:ext cx="1584176" cy="184666"/>
+          </a:xfrm>
+          <a:prstGeom prst="rect">
+            <a:avLst/>
+          </a:prstGeom>
+          <a:noFill/>
+          <a:ln w="19050">
+            <a:solidFill>
+              <a:schemeClr val="tx1"/>
+            </a:solidFill>
+          </a:ln>
+        </p:spPr>
+        <p:txBody>
+          <a:bodyPr wrap="square" rtlCol="0">
+            <a:spAutoFit/>
+          </a:bodyPr>
+          <a:lstStyle/>
+          <a:p>
+            <a:endParaRPr lang="en-SG" dirty="0"/>
+          </a:p>
+        </p:txBody>
+      </p:sp>
+      <p:sp>
+        <p:nvSpPr>
+          <p:cNvPr id="6" name="TextBox 5"/>
+          <p:cNvSpPr txBox="1"/>
+          <p:nvPr/>
+        </p:nvSpPr>
+        <p:spPr>
+          <a:xfrm>
+            <a:off x="1602769" y="1952754"/>
+            <a:ext cx="1584176" cy="184666"/>
+          </a:xfrm>
+          <a:prstGeom prst="rect">
+            <a:avLst/>
+          </a:prstGeom>
+          <a:noFill/>
+          <a:ln w="19050">
+            <a:solidFill>
+              <a:schemeClr val="tx1"/>
+            </a:solidFill>
+          </a:ln>
+        </p:spPr>
+        <p:txBody>
+          <a:bodyPr wrap="square" rtlCol="0">
+            <a:spAutoFit/>
+          </a:bodyPr>
+          <a:lstStyle/>
+          <a:p>
+            <a:endParaRPr lang="en-SG" dirty="0"/>
+          </a:p>
+        </p:txBody>
+      </p:sp>
+      <p:sp>
+        <p:nvSpPr>
+          <p:cNvPr id="13" name="TextBox 12"/>
+          <p:cNvSpPr txBox="1"/>
+          <p:nvPr/>
+        </p:nvSpPr>
+        <p:spPr>
+          <a:xfrm>
+            <a:off x="1602767" y="3737308"/>
+            <a:ext cx="1586512" cy="560351"/>
+          </a:xfrm>
+          <a:prstGeom prst="rect">
+            <a:avLst/>
+          </a:prstGeom>
+          <a:noFill/>
+          <a:ln w="19050">
+            <a:solidFill>
+              <a:schemeClr val="tx1"/>
+            </a:solidFill>
+          </a:ln>
+        </p:spPr>
+        <p:txBody>
+          <a:bodyPr wrap="square" rtlCol="0">
+            <a:spAutoFit/>
+          </a:bodyPr>
+          <a:lstStyle/>
+          <a:p>
+            <a:endParaRPr lang="en-SG" dirty="0"/>
+          </a:p>
+        </p:txBody>
+      </p:sp>
+      <p:sp>
+        <p:nvSpPr>
+          <p:cNvPr id="14" name="TextBox 13"/>
+          <p:cNvSpPr txBox="1"/>
+          <p:nvPr/>
+        </p:nvSpPr>
+        <p:spPr>
+          <a:xfrm>
+            <a:off x="1602767" y="3377269"/>
+            <a:ext cx="489935" cy="184666"/>
+          </a:xfrm>
+          <a:prstGeom prst="rect">
+            <a:avLst/>
+          </a:prstGeom>
+          <a:noFill/>
+          <a:ln w="19050">
+            <a:solidFill>
+              <a:schemeClr val="tx1"/>
+            </a:solidFill>
+          </a:ln>
+        </p:spPr>
+        <p:txBody>
+          <a:bodyPr wrap="square" rtlCol="0">
+            <a:spAutoFit/>
+          </a:bodyPr>
+          <a:lstStyle/>
+          <a:p>
+            <a:endParaRPr lang="en-SG" dirty="0"/>
+          </a:p>
+        </p:txBody>
+      </p:sp>
+      <p:sp>
+        <p:nvSpPr>
+          <p:cNvPr id="19" name="TextBox 18"/>
+          <p:cNvSpPr txBox="1"/>
+          <p:nvPr/>
+        </p:nvSpPr>
+        <p:spPr>
+          <a:xfrm>
+            <a:off x="2538871" y="3377269"/>
+            <a:ext cx="489935" cy="184666"/>
+          </a:xfrm>
+          <a:prstGeom prst="rect">
+            <a:avLst/>
+          </a:prstGeom>
+          <a:noFill/>
+          <a:ln w="19050">
+            <a:solidFill>
+              <a:schemeClr val="tx1"/>
+            </a:solidFill>
+          </a:ln>
+        </p:spPr>
+        <p:txBody>
+          <a:bodyPr wrap="square" rtlCol="0">
+            <a:spAutoFit/>
+          </a:bodyPr>
+          <a:lstStyle/>
+          <a:p>
+            <a:endParaRPr lang="en-SG" dirty="0"/>
+          </a:p>
+        </p:txBody>
+      </p:sp>
+      <p:sp>
+        <p:nvSpPr>
+          <p:cNvPr id="21" name="TextBox 20"/>
+          <p:cNvSpPr txBox="1"/>
+          <p:nvPr/>
+        </p:nvSpPr>
+        <p:spPr>
+          <a:xfrm>
+            <a:off x="1605103" y="4457645"/>
+            <a:ext cx="1584176" cy="184666"/>
+          </a:xfrm>
+          <a:prstGeom prst="rect">
+            <a:avLst/>
+          </a:prstGeom>
+          <a:noFill/>
+          <a:ln w="19050">
+            <a:solidFill>
+              <a:schemeClr val="tx1"/>
+            </a:solidFill>
+          </a:ln>
+        </p:spPr>
+        <p:txBody>
+          <a:bodyPr wrap="square" rtlCol="0">
+            <a:spAutoFit/>
+          </a:bodyPr>
+          <a:lstStyle/>
+          <a:p>
+            <a:endParaRPr lang="en-SG" dirty="0"/>
+          </a:p>
+        </p:txBody>
+      </p:sp>
+      <p:graphicFrame>
+        <p:nvGraphicFramePr>
+          <p:cNvPr id="23" name="Table 22"/>
+          <p:cNvGraphicFramePr>
+            <a:graphicFrameLocks noGrp="1"/>
+          </p:cNvGraphicFramePr>
+          <p:nvPr>
+            <p:extLst>
+              <p:ext uri="{D42A27DB-BD31-4B8C-83A1-F6EECF244321}">
+                <p14:modId xmlns:p14="http://schemas.microsoft.com/office/powerpoint/2010/main" val="2455640524"/>
+              </p:ext>
+            </p:extLst>
+          </p:nvPr>
+        </p:nvGraphicFramePr>
+        <p:xfrm>
+          <a:off x="5076056" y="1640802"/>
+          <a:ext cx="3047996" cy="1828800"/>
+        </p:xfrm>
+        <a:graphic>
+          <a:graphicData uri="http://schemas.openxmlformats.org/drawingml/2006/table">
+            <a:tbl>
+              <a:tblPr firstRow="1" firstCol="1" bandRow="1">
+                <a:tableStyleId>{5940675A-B579-460E-94D1-54222C63F5DA}</a:tableStyleId>
+              </a:tblPr>
+              <a:tblGrid>
+                <a:gridCol w="435428"/>
+                <a:gridCol w="435428"/>
+                <a:gridCol w="435428"/>
+                <a:gridCol w="435428"/>
+                <a:gridCol w="435428"/>
+                <a:gridCol w="435428"/>
+                <a:gridCol w="435428"/>
+              </a:tblGrid>
+              <a:tr h="181079">
+                <a:tc>
+                  <a:txBody>
+                    <a:bodyPr/>
+                    <a:lstStyle/>
+                    <a:p>
+                      <a:pPr algn="ctr"/>
+                      <a:r>
+                        <a:rPr lang="en-US" dirty="0" smtClean="0"/>
+                        <a:t>M</a:t>
+                      </a:r>
+                      <a:endParaRPr lang="en-SG" dirty="0"/>
+                    </a:p>
+                  </a:txBody>
+                  <a:tcPr/>
+                </a:tc>
+                <a:tc>
+                  <a:txBody>
+                    <a:bodyPr/>
+                    <a:lstStyle/>
+                    <a:p>
+                      <a:pPr algn="ctr"/>
+                      <a:r>
+                        <a:rPr lang="en-US" dirty="0" smtClean="0"/>
+                        <a:t>T</a:t>
+                      </a:r>
+                      <a:endParaRPr lang="en-SG" dirty="0"/>
+                    </a:p>
+                  </a:txBody>
+                  <a:tcPr/>
+                </a:tc>
+                <a:tc>
+                  <a:txBody>
+                    <a:bodyPr/>
+                    <a:lstStyle/>
+                    <a:p>
+                      <a:pPr algn="ctr"/>
+                      <a:r>
+                        <a:rPr lang="en-US" dirty="0" smtClean="0"/>
+                        <a:t>W</a:t>
+                      </a:r>
+                      <a:endParaRPr lang="en-SG" dirty="0"/>
+                    </a:p>
+                  </a:txBody>
+                  <a:tcPr/>
+                </a:tc>
+                <a:tc>
+                  <a:txBody>
+                    <a:bodyPr/>
+                    <a:lstStyle/>
+                    <a:p>
+                      <a:pPr algn="ctr"/>
+                      <a:r>
+                        <a:rPr lang="en-US" dirty="0" smtClean="0"/>
+                        <a:t>T</a:t>
+                      </a:r>
+                      <a:endParaRPr lang="en-SG" dirty="0"/>
+                    </a:p>
+                  </a:txBody>
+                  <a:tcPr/>
+                </a:tc>
+                <a:tc>
+                  <a:txBody>
+                    <a:bodyPr/>
+                    <a:lstStyle/>
+                    <a:p>
+                      <a:pPr algn="ctr"/>
+                      <a:r>
+                        <a:rPr lang="en-US" dirty="0" smtClean="0"/>
+                        <a:t>F</a:t>
+                      </a:r>
+                      <a:endParaRPr lang="en-SG" dirty="0"/>
+                    </a:p>
+                  </a:txBody>
+                  <a:tcPr/>
+                </a:tc>
+                <a:tc>
+                  <a:txBody>
+                    <a:bodyPr/>
+                    <a:lstStyle/>
+                    <a:p>
+                      <a:pPr algn="ctr"/>
+                      <a:r>
+                        <a:rPr lang="en-US" dirty="0" smtClean="0"/>
+                        <a:t>S</a:t>
+                      </a:r>
+                      <a:endParaRPr lang="en-SG" dirty="0"/>
+                    </a:p>
+                  </a:txBody>
+                  <a:tcPr/>
+                </a:tc>
+                <a:tc>
+                  <a:txBody>
+                    <a:bodyPr/>
+                    <a:lstStyle/>
+                    <a:p>
+                      <a:pPr algn="ctr"/>
+                      <a:r>
+                        <a:rPr lang="en-US" dirty="0" smtClean="0"/>
+                        <a:t>S</a:t>
+                      </a:r>
+                      <a:endParaRPr lang="en-SG" dirty="0"/>
+                    </a:p>
+                  </a:txBody>
+                  <a:tcPr/>
+                </a:tc>
+              </a:tr>
+              <a:tr h="181079">
+                <a:tc>
+                  <a:txBody>
+                    <a:bodyPr/>
+                    <a:lstStyle/>
+                    <a:p>
+                      <a:endParaRPr lang="en-SG"/>
+                    </a:p>
+                  </a:txBody>
+                  <a:tcPr/>
+                </a:tc>
+                <a:tc>
+                  <a:txBody>
+                    <a:bodyPr/>
+                    <a:lstStyle/>
+                    <a:p>
+                      <a:endParaRPr lang="en-SG"/>
+                    </a:p>
+                  </a:txBody>
+                  <a:tcPr/>
+                </a:tc>
+                <a:tc>
+                  <a:txBody>
+                    <a:bodyPr/>
+                    <a:lstStyle/>
+                    <a:p>
+                      <a:endParaRPr lang="en-SG"/>
+                    </a:p>
+                  </a:txBody>
+                  <a:tcPr/>
+                </a:tc>
+                <a:tc>
+                  <a:txBody>
+                    <a:bodyPr/>
+                    <a:lstStyle/>
+                    <a:p>
+                      <a:endParaRPr lang="en-SG"/>
+                    </a:p>
+                  </a:txBody>
+                  <a:tcPr/>
+                </a:tc>
+                <a:tc>
+                  <a:txBody>
+                    <a:bodyPr/>
+                    <a:lstStyle/>
+                    <a:p>
+                      <a:endParaRPr lang="en-SG"/>
+                    </a:p>
+                  </a:txBody>
+                  <a:tcPr/>
+                </a:tc>
+                <a:tc>
+                  <a:txBody>
+                    <a:bodyPr/>
+                    <a:lstStyle/>
+                    <a:p>
+                      <a:endParaRPr lang="en-SG"/>
+                    </a:p>
+                  </a:txBody>
+                  <a:tcPr/>
+                </a:tc>
+                <a:tc>
+                  <a:txBody>
+                    <a:bodyPr/>
+                    <a:lstStyle/>
+                    <a:p>
+                      <a:endParaRPr lang="en-SG" dirty="0"/>
+                    </a:p>
+                  </a:txBody>
+                  <a:tcPr/>
+                </a:tc>
+              </a:tr>
+              <a:tr h="181079">
+                <a:tc>
+                  <a:txBody>
+                    <a:bodyPr/>
+                    <a:lstStyle/>
+                    <a:p>
+                      <a:endParaRPr lang="en-SG"/>
+                    </a:p>
+                  </a:txBody>
+                  <a:tcPr/>
+                </a:tc>
+                <a:tc>
+                  <a:txBody>
+                    <a:bodyPr/>
+                    <a:lstStyle/>
+                    <a:p>
+                      <a:endParaRPr lang="en-SG"/>
+                    </a:p>
+                  </a:txBody>
+                  <a:tcPr/>
+                </a:tc>
+                <a:tc>
+                  <a:txBody>
+                    <a:bodyPr/>
+                    <a:lstStyle/>
+                    <a:p>
+                      <a:endParaRPr lang="en-SG" dirty="0"/>
+                    </a:p>
+                  </a:txBody>
+                  <a:tcPr/>
+                </a:tc>
+                <a:tc>
+                  <a:txBody>
+                    <a:bodyPr/>
+                    <a:lstStyle/>
+                    <a:p>
+                      <a:endParaRPr lang="en-SG"/>
+                    </a:p>
+                  </a:txBody>
+                  <a:tcPr/>
+                </a:tc>
+                <a:tc>
+                  <a:txBody>
+                    <a:bodyPr/>
+                    <a:lstStyle/>
+                    <a:p>
+                      <a:endParaRPr lang="en-SG"/>
+                    </a:p>
+                  </a:txBody>
+                  <a:tcPr/>
+                </a:tc>
+                <a:tc>
+                  <a:txBody>
+                    <a:bodyPr/>
+                    <a:lstStyle/>
+                    <a:p>
+                      <a:endParaRPr lang="en-SG"/>
+                    </a:p>
+                  </a:txBody>
+                  <a:tcPr/>
+                </a:tc>
+                <a:tc>
+                  <a:txBody>
+                    <a:bodyPr/>
+                    <a:lstStyle/>
+                    <a:p>
+                      <a:endParaRPr lang="en-SG"/>
+                    </a:p>
+                  </a:txBody>
+                  <a:tcPr/>
+                </a:tc>
+              </a:tr>
+              <a:tr h="181079">
+                <a:tc>
+                  <a:txBody>
+                    <a:bodyPr/>
+                    <a:lstStyle/>
+                    <a:p>
+                      <a:endParaRPr lang="en-SG"/>
+                    </a:p>
+                  </a:txBody>
+                  <a:tcPr/>
+                </a:tc>
+                <a:tc>
+                  <a:txBody>
+                    <a:bodyPr/>
+                    <a:lstStyle/>
+                    <a:p>
+                      <a:endParaRPr lang="en-SG"/>
+                    </a:p>
+                  </a:txBody>
+                  <a:tcPr/>
+                </a:tc>
+                <a:tc>
+                  <a:txBody>
+                    <a:bodyPr/>
+                    <a:lstStyle/>
+                    <a:p>
+                      <a:endParaRPr lang="en-SG"/>
+                    </a:p>
+                  </a:txBody>
+                  <a:tcPr/>
+                </a:tc>
+                <a:tc>
+                  <a:txBody>
+                    <a:bodyPr/>
+                    <a:lstStyle/>
+                    <a:p>
+                      <a:endParaRPr lang="en-SG"/>
+                    </a:p>
+                  </a:txBody>
+                  <a:tcPr/>
+                </a:tc>
+                <a:tc>
+                  <a:txBody>
+                    <a:bodyPr/>
+                    <a:lstStyle/>
+                    <a:p>
+                      <a:endParaRPr lang="en-SG"/>
+                    </a:p>
+                  </a:txBody>
+                  <a:tcPr/>
+                </a:tc>
+                <a:tc>
+                  <a:txBody>
+                    <a:bodyPr/>
+                    <a:lstStyle/>
+                    <a:p>
+                      <a:endParaRPr lang="en-SG"/>
+                    </a:p>
+                  </a:txBody>
+                  <a:tcPr/>
+                </a:tc>
+                <a:tc>
+                  <a:txBody>
+                    <a:bodyPr/>
+                    <a:lstStyle/>
+                    <a:p>
+                      <a:endParaRPr lang="en-SG"/>
+                    </a:p>
+                  </a:txBody>
+                  <a:tcPr/>
+                </a:tc>
+              </a:tr>
+              <a:tr h="181079">
+                <a:tc>
+                  <a:txBody>
+                    <a:bodyPr/>
+                    <a:lstStyle/>
+                    <a:p>
+                      <a:endParaRPr lang="en-SG" dirty="0"/>
+                    </a:p>
+                  </a:txBody>
+                  <a:tcPr/>
+                </a:tc>
+                <a:tc>
+                  <a:txBody>
+                    <a:bodyPr/>
+                    <a:lstStyle/>
+                    <a:p>
+                      <a:endParaRPr lang="en-SG"/>
+                    </a:p>
+                  </a:txBody>
+                  <a:tcPr/>
+                </a:tc>
+                <a:tc>
+                  <a:txBody>
+                    <a:bodyPr/>
+                    <a:lstStyle/>
+                    <a:p>
+                      <a:endParaRPr lang="en-SG" dirty="0"/>
+                    </a:p>
+                  </a:txBody>
+                  <a:tcPr/>
+                </a:tc>
+                <a:tc>
+                  <a:txBody>
+                    <a:bodyPr/>
+                    <a:lstStyle/>
+                    <a:p>
+                      <a:endParaRPr lang="en-SG"/>
+                    </a:p>
+                  </a:txBody>
+                  <a:tcPr/>
+                </a:tc>
+                <a:tc>
+                  <a:txBody>
+                    <a:bodyPr/>
+                    <a:lstStyle/>
+                    <a:p>
+                      <a:endParaRPr lang="en-SG"/>
+                    </a:p>
+                  </a:txBody>
+                  <a:tcPr/>
+                </a:tc>
+                <a:tc>
+                  <a:txBody>
+                    <a:bodyPr/>
+                    <a:lstStyle/>
+                    <a:p>
+                      <a:endParaRPr lang="en-SG"/>
+                    </a:p>
+                  </a:txBody>
+                  <a:tcPr/>
+                </a:tc>
+                <a:tc>
+                  <a:txBody>
+                    <a:bodyPr/>
+                    <a:lstStyle/>
+                    <a:p>
+                      <a:endParaRPr lang="en-SG" dirty="0"/>
+                    </a:p>
+                  </a:txBody>
+                  <a:tcPr/>
+                </a:tc>
+              </a:tr>
+            </a:tbl>
+          </a:graphicData>
+        </a:graphic>
+      </p:graphicFrame>
+      <p:sp>
+        <p:nvSpPr>
+          <p:cNvPr id="24" name="TextBox 23"/>
+          <p:cNvSpPr txBox="1"/>
+          <p:nvPr/>
+        </p:nvSpPr>
+        <p:spPr>
+          <a:xfrm>
+            <a:off x="5004048" y="1103123"/>
+            <a:ext cx="2952328" cy="307777"/>
+          </a:xfrm>
+          <a:prstGeom prst="rect">
+            <a:avLst/>
+          </a:prstGeom>
+          <a:noFill/>
+          <a:ln>
+            <a:solidFill>
+              <a:schemeClr val="bg1"/>
+            </a:solidFill>
+          </a:ln>
+        </p:spPr>
+        <p:txBody>
+          <a:bodyPr wrap="square" rtlCol="0">
+            <a:spAutoFit/>
+          </a:bodyPr>
+          <a:lstStyle/>
+          <a:p>
+            <a:r>
+              <a:rPr lang="en-US" sz="1400" b="1" dirty="0" smtClean="0"/>
+              <a:t>Please select your preferred timings</a:t>
+            </a:r>
+            <a:endParaRPr lang="en-SG" sz="1400" b="1" dirty="0"/>
+          </a:p>
+        </p:txBody>
+      </p:sp>
+      <p:sp>
+        <p:nvSpPr>
+          <p:cNvPr id="31" name="Rounded Rectangle 30"/>
+          <p:cNvSpPr/>
+          <p:nvPr/>
+        </p:nvSpPr>
+        <p:spPr>
+          <a:xfrm>
+            <a:off x="5076056" y="3737309"/>
+            <a:ext cx="1296144" cy="560351"/>
+          </a:xfrm>
+          <a:prstGeom prst="roundRect">
+            <a:avLst/>
+          </a:prstGeom>
+          <a:scene3d>
+            <a:camera prst="orthographicFront"/>
+            <a:lightRig rig="threePt" dir="t"/>
+          </a:scene3d>
+          <a:sp3d>
+            <a:bevelT/>
+          </a:sp3d>
+        </p:spPr>
+        <p:style>
+          <a:lnRef idx="2">
+            <a:schemeClr val="accent1"/>
+          </a:lnRef>
+          <a:fillRef idx="1">
+            <a:schemeClr val="lt1"/>
+          </a:fillRef>
+          <a:effectRef idx="0">
+            <a:schemeClr val="accent1"/>
+          </a:effectRef>
+          <a:fontRef idx="minor">
+            <a:schemeClr val="dk1"/>
+          </a:fontRef>
+        </p:style>
+        <p:txBody>
+          <a:bodyPr rtlCol="0" anchor="ctr"/>
+          <a:lstStyle/>
+          <a:p>
+            <a:pPr algn="ctr"/>
+            <a:r>
+              <a:rPr lang="en-US" b="1" dirty="0" smtClean="0"/>
+              <a:t>Update</a:t>
+            </a:r>
+            <a:endParaRPr lang="en-SG" b="1" dirty="0"/>
+          </a:p>
+        </p:txBody>
+      </p:sp>
+      <p:sp>
+        <p:nvSpPr>
+          <p:cNvPr id="33" name="Rounded Rectangle 32"/>
+          <p:cNvSpPr/>
+          <p:nvPr/>
+        </p:nvSpPr>
+        <p:spPr>
+          <a:xfrm>
+            <a:off x="6804248" y="3737307"/>
+            <a:ext cx="1296144" cy="560351"/>
+          </a:xfrm>
+          <a:prstGeom prst="roundRect">
+            <a:avLst/>
+          </a:prstGeom>
+          <a:scene3d>
+            <a:camera prst="orthographicFront"/>
+            <a:lightRig rig="threePt" dir="t"/>
+          </a:scene3d>
+          <a:sp3d>
+            <a:bevelT/>
+          </a:sp3d>
+        </p:spPr>
+        <p:style>
+          <a:lnRef idx="2">
+            <a:schemeClr val="accent1"/>
+          </a:lnRef>
+          <a:fillRef idx="1">
+            <a:schemeClr val="lt1"/>
+          </a:fillRef>
+          <a:effectRef idx="0">
+            <a:schemeClr val="accent1"/>
+          </a:effectRef>
+          <a:fontRef idx="minor">
+            <a:schemeClr val="dk1"/>
+          </a:fontRef>
+        </p:style>
+        <p:txBody>
+          <a:bodyPr rtlCol="0" anchor="ctr"/>
+          <a:lstStyle/>
+          <a:p>
+            <a:pPr algn="ctr"/>
+            <a:r>
+              <a:rPr lang="en-US" b="1" dirty="0" smtClean="0"/>
+              <a:t>Cancel</a:t>
+            </a:r>
+            <a:endParaRPr lang="en-SG" b="1" dirty="0"/>
+          </a:p>
+        </p:txBody>
+      </p:sp>
     </p:spTree>
     <p:extLst>
       <p:ext uri="{BB962C8B-B14F-4D97-AF65-F5344CB8AC3E}">
         <p14:creationId xmlns:p14="http://schemas.microsoft.com/office/powerpoint/2010/main" val="3909419328"/>
+      </p:ext>
+    </p:extLst>
+  </p:cSld>
+  <p:clrMapOvr>
+    <a:masterClrMapping/>
+  </p:clrMapOvr>
+  <p:timing>
+    <p:tnLst>
+      <p:par>
+        <p:cTn id="1" dur="indefinite" restart="never" nodeType="tmRoot"/>
+      </p:par>
+    </p:tnLst>
+  </p:timing>
+</p:sld>
+</file>
+
+<file path=ppt/slides/slide6.xml><?xml version="1.0" encoding="utf-8"?>
+<p:sld xmlns:a="http://schemas.openxmlformats.org/drawingml/2006/main" xmlns:r="http://schemas.openxmlformats.org/officeDocument/2006/relationships" xmlns:p="http://schemas.openxmlformats.org/presentationml/2006/main">
+  <p:cSld>
+    <p:spTree>
+      <p:nvGrpSpPr>
+        <p:cNvPr id="1" name=""/>
+        <p:cNvGrpSpPr/>
+        <p:nvPr/>
+      </p:nvGrpSpPr>
+      <p:grpSpPr>
+        <a:xfrm>
+          <a:off x="0" y="0"/>
+          <a:ext cx="0" cy="0"/>
+          <a:chOff x="0" y="0"/>
+          <a:chExt cx="0" cy="0"/>
+        </a:xfrm>
+      </p:grpSpPr>
+      <p:sp>
+        <p:nvSpPr>
+          <p:cNvPr id="22" name="TextBox 21"/>
+          <p:cNvSpPr txBox="1"/>
+          <p:nvPr/>
+        </p:nvSpPr>
+        <p:spPr>
+          <a:xfrm>
+            <a:off x="30912" y="1409146"/>
+            <a:ext cx="1148889" cy="246221"/>
+          </a:xfrm>
+          <a:prstGeom prst="rect">
+            <a:avLst/>
+          </a:prstGeom>
+          <a:noFill/>
+          <a:ln>
+            <a:solidFill>
+              <a:schemeClr val="bg1"/>
+            </a:solidFill>
+          </a:ln>
+        </p:spPr>
+        <p:txBody>
+          <a:bodyPr wrap="square" rtlCol="0">
+            <a:spAutoFit/>
+          </a:bodyPr>
+          <a:lstStyle/>
+          <a:p>
+            <a:r>
+              <a:rPr lang="en-US" sz="1000" b="1" dirty="0" smtClean="0"/>
+              <a:t>Seller Availability</a:t>
+            </a:r>
+            <a:endParaRPr lang="en-SG" sz="1000" b="1" dirty="0"/>
+          </a:p>
+        </p:txBody>
+      </p:sp>
+      <p:sp>
+        <p:nvSpPr>
+          <p:cNvPr id="2" name="Rectangle 1"/>
+          <p:cNvSpPr/>
+          <p:nvPr/>
+        </p:nvSpPr>
+        <p:spPr>
+          <a:xfrm>
+            <a:off x="1184385" y="337224"/>
+            <a:ext cx="899592" cy="248754"/>
+          </a:xfrm>
+          <a:prstGeom prst="rect">
+            <a:avLst/>
+          </a:prstGeom>
+          <a:solidFill>
+            <a:schemeClr val="bg2"/>
+          </a:solidFill>
+          <a:ln>
+            <a:solidFill>
+              <a:schemeClr val="bg2"/>
+            </a:solidFill>
+          </a:ln>
+          <a:scene3d>
+            <a:camera prst="orthographicFront"/>
+            <a:lightRig rig="threePt" dir="t"/>
+          </a:scene3d>
+          <a:sp3d>
+            <a:bevelT w="152400" h="50800" prst="softRound"/>
+          </a:sp3d>
+        </p:spPr>
+        <p:style>
+          <a:lnRef idx="2">
+            <a:schemeClr val="accent1">
+              <a:shade val="50000"/>
+            </a:schemeClr>
+          </a:lnRef>
+          <a:fillRef idx="1">
+            <a:schemeClr val="accent1"/>
+          </a:fillRef>
+          <a:effectRef idx="0">
+            <a:schemeClr val="accent1"/>
+          </a:effectRef>
+          <a:fontRef idx="minor">
+            <a:schemeClr val="lt1"/>
+          </a:fontRef>
+        </p:style>
+        <p:txBody>
+          <a:bodyPr rtlCol="0" anchor="ctr"/>
+          <a:lstStyle/>
+          <a:p>
+            <a:pPr algn="ctr"/>
+            <a:r>
+              <a:rPr lang="en-US" sz="1200" b="1" dirty="0" smtClean="0">
+                <a:solidFill>
+                  <a:schemeClr val="tx1"/>
+                </a:solidFill>
+              </a:rPr>
+              <a:t>All</a:t>
+            </a:r>
+            <a:r>
+              <a:rPr lang="en-US" sz="1200" b="1" baseline="0" dirty="0" smtClean="0">
+                <a:solidFill>
+                  <a:schemeClr val="tx1"/>
+                </a:solidFill>
+              </a:rPr>
+              <a:t> Listings</a:t>
+            </a:r>
+            <a:endParaRPr lang="en-SG" sz="1200" b="1" dirty="0">
+              <a:solidFill>
+                <a:schemeClr val="tx1"/>
+              </a:solidFill>
+            </a:endParaRPr>
+          </a:p>
+        </p:txBody>
+      </p:sp>
+      <p:pic>
+        <p:nvPicPr>
+          <p:cNvPr id="2050" name="Picture 2" descr="C:\Users\Zu Cheng\Desktop\IDP\IDP\Karung Guni App\img\Items\Logitech Speakers 1.jpg"/>
+          <p:cNvPicPr>
+            <a:picLocks noChangeAspect="1" noChangeArrowheads="1"/>
+          </p:cNvPicPr>
+          <p:nvPr/>
+        </p:nvPicPr>
+        <p:blipFill>
+          <a:blip r:embed="rId2">
+            <a:extLst>
+              <a:ext uri="{28A0092B-C50C-407E-A947-70E740481C1C}">
+                <a14:useLocalDpi xmlns:a14="http://schemas.microsoft.com/office/drawing/2010/main" val="0"/>
+              </a:ext>
+            </a:extLst>
+          </a:blip>
+          <a:srcRect/>
+          <a:stretch>
+            <a:fillRect/>
+          </a:stretch>
+        </p:blipFill>
+        <p:spPr bwMode="auto">
+          <a:xfrm>
+            <a:off x="767099" y="2114109"/>
+            <a:ext cx="2076709" cy="1578026"/>
+          </a:xfrm>
+          <a:prstGeom prst="rect">
+            <a:avLst/>
+          </a:prstGeom>
+          <a:noFill/>
+          <a:extLst>
+            <a:ext uri="{909E8E84-426E-40DD-AFC4-6F175D3DCCD1}">
+              <a14:hiddenFill xmlns:a14="http://schemas.microsoft.com/office/drawing/2010/main">
+                <a:solidFill>
+                  <a:srgbClr val="FFFFFF"/>
+                </a:solidFill>
+              </a14:hiddenFill>
+            </a:ext>
+          </a:extLst>
+        </p:spPr>
+      </p:pic>
+      <p:pic>
+        <p:nvPicPr>
+          <p:cNvPr id="2052" name="Picture 4" descr="C:\Users\Zu Cheng\Desktop\IDP\IDP\Karung Guni App\img\Items\newspaper.jpg"/>
+          <p:cNvPicPr>
+            <a:picLocks noChangeAspect="1" noChangeArrowheads="1"/>
+          </p:cNvPicPr>
+          <p:nvPr/>
+        </p:nvPicPr>
+        <p:blipFill>
+          <a:blip r:embed="rId3">
+            <a:extLst>
+              <a:ext uri="{28A0092B-C50C-407E-A947-70E740481C1C}">
+                <a14:useLocalDpi xmlns:a14="http://schemas.microsoft.com/office/drawing/2010/main" val="0"/>
+              </a:ext>
+            </a:extLst>
+          </a:blip>
+          <a:srcRect/>
+          <a:stretch>
+            <a:fillRect/>
+          </a:stretch>
+        </p:blipFill>
+        <p:spPr bwMode="auto">
+          <a:xfrm>
+            <a:off x="3491880" y="2122710"/>
+            <a:ext cx="2272828" cy="1511777"/>
+          </a:xfrm>
+          <a:prstGeom prst="rect">
+            <a:avLst/>
+          </a:prstGeom>
+          <a:noFill/>
+          <a:extLst>
+            <a:ext uri="{909E8E84-426E-40DD-AFC4-6F175D3DCCD1}">
+              <a14:hiddenFill xmlns:a14="http://schemas.microsoft.com/office/drawing/2010/main">
+                <a:solidFill>
+                  <a:srgbClr val="FFFFFF"/>
+                </a:solidFill>
+              </a14:hiddenFill>
+            </a:ext>
+          </a:extLst>
+        </p:spPr>
+      </p:pic>
+      <p:pic>
+        <p:nvPicPr>
+          <p:cNvPr id="2053" name="Picture 5" descr="C:\Users\Zu Cheng\Desktop\IDP\IDP\Karung Guni App\img\Items\vcr.jpg"/>
+          <p:cNvPicPr>
+            <a:picLocks noChangeAspect="1" noChangeArrowheads="1"/>
+          </p:cNvPicPr>
+          <p:nvPr/>
+        </p:nvPicPr>
+        <p:blipFill>
+          <a:blip r:embed="rId4">
+            <a:extLst>
+              <a:ext uri="{28A0092B-C50C-407E-A947-70E740481C1C}">
+                <a14:useLocalDpi xmlns:a14="http://schemas.microsoft.com/office/drawing/2010/main" val="0"/>
+              </a:ext>
+            </a:extLst>
+          </a:blip>
+          <a:srcRect/>
+          <a:stretch>
+            <a:fillRect/>
+          </a:stretch>
+        </p:blipFill>
+        <p:spPr bwMode="auto">
+          <a:xfrm>
+            <a:off x="6349080" y="2142829"/>
+            <a:ext cx="2183360" cy="1405290"/>
+          </a:xfrm>
+          <a:prstGeom prst="rect">
+            <a:avLst/>
+          </a:prstGeom>
+          <a:noFill/>
+          <a:extLst>
+            <a:ext uri="{909E8E84-426E-40DD-AFC4-6F175D3DCCD1}">
+              <a14:hiddenFill xmlns:a14="http://schemas.microsoft.com/office/drawing/2010/main">
+                <a:solidFill>
+                  <a:srgbClr val="FFFFFF"/>
+                </a:solidFill>
+              </a14:hiddenFill>
+            </a:ext>
+          </a:extLst>
+        </p:spPr>
+      </p:pic>
+      <p:sp>
+        <p:nvSpPr>
+          <p:cNvPr id="3" name="Frame 2"/>
+          <p:cNvSpPr/>
+          <p:nvPr/>
+        </p:nvSpPr>
+        <p:spPr>
+          <a:xfrm>
+            <a:off x="3203848" y="2101983"/>
+            <a:ext cx="2808312" cy="3554398"/>
+          </a:xfrm>
+          <a:prstGeom prst="frame">
+            <a:avLst>
+              <a:gd name="adj1" fmla="val 0"/>
+            </a:avLst>
+          </a:prstGeom>
+          <a:ln>
+            <a:solidFill>
+              <a:schemeClr val="bg2"/>
+            </a:solidFill>
+          </a:ln>
+        </p:spPr>
+        <p:style>
+          <a:lnRef idx="2">
+            <a:schemeClr val="accent1">
+              <a:shade val="50000"/>
+            </a:schemeClr>
+          </a:lnRef>
+          <a:fillRef idx="1">
+            <a:schemeClr val="accent1"/>
+          </a:fillRef>
+          <a:effectRef idx="0">
+            <a:schemeClr val="accent1"/>
+          </a:effectRef>
+          <a:fontRef idx="minor">
+            <a:schemeClr val="lt1"/>
+          </a:fontRef>
+        </p:style>
+        <p:txBody>
+          <a:bodyPr rtlCol="0" anchor="ctr"/>
+          <a:lstStyle/>
+          <a:p>
+            <a:pPr algn="ctr"/>
+            <a:endParaRPr lang="en-SG">
+              <a:solidFill>
+                <a:schemeClr val="tx1"/>
+              </a:solidFill>
+            </a:endParaRPr>
+          </a:p>
+        </p:txBody>
+      </p:sp>
+      <p:sp>
+        <p:nvSpPr>
+          <p:cNvPr id="8" name="Frame 7"/>
+          <p:cNvSpPr/>
+          <p:nvPr/>
+        </p:nvSpPr>
+        <p:spPr>
+          <a:xfrm>
+            <a:off x="395536" y="2101983"/>
+            <a:ext cx="2808312" cy="3554398"/>
+          </a:xfrm>
+          <a:prstGeom prst="frame">
+            <a:avLst>
+              <a:gd name="adj1" fmla="val 0"/>
+            </a:avLst>
+          </a:prstGeom>
+          <a:ln>
+            <a:solidFill>
+              <a:schemeClr val="bg2"/>
+            </a:solidFill>
+          </a:ln>
+        </p:spPr>
+        <p:style>
+          <a:lnRef idx="2">
+            <a:schemeClr val="accent1">
+              <a:shade val="50000"/>
+            </a:schemeClr>
+          </a:lnRef>
+          <a:fillRef idx="1">
+            <a:schemeClr val="accent1"/>
+          </a:fillRef>
+          <a:effectRef idx="0">
+            <a:schemeClr val="accent1"/>
+          </a:effectRef>
+          <a:fontRef idx="minor">
+            <a:schemeClr val="lt1"/>
+          </a:fontRef>
+        </p:style>
+        <p:txBody>
+          <a:bodyPr rtlCol="0" anchor="ctr"/>
+          <a:lstStyle/>
+          <a:p>
+            <a:pPr algn="ctr"/>
+            <a:endParaRPr lang="en-SG">
+              <a:solidFill>
+                <a:schemeClr val="tx1"/>
+              </a:solidFill>
+            </a:endParaRPr>
+          </a:p>
+        </p:txBody>
+      </p:sp>
+      <p:sp>
+        <p:nvSpPr>
+          <p:cNvPr id="9" name="Frame 8"/>
+          <p:cNvSpPr/>
+          <p:nvPr/>
+        </p:nvSpPr>
+        <p:spPr>
+          <a:xfrm>
+            <a:off x="6012160" y="2111414"/>
+            <a:ext cx="2808312" cy="3554398"/>
+          </a:xfrm>
+          <a:prstGeom prst="frame">
+            <a:avLst>
+              <a:gd name="adj1" fmla="val 0"/>
+            </a:avLst>
+          </a:prstGeom>
+          <a:ln>
+            <a:solidFill>
+              <a:schemeClr val="bg2"/>
+            </a:solidFill>
+          </a:ln>
+        </p:spPr>
+        <p:style>
+          <a:lnRef idx="2">
+            <a:schemeClr val="accent1">
+              <a:shade val="50000"/>
+            </a:schemeClr>
+          </a:lnRef>
+          <a:fillRef idx="1">
+            <a:schemeClr val="accent1"/>
+          </a:fillRef>
+          <a:effectRef idx="0">
+            <a:schemeClr val="accent1"/>
+          </a:effectRef>
+          <a:fontRef idx="minor">
+            <a:schemeClr val="lt1"/>
+          </a:fontRef>
+        </p:style>
+        <p:txBody>
+          <a:bodyPr rtlCol="0" anchor="ctr"/>
+          <a:lstStyle/>
+          <a:p>
+            <a:pPr algn="ctr"/>
+            <a:endParaRPr lang="en-SG">
+              <a:solidFill>
+                <a:schemeClr val="tx1"/>
+              </a:solidFill>
+            </a:endParaRPr>
+          </a:p>
+        </p:txBody>
+      </p:sp>
+      <p:sp>
+        <p:nvSpPr>
+          <p:cNvPr id="4" name="TextBox 3"/>
+          <p:cNvSpPr txBox="1"/>
+          <p:nvPr/>
+        </p:nvSpPr>
+        <p:spPr>
+          <a:xfrm>
+            <a:off x="395536" y="3634487"/>
+            <a:ext cx="2808312" cy="1384995"/>
+          </a:xfrm>
+          <a:prstGeom prst="rect">
+            <a:avLst/>
+          </a:prstGeom>
+          <a:noFill/>
+        </p:spPr>
+        <p:txBody>
+          <a:bodyPr wrap="square" rtlCol="0">
+            <a:spAutoFit/>
+          </a:bodyPr>
+          <a:lstStyle/>
+          <a:p>
+            <a:r>
+              <a:rPr lang="en-SG" sz="1400" b="1" dirty="0"/>
+              <a:t>2.1 LOGITECH SPEAKERS</a:t>
+            </a:r>
+            <a:r>
+              <a:rPr lang="en-SG" sz="1400" dirty="0"/>
+              <a:t> </a:t>
+            </a:r>
+            <a:r>
+              <a:rPr lang="en-SG" sz="1400" dirty="0"/>
+              <a:t/>
+            </a:r>
+            <a:br>
+              <a:rPr lang="en-SG" sz="1400" dirty="0"/>
+            </a:br>
+            <a:r>
+              <a:rPr lang="en-SG" sz="1400" b="1" dirty="0"/>
+              <a:t>Category</a:t>
+            </a:r>
+            <a:r>
+              <a:rPr lang="en-SG" sz="1400" dirty="0"/>
+              <a:t>: Electronics </a:t>
+            </a:r>
+            <a:r>
+              <a:rPr lang="en-SG" sz="1400" dirty="0"/>
+              <a:t/>
+            </a:r>
+            <a:br>
+              <a:rPr lang="en-SG" sz="1400" dirty="0"/>
+            </a:br>
+            <a:r>
+              <a:rPr lang="en-SG" sz="1400" b="1" dirty="0"/>
+              <a:t>Condition</a:t>
+            </a:r>
+            <a:r>
+              <a:rPr lang="en-SG" sz="1400" dirty="0"/>
+              <a:t>: 8 </a:t>
+            </a:r>
+            <a:r>
+              <a:rPr lang="en-SG" sz="1400" dirty="0"/>
+              <a:t/>
+            </a:r>
+            <a:br>
+              <a:rPr lang="en-SG" sz="1400" dirty="0"/>
+            </a:br>
+            <a:r>
+              <a:rPr lang="en-SG" sz="1400" b="1" dirty="0"/>
+              <a:t>Price</a:t>
+            </a:r>
+            <a:r>
+              <a:rPr lang="en-SG" sz="1400" dirty="0"/>
+              <a:t>: 34.5 </a:t>
+            </a:r>
+            <a:r>
+              <a:rPr lang="en-SG" sz="1400" dirty="0"/>
+              <a:t/>
+            </a:r>
+            <a:br>
+              <a:rPr lang="en-SG" sz="1400" dirty="0"/>
+            </a:br>
+            <a:r>
+              <a:rPr lang="en-SG" sz="1400" b="1" dirty="0"/>
+              <a:t>Description</a:t>
+            </a:r>
+            <a:r>
+              <a:rPr lang="en-SG" sz="1400" dirty="0"/>
+              <a:t>: Item is in great shape </a:t>
+            </a:r>
+            <a:r>
+              <a:rPr lang="en-SG" sz="1400" dirty="0"/>
+              <a:t/>
+            </a:r>
+            <a:br>
+              <a:rPr lang="en-SG" sz="1400" dirty="0"/>
+            </a:br>
+            <a:r>
+              <a:rPr lang="en-SG" sz="1400" b="1" dirty="0"/>
+              <a:t>Seller</a:t>
+            </a:r>
+            <a:r>
+              <a:rPr lang="en-SG" sz="1400" dirty="0"/>
+              <a:t>: </a:t>
+            </a:r>
+            <a:r>
+              <a:rPr lang="en-SG" sz="1400" u="sng" dirty="0"/>
+              <a:t>MonicaCheng@hotmail.com</a:t>
+            </a:r>
+            <a:endParaRPr lang="en-SG" sz="1400" u="sng" dirty="0"/>
+          </a:p>
+        </p:txBody>
+      </p:sp>
+      <p:sp>
+        <p:nvSpPr>
+          <p:cNvPr id="11" name="TextBox 10"/>
+          <p:cNvSpPr txBox="1"/>
+          <p:nvPr/>
+        </p:nvSpPr>
+        <p:spPr>
+          <a:xfrm>
+            <a:off x="3203848" y="3634486"/>
+            <a:ext cx="2808312" cy="1815882"/>
+          </a:xfrm>
+          <a:prstGeom prst="rect">
+            <a:avLst/>
+          </a:prstGeom>
+          <a:noFill/>
+        </p:spPr>
+        <p:txBody>
+          <a:bodyPr wrap="square" rtlCol="0">
+            <a:spAutoFit/>
+          </a:bodyPr>
+          <a:lstStyle/>
+          <a:p>
+            <a:r>
+              <a:rPr lang="en-SG" sz="1400" b="1" dirty="0"/>
+              <a:t>OLD NEWSPAPERS </a:t>
+            </a:r>
+            <a:r>
+              <a:rPr lang="en-SG" sz="1400" dirty="0"/>
+              <a:t/>
+            </a:r>
+            <a:br>
+              <a:rPr lang="en-SG" sz="1400" dirty="0"/>
+            </a:br>
+            <a:r>
+              <a:rPr lang="en-SG" sz="1400" b="1" dirty="0"/>
+              <a:t>Category</a:t>
+            </a:r>
+            <a:r>
+              <a:rPr lang="en-SG" sz="1400" dirty="0"/>
+              <a:t>: Newspapers/Cardboards </a:t>
+            </a:r>
+            <a:r>
+              <a:rPr lang="en-SG" sz="1400" dirty="0"/>
+              <a:t/>
+            </a:r>
+            <a:br>
+              <a:rPr lang="en-SG" sz="1400" dirty="0"/>
+            </a:br>
+            <a:r>
+              <a:rPr lang="en-SG" sz="1400" b="1" dirty="0"/>
+              <a:t>Condition</a:t>
+            </a:r>
+            <a:r>
+              <a:rPr lang="en-SG" sz="1400" dirty="0"/>
+              <a:t>: 10 </a:t>
+            </a:r>
+            <a:r>
+              <a:rPr lang="en-SG" sz="1400" dirty="0"/>
+              <a:t/>
+            </a:r>
+            <a:br>
+              <a:rPr lang="en-SG" sz="1400" dirty="0"/>
+            </a:br>
+            <a:r>
+              <a:rPr lang="en-SG" sz="1400" b="1" dirty="0"/>
+              <a:t>Price</a:t>
+            </a:r>
+            <a:r>
+              <a:rPr lang="en-SG" sz="1400" dirty="0"/>
+              <a:t>: 7 </a:t>
+            </a:r>
+            <a:r>
+              <a:rPr lang="en-SG" sz="1400" dirty="0"/>
+              <a:t/>
+            </a:r>
+            <a:br>
+              <a:rPr lang="en-SG" sz="1400" dirty="0"/>
+            </a:br>
+            <a:r>
+              <a:rPr lang="en-SG" sz="1400" b="1" dirty="0"/>
+              <a:t>Description</a:t>
+            </a:r>
+            <a:r>
+              <a:rPr lang="en-SG" sz="1400" dirty="0"/>
+              <a:t>: Straits Times, </a:t>
+            </a:r>
+            <a:r>
+              <a:rPr lang="en-SG" sz="1400" dirty="0" err="1"/>
+              <a:t>Newpaper</a:t>
+            </a:r>
+            <a:r>
+              <a:rPr lang="en-SG" sz="1400" dirty="0"/>
+              <a:t> from the past 3 months. Weight is close to 15kg </a:t>
+            </a:r>
+            <a:r>
+              <a:rPr lang="en-SG" sz="1400" dirty="0"/>
+              <a:t/>
+            </a:r>
+            <a:br>
+              <a:rPr lang="en-SG" sz="1400" dirty="0"/>
+            </a:br>
+            <a:r>
+              <a:rPr lang="en-SG" sz="1400" b="1" dirty="0"/>
+              <a:t>Seller</a:t>
+            </a:r>
+            <a:r>
+              <a:rPr lang="en-SG" sz="1400" dirty="0"/>
+              <a:t>: </a:t>
+            </a:r>
+            <a:r>
+              <a:rPr lang="en-SG" sz="1400" u="sng" dirty="0"/>
+              <a:t>MonicaCheng@hotmail.com</a:t>
+            </a:r>
+            <a:endParaRPr lang="en-SG" sz="1400" u="sng" dirty="0"/>
+          </a:p>
+        </p:txBody>
+      </p:sp>
+      <p:sp>
+        <p:nvSpPr>
+          <p:cNvPr id="12" name="TextBox 11"/>
+          <p:cNvSpPr txBox="1"/>
+          <p:nvPr/>
+        </p:nvSpPr>
+        <p:spPr>
+          <a:xfrm>
+            <a:off x="6012160" y="3634487"/>
+            <a:ext cx="2808312" cy="2031325"/>
+          </a:xfrm>
+          <a:prstGeom prst="rect">
+            <a:avLst/>
+          </a:prstGeom>
+          <a:noFill/>
+        </p:spPr>
+        <p:txBody>
+          <a:bodyPr wrap="square" rtlCol="0">
+            <a:spAutoFit/>
+          </a:bodyPr>
+          <a:lstStyle/>
+          <a:p>
+            <a:r>
+              <a:rPr lang="en-SG" sz="1400" b="1" dirty="0"/>
+              <a:t>SPOILT VCR</a:t>
+            </a:r>
+            <a:r>
+              <a:rPr lang="en-SG" sz="1400" dirty="0"/>
+              <a:t> </a:t>
+            </a:r>
+            <a:r>
+              <a:rPr lang="en-SG" sz="1400" dirty="0"/>
+              <a:t/>
+            </a:r>
+            <a:br>
+              <a:rPr lang="en-SG" sz="1400" dirty="0"/>
+            </a:br>
+            <a:r>
+              <a:rPr lang="en-SG" sz="1400" b="1" dirty="0"/>
+              <a:t>Category</a:t>
+            </a:r>
+            <a:r>
+              <a:rPr lang="en-SG" sz="1400" dirty="0"/>
+              <a:t>: Electronics </a:t>
+            </a:r>
+            <a:r>
+              <a:rPr lang="en-SG" sz="1400" dirty="0"/>
+              <a:t/>
+            </a:r>
+            <a:br>
+              <a:rPr lang="en-SG" sz="1400" dirty="0"/>
+            </a:br>
+            <a:r>
+              <a:rPr lang="en-SG" sz="1400" b="1" dirty="0"/>
+              <a:t>Condition</a:t>
+            </a:r>
+            <a:r>
+              <a:rPr lang="en-SG" sz="1400" dirty="0"/>
+              <a:t>: 2 </a:t>
+            </a:r>
+            <a:r>
+              <a:rPr lang="en-SG" sz="1400" dirty="0"/>
+              <a:t/>
+            </a:r>
+            <a:br>
+              <a:rPr lang="en-SG" sz="1400" dirty="0"/>
+            </a:br>
+            <a:r>
+              <a:rPr lang="en-SG" sz="1400" b="1" dirty="0"/>
+              <a:t>Price</a:t>
+            </a:r>
+            <a:r>
+              <a:rPr lang="en-SG" sz="1400" dirty="0"/>
+              <a:t>: 5 </a:t>
+            </a:r>
+            <a:r>
+              <a:rPr lang="en-SG" sz="1400" dirty="0"/>
+              <a:t/>
+            </a:r>
+            <a:br>
+              <a:rPr lang="en-SG" sz="1400" dirty="0"/>
+            </a:br>
+            <a:r>
+              <a:rPr lang="en-SG" sz="1400" b="1" dirty="0"/>
+              <a:t>Description</a:t>
+            </a:r>
+            <a:r>
+              <a:rPr lang="en-SG" sz="1400" dirty="0"/>
+              <a:t>: VCR is over 10 years old &amp; is no longer usable. However, parts are still intact. </a:t>
+            </a:r>
+            <a:r>
+              <a:rPr lang="en-SG" sz="1400" dirty="0"/>
+              <a:t/>
+            </a:r>
+            <a:br>
+              <a:rPr lang="en-SG" sz="1400" dirty="0"/>
+            </a:br>
+            <a:r>
+              <a:rPr lang="en-SG" sz="1400" b="1" dirty="0"/>
+              <a:t>Seller</a:t>
+            </a:r>
+            <a:r>
+              <a:rPr lang="en-SG" sz="1400" dirty="0"/>
+              <a:t>: </a:t>
+            </a:r>
+            <a:r>
+              <a:rPr lang="en-SG" sz="1400" u="sng" dirty="0"/>
+              <a:t>uncleDesmond@conman.com</a:t>
+            </a:r>
+            <a:endParaRPr lang="en-SG" sz="1400" u="sng" dirty="0"/>
+          </a:p>
+        </p:txBody>
+      </p:sp>
+      <p:sp>
+        <p:nvSpPr>
+          <p:cNvPr id="15" name="TextBox 14"/>
+          <p:cNvSpPr txBox="1"/>
+          <p:nvPr/>
+        </p:nvSpPr>
+        <p:spPr>
+          <a:xfrm>
+            <a:off x="35496" y="625252"/>
+            <a:ext cx="1027410" cy="246221"/>
+          </a:xfrm>
+          <a:prstGeom prst="rect">
+            <a:avLst/>
+          </a:prstGeom>
+          <a:noFill/>
+          <a:ln>
+            <a:solidFill>
+              <a:schemeClr val="bg1"/>
+            </a:solidFill>
+          </a:ln>
+        </p:spPr>
+        <p:txBody>
+          <a:bodyPr wrap="square" rtlCol="0">
+            <a:spAutoFit/>
+          </a:bodyPr>
+          <a:lstStyle/>
+          <a:p>
+            <a:r>
+              <a:rPr lang="en-US" sz="1000" b="1" dirty="0" smtClean="0"/>
+              <a:t>List of </a:t>
+            </a:r>
+            <a:r>
+              <a:rPr lang="en-US" sz="1000" b="1" dirty="0" smtClean="0"/>
+              <a:t>Items</a:t>
+            </a:r>
+            <a:endParaRPr lang="en-SG" sz="1000" b="1" dirty="0"/>
+          </a:p>
+        </p:txBody>
+      </p:sp>
+      <p:sp>
+        <p:nvSpPr>
+          <p:cNvPr id="16" name="TextBox 15"/>
+          <p:cNvSpPr txBox="1"/>
+          <p:nvPr/>
+        </p:nvSpPr>
+        <p:spPr>
+          <a:xfrm>
+            <a:off x="1064141" y="825887"/>
+            <a:ext cx="1584176" cy="184666"/>
+          </a:xfrm>
+          <a:prstGeom prst="rect">
+            <a:avLst/>
+          </a:prstGeom>
+          <a:noFill/>
+          <a:ln w="19050">
+            <a:solidFill>
+              <a:schemeClr val="tx1"/>
+            </a:solidFill>
+          </a:ln>
+        </p:spPr>
+        <p:txBody>
+          <a:bodyPr wrap="square" rtlCol="0">
+            <a:spAutoFit/>
+          </a:bodyPr>
+          <a:lstStyle/>
+          <a:p>
+            <a:endParaRPr lang="en-SG" dirty="0"/>
+          </a:p>
+        </p:txBody>
+      </p:sp>
+      <p:sp>
+        <p:nvSpPr>
+          <p:cNvPr id="17" name="TextBox 16"/>
+          <p:cNvSpPr txBox="1"/>
+          <p:nvPr/>
+        </p:nvSpPr>
+        <p:spPr>
+          <a:xfrm>
+            <a:off x="36731" y="825887"/>
+            <a:ext cx="1027410" cy="215444"/>
+          </a:xfrm>
+          <a:prstGeom prst="rect">
+            <a:avLst/>
+          </a:prstGeom>
+          <a:noFill/>
+          <a:ln>
+            <a:solidFill>
+              <a:schemeClr val="bg1"/>
+            </a:solidFill>
+          </a:ln>
+        </p:spPr>
+        <p:txBody>
+          <a:bodyPr wrap="square" rtlCol="0">
+            <a:spAutoFit/>
+          </a:bodyPr>
+          <a:lstStyle/>
+          <a:p>
+            <a:r>
+              <a:rPr lang="en-US" sz="800" b="1" dirty="0" smtClean="0"/>
+              <a:t>Search:</a:t>
+            </a:r>
+            <a:endParaRPr lang="en-SG" sz="800" b="1" dirty="0"/>
+          </a:p>
+        </p:txBody>
+      </p:sp>
+      <p:sp>
+        <p:nvSpPr>
+          <p:cNvPr id="18" name="TextBox 17"/>
+          <p:cNvSpPr txBox="1"/>
+          <p:nvPr/>
+        </p:nvSpPr>
+        <p:spPr>
+          <a:xfrm>
+            <a:off x="1064141" y="1043470"/>
+            <a:ext cx="1584176" cy="184666"/>
+          </a:xfrm>
+          <a:prstGeom prst="rect">
+            <a:avLst/>
+          </a:prstGeom>
+          <a:noFill/>
+          <a:ln w="19050">
+            <a:solidFill>
+              <a:schemeClr val="tx1"/>
+            </a:solidFill>
+          </a:ln>
+        </p:spPr>
+        <p:txBody>
+          <a:bodyPr wrap="square" rtlCol="0">
+            <a:spAutoFit/>
+          </a:bodyPr>
+          <a:lstStyle/>
+          <a:p>
+            <a:endParaRPr lang="en-SG" dirty="0"/>
+          </a:p>
+        </p:txBody>
+      </p:sp>
+      <p:sp>
+        <p:nvSpPr>
+          <p:cNvPr id="19" name="TextBox 18"/>
+          <p:cNvSpPr txBox="1"/>
+          <p:nvPr/>
+        </p:nvSpPr>
+        <p:spPr>
+          <a:xfrm>
+            <a:off x="36731" y="1043470"/>
+            <a:ext cx="1027410" cy="215444"/>
+          </a:xfrm>
+          <a:prstGeom prst="rect">
+            <a:avLst/>
+          </a:prstGeom>
+          <a:noFill/>
+          <a:ln>
+            <a:solidFill>
+              <a:schemeClr val="bg1"/>
+            </a:solidFill>
+          </a:ln>
+        </p:spPr>
+        <p:txBody>
+          <a:bodyPr wrap="square" rtlCol="0">
+            <a:spAutoFit/>
+          </a:bodyPr>
+          <a:lstStyle/>
+          <a:p>
+            <a:r>
+              <a:rPr lang="en-US" sz="800" b="1" dirty="0" smtClean="0"/>
+              <a:t>Sort by:</a:t>
+            </a:r>
+            <a:endParaRPr lang="en-SG" sz="800" b="1" dirty="0"/>
+          </a:p>
+        </p:txBody>
+      </p:sp>
+      <p:sp>
+        <p:nvSpPr>
+          <p:cNvPr id="20" name="TextBox 19"/>
+          <p:cNvSpPr txBox="1"/>
+          <p:nvPr/>
+        </p:nvSpPr>
+        <p:spPr>
+          <a:xfrm>
+            <a:off x="1064141" y="1258914"/>
+            <a:ext cx="1584176" cy="200055"/>
+          </a:xfrm>
+          <a:prstGeom prst="rect">
+            <a:avLst/>
+          </a:prstGeom>
+          <a:noFill/>
+          <a:ln w="19050">
+            <a:solidFill>
+              <a:schemeClr val="tx1"/>
+            </a:solidFill>
+          </a:ln>
+        </p:spPr>
+        <p:txBody>
+          <a:bodyPr wrap="square" rtlCol="0">
+            <a:spAutoFit/>
+          </a:bodyPr>
+          <a:lstStyle/>
+          <a:p>
+            <a:r>
+              <a:rPr lang="en-US" sz="700" b="1" dirty="0" smtClean="0"/>
+              <a:t>ALL</a:t>
+            </a:r>
+            <a:endParaRPr lang="en-SG" sz="600" b="1" dirty="0"/>
+          </a:p>
+        </p:txBody>
+      </p:sp>
+      <p:sp>
+        <p:nvSpPr>
+          <p:cNvPr id="21" name="TextBox 20"/>
+          <p:cNvSpPr txBox="1"/>
+          <p:nvPr/>
+        </p:nvSpPr>
+        <p:spPr>
+          <a:xfrm>
+            <a:off x="36731" y="1258914"/>
+            <a:ext cx="1027410" cy="215444"/>
+          </a:xfrm>
+          <a:prstGeom prst="rect">
+            <a:avLst/>
+          </a:prstGeom>
+          <a:noFill/>
+          <a:ln>
+            <a:solidFill>
+              <a:schemeClr val="bg1"/>
+            </a:solidFill>
+          </a:ln>
+        </p:spPr>
+        <p:txBody>
+          <a:bodyPr wrap="square" rtlCol="0">
+            <a:spAutoFit/>
+          </a:bodyPr>
+          <a:lstStyle/>
+          <a:p>
+            <a:r>
+              <a:rPr lang="en-US" sz="800" b="1" dirty="0" smtClean="0"/>
+              <a:t>Category:</a:t>
+            </a:r>
+            <a:endParaRPr lang="en-SG" sz="800" b="1" dirty="0"/>
+          </a:p>
+        </p:txBody>
+      </p:sp>
+      <p:sp>
+        <p:nvSpPr>
+          <p:cNvPr id="23" name="TextBox 22"/>
+          <p:cNvSpPr txBox="1"/>
+          <p:nvPr/>
+        </p:nvSpPr>
+        <p:spPr>
+          <a:xfrm>
+            <a:off x="1062906" y="1655367"/>
+            <a:ext cx="1584176" cy="184666"/>
+          </a:xfrm>
+          <a:prstGeom prst="rect">
+            <a:avLst/>
+          </a:prstGeom>
+          <a:noFill/>
+          <a:ln w="19050">
+            <a:solidFill>
+              <a:schemeClr val="tx1"/>
+            </a:solidFill>
+          </a:ln>
+        </p:spPr>
+        <p:txBody>
+          <a:bodyPr wrap="square" rtlCol="0">
+            <a:spAutoFit/>
+          </a:bodyPr>
+          <a:lstStyle/>
+          <a:p>
+            <a:endParaRPr lang="en-SG" dirty="0"/>
+          </a:p>
+        </p:txBody>
+      </p:sp>
+      <p:sp>
+        <p:nvSpPr>
+          <p:cNvPr id="24" name="TextBox 23"/>
+          <p:cNvSpPr txBox="1"/>
+          <p:nvPr/>
+        </p:nvSpPr>
+        <p:spPr>
+          <a:xfrm>
+            <a:off x="35496" y="1655367"/>
+            <a:ext cx="1027410" cy="215444"/>
+          </a:xfrm>
+          <a:prstGeom prst="rect">
+            <a:avLst/>
+          </a:prstGeom>
+          <a:noFill/>
+          <a:ln>
+            <a:solidFill>
+              <a:schemeClr val="bg1"/>
+            </a:solidFill>
+          </a:ln>
+        </p:spPr>
+        <p:txBody>
+          <a:bodyPr wrap="square" rtlCol="0">
+            <a:spAutoFit/>
+          </a:bodyPr>
+          <a:lstStyle/>
+          <a:p>
+            <a:r>
+              <a:rPr lang="en-US" sz="800" b="1" dirty="0" smtClean="0"/>
+              <a:t>Date:</a:t>
+            </a:r>
+            <a:endParaRPr lang="en-SG" sz="800" b="1" dirty="0"/>
+          </a:p>
+        </p:txBody>
+      </p:sp>
+      <p:sp>
+        <p:nvSpPr>
+          <p:cNvPr id="25" name="TextBox 24"/>
+          <p:cNvSpPr txBox="1"/>
+          <p:nvPr/>
+        </p:nvSpPr>
+        <p:spPr>
+          <a:xfrm>
+            <a:off x="1062906" y="1849968"/>
+            <a:ext cx="1584176" cy="184666"/>
+          </a:xfrm>
+          <a:prstGeom prst="rect">
+            <a:avLst/>
+          </a:prstGeom>
+          <a:noFill/>
+          <a:ln w="19050">
+            <a:solidFill>
+              <a:schemeClr val="tx1"/>
+            </a:solidFill>
+          </a:ln>
+        </p:spPr>
+        <p:txBody>
+          <a:bodyPr wrap="square" rtlCol="0">
+            <a:spAutoFit/>
+          </a:bodyPr>
+          <a:lstStyle/>
+          <a:p>
+            <a:endParaRPr lang="en-SG" dirty="0"/>
+          </a:p>
+        </p:txBody>
+      </p:sp>
+      <p:sp>
+        <p:nvSpPr>
+          <p:cNvPr id="26" name="TextBox 25"/>
+          <p:cNvSpPr txBox="1"/>
+          <p:nvPr/>
+        </p:nvSpPr>
+        <p:spPr>
+          <a:xfrm>
+            <a:off x="35496" y="1849968"/>
+            <a:ext cx="1027410" cy="215444"/>
+          </a:xfrm>
+          <a:prstGeom prst="rect">
+            <a:avLst/>
+          </a:prstGeom>
+          <a:noFill/>
+          <a:ln>
+            <a:solidFill>
+              <a:schemeClr val="bg1"/>
+            </a:solidFill>
+          </a:ln>
+        </p:spPr>
+        <p:txBody>
+          <a:bodyPr wrap="square" rtlCol="0">
+            <a:spAutoFit/>
+          </a:bodyPr>
+          <a:lstStyle/>
+          <a:p>
+            <a:r>
+              <a:rPr lang="en-US" sz="800" b="1" dirty="0" smtClean="0"/>
+              <a:t>Time:</a:t>
+            </a:r>
+            <a:endParaRPr lang="en-SG" sz="800" b="1" dirty="0"/>
+          </a:p>
+        </p:txBody>
+      </p:sp>
+      <p:sp>
+        <p:nvSpPr>
+          <p:cNvPr id="5" name="Isosceles Triangle 4"/>
+          <p:cNvSpPr/>
+          <p:nvPr/>
+        </p:nvSpPr>
+        <p:spPr>
+          <a:xfrm flipV="1">
+            <a:off x="2426648" y="1307080"/>
+            <a:ext cx="144016" cy="77525"/>
+          </a:xfrm>
+          <a:prstGeom prst="triangle">
+            <a:avLst/>
+          </a:prstGeom>
+        </p:spPr>
+        <p:style>
+          <a:lnRef idx="2">
+            <a:schemeClr val="dk1">
+              <a:shade val="50000"/>
+            </a:schemeClr>
+          </a:lnRef>
+          <a:fillRef idx="1">
+            <a:schemeClr val="dk1"/>
+          </a:fillRef>
+          <a:effectRef idx="0">
+            <a:schemeClr val="dk1"/>
+          </a:effectRef>
+          <a:fontRef idx="minor">
+            <a:schemeClr val="lt1"/>
+          </a:fontRef>
+        </p:style>
+        <p:txBody>
+          <a:bodyPr rtlCol="0" anchor="ctr"/>
+          <a:lstStyle/>
+          <a:p>
+            <a:pPr algn="ctr"/>
+            <a:endParaRPr lang="en-SG"/>
+          </a:p>
+        </p:txBody>
+      </p:sp>
+      <p:sp>
+        <p:nvSpPr>
+          <p:cNvPr id="28" name="Isosceles Triangle 27"/>
+          <p:cNvSpPr/>
+          <p:nvPr/>
+        </p:nvSpPr>
+        <p:spPr>
+          <a:xfrm flipV="1">
+            <a:off x="2411760" y="1089055"/>
+            <a:ext cx="144016" cy="77525"/>
+          </a:xfrm>
+          <a:prstGeom prst="triangle">
+            <a:avLst/>
+          </a:prstGeom>
+        </p:spPr>
+        <p:style>
+          <a:lnRef idx="2">
+            <a:schemeClr val="dk1">
+              <a:shade val="50000"/>
+            </a:schemeClr>
+          </a:lnRef>
+          <a:fillRef idx="1">
+            <a:schemeClr val="dk1"/>
+          </a:fillRef>
+          <a:effectRef idx="0">
+            <a:schemeClr val="dk1"/>
+          </a:effectRef>
+          <a:fontRef idx="minor">
+            <a:schemeClr val="lt1"/>
+          </a:fontRef>
+        </p:style>
+        <p:txBody>
+          <a:bodyPr rtlCol="0" anchor="ctr"/>
+          <a:lstStyle/>
+          <a:p>
+            <a:pPr algn="ctr"/>
+            <a:endParaRPr lang="en-SG"/>
+          </a:p>
+        </p:txBody>
+      </p:sp>
+      <p:sp>
+        <p:nvSpPr>
+          <p:cNvPr id="29" name="TextBox 28"/>
+          <p:cNvSpPr txBox="1"/>
+          <p:nvPr/>
+        </p:nvSpPr>
+        <p:spPr>
+          <a:xfrm>
+            <a:off x="3101008" y="1849968"/>
+            <a:ext cx="1584176" cy="184666"/>
+          </a:xfrm>
+          <a:prstGeom prst="rect">
+            <a:avLst/>
+          </a:prstGeom>
+          <a:noFill/>
+          <a:ln w="19050">
+            <a:solidFill>
+              <a:schemeClr val="tx1"/>
+            </a:solidFill>
+          </a:ln>
+        </p:spPr>
+        <p:txBody>
+          <a:bodyPr wrap="square" rtlCol="0">
+            <a:spAutoFit/>
+          </a:bodyPr>
+          <a:lstStyle/>
+          <a:p>
+            <a:endParaRPr lang="en-SG" dirty="0"/>
+          </a:p>
+        </p:txBody>
+      </p:sp>
+      <p:cxnSp>
+        <p:nvCxnSpPr>
+          <p:cNvPr id="7" name="Straight Connector 6"/>
+          <p:cNvCxnSpPr/>
+          <p:nvPr/>
+        </p:nvCxnSpPr>
+        <p:spPr>
+          <a:xfrm>
+            <a:off x="2699792" y="1942301"/>
+            <a:ext cx="360040" cy="0"/>
+          </a:xfrm>
+          <a:prstGeom prst="line">
+            <a:avLst/>
+          </a:prstGeom>
+          <a:ln/>
+        </p:spPr>
+        <p:style>
+          <a:lnRef idx="2">
+            <a:schemeClr val="dk1"/>
+          </a:lnRef>
+          <a:fillRef idx="0">
+            <a:schemeClr val="dk1"/>
+          </a:fillRef>
+          <a:effectRef idx="1">
+            <a:schemeClr val="dk1"/>
+          </a:effectRef>
+          <a:fontRef idx="minor">
+            <a:schemeClr val="tx1"/>
+          </a:fontRef>
+        </p:style>
+      </p:cxnSp>
+    </p:spTree>
+    <p:extLst>
+      <p:ext uri="{BB962C8B-B14F-4D97-AF65-F5344CB8AC3E}">
+        <p14:creationId xmlns:p14="http://schemas.microsoft.com/office/powerpoint/2010/main" val="2946626595"/>
       </p:ext>
     </p:extLst>
   </p:cSld>
@@ -14360,4 +20607,289 @@
   <a:objectDefaults/>
   <a:extraClrSchemeLst/>
 </a:theme>
+</file>
+
+<file path=ppt/theme/theme5.xml><?xml version="1.0" encoding="utf-8"?>
+<a:theme xmlns:a="http://schemas.openxmlformats.org/drawingml/2006/main" name="Office Theme">
+  <a:themeElements>
+    <a:clrScheme name="Office">
+      <a:dk1>
+        <a:sysClr val="windowText" lastClr="000000"/>
+      </a:dk1>
+      <a:lt1>
+        <a:sysClr val="window" lastClr="FFFFFF"/>
+      </a:lt1>
+      <a:dk2>
+        <a:srgbClr val="1F497D"/>
+      </a:dk2>
+      <a:lt2>
+        <a:srgbClr val="EEECE1"/>
+      </a:lt2>
+      <a:accent1>
+        <a:srgbClr val="4F81BD"/>
+      </a:accent1>
+      <a:accent2>
+        <a:srgbClr val="C0504D"/>
+      </a:accent2>
+      <a:accent3>
+        <a:srgbClr val="9BBB59"/>
+      </a:accent3>
+      <a:accent4>
+        <a:srgbClr val="8064A2"/>
+      </a:accent4>
+      <a:accent5>
+        <a:srgbClr val="4BACC6"/>
+      </a:accent5>
+      <a:accent6>
+        <a:srgbClr val="F79646"/>
+      </a:accent6>
+      <a:hlink>
+        <a:srgbClr val="0000FF"/>
+      </a:hlink>
+      <a:folHlink>
+        <a:srgbClr val="800080"/>
+      </a:folHlink>
+    </a:clrScheme>
+    <a:fontScheme name="Office">
+      <a:majorFont>
+        <a:latin typeface="Calibri"/>
+        <a:ea typeface=""/>
+        <a:cs typeface=""/>
+        <a:font script="Jpan" typeface="ＭＳ Ｐゴシック"/>
+        <a:font script="Hang" typeface="맑은 고딕"/>
+        <a:font script="Hans" typeface="宋体"/>
+        <a:font script="Hant" typeface="新細明體"/>
+        <a:font script="Arab" typeface="Times New Roman"/>
+        <a:font script="Hebr" typeface="Times New Roman"/>
+        <a:font script="Thai" typeface="Angsana New"/>
+        <a:font script="Ethi" typeface="Nyala"/>
+        <a:font script="Beng" typeface="Vrinda"/>
+        <a:font script="Gujr" typeface="Shruti"/>
+        <a:font script="Khmr" typeface="MoolBoran"/>
+        <a:font script="Knda" typeface="Tunga"/>
+        <a:font script="Guru" typeface="Raavi"/>
+        <a:font script="Cans" typeface="Euphemia"/>
+        <a:font script="Cher" typeface="Plantagenet Cherokee"/>
+        <a:font script="Yiii" typeface="Microsoft Yi Baiti"/>
+        <a:font script="Tibt" typeface="Microsoft Himalaya"/>
+        <a:font script="Thaa" typeface="MV Boli"/>
+        <a:font script="Deva" typeface="Mangal"/>
+        <a:font script="Telu" typeface="Gautami"/>
+        <a:font script="Taml" typeface="Latha"/>
+        <a:font script="Syrc" typeface="Estrangelo Edessa"/>
+        <a:font script="Orya" typeface="Kalinga"/>
+        <a:font script="Mlym" typeface="Kartika"/>
+        <a:font script="Laoo" typeface="DokChampa"/>
+        <a:font script="Sinh" typeface="Iskoola Pota"/>
+        <a:font script="Mong" typeface="Mongolian Baiti"/>
+        <a:font script="Viet" typeface="Times New Roman"/>
+        <a:font script="Uigh" typeface="Microsoft Uighur"/>
+        <a:font script="Geor" typeface="Sylfaen"/>
+      </a:majorFont>
+      <a:minorFont>
+        <a:latin typeface="Calibri"/>
+        <a:ea typeface=""/>
+        <a:cs typeface=""/>
+        <a:font script="Jpan" typeface="ＭＳ Ｐゴシック"/>
+        <a:font script="Hang" typeface="맑은 고딕"/>
+        <a:font script="Hans" typeface="宋体"/>
+        <a:font script="Hant" typeface="新細明體"/>
+        <a:font script="Arab" typeface="Arial"/>
+        <a:font script="Hebr" typeface="Arial"/>
+        <a:font script="Thai" typeface="Cordia New"/>
+        <a:font script="Ethi" typeface="Nyala"/>
+        <a:font script="Beng" typeface="Vrinda"/>
+        <a:font script="Gujr" typeface="Shruti"/>
+        <a:font script="Khmr" typeface="DaunPenh"/>
+        <a:font script="Knda" typeface="Tunga"/>
+        <a:font script="Guru" typeface="Raavi"/>
+        <a:font script="Cans" typeface="Euphemia"/>
+        <a:font script="Cher" typeface="Plantagenet Cherokee"/>
+        <a:font script="Yiii" typeface="Microsoft Yi Baiti"/>
+        <a:font script="Tibt" typeface="Microsoft Himalaya"/>
+        <a:font script="Thaa" typeface="MV Boli"/>
+        <a:font script="Deva" typeface="Mangal"/>
+        <a:font script="Telu" typeface="Gautami"/>
+        <a:font script="Taml" typeface="Latha"/>
+        <a:font script="Syrc" typeface="Estrangelo Edessa"/>
+        <a:font script="Orya" typeface="Kalinga"/>
+        <a:font script="Mlym" typeface="Kartika"/>
+        <a:font script="Laoo" typeface="DokChampa"/>
+        <a:font script="Sinh" typeface="Iskoola Pota"/>
+        <a:font script="Mong" typeface="Mongolian Baiti"/>
+        <a:font script="Viet" typeface="Arial"/>
+        <a:font script="Uigh" typeface="Microsoft Uighur"/>
+        <a:font script="Geor" typeface="Sylfaen"/>
+      </a:minorFont>
+    </a:fontScheme>
+    <a:fmtScheme name="Office">
+      <a:fillStyleLst>
+        <a:solidFill>
+          <a:schemeClr val="phClr"/>
+        </a:solidFill>
+        <a:gradFill rotWithShape="1">
+          <a:gsLst>
+            <a:gs pos="0">
+              <a:schemeClr val="phClr">
+                <a:tint val="50000"/>
+                <a:satMod val="300000"/>
+              </a:schemeClr>
+            </a:gs>
+            <a:gs pos="35000">
+              <a:schemeClr val="phClr">
+                <a:tint val="37000"/>
+                <a:satMod val="300000"/>
+              </a:schemeClr>
+            </a:gs>
+            <a:gs pos="100000">
+              <a:schemeClr val="phClr">
+                <a:tint val="15000"/>
+                <a:satMod val="350000"/>
+              </a:schemeClr>
+            </a:gs>
+          </a:gsLst>
+          <a:lin ang="16200000" scaled="1"/>
+        </a:gradFill>
+        <a:gradFill rotWithShape="1">
+          <a:gsLst>
+            <a:gs pos="0">
+              <a:schemeClr val="phClr">
+                <a:shade val="51000"/>
+                <a:satMod val="130000"/>
+              </a:schemeClr>
+            </a:gs>
+            <a:gs pos="80000">
+              <a:schemeClr val="phClr">
+                <a:shade val="93000"/>
+                <a:satMod val="130000"/>
+              </a:schemeClr>
+            </a:gs>
+            <a:gs pos="100000">
+              <a:schemeClr val="phClr">
+                <a:shade val="94000"/>
+                <a:satMod val="135000"/>
+              </a:schemeClr>
+            </a:gs>
+          </a:gsLst>
+          <a:lin ang="16200000" scaled="0"/>
+        </a:gradFill>
+      </a:fillStyleLst>
+      <a:lnStyleLst>
+        <a:ln w="9525" cap="flat" cmpd="sng" algn="ctr">
+          <a:solidFill>
+            <a:schemeClr val="phClr">
+              <a:shade val="95000"/>
+              <a:satMod val="105000"/>
+            </a:schemeClr>
+          </a:solidFill>
+          <a:prstDash val="solid"/>
+        </a:ln>
+        <a:ln w="25400" cap="flat" cmpd="sng" algn="ctr">
+          <a:solidFill>
+            <a:schemeClr val="phClr"/>
+          </a:solidFill>
+          <a:prstDash val="solid"/>
+        </a:ln>
+        <a:ln w="38100" cap="flat" cmpd="sng" algn="ctr">
+          <a:solidFill>
+            <a:schemeClr val="phClr"/>
+          </a:solidFill>
+          <a:prstDash val="solid"/>
+        </a:ln>
+      </a:lnStyleLst>
+      <a:effectStyleLst>
+        <a:effectStyle>
+          <a:effectLst>
+            <a:outerShdw blurRad="40000" dist="20000" dir="5400000" rotWithShape="0">
+              <a:srgbClr val="000000">
+                <a:alpha val="38000"/>
+              </a:srgbClr>
+            </a:outerShdw>
+          </a:effectLst>
+        </a:effectStyle>
+        <a:effectStyle>
+          <a:effectLst>
+            <a:outerShdw blurRad="40000" dist="23000" dir="5400000" rotWithShape="0">
+              <a:srgbClr val="000000">
+                <a:alpha val="35000"/>
+              </a:srgbClr>
+            </a:outerShdw>
+          </a:effectLst>
+        </a:effectStyle>
+        <a:effectStyle>
+          <a:effectLst>
+            <a:outerShdw blurRad="40000" dist="23000" dir="5400000" rotWithShape="0">
+              <a:srgbClr val="000000">
+                <a:alpha val="35000"/>
+              </a:srgbClr>
+            </a:outerShdw>
+          </a:effectLst>
+          <a:scene3d>
+            <a:camera prst="orthographicFront">
+              <a:rot lat="0" lon="0" rev="0"/>
+            </a:camera>
+            <a:lightRig rig="threePt" dir="t">
+              <a:rot lat="0" lon="0" rev="1200000"/>
+            </a:lightRig>
+          </a:scene3d>
+          <a:sp3d>
+            <a:bevelT w="63500" h="25400"/>
+          </a:sp3d>
+        </a:effectStyle>
+      </a:effectStyleLst>
+      <a:bgFillStyleLst>
+        <a:solidFill>
+          <a:schemeClr val="phClr"/>
+        </a:solidFill>
+        <a:gradFill rotWithShape="1">
+          <a:gsLst>
+            <a:gs pos="0">
+              <a:schemeClr val="phClr">
+                <a:tint val="40000"/>
+                <a:satMod val="350000"/>
+              </a:schemeClr>
+            </a:gs>
+            <a:gs pos="40000">
+              <a:schemeClr val="phClr">
+                <a:tint val="45000"/>
+                <a:shade val="99000"/>
+                <a:satMod val="350000"/>
+              </a:schemeClr>
+            </a:gs>
+            <a:gs pos="100000">
+              <a:schemeClr val="phClr">
+                <a:shade val="20000"/>
+                <a:satMod val="255000"/>
+              </a:schemeClr>
+            </a:gs>
+          </a:gsLst>
+          <a:path path="circle">
+            <a:fillToRect l="50000" t="-80000" r="50000" b="180000"/>
+          </a:path>
+        </a:gradFill>
+        <a:gradFill rotWithShape="1">
+          <a:gsLst>
+            <a:gs pos="0">
+              <a:schemeClr val="phClr">
+                <a:tint val="80000"/>
+                <a:satMod val="300000"/>
+              </a:schemeClr>
+            </a:gs>
+            <a:gs pos="100000">
+              <a:schemeClr val="phClr">
+                <a:shade val="30000"/>
+                <a:satMod val="200000"/>
+              </a:schemeClr>
+            </a:gs>
+          </a:gsLst>
+          <a:path path="circle">
+            <a:fillToRect l="50000" t="50000" r="50000" b="50000"/>
+          </a:path>
+        </a:gradFill>
+      </a:bgFillStyleLst>
+    </a:fmtScheme>
+  </a:themeElements>
+  <a:objectDefaults/>
+  <a:extraClrSchemeLst/>
+</a:theme>
 </file>
--- a/Mock Up.pptx
+++ b/Mock Up.pptx
@@ -8,7 +8,7 @@
     <p:sldMasterId id="2147483672" r:id="rId4"/>
   </p:sldMasterIdLst>
   <p:notesMasterIdLst>
-    <p:notesMasterId r:id="rId11"/>
+    <p:notesMasterId r:id="rId16"/>
   </p:notesMasterIdLst>
   <p:sldIdLst>
     <p:sldId id="261" r:id="rId5"/>
@@ -17,6 +17,11 @@
     <p:sldId id="262" r:id="rId8"/>
     <p:sldId id="257" r:id="rId9"/>
     <p:sldId id="260" r:id="rId10"/>
+    <p:sldId id="263" r:id="rId11"/>
+    <p:sldId id="267" r:id="rId12"/>
+    <p:sldId id="264" r:id="rId13"/>
+    <p:sldId id="265" r:id="rId14"/>
+    <p:sldId id="266" r:id="rId15"/>
   </p:sldIdLst>
   <p:sldSz cx="9144000" cy="5715000" type="screen16x10"/>
   <p:notesSz cx="6858000" cy="9144000"/>
@@ -14288,6 +14293,840 @@
       </p:par>
     </p:tnLst>
   </p:timing>
+</p:sld>
+</file>
+
+<file path=ppt/slides/slide10.xml><?xml version="1.0" encoding="utf-8"?>
+<p:sld xmlns:a="http://schemas.openxmlformats.org/drawingml/2006/main" xmlns:r="http://schemas.openxmlformats.org/officeDocument/2006/relationships" xmlns:p="http://schemas.openxmlformats.org/presentationml/2006/main">
+  <p:cSld>
+    <p:spTree>
+      <p:nvGrpSpPr>
+        <p:cNvPr id="1" name=""/>
+        <p:cNvGrpSpPr/>
+        <p:nvPr/>
+      </p:nvGrpSpPr>
+      <p:grpSpPr>
+        <a:xfrm>
+          <a:off x="0" y="0"/>
+          <a:ext cx="0" cy="0"/>
+          <a:chOff x="0" y="0"/>
+          <a:chExt cx="0" cy="0"/>
+        </a:xfrm>
+      </p:grpSpPr>
+      <p:pic>
+        <p:nvPicPr>
+          <p:cNvPr id="4" name="Picture 2" descr="C:\Users\Zu Cheng\Desktop\IDP\IDP\Karung Guni App\img\Items\Logitech Speakers 1.jpg"/>
+          <p:cNvPicPr>
+            <a:picLocks noChangeAspect="1" noChangeArrowheads="1"/>
+          </p:cNvPicPr>
+          <p:nvPr/>
+        </p:nvPicPr>
+        <p:blipFill>
+          <a:blip r:embed="rId2">
+            <a:extLst>
+              <a:ext uri="{28A0092B-C50C-407E-A947-70E740481C1C}">
+                <a14:useLocalDpi xmlns:a14="http://schemas.microsoft.com/office/drawing/2010/main" val="0"/>
+              </a:ext>
+            </a:extLst>
+          </a:blip>
+          <a:srcRect/>
+          <a:stretch>
+            <a:fillRect/>
+          </a:stretch>
+        </p:blipFill>
+        <p:spPr bwMode="auto">
+          <a:xfrm>
+            <a:off x="767099" y="2340135"/>
+            <a:ext cx="2076709" cy="1578026"/>
+          </a:xfrm>
+          <a:prstGeom prst="rect">
+            <a:avLst/>
+          </a:prstGeom>
+          <a:noFill/>
+          <a:extLst>
+            <a:ext uri="{909E8E84-426E-40DD-AFC4-6F175D3DCCD1}">
+              <a14:hiddenFill xmlns:a14="http://schemas.microsoft.com/office/drawing/2010/main">
+                <a:solidFill>
+                  <a:srgbClr val="FFFFFF"/>
+                </a:solidFill>
+              </a14:hiddenFill>
+            </a:ext>
+          </a:extLst>
+        </p:spPr>
+      </p:pic>
+      <p:pic>
+        <p:nvPicPr>
+          <p:cNvPr id="5" name="Picture 4" descr="C:\Users\Zu Cheng\Desktop\IDP\IDP\Karung Guni App\img\Items\newspaper.jpg"/>
+          <p:cNvPicPr>
+            <a:picLocks noChangeAspect="1" noChangeArrowheads="1"/>
+          </p:cNvPicPr>
+          <p:nvPr/>
+        </p:nvPicPr>
+        <p:blipFill>
+          <a:blip r:embed="rId3">
+            <a:extLst>
+              <a:ext uri="{28A0092B-C50C-407E-A947-70E740481C1C}">
+                <a14:useLocalDpi xmlns:a14="http://schemas.microsoft.com/office/drawing/2010/main" val="0"/>
+              </a:ext>
+            </a:extLst>
+          </a:blip>
+          <a:srcRect/>
+          <a:stretch>
+            <a:fillRect/>
+          </a:stretch>
+        </p:blipFill>
+        <p:spPr bwMode="auto">
+          <a:xfrm>
+            <a:off x="3491880" y="2363837"/>
+            <a:ext cx="2272828" cy="1511777"/>
+          </a:xfrm>
+          <a:prstGeom prst="rect">
+            <a:avLst/>
+          </a:prstGeom>
+          <a:noFill/>
+          <a:extLst>
+            <a:ext uri="{909E8E84-426E-40DD-AFC4-6F175D3DCCD1}">
+              <a14:hiddenFill xmlns:a14="http://schemas.microsoft.com/office/drawing/2010/main">
+                <a:solidFill>
+                  <a:srgbClr val="FFFFFF"/>
+                </a:solidFill>
+              </a14:hiddenFill>
+            </a:ext>
+          </a:extLst>
+        </p:spPr>
+      </p:pic>
+      <p:sp>
+        <p:nvSpPr>
+          <p:cNvPr id="7" name="Frame 6"/>
+          <p:cNvSpPr/>
+          <p:nvPr/>
+        </p:nvSpPr>
+        <p:spPr>
+          <a:xfrm>
+            <a:off x="3203848" y="1885959"/>
+            <a:ext cx="2808312" cy="3203789"/>
+          </a:xfrm>
+          <a:prstGeom prst="frame">
+            <a:avLst>
+              <a:gd name="adj1" fmla="val 0"/>
+            </a:avLst>
+          </a:prstGeom>
+          <a:ln>
+            <a:solidFill>
+              <a:schemeClr val="bg2"/>
+            </a:solidFill>
+          </a:ln>
+        </p:spPr>
+        <p:style>
+          <a:lnRef idx="2">
+            <a:schemeClr val="accent1">
+              <a:shade val="50000"/>
+            </a:schemeClr>
+          </a:lnRef>
+          <a:fillRef idx="1">
+            <a:schemeClr val="accent1"/>
+          </a:fillRef>
+          <a:effectRef idx="0">
+            <a:schemeClr val="accent1"/>
+          </a:effectRef>
+          <a:fontRef idx="minor">
+            <a:schemeClr val="lt1"/>
+          </a:fontRef>
+        </p:style>
+        <p:txBody>
+          <a:bodyPr rtlCol="0" anchor="ctr"/>
+          <a:lstStyle/>
+          <a:p>
+            <a:pPr algn="ctr"/>
+            <a:endParaRPr lang="en-SG">
+              <a:solidFill>
+                <a:schemeClr val="tx1"/>
+              </a:solidFill>
+            </a:endParaRPr>
+          </a:p>
+        </p:txBody>
+      </p:sp>
+      <p:sp>
+        <p:nvSpPr>
+          <p:cNvPr id="8" name="Frame 7"/>
+          <p:cNvSpPr/>
+          <p:nvPr/>
+        </p:nvSpPr>
+        <p:spPr>
+          <a:xfrm>
+            <a:off x="395536" y="1885959"/>
+            <a:ext cx="2808312" cy="3203789"/>
+          </a:xfrm>
+          <a:prstGeom prst="frame">
+            <a:avLst>
+              <a:gd name="adj1" fmla="val 0"/>
+            </a:avLst>
+          </a:prstGeom>
+          <a:ln>
+            <a:solidFill>
+              <a:schemeClr val="bg2"/>
+            </a:solidFill>
+          </a:ln>
+        </p:spPr>
+        <p:style>
+          <a:lnRef idx="2">
+            <a:schemeClr val="accent1">
+              <a:shade val="50000"/>
+            </a:schemeClr>
+          </a:lnRef>
+          <a:fillRef idx="1">
+            <a:schemeClr val="accent1"/>
+          </a:fillRef>
+          <a:effectRef idx="0">
+            <a:schemeClr val="accent1"/>
+          </a:effectRef>
+          <a:fontRef idx="minor">
+            <a:schemeClr val="lt1"/>
+          </a:fontRef>
+        </p:style>
+        <p:txBody>
+          <a:bodyPr rtlCol="0" anchor="ctr"/>
+          <a:lstStyle/>
+          <a:p>
+            <a:pPr algn="ctr"/>
+            <a:endParaRPr lang="en-SG">
+              <a:solidFill>
+                <a:schemeClr val="tx1"/>
+              </a:solidFill>
+            </a:endParaRPr>
+          </a:p>
+        </p:txBody>
+      </p:sp>
+      <p:graphicFrame>
+        <p:nvGraphicFramePr>
+          <p:cNvPr id="13" name="Table 12"/>
+          <p:cNvGraphicFramePr>
+            <a:graphicFrameLocks noGrp="1"/>
+          </p:cNvGraphicFramePr>
+          <p:nvPr>
+            <p:extLst>
+              <p:ext uri="{D42A27DB-BD31-4B8C-83A1-F6EECF244321}">
+                <p14:modId xmlns:p14="http://schemas.microsoft.com/office/powerpoint/2010/main" val="3625159656"/>
+              </p:ext>
+            </p:extLst>
+          </p:nvPr>
+        </p:nvGraphicFramePr>
+        <p:xfrm>
+          <a:off x="395536" y="3947622"/>
+          <a:ext cx="2808312" cy="852811"/>
+        </p:xfrm>
+        <a:graphic>
+          <a:graphicData uri="http://schemas.openxmlformats.org/drawingml/2006/table">
+            <a:tbl>
+              <a:tblPr firstRow="1" bandRow="1">
+                <a:tableStyleId>{073A0DAA-6AF3-43AB-8588-CEC1D06C72B9}</a:tableStyleId>
+              </a:tblPr>
+              <a:tblGrid>
+                <a:gridCol w="864096"/>
+                <a:gridCol w="1944216"/>
+              </a:tblGrid>
+              <a:tr h="276747">
+                <a:tc gridSpan="2">
+                  <a:txBody>
+                    <a:bodyPr/>
+                    <a:lstStyle/>
+                    <a:p>
+                      <a:pPr algn="ctr"/>
+                      <a:r>
+                        <a:rPr lang="en-US" sz="1200" dirty="0" smtClean="0"/>
+                        <a:t>2.1 LOGITECH</a:t>
+                      </a:r>
+                      <a:r>
+                        <a:rPr lang="en-US" sz="1200" baseline="0" dirty="0" smtClean="0"/>
+                        <a:t> SPEAKERS</a:t>
+                      </a:r>
+                      <a:endParaRPr lang="en-SG" sz="1200" dirty="0"/>
+                    </a:p>
+                  </a:txBody>
+                  <a:tcPr/>
+                </a:tc>
+                <a:tc hMerge="1">
+                  <a:txBody>
+                    <a:bodyPr/>
+                    <a:lstStyle/>
+                    <a:p>
+                      <a:endParaRPr lang="en-SG" dirty="0"/>
+                    </a:p>
+                  </a:txBody>
+                  <a:tcPr/>
+                </a:tc>
+              </a:tr>
+              <a:tr h="288032">
+                <a:tc>
+                  <a:txBody>
+                    <a:bodyPr/>
+                    <a:lstStyle/>
+                    <a:p>
+                      <a:r>
+                        <a:rPr lang="en-SG" sz="1000" b="1" dirty="0" smtClean="0"/>
+                        <a:t>Condition</a:t>
+                      </a:r>
+                      <a:endParaRPr lang="en-SG" sz="1000" b="1" dirty="0"/>
+                    </a:p>
+                  </a:txBody>
+                  <a:tcPr/>
+                </a:tc>
+                <a:tc>
+                  <a:txBody>
+                    <a:bodyPr/>
+                    <a:lstStyle/>
+                    <a:p>
+                      <a:r>
+                        <a:rPr lang="en-US" sz="900" dirty="0" smtClean="0"/>
+                        <a:t>8/10</a:t>
+                      </a:r>
+                      <a:endParaRPr lang="en-SG" sz="900" dirty="0"/>
+                    </a:p>
+                  </a:txBody>
+                  <a:tcPr/>
+                </a:tc>
+              </a:tr>
+              <a:tr h="288032">
+                <a:tc>
+                  <a:txBody>
+                    <a:bodyPr/>
+                    <a:lstStyle/>
+                    <a:p>
+                      <a:r>
+                        <a:rPr lang="en-SG" sz="1000" b="1" dirty="0" smtClean="0"/>
+                        <a:t>Price</a:t>
+                      </a:r>
+                      <a:endParaRPr lang="en-SG" sz="1000" b="1" dirty="0"/>
+                    </a:p>
+                  </a:txBody>
+                  <a:tcPr/>
+                </a:tc>
+                <a:tc>
+                  <a:txBody>
+                    <a:bodyPr/>
+                    <a:lstStyle/>
+                    <a:p>
+                      <a:r>
+                        <a:rPr lang="en-US" sz="900" dirty="0" smtClean="0"/>
+                        <a:t>$34.50</a:t>
+                      </a:r>
+                      <a:endParaRPr lang="en-SG" sz="900" dirty="0"/>
+                    </a:p>
+                  </a:txBody>
+                  <a:tcPr/>
+                </a:tc>
+              </a:tr>
+            </a:tbl>
+          </a:graphicData>
+        </a:graphic>
+      </p:graphicFrame>
+      <p:graphicFrame>
+        <p:nvGraphicFramePr>
+          <p:cNvPr id="14" name="Table 13"/>
+          <p:cNvGraphicFramePr>
+            <a:graphicFrameLocks noGrp="1"/>
+          </p:cNvGraphicFramePr>
+          <p:nvPr>
+            <p:extLst>
+              <p:ext uri="{D42A27DB-BD31-4B8C-83A1-F6EECF244321}">
+                <p14:modId xmlns:p14="http://schemas.microsoft.com/office/powerpoint/2010/main" val="2773329433"/>
+              </p:ext>
+            </p:extLst>
+          </p:nvPr>
+        </p:nvGraphicFramePr>
+        <p:xfrm>
+          <a:off x="3203848" y="3947622"/>
+          <a:ext cx="2808312" cy="852958"/>
+        </p:xfrm>
+        <a:graphic>
+          <a:graphicData uri="http://schemas.openxmlformats.org/drawingml/2006/table">
+            <a:tbl>
+              <a:tblPr firstRow="1" bandRow="1">
+                <a:tableStyleId>{5C22544A-7EE6-4342-B048-85BDC9FD1C3A}</a:tableStyleId>
+              </a:tblPr>
+              <a:tblGrid>
+                <a:gridCol w="864096"/>
+                <a:gridCol w="1944216"/>
+              </a:tblGrid>
+              <a:tr h="279767">
+                <a:tc gridSpan="2">
+                  <a:txBody>
+                    <a:bodyPr/>
+                    <a:lstStyle/>
+                    <a:p>
+                      <a:pPr algn="ctr"/>
+                      <a:r>
+                        <a:rPr lang="en-SG" sz="1200" dirty="0" smtClean="0"/>
+                        <a:t>OLD NEWSPAPERS </a:t>
+                      </a:r>
+                      <a:endParaRPr lang="en-SG" sz="1200" dirty="0"/>
+                    </a:p>
+                  </a:txBody>
+                  <a:tcPr/>
+                </a:tc>
+                <a:tc hMerge="1">
+                  <a:txBody>
+                    <a:bodyPr/>
+                    <a:lstStyle/>
+                    <a:p>
+                      <a:endParaRPr lang="en-SG" dirty="0"/>
+                    </a:p>
+                  </a:txBody>
+                  <a:tcPr/>
+                </a:tc>
+              </a:tr>
+              <a:tr h="285159">
+                <a:tc>
+                  <a:txBody>
+                    <a:bodyPr/>
+                    <a:lstStyle/>
+                    <a:p>
+                      <a:r>
+                        <a:rPr lang="en-SG" sz="1000" b="1" dirty="0" smtClean="0"/>
+                        <a:t>Condition</a:t>
+                      </a:r>
+                      <a:endParaRPr lang="en-SG" sz="1000" b="1" dirty="0"/>
+                    </a:p>
+                  </a:txBody>
+                  <a:tcPr/>
+                </a:tc>
+                <a:tc>
+                  <a:txBody>
+                    <a:bodyPr/>
+                    <a:lstStyle/>
+                    <a:p>
+                      <a:r>
+                        <a:rPr lang="en-US" sz="900" dirty="0" smtClean="0"/>
+                        <a:t>10/10</a:t>
+                      </a:r>
+                      <a:endParaRPr lang="en-SG" sz="900" dirty="0"/>
+                    </a:p>
+                  </a:txBody>
+                  <a:tcPr/>
+                </a:tc>
+              </a:tr>
+              <a:tr h="288032">
+                <a:tc>
+                  <a:txBody>
+                    <a:bodyPr/>
+                    <a:lstStyle/>
+                    <a:p>
+                      <a:r>
+                        <a:rPr lang="en-SG" sz="1000" b="1" dirty="0" smtClean="0"/>
+                        <a:t>Price</a:t>
+                      </a:r>
+                      <a:endParaRPr lang="en-SG" sz="1000" b="1" dirty="0"/>
+                    </a:p>
+                  </a:txBody>
+                  <a:tcPr/>
+                </a:tc>
+                <a:tc>
+                  <a:txBody>
+                    <a:bodyPr/>
+                    <a:lstStyle/>
+                    <a:p>
+                      <a:r>
+                        <a:rPr lang="en-US" sz="900" dirty="0" smtClean="0"/>
+                        <a:t>$7.00</a:t>
+                      </a:r>
+                      <a:endParaRPr lang="en-SG" sz="900" dirty="0"/>
+                    </a:p>
+                  </a:txBody>
+                  <a:tcPr/>
+                </a:tc>
+              </a:tr>
+            </a:tbl>
+          </a:graphicData>
+        </a:graphic>
+      </p:graphicFrame>
+      <p:sp>
+        <p:nvSpPr>
+          <p:cNvPr id="16" name="Rectangle 15"/>
+          <p:cNvSpPr/>
+          <p:nvPr/>
+        </p:nvSpPr>
+        <p:spPr>
+          <a:xfrm>
+            <a:off x="2083977" y="337224"/>
+            <a:ext cx="899592" cy="248754"/>
+          </a:xfrm>
+          <a:prstGeom prst="rect">
+            <a:avLst/>
+          </a:prstGeom>
+          <a:solidFill>
+            <a:schemeClr val="bg2"/>
+          </a:solidFill>
+          <a:ln>
+            <a:solidFill>
+              <a:schemeClr val="bg2"/>
+            </a:solidFill>
+          </a:ln>
+          <a:scene3d>
+            <a:camera prst="orthographicFront"/>
+            <a:lightRig rig="threePt" dir="t"/>
+          </a:scene3d>
+          <a:sp3d>
+            <a:bevelT w="152400" h="50800" prst="softRound"/>
+          </a:sp3d>
+        </p:spPr>
+        <p:style>
+          <a:lnRef idx="2">
+            <a:schemeClr val="accent1">
+              <a:shade val="50000"/>
+            </a:schemeClr>
+          </a:lnRef>
+          <a:fillRef idx="1">
+            <a:schemeClr val="accent1"/>
+          </a:fillRef>
+          <a:effectRef idx="0">
+            <a:schemeClr val="accent1"/>
+          </a:effectRef>
+          <a:fontRef idx="minor">
+            <a:schemeClr val="lt1"/>
+          </a:fontRef>
+        </p:style>
+        <p:txBody>
+          <a:bodyPr rtlCol="0" anchor="ctr"/>
+          <a:lstStyle/>
+          <a:p>
+            <a:pPr algn="ctr"/>
+            <a:r>
+              <a:rPr lang="en-US" sz="1200" b="1" dirty="0" smtClean="0">
+                <a:solidFill>
+                  <a:schemeClr val="tx1"/>
+                </a:solidFill>
+              </a:rPr>
+              <a:t>My Page</a:t>
+            </a:r>
+            <a:endParaRPr lang="en-SG" sz="1200" b="1" dirty="0">
+              <a:solidFill>
+                <a:schemeClr val="tx1"/>
+              </a:solidFill>
+            </a:endParaRPr>
+          </a:p>
+        </p:txBody>
+      </p:sp>
+      <p:sp>
+        <p:nvSpPr>
+          <p:cNvPr id="17" name="TextBox 16"/>
+          <p:cNvSpPr txBox="1"/>
+          <p:nvPr/>
+        </p:nvSpPr>
+        <p:spPr>
+          <a:xfrm>
+            <a:off x="-612576" y="1129308"/>
+            <a:ext cx="1425587" cy="276999"/>
+          </a:xfrm>
+          <a:prstGeom prst="rect">
+            <a:avLst/>
+          </a:prstGeom>
+          <a:noFill/>
+          <a:ln>
+            <a:solidFill>
+              <a:schemeClr val="bg1"/>
+            </a:solidFill>
+          </a:ln>
+        </p:spPr>
+        <p:txBody>
+          <a:bodyPr wrap="square" rtlCol="0">
+            <a:spAutoFit/>
+          </a:bodyPr>
+          <a:lstStyle/>
+          <a:p>
+            <a:pPr algn="r"/>
+            <a:r>
+              <a:rPr lang="en-US" sz="1200" b="1" dirty="0" smtClean="0"/>
+              <a:t>Date</a:t>
+            </a:r>
+            <a:endParaRPr lang="en-SG" sz="1200" b="1" dirty="0"/>
+          </a:p>
+        </p:txBody>
+      </p:sp>
+      <p:sp>
+        <p:nvSpPr>
+          <p:cNvPr id="18" name="TextBox 17"/>
+          <p:cNvSpPr txBox="1"/>
+          <p:nvPr/>
+        </p:nvSpPr>
+        <p:spPr>
+          <a:xfrm>
+            <a:off x="-610244" y="1357901"/>
+            <a:ext cx="1425587" cy="276999"/>
+          </a:xfrm>
+          <a:prstGeom prst="rect">
+            <a:avLst/>
+          </a:prstGeom>
+          <a:noFill/>
+          <a:ln>
+            <a:solidFill>
+              <a:schemeClr val="bg1"/>
+            </a:solidFill>
+          </a:ln>
+        </p:spPr>
+        <p:txBody>
+          <a:bodyPr wrap="square" rtlCol="0">
+            <a:spAutoFit/>
+          </a:bodyPr>
+          <a:lstStyle/>
+          <a:p>
+            <a:pPr algn="r"/>
+            <a:r>
+              <a:rPr lang="en-US" sz="1200" b="1" dirty="0" smtClean="0"/>
+              <a:t>Time</a:t>
+            </a:r>
+            <a:endParaRPr lang="en-SG" sz="1200" b="1" dirty="0"/>
+          </a:p>
+        </p:txBody>
+      </p:sp>
+      <p:sp>
+        <p:nvSpPr>
+          <p:cNvPr id="19" name="TextBox 18"/>
+          <p:cNvSpPr txBox="1"/>
+          <p:nvPr/>
+        </p:nvSpPr>
+        <p:spPr>
+          <a:xfrm>
+            <a:off x="862480" y="1129308"/>
+            <a:ext cx="1807098" cy="276999"/>
+          </a:xfrm>
+          <a:prstGeom prst="rect">
+            <a:avLst/>
+          </a:prstGeom>
+          <a:noFill/>
+          <a:ln w="19050">
+            <a:solidFill>
+              <a:schemeClr val="bg1"/>
+            </a:solidFill>
+          </a:ln>
+        </p:spPr>
+        <p:txBody>
+          <a:bodyPr wrap="square" rtlCol="0">
+            <a:spAutoFit/>
+          </a:bodyPr>
+          <a:lstStyle/>
+          <a:p>
+            <a:r>
+              <a:rPr lang="en-US" sz="1200" b="1" dirty="0" smtClean="0"/>
+              <a:t>11 Sept 2014</a:t>
+            </a:r>
+            <a:endParaRPr lang="en-SG" sz="1200" b="1" dirty="0"/>
+          </a:p>
+        </p:txBody>
+      </p:sp>
+      <p:sp>
+        <p:nvSpPr>
+          <p:cNvPr id="20" name="TextBox 19"/>
+          <p:cNvSpPr txBox="1"/>
+          <p:nvPr/>
+        </p:nvSpPr>
+        <p:spPr>
+          <a:xfrm>
+            <a:off x="878223" y="1357901"/>
+            <a:ext cx="1791355" cy="276999"/>
+          </a:xfrm>
+          <a:prstGeom prst="rect">
+            <a:avLst/>
+          </a:prstGeom>
+          <a:noFill/>
+          <a:ln w="19050">
+            <a:solidFill>
+              <a:schemeClr val="bg1"/>
+            </a:solidFill>
+          </a:ln>
+        </p:spPr>
+        <p:txBody>
+          <a:bodyPr wrap="square" rtlCol="0">
+            <a:spAutoFit/>
+          </a:bodyPr>
+          <a:lstStyle/>
+          <a:p>
+            <a:r>
+              <a:rPr lang="en-US" sz="1200" b="1" dirty="0" smtClean="0"/>
+              <a:t>10AM – 11AM</a:t>
+            </a:r>
+            <a:endParaRPr lang="en-SG" sz="1200" b="1" dirty="0"/>
+          </a:p>
+        </p:txBody>
+      </p:sp>
+      <p:sp>
+        <p:nvSpPr>
+          <p:cNvPr id="21" name="TextBox 20"/>
+          <p:cNvSpPr txBox="1"/>
+          <p:nvPr/>
+        </p:nvSpPr>
+        <p:spPr>
+          <a:xfrm>
+            <a:off x="179508" y="729198"/>
+            <a:ext cx="2403934" cy="400110"/>
+          </a:xfrm>
+          <a:prstGeom prst="rect">
+            <a:avLst/>
+          </a:prstGeom>
+          <a:noFill/>
+          <a:ln>
+            <a:solidFill>
+              <a:schemeClr val="tx2"/>
+            </a:solidFill>
+          </a:ln>
+        </p:spPr>
+        <p:txBody>
+          <a:bodyPr wrap="square" rtlCol="0">
+            <a:spAutoFit/>
+          </a:bodyPr>
+          <a:lstStyle/>
+          <a:p>
+            <a:r>
+              <a:rPr lang="en-US" sz="2000" b="1" dirty="0" smtClean="0"/>
+              <a:t>DEALS TODAY</a:t>
+            </a:r>
+            <a:endParaRPr lang="en-SG" sz="2000" b="1" dirty="0"/>
+          </a:p>
+        </p:txBody>
+      </p:sp>
+      <p:sp>
+        <p:nvSpPr>
+          <p:cNvPr id="22" name="Rectangle 21"/>
+          <p:cNvSpPr/>
+          <p:nvPr/>
+        </p:nvSpPr>
+        <p:spPr>
+          <a:xfrm>
+            <a:off x="395536" y="1777380"/>
+            <a:ext cx="5616624" cy="251059"/>
+          </a:xfrm>
+          <a:prstGeom prst="rect">
+            <a:avLst/>
+          </a:prstGeom>
+        </p:spPr>
+        <p:style>
+          <a:lnRef idx="2">
+            <a:schemeClr val="accent4">
+              <a:shade val="50000"/>
+            </a:schemeClr>
+          </a:lnRef>
+          <a:fillRef idx="1">
+            <a:schemeClr val="accent4"/>
+          </a:fillRef>
+          <a:effectRef idx="0">
+            <a:schemeClr val="accent4"/>
+          </a:effectRef>
+          <a:fontRef idx="minor">
+            <a:schemeClr val="lt1"/>
+          </a:fontRef>
+        </p:style>
+        <p:txBody>
+          <a:bodyPr rtlCol="0" anchor="ctr"/>
+          <a:lstStyle/>
+          <a:p>
+            <a:pPr algn="ctr"/>
+            <a:r>
+              <a:rPr lang="en-SG" b="1" u="sng" dirty="0" smtClean="0"/>
+              <a:t>SELLER: MonicaCheng@hotmail.com</a:t>
+            </a:r>
+            <a:endParaRPr lang="en-SG" b="1" u="sng" dirty="0"/>
+          </a:p>
+        </p:txBody>
+      </p:sp>
+      <p:sp>
+        <p:nvSpPr>
+          <p:cNvPr id="23" name="Rectangle 22"/>
+          <p:cNvSpPr/>
+          <p:nvPr/>
+        </p:nvSpPr>
+        <p:spPr>
+          <a:xfrm>
+            <a:off x="395536" y="2020096"/>
+            <a:ext cx="5616624" cy="251059"/>
+          </a:xfrm>
+          <a:prstGeom prst="rect">
+            <a:avLst/>
+          </a:prstGeom>
+        </p:spPr>
+        <p:style>
+          <a:lnRef idx="2">
+            <a:schemeClr val="accent4">
+              <a:shade val="50000"/>
+            </a:schemeClr>
+          </a:lnRef>
+          <a:fillRef idx="1">
+            <a:schemeClr val="accent4"/>
+          </a:fillRef>
+          <a:effectRef idx="0">
+            <a:schemeClr val="accent4"/>
+          </a:effectRef>
+          <a:fontRef idx="minor">
+            <a:schemeClr val="lt1"/>
+          </a:fontRef>
+        </p:style>
+        <p:txBody>
+          <a:bodyPr rtlCol="0" anchor="ctr"/>
+          <a:lstStyle/>
+          <a:p>
+            <a:pPr algn="ctr"/>
+            <a:r>
+              <a:rPr lang="en-US" b="1" dirty="0" smtClean="0"/>
+              <a:t>LOCATION: </a:t>
+            </a:r>
+            <a:r>
+              <a:rPr lang="en-US" b="1" dirty="0" err="1" smtClean="0"/>
+              <a:t>Bedok</a:t>
+            </a:r>
+            <a:r>
+              <a:rPr lang="en-US" b="1" dirty="0" smtClean="0"/>
+              <a:t> </a:t>
+            </a:r>
+            <a:r>
+              <a:rPr lang="en-US" b="1" dirty="0" err="1" smtClean="0"/>
+              <a:t>Blk</a:t>
+            </a:r>
+            <a:r>
+              <a:rPr lang="en-US" b="1" dirty="0" smtClean="0"/>
+              <a:t> 85 - #10-237</a:t>
+            </a:r>
+            <a:endParaRPr lang="en-SG" b="1" dirty="0"/>
+          </a:p>
+        </p:txBody>
+      </p:sp>
+    </p:spTree>
+    <p:extLst>
+      <p:ext uri="{BB962C8B-B14F-4D97-AF65-F5344CB8AC3E}">
+        <p14:creationId xmlns:p14="http://schemas.microsoft.com/office/powerpoint/2010/main" val="148207585"/>
+      </p:ext>
+    </p:extLst>
+  </p:cSld>
+  <p:clrMapOvr>
+    <a:masterClrMapping/>
+  </p:clrMapOvr>
+</p:sld>
+</file>
+
+<file path=ppt/slides/slide11.xml><?xml version="1.0" encoding="utf-8"?>
+<p:sld xmlns:a="http://schemas.openxmlformats.org/drawingml/2006/main" xmlns:r="http://schemas.openxmlformats.org/officeDocument/2006/relationships" xmlns:p="http://schemas.openxmlformats.org/presentationml/2006/main">
+  <p:cSld>
+    <p:spTree>
+      <p:nvGrpSpPr>
+        <p:cNvPr id="1" name=""/>
+        <p:cNvGrpSpPr/>
+        <p:nvPr/>
+      </p:nvGrpSpPr>
+      <p:grpSpPr>
+        <a:xfrm>
+          <a:off x="0" y="0"/>
+          <a:ext cx="0" cy="0"/>
+          <a:chOff x="0" y="0"/>
+          <a:chExt cx="0" cy="0"/>
+        </a:xfrm>
+      </p:grpSpPr>
+    </p:spTree>
+    <p:extLst>
+      <p:ext uri="{BB962C8B-B14F-4D97-AF65-F5344CB8AC3E}">
+        <p14:creationId xmlns:p14="http://schemas.microsoft.com/office/powerpoint/2010/main" val="3925852709"/>
+      </p:ext>
+    </p:extLst>
+  </p:cSld>
+  <p:clrMapOvr>
+    <a:masterClrMapping/>
+  </p:clrMapOvr>
 </p:sld>
 </file>
 
@@ -17612,7 +18451,7 @@
           <p:nvPr>
             <p:extLst>
               <p:ext uri="{D42A27DB-BD31-4B8C-83A1-F6EECF244321}">
-                <p14:modId xmlns:p14="http://schemas.microsoft.com/office/powerpoint/2010/main" val="2455640524"/>
+                <p14:modId xmlns:p14="http://schemas.microsoft.com/office/powerpoint/2010/main" val="3591935761"/>
               </p:ext>
             </p:extLst>
           </p:nvPr>
@@ -17650,7 +18489,44 @@
                       <a:endParaRPr lang="en-SG" dirty="0"/>
                     </a:p>
                   </a:txBody>
-                  <a:tcPr/>
+                  <a:tcPr>
+                    <a:lnL w="12700" cap="flat" cmpd="sng" algn="ctr">
+                      <a:solidFill>
+                        <a:schemeClr val="tx1"/>
+                      </a:solidFill>
+                      <a:prstDash val="solid"/>
+                      <a:round/>
+                      <a:headEnd type="none" w="med" len="med"/>
+                      <a:tailEnd type="none" w="med" len="med"/>
+                    </a:lnL>
+                    <a:lnR w="12700" cap="flat" cmpd="sng" algn="ctr">
+                      <a:solidFill>
+                        <a:schemeClr val="tx1"/>
+                      </a:solidFill>
+                      <a:prstDash val="solid"/>
+                      <a:round/>
+                      <a:headEnd type="none" w="med" len="med"/>
+                      <a:tailEnd type="none" w="med" len="med"/>
+                    </a:lnR>
+                    <a:lnT w="12700" cap="flat" cmpd="sng" algn="ctr">
+                      <a:solidFill>
+                        <a:schemeClr val="tx1"/>
+                      </a:solidFill>
+                      <a:prstDash val="solid"/>
+                      <a:round/>
+                      <a:headEnd type="none" w="med" len="med"/>
+                      <a:tailEnd type="none" w="med" len="med"/>
+                    </a:lnT>
+                    <a:lnB w="12700" cap="flat" cmpd="sng" algn="ctr">
+                      <a:solidFill>
+                        <a:schemeClr val="tx1"/>
+                      </a:solidFill>
+                      <a:prstDash val="solid"/>
+                      <a:round/>
+                      <a:headEnd type="none" w="med" len="med"/>
+                      <a:tailEnd type="none" w="med" len="med"/>
+                    </a:lnB>
+                  </a:tcPr>
                 </a:tc>
                 <a:tc>
                   <a:txBody>
@@ -17665,7 +18541,44 @@
                       <a:endParaRPr lang="en-SG" dirty="0"/>
                     </a:p>
                   </a:txBody>
-                  <a:tcPr/>
+                  <a:tcPr>
+                    <a:lnL w="12700" cap="flat" cmpd="sng" algn="ctr">
+                      <a:solidFill>
+                        <a:schemeClr val="tx1"/>
+                      </a:solidFill>
+                      <a:prstDash val="solid"/>
+                      <a:round/>
+                      <a:headEnd type="none" w="med" len="med"/>
+                      <a:tailEnd type="none" w="med" len="med"/>
+                    </a:lnL>
+                    <a:lnR w="12700" cap="flat" cmpd="sng" algn="ctr">
+                      <a:solidFill>
+                        <a:schemeClr val="tx1"/>
+                      </a:solidFill>
+                      <a:prstDash val="solid"/>
+                      <a:round/>
+                      <a:headEnd type="none" w="med" len="med"/>
+                      <a:tailEnd type="none" w="med" len="med"/>
+                    </a:lnR>
+                    <a:lnT w="12700" cap="flat" cmpd="sng" algn="ctr">
+                      <a:solidFill>
+                        <a:schemeClr val="tx1"/>
+                      </a:solidFill>
+                      <a:prstDash val="solid"/>
+                      <a:round/>
+                      <a:headEnd type="none" w="med" len="med"/>
+                      <a:tailEnd type="none" w="med" len="med"/>
+                    </a:lnT>
+                    <a:lnB w="12700" cap="flat" cmpd="sng" algn="ctr">
+                      <a:solidFill>
+                        <a:schemeClr val="tx1"/>
+                      </a:solidFill>
+                      <a:prstDash val="solid"/>
+                      <a:round/>
+                      <a:headEnd type="none" w="med" len="med"/>
+                      <a:tailEnd type="none" w="med" len="med"/>
+                    </a:lnB>
+                  </a:tcPr>
                 </a:tc>
                 <a:tc>
                   <a:txBody>
@@ -17680,7 +18593,44 @@
                       <a:endParaRPr lang="en-SG" dirty="0"/>
                     </a:p>
                   </a:txBody>
-                  <a:tcPr/>
+                  <a:tcPr>
+                    <a:lnL w="12700" cap="flat" cmpd="sng" algn="ctr">
+                      <a:solidFill>
+                        <a:schemeClr val="tx1"/>
+                      </a:solidFill>
+                      <a:prstDash val="solid"/>
+                      <a:round/>
+                      <a:headEnd type="none" w="med" len="med"/>
+                      <a:tailEnd type="none" w="med" len="med"/>
+                    </a:lnL>
+                    <a:lnR w="12700" cap="flat" cmpd="sng" algn="ctr">
+                      <a:solidFill>
+                        <a:schemeClr val="tx1"/>
+                      </a:solidFill>
+                      <a:prstDash val="solid"/>
+                      <a:round/>
+                      <a:headEnd type="none" w="med" len="med"/>
+                      <a:tailEnd type="none" w="med" len="med"/>
+                    </a:lnR>
+                    <a:lnT w="12700" cap="flat" cmpd="sng" algn="ctr">
+                      <a:solidFill>
+                        <a:schemeClr val="tx1"/>
+                      </a:solidFill>
+                      <a:prstDash val="solid"/>
+                      <a:round/>
+                      <a:headEnd type="none" w="med" len="med"/>
+                      <a:tailEnd type="none" w="med" len="med"/>
+                    </a:lnT>
+                    <a:lnB w="12700" cap="flat" cmpd="sng" algn="ctr">
+                      <a:solidFill>
+                        <a:schemeClr val="tx1"/>
+                      </a:solidFill>
+                      <a:prstDash val="solid"/>
+                      <a:round/>
+                      <a:headEnd type="none" w="med" len="med"/>
+                      <a:tailEnd type="none" w="med" len="med"/>
+                    </a:lnB>
+                  </a:tcPr>
                 </a:tc>
                 <a:tc>
                   <a:txBody>
@@ -17695,7 +18645,44 @@
                       <a:endParaRPr lang="en-SG" dirty="0"/>
                     </a:p>
                   </a:txBody>
-                  <a:tcPr/>
+                  <a:tcPr>
+                    <a:lnL w="12700" cap="flat" cmpd="sng" algn="ctr">
+                      <a:solidFill>
+                        <a:schemeClr val="tx1"/>
+                      </a:solidFill>
+                      <a:prstDash val="solid"/>
+                      <a:round/>
+                      <a:headEnd type="none" w="med" len="med"/>
+                      <a:tailEnd type="none" w="med" len="med"/>
+                    </a:lnL>
+                    <a:lnR w="12700" cap="flat" cmpd="sng" algn="ctr">
+                      <a:solidFill>
+                        <a:schemeClr val="tx1"/>
+                      </a:solidFill>
+                      <a:prstDash val="solid"/>
+                      <a:round/>
+                      <a:headEnd type="none" w="med" len="med"/>
+                      <a:tailEnd type="none" w="med" len="med"/>
+                    </a:lnR>
+                    <a:lnT w="12700" cap="flat" cmpd="sng" algn="ctr">
+                      <a:solidFill>
+                        <a:schemeClr val="tx1"/>
+                      </a:solidFill>
+                      <a:prstDash val="solid"/>
+                      <a:round/>
+                      <a:headEnd type="none" w="med" len="med"/>
+                      <a:tailEnd type="none" w="med" len="med"/>
+                    </a:lnT>
+                    <a:lnB w="12700" cap="flat" cmpd="sng" algn="ctr">
+                      <a:solidFill>
+                        <a:schemeClr val="tx1"/>
+                      </a:solidFill>
+                      <a:prstDash val="solid"/>
+                      <a:round/>
+                      <a:headEnd type="none" w="med" len="med"/>
+                      <a:tailEnd type="none" w="med" len="med"/>
+                    </a:lnB>
+                  </a:tcPr>
                 </a:tc>
                 <a:tc>
                   <a:txBody>
@@ -17710,7 +18697,44 @@
                       <a:endParaRPr lang="en-SG" dirty="0"/>
                     </a:p>
                   </a:txBody>
-                  <a:tcPr/>
+                  <a:tcPr>
+                    <a:lnL w="12700" cap="flat" cmpd="sng" algn="ctr">
+                      <a:solidFill>
+                        <a:schemeClr val="tx1"/>
+                      </a:solidFill>
+                      <a:prstDash val="solid"/>
+                      <a:round/>
+                      <a:headEnd type="none" w="med" len="med"/>
+                      <a:tailEnd type="none" w="med" len="med"/>
+                    </a:lnL>
+                    <a:lnR w="12700" cap="flat" cmpd="sng" algn="ctr">
+                      <a:solidFill>
+                        <a:schemeClr val="tx1"/>
+                      </a:solidFill>
+                      <a:prstDash val="solid"/>
+                      <a:round/>
+                      <a:headEnd type="none" w="med" len="med"/>
+                      <a:tailEnd type="none" w="med" len="med"/>
+                    </a:lnR>
+                    <a:lnT w="12700" cap="flat" cmpd="sng" algn="ctr">
+                      <a:solidFill>
+                        <a:schemeClr val="tx1"/>
+                      </a:solidFill>
+                      <a:prstDash val="solid"/>
+                      <a:round/>
+                      <a:headEnd type="none" w="med" len="med"/>
+                      <a:tailEnd type="none" w="med" len="med"/>
+                    </a:lnT>
+                    <a:lnB w="12700" cap="flat" cmpd="sng" algn="ctr">
+                      <a:solidFill>
+                        <a:schemeClr val="tx1"/>
+                      </a:solidFill>
+                      <a:prstDash val="solid"/>
+                      <a:round/>
+                      <a:headEnd type="none" w="med" len="med"/>
+                      <a:tailEnd type="none" w="med" len="med"/>
+                    </a:lnB>
+                  </a:tcPr>
                 </a:tc>
                 <a:tc>
                   <a:txBody>
@@ -17725,7 +18749,44 @@
                       <a:endParaRPr lang="en-SG" dirty="0"/>
                     </a:p>
                   </a:txBody>
-                  <a:tcPr/>
+                  <a:tcPr>
+                    <a:lnL w="12700" cap="flat" cmpd="sng" algn="ctr">
+                      <a:solidFill>
+                        <a:schemeClr val="tx1"/>
+                      </a:solidFill>
+                      <a:prstDash val="solid"/>
+                      <a:round/>
+                      <a:headEnd type="none" w="med" len="med"/>
+                      <a:tailEnd type="none" w="med" len="med"/>
+                    </a:lnL>
+                    <a:lnR w="12700" cap="flat" cmpd="sng" algn="ctr">
+                      <a:solidFill>
+                        <a:schemeClr val="tx1"/>
+                      </a:solidFill>
+                      <a:prstDash val="solid"/>
+                      <a:round/>
+                      <a:headEnd type="none" w="med" len="med"/>
+                      <a:tailEnd type="none" w="med" len="med"/>
+                    </a:lnR>
+                    <a:lnT w="12700" cap="flat" cmpd="sng" algn="ctr">
+                      <a:solidFill>
+                        <a:schemeClr val="tx1"/>
+                      </a:solidFill>
+                      <a:prstDash val="solid"/>
+                      <a:round/>
+                      <a:headEnd type="none" w="med" len="med"/>
+                      <a:tailEnd type="none" w="med" len="med"/>
+                    </a:lnT>
+                    <a:lnB w="12700" cap="flat" cmpd="sng" algn="ctr">
+                      <a:solidFill>
+                        <a:schemeClr val="tx1"/>
+                      </a:solidFill>
+                      <a:prstDash val="solid"/>
+                      <a:round/>
+                      <a:headEnd type="none" w="med" len="med"/>
+                      <a:tailEnd type="none" w="med" len="med"/>
+                    </a:lnB>
+                  </a:tcPr>
                 </a:tc>
                 <a:tc>
                   <a:txBody>
@@ -17740,7 +18801,44 @@
                       <a:endParaRPr lang="en-SG" dirty="0"/>
                     </a:p>
                   </a:txBody>
-                  <a:tcPr/>
+                  <a:tcPr>
+                    <a:lnL w="12700" cap="flat" cmpd="sng" algn="ctr">
+                      <a:solidFill>
+                        <a:schemeClr val="tx1"/>
+                      </a:solidFill>
+                      <a:prstDash val="solid"/>
+                      <a:round/>
+                      <a:headEnd type="none" w="med" len="med"/>
+                      <a:tailEnd type="none" w="med" len="med"/>
+                    </a:lnL>
+                    <a:lnR w="12700" cap="flat" cmpd="sng" algn="ctr">
+                      <a:solidFill>
+                        <a:schemeClr val="tx1"/>
+                      </a:solidFill>
+                      <a:prstDash val="solid"/>
+                      <a:round/>
+                      <a:headEnd type="none" w="med" len="med"/>
+                      <a:tailEnd type="none" w="med" len="med"/>
+                    </a:lnR>
+                    <a:lnT w="12700" cap="flat" cmpd="sng" algn="ctr">
+                      <a:solidFill>
+                        <a:schemeClr val="tx1"/>
+                      </a:solidFill>
+                      <a:prstDash val="solid"/>
+                      <a:round/>
+                      <a:headEnd type="none" w="med" len="med"/>
+                      <a:tailEnd type="none" w="med" len="med"/>
+                    </a:lnT>
+                    <a:lnB w="12700" cap="flat" cmpd="sng" algn="ctr">
+                      <a:solidFill>
+                        <a:schemeClr val="tx1"/>
+                      </a:solidFill>
+                      <a:prstDash val="solid"/>
+                      <a:round/>
+                      <a:headEnd type="none" w="med" len="med"/>
+                      <a:tailEnd type="none" w="med" len="med"/>
+                    </a:lnB>
+                  </a:tcPr>
                 </a:tc>
               </a:tr>
               <a:tr h="181079">
@@ -17752,7 +18850,44 @@
                       <a:endParaRPr lang="en-SG"/>
                     </a:p>
                   </a:txBody>
-                  <a:tcPr/>
+                  <a:tcPr>
+                    <a:lnL w="12700" cap="flat" cmpd="sng" algn="ctr">
+                      <a:solidFill>
+                        <a:schemeClr val="tx1"/>
+                      </a:solidFill>
+                      <a:prstDash val="solid"/>
+                      <a:round/>
+                      <a:headEnd type="none" w="med" len="med"/>
+                      <a:tailEnd type="none" w="med" len="med"/>
+                    </a:lnL>
+                    <a:lnR w="12700" cap="flat" cmpd="sng" algn="ctr">
+                      <a:solidFill>
+                        <a:schemeClr val="tx1"/>
+                      </a:solidFill>
+                      <a:prstDash val="solid"/>
+                      <a:round/>
+                      <a:headEnd type="none" w="med" len="med"/>
+                      <a:tailEnd type="none" w="med" len="med"/>
+                    </a:lnR>
+                    <a:lnT w="12700" cap="flat" cmpd="sng" algn="ctr">
+                      <a:solidFill>
+                        <a:schemeClr val="tx1"/>
+                      </a:solidFill>
+                      <a:prstDash val="solid"/>
+                      <a:round/>
+                      <a:headEnd type="none" w="med" len="med"/>
+                      <a:tailEnd type="none" w="med" len="med"/>
+                    </a:lnT>
+                    <a:lnB w="12700" cap="flat" cmpd="sng" algn="ctr">
+                      <a:solidFill>
+                        <a:schemeClr val="tx1"/>
+                      </a:solidFill>
+                      <a:prstDash val="solid"/>
+                      <a:round/>
+                      <a:headEnd type="none" w="med" len="med"/>
+                      <a:tailEnd type="none" w="med" len="med"/>
+                    </a:lnB>
+                  </a:tcPr>
                 </a:tc>
                 <a:tc>
                   <a:txBody>
@@ -17762,7 +18897,44 @@
                       <a:endParaRPr lang="en-SG"/>
                     </a:p>
                   </a:txBody>
-                  <a:tcPr/>
+                  <a:tcPr>
+                    <a:lnL w="12700" cap="flat" cmpd="sng" algn="ctr">
+                      <a:solidFill>
+                        <a:schemeClr val="tx1"/>
+                      </a:solidFill>
+                      <a:prstDash val="solid"/>
+                      <a:round/>
+                      <a:headEnd type="none" w="med" len="med"/>
+                      <a:tailEnd type="none" w="med" len="med"/>
+                    </a:lnL>
+                    <a:lnR w="12700" cap="flat" cmpd="sng" algn="ctr">
+                      <a:solidFill>
+                        <a:schemeClr val="tx1"/>
+                      </a:solidFill>
+                      <a:prstDash val="solid"/>
+                      <a:round/>
+                      <a:headEnd type="none" w="med" len="med"/>
+                      <a:tailEnd type="none" w="med" len="med"/>
+                    </a:lnR>
+                    <a:lnT w="12700" cap="flat" cmpd="sng" algn="ctr">
+                      <a:solidFill>
+                        <a:schemeClr val="tx1"/>
+                      </a:solidFill>
+                      <a:prstDash val="solid"/>
+                      <a:round/>
+                      <a:headEnd type="none" w="med" len="med"/>
+                      <a:tailEnd type="none" w="med" len="med"/>
+                    </a:lnT>
+                    <a:lnB w="12700" cap="flat" cmpd="sng" algn="ctr">
+                      <a:solidFill>
+                        <a:schemeClr val="tx1"/>
+                      </a:solidFill>
+                      <a:prstDash val="solid"/>
+                      <a:round/>
+                      <a:headEnd type="none" w="med" len="med"/>
+                      <a:tailEnd type="none" w="med" len="med"/>
+                    </a:lnB>
+                  </a:tcPr>
                 </a:tc>
                 <a:tc>
                   <a:txBody>
@@ -17772,7 +18944,44 @@
                       <a:endParaRPr lang="en-SG"/>
                     </a:p>
                   </a:txBody>
-                  <a:tcPr/>
+                  <a:tcPr>
+                    <a:lnL w="12700" cap="flat" cmpd="sng" algn="ctr">
+                      <a:solidFill>
+                        <a:schemeClr val="tx1"/>
+                      </a:solidFill>
+                      <a:prstDash val="solid"/>
+                      <a:round/>
+                      <a:headEnd type="none" w="med" len="med"/>
+                      <a:tailEnd type="none" w="med" len="med"/>
+                    </a:lnL>
+                    <a:lnR w="12700" cap="flat" cmpd="sng" algn="ctr">
+                      <a:solidFill>
+                        <a:schemeClr val="tx1"/>
+                      </a:solidFill>
+                      <a:prstDash val="solid"/>
+                      <a:round/>
+                      <a:headEnd type="none" w="med" len="med"/>
+                      <a:tailEnd type="none" w="med" len="med"/>
+                    </a:lnR>
+                    <a:lnT w="12700" cap="flat" cmpd="sng" algn="ctr">
+                      <a:solidFill>
+                        <a:schemeClr val="tx1"/>
+                      </a:solidFill>
+                      <a:prstDash val="solid"/>
+                      <a:round/>
+                      <a:headEnd type="none" w="med" len="med"/>
+                      <a:tailEnd type="none" w="med" len="med"/>
+                    </a:lnT>
+                    <a:lnB w="12700" cap="flat" cmpd="sng" algn="ctr">
+                      <a:solidFill>
+                        <a:schemeClr val="tx1"/>
+                      </a:solidFill>
+                      <a:prstDash val="solid"/>
+                      <a:round/>
+                      <a:headEnd type="none" w="med" len="med"/>
+                      <a:tailEnd type="none" w="med" len="med"/>
+                    </a:lnB>
+                  </a:tcPr>
                 </a:tc>
                 <a:tc>
                   <a:txBody>
@@ -17782,7 +18991,94 @@
                       <a:endParaRPr lang="en-SG"/>
                     </a:p>
                   </a:txBody>
-                  <a:tcPr/>
+                  <a:tcPr>
+                    <a:lnL w="12700" cap="flat" cmpd="sng" algn="ctr">
+                      <a:solidFill>
+                        <a:schemeClr val="tx1"/>
+                      </a:solidFill>
+                      <a:prstDash val="solid"/>
+                      <a:round/>
+                      <a:headEnd type="none" w="med" len="med"/>
+                      <a:tailEnd type="none" w="med" len="med"/>
+                    </a:lnL>
+                    <a:lnR w="12700" cap="flat" cmpd="sng" algn="ctr">
+                      <a:solidFill>
+                        <a:schemeClr val="tx1"/>
+                      </a:solidFill>
+                      <a:prstDash val="solid"/>
+                      <a:round/>
+                      <a:headEnd type="none" w="med" len="med"/>
+                      <a:tailEnd type="none" w="med" len="med"/>
+                    </a:lnR>
+                    <a:lnT w="12700" cap="flat" cmpd="sng" algn="ctr">
+                      <a:solidFill>
+                        <a:schemeClr val="tx1"/>
+                      </a:solidFill>
+                      <a:prstDash val="solid"/>
+                      <a:round/>
+                      <a:headEnd type="none" w="med" len="med"/>
+                      <a:tailEnd type="none" w="med" len="med"/>
+                    </a:lnT>
+                    <a:lnB w="12700" cap="flat" cmpd="sng" algn="ctr">
+                      <a:solidFill>
+                        <a:schemeClr val="tx1"/>
+                      </a:solidFill>
+                      <a:prstDash val="solid"/>
+                      <a:round/>
+                      <a:headEnd type="none" w="med" len="med"/>
+                      <a:tailEnd type="none" w="med" len="med"/>
+                    </a:lnB>
+                  </a:tcPr>
+                </a:tc>
+                <a:tc>
+                  <a:txBody>
+                    <a:bodyPr/>
+                    <a:lstStyle/>
+                    <a:p>
+                      <a:endParaRPr lang="en-SG" dirty="0"/>
+                    </a:p>
+                  </a:txBody>
+                  <a:tcPr>
+                    <a:lnL w="12700" cap="flat" cmpd="sng" algn="ctr">
+                      <a:solidFill>
+                        <a:schemeClr val="tx1"/>
+                      </a:solidFill>
+                      <a:prstDash val="solid"/>
+                      <a:round/>
+                      <a:headEnd type="none" w="med" len="med"/>
+                      <a:tailEnd type="none" w="med" len="med"/>
+                    </a:lnL>
+                    <a:lnR w="12700" cap="flat" cmpd="sng" algn="ctr">
+                      <a:solidFill>
+                        <a:schemeClr val="tx1"/>
+                      </a:solidFill>
+                      <a:prstDash val="solid"/>
+                      <a:round/>
+                      <a:headEnd type="none" w="med" len="med"/>
+                      <a:tailEnd type="none" w="med" len="med"/>
+                    </a:lnR>
+                    <a:lnT w="12700" cap="flat" cmpd="sng" algn="ctr">
+                      <a:solidFill>
+                        <a:schemeClr val="tx1"/>
+                      </a:solidFill>
+                      <a:prstDash val="solid"/>
+                      <a:round/>
+                      <a:headEnd type="none" w="med" len="med"/>
+                      <a:tailEnd type="none" w="med" len="med"/>
+                    </a:lnT>
+                    <a:lnB w="12700" cap="flat" cmpd="sng" algn="ctr">
+                      <a:solidFill>
+                        <a:schemeClr val="tx1"/>
+                      </a:solidFill>
+                      <a:prstDash val="solid"/>
+                      <a:round/>
+                      <a:headEnd type="none" w="med" len="med"/>
+                      <a:tailEnd type="none" w="med" len="med"/>
+                    </a:lnB>
+                    <a:solidFill>
+                      <a:schemeClr val="tx1"/>
+                    </a:solidFill>
+                  </a:tcPr>
                 </a:tc>
                 <a:tc>
                   <a:txBody>
@@ -17792,17 +19088,44 @@
                       <a:endParaRPr lang="en-SG"/>
                     </a:p>
                   </a:txBody>
-                  <a:tcPr/>
-                </a:tc>
-                <a:tc>
-                  <a:txBody>
-                    <a:bodyPr/>
-                    <a:lstStyle/>
-                    <a:p>
-                      <a:endParaRPr lang="en-SG"/>
-                    </a:p>
-                  </a:txBody>
-                  <a:tcPr/>
+                  <a:tcPr>
+                    <a:lnL w="12700" cap="flat" cmpd="sng" algn="ctr">
+                      <a:solidFill>
+                        <a:schemeClr val="tx1"/>
+                      </a:solidFill>
+                      <a:prstDash val="solid"/>
+                      <a:round/>
+                      <a:headEnd type="none" w="med" len="med"/>
+                      <a:tailEnd type="none" w="med" len="med"/>
+                    </a:lnL>
+                    <a:lnR w="12700" cap="flat" cmpd="sng" algn="ctr">
+                      <a:solidFill>
+                        <a:schemeClr val="tx1"/>
+                      </a:solidFill>
+                      <a:prstDash val="solid"/>
+                      <a:round/>
+                      <a:headEnd type="none" w="med" len="med"/>
+                      <a:tailEnd type="none" w="med" len="med"/>
+                    </a:lnR>
+                    <a:lnT w="12700" cap="flat" cmpd="sng" algn="ctr">
+                      <a:solidFill>
+                        <a:schemeClr val="tx1"/>
+                      </a:solidFill>
+                      <a:prstDash val="solid"/>
+                      <a:round/>
+                      <a:headEnd type="none" w="med" len="med"/>
+                      <a:tailEnd type="none" w="med" len="med"/>
+                    </a:lnT>
+                    <a:lnB w="12700" cap="flat" cmpd="sng" algn="ctr">
+                      <a:solidFill>
+                        <a:schemeClr val="tx1"/>
+                      </a:solidFill>
+                      <a:prstDash val="solid"/>
+                      <a:round/>
+                      <a:headEnd type="none" w="med" len="med"/>
+                      <a:tailEnd type="none" w="med" len="med"/>
+                    </a:lnB>
+                  </a:tcPr>
                 </a:tc>
                 <a:tc>
                   <a:txBody>
@@ -17812,7 +19135,44 @@
                       <a:endParaRPr lang="en-SG" dirty="0"/>
                     </a:p>
                   </a:txBody>
-                  <a:tcPr/>
+                  <a:tcPr>
+                    <a:lnL w="12700" cap="flat" cmpd="sng" algn="ctr">
+                      <a:solidFill>
+                        <a:schemeClr val="tx1"/>
+                      </a:solidFill>
+                      <a:prstDash val="solid"/>
+                      <a:round/>
+                      <a:headEnd type="none" w="med" len="med"/>
+                      <a:tailEnd type="none" w="med" len="med"/>
+                    </a:lnL>
+                    <a:lnR w="12700" cap="flat" cmpd="sng" algn="ctr">
+                      <a:solidFill>
+                        <a:schemeClr val="tx1"/>
+                      </a:solidFill>
+                      <a:prstDash val="solid"/>
+                      <a:round/>
+                      <a:headEnd type="none" w="med" len="med"/>
+                      <a:tailEnd type="none" w="med" len="med"/>
+                    </a:lnR>
+                    <a:lnT w="12700" cap="flat" cmpd="sng" algn="ctr">
+                      <a:solidFill>
+                        <a:schemeClr val="tx1"/>
+                      </a:solidFill>
+                      <a:prstDash val="solid"/>
+                      <a:round/>
+                      <a:headEnd type="none" w="med" len="med"/>
+                      <a:tailEnd type="none" w="med" len="med"/>
+                    </a:lnT>
+                    <a:lnB w="12700" cap="flat" cmpd="sng" algn="ctr">
+                      <a:solidFill>
+                        <a:schemeClr val="tx1"/>
+                      </a:solidFill>
+                      <a:prstDash val="solid"/>
+                      <a:round/>
+                      <a:headEnd type="none" w="med" len="med"/>
+                      <a:tailEnd type="none" w="med" len="med"/>
+                    </a:lnB>
+                  </a:tcPr>
                 </a:tc>
               </a:tr>
               <a:tr h="181079">
@@ -17824,7 +19184,44 @@
                       <a:endParaRPr lang="en-SG"/>
                     </a:p>
                   </a:txBody>
-                  <a:tcPr/>
+                  <a:tcPr>
+                    <a:lnL w="12700" cap="flat" cmpd="sng" algn="ctr">
+                      <a:solidFill>
+                        <a:schemeClr val="tx1"/>
+                      </a:solidFill>
+                      <a:prstDash val="solid"/>
+                      <a:round/>
+                      <a:headEnd type="none" w="med" len="med"/>
+                      <a:tailEnd type="none" w="med" len="med"/>
+                    </a:lnL>
+                    <a:lnR w="12700" cap="flat" cmpd="sng" algn="ctr">
+                      <a:solidFill>
+                        <a:schemeClr val="tx1"/>
+                      </a:solidFill>
+                      <a:prstDash val="solid"/>
+                      <a:round/>
+                      <a:headEnd type="none" w="med" len="med"/>
+                      <a:tailEnd type="none" w="med" len="med"/>
+                    </a:lnR>
+                    <a:lnT w="12700" cap="flat" cmpd="sng" algn="ctr">
+                      <a:solidFill>
+                        <a:schemeClr val="tx1"/>
+                      </a:solidFill>
+                      <a:prstDash val="solid"/>
+                      <a:round/>
+                      <a:headEnd type="none" w="med" len="med"/>
+                      <a:tailEnd type="none" w="med" len="med"/>
+                    </a:lnT>
+                    <a:lnB w="12700" cap="flat" cmpd="sng" algn="ctr">
+                      <a:solidFill>
+                        <a:schemeClr val="tx1"/>
+                      </a:solidFill>
+                      <a:prstDash val="solid"/>
+                      <a:round/>
+                      <a:headEnd type="none" w="med" len="med"/>
+                      <a:tailEnd type="none" w="med" len="med"/>
+                    </a:lnB>
+                  </a:tcPr>
                 </a:tc>
                 <a:tc>
                   <a:txBody>
@@ -17834,7 +19231,44 @@
                       <a:endParaRPr lang="en-SG"/>
                     </a:p>
                   </a:txBody>
-                  <a:tcPr/>
+                  <a:tcPr>
+                    <a:lnL w="12700" cap="flat" cmpd="sng" algn="ctr">
+                      <a:solidFill>
+                        <a:schemeClr val="tx1"/>
+                      </a:solidFill>
+                      <a:prstDash val="solid"/>
+                      <a:round/>
+                      <a:headEnd type="none" w="med" len="med"/>
+                      <a:tailEnd type="none" w="med" len="med"/>
+                    </a:lnL>
+                    <a:lnR w="12700" cap="flat" cmpd="sng" algn="ctr">
+                      <a:solidFill>
+                        <a:schemeClr val="tx1"/>
+                      </a:solidFill>
+                      <a:prstDash val="solid"/>
+                      <a:round/>
+                      <a:headEnd type="none" w="med" len="med"/>
+                      <a:tailEnd type="none" w="med" len="med"/>
+                    </a:lnR>
+                    <a:lnT w="12700" cap="flat" cmpd="sng" algn="ctr">
+                      <a:solidFill>
+                        <a:schemeClr val="tx1"/>
+                      </a:solidFill>
+                      <a:prstDash val="solid"/>
+                      <a:round/>
+                      <a:headEnd type="none" w="med" len="med"/>
+                      <a:tailEnd type="none" w="med" len="med"/>
+                    </a:lnT>
+                    <a:lnB w="12700" cap="flat" cmpd="sng" algn="ctr">
+                      <a:solidFill>
+                        <a:schemeClr val="tx1"/>
+                      </a:solidFill>
+                      <a:prstDash val="solid"/>
+                      <a:round/>
+                      <a:headEnd type="none" w="med" len="med"/>
+                      <a:tailEnd type="none" w="med" len="med"/>
+                    </a:lnB>
+                  </a:tcPr>
                 </a:tc>
                 <a:tc>
                   <a:txBody>
@@ -17844,7 +19278,47 @@
                       <a:endParaRPr lang="en-SG" dirty="0"/>
                     </a:p>
                   </a:txBody>
-                  <a:tcPr/>
+                  <a:tcPr>
+                    <a:lnL w="12700" cap="flat" cmpd="sng" algn="ctr">
+                      <a:solidFill>
+                        <a:schemeClr val="tx1"/>
+                      </a:solidFill>
+                      <a:prstDash val="solid"/>
+                      <a:round/>
+                      <a:headEnd type="none" w="med" len="med"/>
+                      <a:tailEnd type="none" w="med" len="med"/>
+                    </a:lnL>
+                    <a:lnR w="12700" cap="flat" cmpd="sng" algn="ctr">
+                      <a:solidFill>
+                        <a:schemeClr val="tx1"/>
+                      </a:solidFill>
+                      <a:prstDash val="solid"/>
+                      <a:round/>
+                      <a:headEnd type="none" w="med" len="med"/>
+                      <a:tailEnd type="none" w="med" len="med"/>
+                    </a:lnR>
+                    <a:lnT w="12700" cap="flat" cmpd="sng" algn="ctr">
+                      <a:solidFill>
+                        <a:schemeClr val="tx1"/>
+                      </a:solidFill>
+                      <a:prstDash val="solid"/>
+                      <a:round/>
+                      <a:headEnd type="none" w="med" len="med"/>
+                      <a:tailEnd type="none" w="med" len="med"/>
+                    </a:lnT>
+                    <a:lnB w="12700" cap="flat" cmpd="sng" algn="ctr">
+                      <a:solidFill>
+                        <a:schemeClr val="tx1"/>
+                      </a:solidFill>
+                      <a:prstDash val="solid"/>
+                      <a:round/>
+                      <a:headEnd type="none" w="med" len="med"/>
+                      <a:tailEnd type="none" w="med" len="med"/>
+                    </a:lnB>
+                    <a:solidFill>
+                      <a:schemeClr val="tx1"/>
+                    </a:solidFill>
+                  </a:tcPr>
                 </a:tc>
                 <a:tc>
                   <a:txBody>
@@ -17854,37 +19328,194 @@
                       <a:endParaRPr lang="en-SG"/>
                     </a:p>
                   </a:txBody>
-                  <a:tcPr/>
+                  <a:tcPr>
+                    <a:lnL w="12700" cap="flat" cmpd="sng" algn="ctr">
+                      <a:solidFill>
+                        <a:schemeClr val="tx1"/>
+                      </a:solidFill>
+                      <a:prstDash val="solid"/>
+                      <a:round/>
+                      <a:headEnd type="none" w="med" len="med"/>
+                      <a:tailEnd type="none" w="med" len="med"/>
+                    </a:lnL>
+                    <a:lnR w="12700" cap="flat" cmpd="sng" algn="ctr">
+                      <a:solidFill>
+                        <a:schemeClr val="tx1"/>
+                      </a:solidFill>
+                      <a:prstDash val="solid"/>
+                      <a:round/>
+                      <a:headEnd type="none" w="med" len="med"/>
+                      <a:tailEnd type="none" w="med" len="med"/>
+                    </a:lnR>
+                    <a:lnT w="12700" cap="flat" cmpd="sng" algn="ctr">
+                      <a:solidFill>
+                        <a:schemeClr val="tx1"/>
+                      </a:solidFill>
+                      <a:prstDash val="solid"/>
+                      <a:round/>
+                      <a:headEnd type="none" w="med" len="med"/>
+                      <a:tailEnd type="none" w="med" len="med"/>
+                    </a:lnT>
+                    <a:lnB w="12700" cap="flat" cmpd="sng" algn="ctr">
+                      <a:solidFill>
+                        <a:schemeClr val="tx1"/>
+                      </a:solidFill>
+                      <a:prstDash val="solid"/>
+                      <a:round/>
+                      <a:headEnd type="none" w="med" len="med"/>
+                      <a:tailEnd type="none" w="med" len="med"/>
+                    </a:lnB>
+                  </a:tcPr>
                 </a:tc>
                 <a:tc>
                   <a:txBody>
                     <a:bodyPr/>
                     <a:lstStyle/>
                     <a:p>
-                      <a:endParaRPr lang="en-SG"/>
+                      <a:endParaRPr lang="en-SG" dirty="0"/>
                     </a:p>
                   </a:txBody>
-                  <a:tcPr/>
+                  <a:tcPr>
+                    <a:lnL w="12700" cap="flat" cmpd="sng" algn="ctr">
+                      <a:solidFill>
+                        <a:schemeClr val="tx1"/>
+                      </a:solidFill>
+                      <a:prstDash val="solid"/>
+                      <a:round/>
+                      <a:headEnd type="none" w="med" len="med"/>
+                      <a:tailEnd type="none" w="med" len="med"/>
+                    </a:lnL>
+                    <a:lnR w="12700" cap="flat" cmpd="sng" algn="ctr">
+                      <a:solidFill>
+                        <a:schemeClr val="tx1"/>
+                      </a:solidFill>
+                      <a:prstDash val="solid"/>
+                      <a:round/>
+                      <a:headEnd type="none" w="med" len="med"/>
+                      <a:tailEnd type="none" w="med" len="med"/>
+                    </a:lnR>
+                    <a:lnT w="12700" cap="flat" cmpd="sng" algn="ctr">
+                      <a:solidFill>
+                        <a:schemeClr val="tx1"/>
+                      </a:solidFill>
+                      <a:prstDash val="solid"/>
+                      <a:round/>
+                      <a:headEnd type="none" w="med" len="med"/>
+                      <a:tailEnd type="none" w="med" len="med"/>
+                    </a:lnT>
+                    <a:lnB w="12700" cap="flat" cmpd="sng" algn="ctr">
+                      <a:solidFill>
+                        <a:schemeClr val="tx1"/>
+                      </a:solidFill>
+                      <a:prstDash val="solid"/>
+                      <a:round/>
+                      <a:headEnd type="none" w="med" len="med"/>
+                      <a:tailEnd type="none" w="med" len="med"/>
+                    </a:lnB>
+                    <a:solidFill>
+                      <a:schemeClr val="tx1"/>
+                    </a:solidFill>
+                  </a:tcPr>
                 </a:tc>
                 <a:tc>
                   <a:txBody>
                     <a:bodyPr/>
                     <a:lstStyle/>
                     <a:p>
-                      <a:endParaRPr lang="en-SG"/>
+                      <a:endParaRPr lang="en-SG" dirty="0"/>
                     </a:p>
                   </a:txBody>
-                  <a:tcPr/>
+                  <a:tcPr>
+                    <a:lnL w="12700" cap="flat" cmpd="sng" algn="ctr">
+                      <a:solidFill>
+                        <a:schemeClr val="tx1"/>
+                      </a:solidFill>
+                      <a:prstDash val="solid"/>
+                      <a:round/>
+                      <a:headEnd type="none" w="med" len="med"/>
+                      <a:tailEnd type="none" w="med" len="med"/>
+                    </a:lnL>
+                    <a:lnR w="12700" cap="flat" cmpd="sng" algn="ctr">
+                      <a:solidFill>
+                        <a:schemeClr val="tx1"/>
+                      </a:solidFill>
+                      <a:prstDash val="solid"/>
+                      <a:round/>
+                      <a:headEnd type="none" w="med" len="med"/>
+                      <a:tailEnd type="none" w="med" len="med"/>
+                    </a:lnR>
+                    <a:lnT w="12700" cap="flat" cmpd="sng" algn="ctr">
+                      <a:solidFill>
+                        <a:schemeClr val="tx1"/>
+                      </a:solidFill>
+                      <a:prstDash val="solid"/>
+                      <a:round/>
+                      <a:headEnd type="none" w="med" len="med"/>
+                      <a:tailEnd type="none" w="med" len="med"/>
+                    </a:lnT>
+                    <a:lnB w="12700" cap="flat" cmpd="sng" algn="ctr">
+                      <a:solidFill>
+                        <a:schemeClr val="tx1"/>
+                      </a:solidFill>
+                      <a:prstDash val="solid"/>
+                      <a:round/>
+                      <a:headEnd type="none" w="med" len="med"/>
+                      <a:tailEnd type="none" w="med" len="med"/>
+                    </a:lnB>
+                    <a:solidFill>
+                      <a:schemeClr val="tx1"/>
+                    </a:solidFill>
+                  </a:tcPr>
                 </a:tc>
                 <a:tc>
                   <a:txBody>
                     <a:bodyPr/>
                     <a:lstStyle/>
                     <a:p>
-                      <a:endParaRPr lang="en-SG"/>
+                      <a:endParaRPr lang="en-SG" dirty="0"/>
                     </a:p>
                   </a:txBody>
-                  <a:tcPr/>
+                  <a:tcPr>
+                    <a:lnL w="12700" cap="flat" cmpd="sng" algn="ctr">
+                      <a:solidFill>
+                        <a:schemeClr val="tx1"/>
+                      </a:solidFill>
+                      <a:prstDash val="solid"/>
+                      <a:round/>
+                      <a:headEnd type="none" w="med" len="med"/>
+                      <a:tailEnd type="none" w="med" len="med"/>
+                    </a:lnL>
+                    <a:lnR w="12700" cap="flat" cmpd="sng" algn="ctr">
+                      <a:solidFill>
+                        <a:schemeClr val="tx1"/>
+                      </a:solidFill>
+                      <a:prstDash val="solid"/>
+                      <a:round/>
+                      <a:headEnd type="none" w="med" len="med"/>
+                      <a:tailEnd type="none" w="med" len="med"/>
+                    </a:lnR>
+                    <a:lnT w="12700" cap="flat" cmpd="sng" algn="ctr">
+                      <a:solidFill>
+                        <a:schemeClr val="tx1"/>
+                      </a:solidFill>
+                      <a:prstDash val="solid"/>
+                      <a:round/>
+                      <a:headEnd type="none" w="med" len="med"/>
+                      <a:tailEnd type="none" w="med" len="med"/>
+                    </a:lnT>
+                    <a:lnB w="12700" cap="flat" cmpd="sng" algn="ctr">
+                      <a:solidFill>
+                        <a:schemeClr val="tx1"/>
+                      </a:solidFill>
+                      <a:prstDash val="solid"/>
+                      <a:round/>
+                      <a:headEnd type="none" w="med" len="med"/>
+                      <a:tailEnd type="none" w="med" len="med"/>
+                    </a:lnB>
+                    <a:solidFill>
+                      <a:schemeClr val="tx1"/>
+                    </a:solidFill>
+                  </a:tcPr>
                 </a:tc>
               </a:tr>
               <a:tr h="181079">
@@ -17896,7 +19527,44 @@
                       <a:endParaRPr lang="en-SG"/>
                     </a:p>
                   </a:txBody>
-                  <a:tcPr/>
+                  <a:tcPr>
+                    <a:lnL w="12700" cap="flat" cmpd="sng" algn="ctr">
+                      <a:solidFill>
+                        <a:schemeClr val="tx1"/>
+                      </a:solidFill>
+                      <a:prstDash val="solid"/>
+                      <a:round/>
+                      <a:headEnd type="none" w="med" len="med"/>
+                      <a:tailEnd type="none" w="med" len="med"/>
+                    </a:lnL>
+                    <a:lnR w="12700" cap="flat" cmpd="sng" algn="ctr">
+                      <a:solidFill>
+                        <a:schemeClr val="tx1"/>
+                      </a:solidFill>
+                      <a:prstDash val="solid"/>
+                      <a:round/>
+                      <a:headEnd type="none" w="med" len="med"/>
+                      <a:tailEnd type="none" w="med" len="med"/>
+                    </a:lnR>
+                    <a:lnT w="12700" cap="flat" cmpd="sng" algn="ctr">
+                      <a:solidFill>
+                        <a:schemeClr val="tx1"/>
+                      </a:solidFill>
+                      <a:prstDash val="solid"/>
+                      <a:round/>
+                      <a:headEnd type="none" w="med" len="med"/>
+                      <a:tailEnd type="none" w="med" len="med"/>
+                    </a:lnT>
+                    <a:lnB w="12700" cap="flat" cmpd="sng" algn="ctr">
+                      <a:solidFill>
+                        <a:schemeClr val="tx1"/>
+                      </a:solidFill>
+                      <a:prstDash val="solid"/>
+                      <a:round/>
+                      <a:headEnd type="none" w="med" len="med"/>
+                      <a:tailEnd type="none" w="med" len="med"/>
+                    </a:lnB>
+                  </a:tcPr>
                 </a:tc>
                 <a:tc>
                   <a:txBody>
@@ -17906,7 +19574,44 @@
                       <a:endParaRPr lang="en-SG"/>
                     </a:p>
                   </a:txBody>
-                  <a:tcPr/>
+                  <a:tcPr>
+                    <a:lnL w="12700" cap="flat" cmpd="sng" algn="ctr">
+                      <a:solidFill>
+                        <a:schemeClr val="tx1"/>
+                      </a:solidFill>
+                      <a:prstDash val="solid"/>
+                      <a:round/>
+                      <a:headEnd type="none" w="med" len="med"/>
+                      <a:tailEnd type="none" w="med" len="med"/>
+                    </a:lnL>
+                    <a:lnR w="12700" cap="flat" cmpd="sng" algn="ctr">
+                      <a:solidFill>
+                        <a:schemeClr val="tx1"/>
+                      </a:solidFill>
+                      <a:prstDash val="solid"/>
+                      <a:round/>
+                      <a:headEnd type="none" w="med" len="med"/>
+                      <a:tailEnd type="none" w="med" len="med"/>
+                    </a:lnR>
+                    <a:lnT w="12700" cap="flat" cmpd="sng" algn="ctr">
+                      <a:solidFill>
+                        <a:schemeClr val="tx1"/>
+                      </a:solidFill>
+                      <a:prstDash val="solid"/>
+                      <a:round/>
+                      <a:headEnd type="none" w="med" len="med"/>
+                      <a:tailEnd type="none" w="med" len="med"/>
+                    </a:lnT>
+                    <a:lnB w="12700" cap="flat" cmpd="sng" algn="ctr">
+                      <a:solidFill>
+                        <a:schemeClr val="tx1"/>
+                      </a:solidFill>
+                      <a:prstDash val="solid"/>
+                      <a:round/>
+                      <a:headEnd type="none" w="med" len="med"/>
+                      <a:tailEnd type="none" w="med" len="med"/>
+                    </a:lnB>
+                  </a:tcPr>
                 </a:tc>
                 <a:tc>
                   <a:txBody>
@@ -17916,7 +19621,44 @@
                       <a:endParaRPr lang="en-SG"/>
                     </a:p>
                   </a:txBody>
-                  <a:tcPr/>
+                  <a:tcPr>
+                    <a:lnL w="12700" cap="flat" cmpd="sng" algn="ctr">
+                      <a:solidFill>
+                        <a:schemeClr val="tx1"/>
+                      </a:solidFill>
+                      <a:prstDash val="solid"/>
+                      <a:round/>
+                      <a:headEnd type="none" w="med" len="med"/>
+                      <a:tailEnd type="none" w="med" len="med"/>
+                    </a:lnL>
+                    <a:lnR w="12700" cap="flat" cmpd="sng" algn="ctr">
+                      <a:solidFill>
+                        <a:schemeClr val="tx1"/>
+                      </a:solidFill>
+                      <a:prstDash val="solid"/>
+                      <a:round/>
+                      <a:headEnd type="none" w="med" len="med"/>
+                      <a:tailEnd type="none" w="med" len="med"/>
+                    </a:lnR>
+                    <a:lnT w="12700" cap="flat" cmpd="sng" algn="ctr">
+                      <a:solidFill>
+                        <a:schemeClr val="tx1"/>
+                      </a:solidFill>
+                      <a:prstDash val="solid"/>
+                      <a:round/>
+                      <a:headEnd type="none" w="med" len="med"/>
+                      <a:tailEnd type="none" w="med" len="med"/>
+                    </a:lnT>
+                    <a:lnB w="12700" cap="flat" cmpd="sng" algn="ctr">
+                      <a:solidFill>
+                        <a:schemeClr val="tx1"/>
+                      </a:solidFill>
+                      <a:prstDash val="solid"/>
+                      <a:round/>
+                      <a:headEnd type="none" w="med" len="med"/>
+                      <a:tailEnd type="none" w="med" len="med"/>
+                    </a:lnB>
+                  </a:tcPr>
                 </a:tc>
                 <a:tc>
                   <a:txBody>
@@ -17926,7 +19668,91 @@
                       <a:endParaRPr lang="en-SG"/>
                     </a:p>
                   </a:txBody>
-                  <a:tcPr/>
+                  <a:tcPr>
+                    <a:lnL w="12700" cap="flat" cmpd="sng" algn="ctr">
+                      <a:solidFill>
+                        <a:schemeClr val="tx1"/>
+                      </a:solidFill>
+                      <a:prstDash val="solid"/>
+                      <a:round/>
+                      <a:headEnd type="none" w="med" len="med"/>
+                      <a:tailEnd type="none" w="med" len="med"/>
+                    </a:lnL>
+                    <a:lnR w="12700" cap="flat" cmpd="sng" algn="ctr">
+                      <a:solidFill>
+                        <a:schemeClr val="tx1"/>
+                      </a:solidFill>
+                      <a:prstDash val="solid"/>
+                      <a:round/>
+                      <a:headEnd type="none" w="med" len="med"/>
+                      <a:tailEnd type="none" w="med" len="med"/>
+                    </a:lnR>
+                    <a:lnT w="12700" cap="flat" cmpd="sng" algn="ctr">
+                      <a:solidFill>
+                        <a:schemeClr val="tx1"/>
+                      </a:solidFill>
+                      <a:prstDash val="solid"/>
+                      <a:round/>
+                      <a:headEnd type="none" w="med" len="med"/>
+                      <a:tailEnd type="none" w="med" len="med"/>
+                    </a:lnT>
+                    <a:lnB w="12700" cap="flat" cmpd="sng" algn="ctr">
+                      <a:solidFill>
+                        <a:schemeClr val="tx1"/>
+                      </a:solidFill>
+                      <a:prstDash val="solid"/>
+                      <a:round/>
+                      <a:headEnd type="none" w="med" len="med"/>
+                      <a:tailEnd type="none" w="med" len="med"/>
+                    </a:lnB>
+                  </a:tcPr>
+                </a:tc>
+                <a:tc>
+                  <a:txBody>
+                    <a:bodyPr/>
+                    <a:lstStyle/>
+                    <a:p>
+                      <a:endParaRPr lang="en-SG" dirty="0"/>
+                    </a:p>
+                  </a:txBody>
+                  <a:tcPr>
+                    <a:lnL w="12700" cap="flat" cmpd="sng" algn="ctr">
+                      <a:solidFill>
+                        <a:schemeClr val="tx1"/>
+                      </a:solidFill>
+                      <a:prstDash val="solid"/>
+                      <a:round/>
+                      <a:headEnd type="none" w="med" len="med"/>
+                      <a:tailEnd type="none" w="med" len="med"/>
+                    </a:lnL>
+                    <a:lnR w="12700" cap="flat" cmpd="sng" algn="ctr">
+                      <a:solidFill>
+                        <a:schemeClr val="tx1"/>
+                      </a:solidFill>
+                      <a:prstDash val="solid"/>
+                      <a:round/>
+                      <a:headEnd type="none" w="med" len="med"/>
+                      <a:tailEnd type="none" w="med" len="med"/>
+                    </a:lnR>
+                    <a:lnT w="12700" cap="flat" cmpd="sng" algn="ctr">
+                      <a:solidFill>
+                        <a:schemeClr val="tx1"/>
+                      </a:solidFill>
+                      <a:prstDash val="solid"/>
+                      <a:round/>
+                      <a:headEnd type="none" w="med" len="med"/>
+                      <a:tailEnd type="none" w="med" len="med"/>
+                    </a:lnT>
+                    <a:lnB w="12700" cap="flat" cmpd="sng" algn="ctr">
+                      <a:solidFill>
+                        <a:schemeClr val="tx1"/>
+                      </a:solidFill>
+                      <a:prstDash val="solid"/>
+                      <a:round/>
+                      <a:headEnd type="none" w="med" len="med"/>
+                      <a:tailEnd type="none" w="med" len="med"/>
+                    </a:lnB>
+                  </a:tcPr>
                 </a:tc>
                 <a:tc>
                   <a:txBody>
@@ -17936,27 +19762,97 @@
                       <a:endParaRPr lang="en-SG"/>
                     </a:p>
                   </a:txBody>
-                  <a:tcPr/>
+                  <a:tcPr>
+                    <a:lnL w="12700" cap="flat" cmpd="sng" algn="ctr">
+                      <a:solidFill>
+                        <a:schemeClr val="tx1"/>
+                      </a:solidFill>
+                      <a:prstDash val="solid"/>
+                      <a:round/>
+                      <a:headEnd type="none" w="med" len="med"/>
+                      <a:tailEnd type="none" w="med" len="med"/>
+                    </a:lnL>
+                    <a:lnR w="12700" cap="flat" cmpd="sng" algn="ctr">
+                      <a:solidFill>
+                        <a:schemeClr val="tx1"/>
+                      </a:solidFill>
+                      <a:prstDash val="solid"/>
+                      <a:round/>
+                      <a:headEnd type="none" w="med" len="med"/>
+                      <a:tailEnd type="none" w="med" len="med"/>
+                    </a:lnR>
+                    <a:lnT w="12700" cap="flat" cmpd="sng" algn="ctr">
+                      <a:solidFill>
+                        <a:schemeClr val="tx1"/>
+                      </a:solidFill>
+                      <a:prstDash val="solid"/>
+                      <a:round/>
+                      <a:headEnd type="none" w="med" len="med"/>
+                      <a:tailEnd type="none" w="med" len="med"/>
+                    </a:lnT>
+                    <a:lnB w="12700" cap="flat" cmpd="sng" algn="ctr">
+                      <a:solidFill>
+                        <a:schemeClr val="tx1"/>
+                      </a:solidFill>
+                      <a:prstDash val="solid"/>
+                      <a:round/>
+                      <a:headEnd type="none" w="med" len="med"/>
+                      <a:tailEnd type="none" w="med" len="med"/>
+                    </a:lnB>
+                    <a:solidFill>
+                      <a:schemeClr val="tx1"/>
+                    </a:solidFill>
+                  </a:tcPr>
                 </a:tc>
                 <a:tc>
                   <a:txBody>
                     <a:bodyPr/>
                     <a:lstStyle/>
                     <a:p>
-                      <a:endParaRPr lang="en-SG"/>
+                      <a:endParaRPr lang="en-SG" dirty="0"/>
                     </a:p>
                   </a:txBody>
-                  <a:tcPr/>
-                </a:tc>
-                <a:tc>
-                  <a:txBody>
-                    <a:bodyPr/>
-                    <a:lstStyle/>
-                    <a:p>
-                      <a:endParaRPr lang="en-SG"/>
-                    </a:p>
-                  </a:txBody>
-                  <a:tcPr/>
+                  <a:tcPr>
+                    <a:lnL w="12700" cap="flat" cmpd="sng" algn="ctr">
+                      <a:solidFill>
+                        <a:schemeClr val="tx1"/>
+                      </a:solidFill>
+                      <a:prstDash val="solid"/>
+                      <a:round/>
+                      <a:headEnd type="none" w="med" len="med"/>
+                      <a:tailEnd type="none" w="med" len="med"/>
+                    </a:lnL>
+                    <a:lnR w="12700" cap="flat" cmpd="sng" algn="ctr">
+                      <a:solidFill>
+                        <a:schemeClr val="tx1"/>
+                      </a:solidFill>
+                      <a:prstDash val="solid"/>
+                      <a:round/>
+                      <a:headEnd type="none" w="med" len="med"/>
+                      <a:tailEnd type="none" w="med" len="med"/>
+                    </a:lnR>
+                    <a:lnT w="12700" cap="flat" cmpd="sng" algn="ctr">
+                      <a:solidFill>
+                        <a:schemeClr val="tx1"/>
+                      </a:solidFill>
+                      <a:prstDash val="solid"/>
+                      <a:round/>
+                      <a:headEnd type="none" w="med" len="med"/>
+                      <a:tailEnd type="none" w="med" len="med"/>
+                    </a:lnT>
+                    <a:lnB w="12700" cap="flat" cmpd="sng" algn="ctr">
+                      <a:solidFill>
+                        <a:schemeClr val="tx1"/>
+                      </a:solidFill>
+                      <a:prstDash val="solid"/>
+                      <a:round/>
+                      <a:headEnd type="none" w="med" len="med"/>
+                      <a:tailEnd type="none" w="med" len="med"/>
+                    </a:lnB>
+                    <a:solidFill>
+                      <a:schemeClr val="tx1"/>
+                    </a:solidFill>
+                  </a:tcPr>
                 </a:tc>
               </a:tr>
               <a:tr h="181079">
@@ -17968,7 +19864,44 @@
                       <a:endParaRPr lang="en-SG" dirty="0"/>
                     </a:p>
                   </a:txBody>
-                  <a:tcPr/>
+                  <a:tcPr>
+                    <a:lnL w="12700" cap="flat" cmpd="sng" algn="ctr">
+                      <a:solidFill>
+                        <a:schemeClr val="tx1"/>
+                      </a:solidFill>
+                      <a:prstDash val="solid"/>
+                      <a:round/>
+                      <a:headEnd type="none" w="med" len="med"/>
+                      <a:tailEnd type="none" w="med" len="med"/>
+                    </a:lnL>
+                    <a:lnR w="12700" cap="flat" cmpd="sng" algn="ctr">
+                      <a:solidFill>
+                        <a:schemeClr val="tx1"/>
+                      </a:solidFill>
+                      <a:prstDash val="solid"/>
+                      <a:round/>
+                      <a:headEnd type="none" w="med" len="med"/>
+                      <a:tailEnd type="none" w="med" len="med"/>
+                    </a:lnR>
+                    <a:lnT w="12700" cap="flat" cmpd="sng" algn="ctr">
+                      <a:solidFill>
+                        <a:schemeClr val="tx1"/>
+                      </a:solidFill>
+                      <a:prstDash val="solid"/>
+                      <a:round/>
+                      <a:headEnd type="none" w="med" len="med"/>
+                      <a:tailEnd type="none" w="med" len="med"/>
+                    </a:lnT>
+                    <a:lnB w="12700" cap="flat" cmpd="sng" algn="ctr">
+                      <a:solidFill>
+                        <a:schemeClr val="tx1"/>
+                      </a:solidFill>
+                      <a:prstDash val="solid"/>
+                      <a:round/>
+                      <a:headEnd type="none" w="med" len="med"/>
+                      <a:tailEnd type="none" w="med" len="med"/>
+                    </a:lnB>
+                  </a:tcPr>
                 </a:tc>
                 <a:tc>
                   <a:txBody>
@@ -17978,7 +19911,44 @@
                       <a:endParaRPr lang="en-SG"/>
                     </a:p>
                   </a:txBody>
-                  <a:tcPr/>
+                  <a:tcPr>
+                    <a:lnL w="12700" cap="flat" cmpd="sng" algn="ctr">
+                      <a:solidFill>
+                        <a:schemeClr val="tx1"/>
+                      </a:solidFill>
+                      <a:prstDash val="solid"/>
+                      <a:round/>
+                      <a:headEnd type="none" w="med" len="med"/>
+                      <a:tailEnd type="none" w="med" len="med"/>
+                    </a:lnL>
+                    <a:lnR w="12700" cap="flat" cmpd="sng" algn="ctr">
+                      <a:solidFill>
+                        <a:schemeClr val="tx1"/>
+                      </a:solidFill>
+                      <a:prstDash val="solid"/>
+                      <a:round/>
+                      <a:headEnd type="none" w="med" len="med"/>
+                      <a:tailEnd type="none" w="med" len="med"/>
+                    </a:lnR>
+                    <a:lnT w="12700" cap="flat" cmpd="sng" algn="ctr">
+                      <a:solidFill>
+                        <a:schemeClr val="tx1"/>
+                      </a:solidFill>
+                      <a:prstDash val="solid"/>
+                      <a:round/>
+                      <a:headEnd type="none" w="med" len="med"/>
+                      <a:tailEnd type="none" w="med" len="med"/>
+                    </a:lnT>
+                    <a:lnB w="12700" cap="flat" cmpd="sng" algn="ctr">
+                      <a:solidFill>
+                        <a:schemeClr val="tx1"/>
+                      </a:solidFill>
+                      <a:prstDash val="solid"/>
+                      <a:round/>
+                      <a:headEnd type="none" w="med" len="med"/>
+                      <a:tailEnd type="none" w="med" len="med"/>
+                    </a:lnB>
+                  </a:tcPr>
                 </a:tc>
                 <a:tc>
                   <a:txBody>
@@ -17988,7 +19958,44 @@
                       <a:endParaRPr lang="en-SG" dirty="0"/>
                     </a:p>
                   </a:txBody>
-                  <a:tcPr/>
+                  <a:tcPr>
+                    <a:lnL w="12700" cap="flat" cmpd="sng" algn="ctr">
+                      <a:solidFill>
+                        <a:schemeClr val="tx1"/>
+                      </a:solidFill>
+                      <a:prstDash val="solid"/>
+                      <a:round/>
+                      <a:headEnd type="none" w="med" len="med"/>
+                      <a:tailEnd type="none" w="med" len="med"/>
+                    </a:lnL>
+                    <a:lnR w="12700" cap="flat" cmpd="sng" algn="ctr">
+                      <a:solidFill>
+                        <a:schemeClr val="tx1"/>
+                      </a:solidFill>
+                      <a:prstDash val="solid"/>
+                      <a:round/>
+                      <a:headEnd type="none" w="med" len="med"/>
+                      <a:tailEnd type="none" w="med" len="med"/>
+                    </a:lnR>
+                    <a:lnT w="12700" cap="flat" cmpd="sng" algn="ctr">
+                      <a:solidFill>
+                        <a:schemeClr val="tx1"/>
+                      </a:solidFill>
+                      <a:prstDash val="solid"/>
+                      <a:round/>
+                      <a:headEnd type="none" w="med" len="med"/>
+                      <a:tailEnd type="none" w="med" len="med"/>
+                    </a:lnT>
+                    <a:lnB w="12700" cap="flat" cmpd="sng" algn="ctr">
+                      <a:solidFill>
+                        <a:schemeClr val="tx1"/>
+                      </a:solidFill>
+                      <a:prstDash val="solid"/>
+                      <a:round/>
+                      <a:headEnd type="none" w="med" len="med"/>
+                      <a:tailEnd type="none" w="med" len="med"/>
+                    </a:lnB>
+                  </a:tcPr>
                 </a:tc>
                 <a:tc>
                   <a:txBody>
@@ -17998,7 +20005,44 @@
                       <a:endParaRPr lang="en-SG"/>
                     </a:p>
                   </a:txBody>
-                  <a:tcPr/>
+                  <a:tcPr>
+                    <a:lnL w="12700" cap="flat" cmpd="sng" algn="ctr">
+                      <a:solidFill>
+                        <a:schemeClr val="tx1"/>
+                      </a:solidFill>
+                      <a:prstDash val="solid"/>
+                      <a:round/>
+                      <a:headEnd type="none" w="med" len="med"/>
+                      <a:tailEnd type="none" w="med" len="med"/>
+                    </a:lnL>
+                    <a:lnR w="12700" cap="flat" cmpd="sng" algn="ctr">
+                      <a:solidFill>
+                        <a:schemeClr val="tx1"/>
+                      </a:solidFill>
+                      <a:prstDash val="solid"/>
+                      <a:round/>
+                      <a:headEnd type="none" w="med" len="med"/>
+                      <a:tailEnd type="none" w="med" len="med"/>
+                    </a:lnR>
+                    <a:lnT w="12700" cap="flat" cmpd="sng" algn="ctr">
+                      <a:solidFill>
+                        <a:schemeClr val="tx1"/>
+                      </a:solidFill>
+                      <a:prstDash val="solid"/>
+                      <a:round/>
+                      <a:headEnd type="none" w="med" len="med"/>
+                      <a:tailEnd type="none" w="med" len="med"/>
+                    </a:lnT>
+                    <a:lnB w="12700" cap="flat" cmpd="sng" algn="ctr">
+                      <a:solidFill>
+                        <a:schemeClr val="tx1"/>
+                      </a:solidFill>
+                      <a:prstDash val="solid"/>
+                      <a:round/>
+                      <a:headEnd type="none" w="med" len="med"/>
+                      <a:tailEnd type="none" w="med" len="med"/>
+                    </a:lnB>
+                  </a:tcPr>
                 </a:tc>
                 <a:tc>
                   <a:txBody>
@@ -18008,7 +20052,44 @@
                       <a:endParaRPr lang="en-SG"/>
                     </a:p>
                   </a:txBody>
-                  <a:tcPr/>
+                  <a:tcPr>
+                    <a:lnL w="12700" cap="flat" cmpd="sng" algn="ctr">
+                      <a:solidFill>
+                        <a:schemeClr val="tx1"/>
+                      </a:solidFill>
+                      <a:prstDash val="solid"/>
+                      <a:round/>
+                      <a:headEnd type="none" w="med" len="med"/>
+                      <a:tailEnd type="none" w="med" len="med"/>
+                    </a:lnL>
+                    <a:lnR w="12700" cap="flat" cmpd="sng" algn="ctr">
+                      <a:solidFill>
+                        <a:schemeClr val="tx1"/>
+                      </a:solidFill>
+                      <a:prstDash val="solid"/>
+                      <a:round/>
+                      <a:headEnd type="none" w="med" len="med"/>
+                      <a:tailEnd type="none" w="med" len="med"/>
+                    </a:lnR>
+                    <a:lnT w="12700" cap="flat" cmpd="sng" algn="ctr">
+                      <a:solidFill>
+                        <a:schemeClr val="tx1"/>
+                      </a:solidFill>
+                      <a:prstDash val="solid"/>
+                      <a:round/>
+                      <a:headEnd type="none" w="med" len="med"/>
+                      <a:tailEnd type="none" w="med" len="med"/>
+                    </a:lnT>
+                    <a:lnB w="12700" cap="flat" cmpd="sng" algn="ctr">
+                      <a:solidFill>
+                        <a:schemeClr val="tx1"/>
+                      </a:solidFill>
+                      <a:prstDash val="solid"/>
+                      <a:round/>
+                      <a:headEnd type="none" w="med" len="med"/>
+                      <a:tailEnd type="none" w="med" len="med"/>
+                    </a:lnB>
+                  </a:tcPr>
                 </a:tc>
                 <a:tc>
                   <a:txBody>
@@ -18018,7 +20099,47 @@
                       <a:endParaRPr lang="en-SG"/>
                     </a:p>
                   </a:txBody>
-                  <a:tcPr/>
+                  <a:tcPr>
+                    <a:lnL w="12700" cap="flat" cmpd="sng" algn="ctr">
+                      <a:solidFill>
+                        <a:schemeClr val="tx1"/>
+                      </a:solidFill>
+                      <a:prstDash val="solid"/>
+                      <a:round/>
+                      <a:headEnd type="none" w="med" len="med"/>
+                      <a:tailEnd type="none" w="med" len="med"/>
+                    </a:lnL>
+                    <a:lnR w="12700" cap="flat" cmpd="sng" algn="ctr">
+                      <a:solidFill>
+                        <a:schemeClr val="tx1"/>
+                      </a:solidFill>
+                      <a:prstDash val="solid"/>
+                      <a:round/>
+                      <a:headEnd type="none" w="med" len="med"/>
+                      <a:tailEnd type="none" w="med" len="med"/>
+                    </a:lnR>
+                    <a:lnT w="12700" cap="flat" cmpd="sng" algn="ctr">
+                      <a:solidFill>
+                        <a:schemeClr val="tx1"/>
+                      </a:solidFill>
+                      <a:prstDash val="solid"/>
+                      <a:round/>
+                      <a:headEnd type="none" w="med" len="med"/>
+                      <a:tailEnd type="none" w="med" len="med"/>
+                    </a:lnT>
+                    <a:lnB w="12700" cap="flat" cmpd="sng" algn="ctr">
+                      <a:solidFill>
+                        <a:schemeClr val="tx1"/>
+                      </a:solidFill>
+                      <a:prstDash val="solid"/>
+                      <a:round/>
+                      <a:headEnd type="none" w="med" len="med"/>
+                      <a:tailEnd type="none" w="med" len="med"/>
+                    </a:lnB>
+                    <a:solidFill>
+                      <a:schemeClr val="tx1"/>
+                    </a:solidFill>
+                  </a:tcPr>
                 </a:tc>
                 <a:tc>
                   <a:txBody>
@@ -18028,7 +20149,47 @@
                       <a:endParaRPr lang="en-SG" dirty="0"/>
                     </a:p>
                   </a:txBody>
-                  <a:tcPr/>
+                  <a:tcPr>
+                    <a:lnL w="12700" cap="flat" cmpd="sng" algn="ctr">
+                      <a:solidFill>
+                        <a:schemeClr val="tx1"/>
+                      </a:solidFill>
+                      <a:prstDash val="solid"/>
+                      <a:round/>
+                      <a:headEnd type="none" w="med" len="med"/>
+                      <a:tailEnd type="none" w="med" len="med"/>
+                    </a:lnL>
+                    <a:lnR w="12700" cap="flat" cmpd="sng" algn="ctr">
+                      <a:solidFill>
+                        <a:schemeClr val="tx1"/>
+                      </a:solidFill>
+                      <a:prstDash val="solid"/>
+                      <a:round/>
+                      <a:headEnd type="none" w="med" len="med"/>
+                      <a:tailEnd type="none" w="med" len="med"/>
+                    </a:lnR>
+                    <a:lnT w="12700" cap="flat" cmpd="sng" algn="ctr">
+                      <a:solidFill>
+                        <a:schemeClr val="tx1"/>
+                      </a:solidFill>
+                      <a:prstDash val="solid"/>
+                      <a:round/>
+                      <a:headEnd type="none" w="med" len="med"/>
+                      <a:tailEnd type="none" w="med" len="med"/>
+                    </a:lnT>
+                    <a:lnB w="12700" cap="flat" cmpd="sng" algn="ctr">
+                      <a:solidFill>
+                        <a:schemeClr val="tx1"/>
+                      </a:solidFill>
+                      <a:prstDash val="solid"/>
+                      <a:round/>
+                      <a:headEnd type="none" w="med" len="med"/>
+                      <a:tailEnd type="none" w="med" len="med"/>
+                    </a:lnB>
+                    <a:solidFill>
+                      <a:schemeClr val="tx1"/>
+                    </a:solidFill>
+                  </a:tcPr>
                 </a:tc>
               </a:tr>
             </a:tbl>
@@ -18338,7 +20499,7 @@
         </p:blipFill>
         <p:spPr bwMode="auto">
           <a:xfrm>
-            <a:off x="767099" y="2114109"/>
+            <a:off x="526631" y="2114109"/>
             <a:ext cx="2076709" cy="1578026"/>
           </a:xfrm>
           <a:prstGeom prst="rect">
@@ -18379,7 +20540,7 @@
         </p:blipFill>
         <p:spPr bwMode="auto">
           <a:xfrm>
-            <a:off x="3491880" y="2122710"/>
+            <a:off x="3251412" y="2137811"/>
             <a:ext cx="2272828" cy="1511777"/>
           </a:xfrm>
           <a:prstGeom prst="rect">
@@ -18420,7 +20581,7 @@
         </p:blipFill>
         <p:spPr bwMode="auto">
           <a:xfrm>
-            <a:off x="6349080" y="2142829"/>
+            <a:off x="6108612" y="2244298"/>
             <a:ext cx="2183360" cy="1405290"/>
           </a:xfrm>
           <a:prstGeom prst="rect">
@@ -18446,7 +20607,7 @@
         </p:nvSpPr>
         <p:spPr>
           <a:xfrm>
-            <a:off x="3203848" y="2101983"/>
+            <a:off x="2963380" y="2101983"/>
             <a:ext cx="2808312" cy="3554398"/>
           </a:xfrm>
           <a:prstGeom prst="frame">
@@ -18497,7 +20658,7 @@
         </p:nvSpPr>
         <p:spPr>
           <a:xfrm>
-            <a:off x="395536" y="2101983"/>
+            <a:off x="155068" y="2101983"/>
             <a:ext cx="2808312" cy="3554398"/>
           </a:xfrm>
           <a:prstGeom prst="frame">
@@ -18548,7 +20709,7 @@
         </p:nvSpPr>
         <p:spPr>
           <a:xfrm>
-            <a:off x="6012160" y="2111414"/>
+            <a:off x="5771692" y="2111414"/>
             <a:ext cx="2808312" cy="3554398"/>
           </a:xfrm>
           <a:prstGeom prst="frame">
@@ -18599,7 +20760,7 @@
         </p:nvSpPr>
         <p:spPr>
           <a:xfrm>
-            <a:off x="395536" y="3634487"/>
+            <a:off x="155068" y="3634487"/>
             <a:ext cx="2808312" cy="1384995"/>
           </a:xfrm>
           <a:prstGeom prst="rect">
@@ -18664,7 +20825,15 @@
             </a:r>
             <a:r>
               <a:rPr lang="en-SG" sz="1400" dirty="0"/>
-              <a:t>: 34.5 </a:t>
+              <a:t>: </a:t>
+            </a:r>
+            <a:r>
+              <a:rPr lang="en-SG" sz="1400" dirty="0" smtClean="0"/>
+              <a:t>$ 34.50</a:t>
+            </a:r>
+            <a:r>
+              <a:rPr lang="en-SG" sz="1400" dirty="0"/>
+              <a:t> </a:t>
             </a:r>
             <a:r>
               <a:rPr lang="en-SG" sz="1400" dirty="0"/>
@@ -18712,7 +20881,7 @@
         </p:nvSpPr>
         <p:spPr>
           <a:xfrm>
-            <a:off x="3203848" y="3634486"/>
+            <a:off x="2963380" y="3634486"/>
             <a:ext cx="2808312" cy="1815882"/>
           </a:xfrm>
           <a:prstGeom prst="rect">
@@ -18773,7 +20942,15 @@
             </a:r>
             <a:r>
               <a:rPr lang="en-SG" sz="1400" dirty="0"/>
-              <a:t>: 7 </a:t>
+              <a:t>: </a:t>
+            </a:r>
+            <a:r>
+              <a:rPr lang="en-SG" sz="1400" dirty="0" smtClean="0"/>
+              <a:t>$7.00</a:t>
+            </a:r>
+            <a:r>
+              <a:rPr lang="en-SG" sz="1400" dirty="0"/>
+              <a:t> </a:t>
             </a:r>
             <a:r>
               <a:rPr lang="en-SG" sz="1400" dirty="0"/>
@@ -18829,7 +21006,7 @@
         </p:nvSpPr>
         <p:spPr>
           <a:xfrm>
-            <a:off x="6012160" y="3634487"/>
+            <a:off x="5771692" y="3634487"/>
             <a:ext cx="2808312" cy="2031325"/>
           </a:xfrm>
           <a:prstGeom prst="rect">
@@ -18844,90 +21021,70 @@
           <a:lstStyle/>
           <a:p>
             <a:r>
-              <a:rPr lang="en-SG" sz="1400" b="1" dirty="0"/>
+              <a:rPr lang="en-SG" sz="1400" b="1" dirty="0" smtClean="0"/>
               <a:t>SPOILT VCR</a:t>
             </a:r>
             <a:r>
-              <a:rPr lang="en-SG" sz="1400" dirty="0"/>
+              <a:rPr lang="en-SG" sz="1400" dirty="0" smtClean="0"/>
               <a:t> </a:t>
             </a:r>
-            <a:r>
-              <a:rPr lang="en-SG" sz="1400" dirty="0"/>
-              <a:t/>
-            </a:r>
             <a:br>
-              <a:rPr lang="en-SG" sz="1400" dirty="0"/>
+              <a:rPr lang="en-SG" sz="1400" dirty="0" smtClean="0"/>
             </a:br>
             <a:r>
-              <a:rPr lang="en-SG" sz="1400" b="1" dirty="0"/>
+              <a:rPr lang="en-SG" sz="1400" b="1" dirty="0" smtClean="0"/>
               <a:t>Category</a:t>
             </a:r>
             <a:r>
-              <a:rPr lang="en-SG" sz="1400" dirty="0"/>
+              <a:rPr lang="en-SG" sz="1400" dirty="0" smtClean="0"/>
               <a:t>: Electronics </a:t>
             </a:r>
-            <a:r>
-              <a:rPr lang="en-SG" sz="1400" dirty="0"/>
-              <a:t/>
-            </a:r>
             <a:br>
-              <a:rPr lang="en-SG" sz="1400" dirty="0"/>
+              <a:rPr lang="en-SG" sz="1400" dirty="0" smtClean="0"/>
             </a:br>
             <a:r>
-              <a:rPr lang="en-SG" sz="1400" b="1" dirty="0"/>
+              <a:rPr lang="en-SG" sz="1400" b="1" dirty="0" smtClean="0"/>
               <a:t>Condition</a:t>
             </a:r>
             <a:r>
-              <a:rPr lang="en-SG" sz="1400" dirty="0"/>
+              <a:rPr lang="en-SG" sz="1400" dirty="0" smtClean="0"/>
               <a:t>: 2 </a:t>
             </a:r>
-            <a:r>
-              <a:rPr lang="en-SG" sz="1400" dirty="0"/>
-              <a:t/>
-            </a:r>
             <a:br>
-              <a:rPr lang="en-SG" sz="1400" dirty="0"/>
+              <a:rPr lang="en-SG" sz="1400" dirty="0" smtClean="0"/>
             </a:br>
             <a:r>
-              <a:rPr lang="en-SG" sz="1400" b="1" dirty="0"/>
+              <a:rPr lang="en-SG" sz="1400" b="1" dirty="0" smtClean="0"/>
               <a:t>Price</a:t>
             </a:r>
             <a:r>
-              <a:rPr lang="en-SG" sz="1400" dirty="0"/>
-              <a:t>: 5 </a:t>
-            </a:r>
-            <a:r>
-              <a:rPr lang="en-SG" sz="1400" dirty="0"/>
-              <a:t/>
+              <a:rPr lang="en-SG" sz="1400" dirty="0" smtClean="0"/>
+              <a:t>: $5.00 </a:t>
             </a:r>
             <a:br>
-              <a:rPr lang="en-SG" sz="1400" dirty="0"/>
+              <a:rPr lang="en-SG" sz="1400" dirty="0" smtClean="0"/>
             </a:br>
             <a:r>
-              <a:rPr lang="en-SG" sz="1400" b="1" dirty="0"/>
+              <a:rPr lang="en-SG" sz="1400" b="1" dirty="0" smtClean="0"/>
               <a:t>Description</a:t>
             </a:r>
             <a:r>
-              <a:rPr lang="en-SG" sz="1400" dirty="0"/>
+              <a:rPr lang="en-SG" sz="1400" dirty="0" smtClean="0"/>
               <a:t>: VCR is over 10 years old &amp; is no longer usable. However, parts are still intact. </a:t>
             </a:r>
-            <a:r>
-              <a:rPr lang="en-SG" sz="1400" dirty="0"/>
-              <a:t/>
-            </a:r>
             <a:br>
-              <a:rPr lang="en-SG" sz="1400" dirty="0"/>
+              <a:rPr lang="en-SG" sz="1400" dirty="0" smtClean="0"/>
             </a:br>
             <a:r>
-              <a:rPr lang="en-SG" sz="1400" b="1" dirty="0"/>
+              <a:rPr lang="en-SG" sz="1400" b="1" dirty="0" smtClean="0"/>
               <a:t>Seller</a:t>
             </a:r>
             <a:r>
-              <a:rPr lang="en-SG" sz="1400" dirty="0"/>
+              <a:rPr lang="en-SG" sz="1400" dirty="0" smtClean="0"/>
               <a:t>: </a:t>
             </a:r>
             <a:r>
-              <a:rPr lang="en-SG" sz="1400" u="sng" dirty="0"/>
+              <a:rPr lang="en-SG" sz="1400" u="sng" dirty="0" smtClean="0"/>
               <a:t>uncleDesmond@conman.com</a:t>
             </a:r>
             <a:endParaRPr lang="en-SG" sz="1400" u="sng" dirty="0"/>
@@ -19000,7 +21157,11 @@
           </a:bodyPr>
           <a:lstStyle/>
           <a:p>
-            <a:endParaRPr lang="en-SG" dirty="0"/>
+            <a:r>
+              <a:rPr lang="en-US" sz="600" dirty="0" smtClean="0"/>
+              <a:t>------</a:t>
+            </a:r>
+            <a:endParaRPr lang="en-SG" sz="600" dirty="0"/>
           </a:p>
         </p:txBody>
       </p:sp>
@@ -19066,7 +21227,11 @@
           </a:bodyPr>
           <a:lstStyle/>
           <a:p>
-            <a:endParaRPr lang="en-SG" dirty="0"/>
+            <a:r>
+              <a:rPr lang="en-US" sz="600" dirty="0" smtClean="0"/>
+              <a:t>------</a:t>
+            </a:r>
+            <a:endParaRPr lang="en-SG" sz="600" dirty="0"/>
           </a:p>
         </p:txBody>
       </p:sp>
@@ -19202,7 +21367,11 @@
           </a:bodyPr>
           <a:lstStyle/>
           <a:p>
-            <a:endParaRPr lang="en-SG" dirty="0"/>
+            <a:r>
+              <a:rPr lang="en-US" sz="600" dirty="0" smtClean="0"/>
+              <a:t>------</a:t>
+            </a:r>
+            <a:endParaRPr lang="en-SG" sz="600" dirty="0"/>
           </a:p>
         </p:txBody>
       </p:sp>
@@ -19268,7 +21437,11 @@
           </a:bodyPr>
           <a:lstStyle/>
           <a:p>
-            <a:endParaRPr lang="en-SG" dirty="0"/>
+            <a:r>
+              <a:rPr lang="en-US" sz="600" dirty="0" smtClean="0"/>
+              <a:t>------</a:t>
+            </a:r>
+            <a:endParaRPr lang="en-SG" sz="600" dirty="0"/>
           </a:p>
         </p:txBody>
       </p:sp>
@@ -19414,7 +21587,11 @@
           </a:bodyPr>
           <a:lstStyle/>
           <a:p>
-            <a:endParaRPr lang="en-SG" dirty="0"/>
+            <a:r>
+              <a:rPr lang="en-US" sz="600" dirty="0" smtClean="0"/>
+              <a:t>------</a:t>
+            </a:r>
+            <a:endParaRPr lang="en-SG" sz="600" dirty="0"/>
           </a:p>
         </p:txBody>
       </p:sp>
@@ -19449,6 +21626,648 @@
           </a:fontRef>
         </p:style>
       </p:cxnSp>
+      <p:graphicFrame>
+        <p:nvGraphicFramePr>
+          <p:cNvPr id="31" name="Table 30"/>
+          <p:cNvGraphicFramePr>
+            <a:graphicFrameLocks noGrp="1"/>
+          </p:cNvGraphicFramePr>
+          <p:nvPr>
+            <p:extLst>
+              <p:ext uri="{D42A27DB-BD31-4B8C-83A1-F6EECF244321}">
+                <p14:modId xmlns:p14="http://schemas.microsoft.com/office/powerpoint/2010/main" val="2277450550"/>
+              </p:ext>
+            </p:extLst>
+          </p:nvPr>
+        </p:nvGraphicFramePr>
+        <p:xfrm>
+          <a:off x="155068" y="3721596"/>
+          <a:ext cx="2808312" cy="1944216"/>
+        </p:xfrm>
+        <a:graphic>
+          <a:graphicData uri="http://schemas.openxmlformats.org/drawingml/2006/table">
+            <a:tbl>
+              <a:tblPr firstRow="1" bandRow="1">
+                <a:tableStyleId>{073A0DAA-6AF3-43AB-8588-CEC1D06C72B9}</a:tableStyleId>
+              </a:tblPr>
+              <a:tblGrid>
+                <a:gridCol w="864096"/>
+                <a:gridCol w="1944216"/>
+              </a:tblGrid>
+              <a:tr h="276747">
+                <a:tc gridSpan="2">
+                  <a:txBody>
+                    <a:bodyPr/>
+                    <a:lstStyle/>
+                    <a:p>
+                      <a:pPr algn="ctr"/>
+                      <a:r>
+                        <a:rPr lang="en-US" sz="1200" dirty="0" smtClean="0"/>
+                        <a:t>2.1 LOGITECH</a:t>
+                      </a:r>
+                      <a:r>
+                        <a:rPr lang="en-US" sz="1200" baseline="0" dirty="0" smtClean="0"/>
+                        <a:t> SPEAKERS</a:t>
+                      </a:r>
+                      <a:endParaRPr lang="en-SG" sz="1200" dirty="0"/>
+                    </a:p>
+                  </a:txBody>
+                  <a:tcPr/>
+                </a:tc>
+                <a:tc hMerge="1">
+                  <a:txBody>
+                    <a:bodyPr/>
+                    <a:lstStyle/>
+                    <a:p>
+                      <a:endParaRPr lang="en-SG" dirty="0"/>
+                    </a:p>
+                  </a:txBody>
+                  <a:tcPr/>
+                </a:tc>
+              </a:tr>
+              <a:tr h="299317">
+                <a:tc>
+                  <a:txBody>
+                    <a:bodyPr/>
+                    <a:lstStyle/>
+                    <a:p>
+                      <a:r>
+                        <a:rPr lang="en-SG" sz="1000" b="1" dirty="0" smtClean="0"/>
+                        <a:t>Category</a:t>
+                      </a:r>
+                      <a:endParaRPr lang="en-SG" sz="1000" b="1" dirty="0"/>
+                    </a:p>
+                  </a:txBody>
+                  <a:tcPr/>
+                </a:tc>
+                <a:tc>
+                  <a:txBody>
+                    <a:bodyPr/>
+                    <a:lstStyle/>
+                    <a:p>
+                      <a:r>
+                        <a:rPr lang="en-SG" sz="900" dirty="0" smtClean="0"/>
+                        <a:t>Electronics</a:t>
+                      </a:r>
+                      <a:endParaRPr lang="en-SG" sz="900" dirty="0"/>
+                    </a:p>
+                  </a:txBody>
+                  <a:tcPr/>
+                </a:tc>
+              </a:tr>
+              <a:tr h="288032">
+                <a:tc>
+                  <a:txBody>
+                    <a:bodyPr/>
+                    <a:lstStyle/>
+                    <a:p>
+                      <a:r>
+                        <a:rPr lang="en-SG" sz="1000" b="1" dirty="0" smtClean="0"/>
+                        <a:t>Condition</a:t>
+                      </a:r>
+                      <a:endParaRPr lang="en-SG" sz="1000" b="1" dirty="0"/>
+                    </a:p>
+                  </a:txBody>
+                  <a:tcPr/>
+                </a:tc>
+                <a:tc>
+                  <a:txBody>
+                    <a:bodyPr/>
+                    <a:lstStyle/>
+                    <a:p>
+                      <a:r>
+                        <a:rPr lang="en-US" sz="900" dirty="0" smtClean="0"/>
+                        <a:t>8/10</a:t>
+                      </a:r>
+                      <a:endParaRPr lang="en-SG" sz="900" dirty="0"/>
+                    </a:p>
+                  </a:txBody>
+                  <a:tcPr/>
+                </a:tc>
+              </a:tr>
+              <a:tr h="288032">
+                <a:tc>
+                  <a:txBody>
+                    <a:bodyPr/>
+                    <a:lstStyle/>
+                    <a:p>
+                      <a:r>
+                        <a:rPr lang="en-SG" sz="1000" b="1" dirty="0" smtClean="0"/>
+                        <a:t>Price</a:t>
+                      </a:r>
+                      <a:endParaRPr lang="en-SG" sz="1000" b="1" dirty="0"/>
+                    </a:p>
+                  </a:txBody>
+                  <a:tcPr/>
+                </a:tc>
+                <a:tc>
+                  <a:txBody>
+                    <a:bodyPr/>
+                    <a:lstStyle/>
+                    <a:p>
+                      <a:r>
+                        <a:rPr lang="en-US" sz="900" dirty="0" smtClean="0"/>
+                        <a:t>$34.50</a:t>
+                      </a:r>
+                      <a:endParaRPr lang="en-SG" sz="900" dirty="0"/>
+                    </a:p>
+                  </a:txBody>
+                  <a:tcPr/>
+                </a:tc>
+              </a:tr>
+              <a:tr h="504056">
+                <a:tc>
+                  <a:txBody>
+                    <a:bodyPr/>
+                    <a:lstStyle/>
+                    <a:p>
+                      <a:r>
+                        <a:rPr lang="en-SG" sz="1000" b="1" dirty="0" smtClean="0"/>
+                        <a:t>Description</a:t>
+                      </a:r>
+                      <a:endParaRPr lang="en-SG" sz="1000" b="1" dirty="0"/>
+                    </a:p>
+                  </a:txBody>
+                  <a:tcPr/>
+                </a:tc>
+                <a:tc>
+                  <a:txBody>
+                    <a:bodyPr/>
+                    <a:lstStyle/>
+                    <a:p>
+                      <a:r>
+                        <a:rPr lang="en-US" sz="900" dirty="0" smtClean="0"/>
+                        <a:t>Item is in great shape</a:t>
+                      </a:r>
+                      <a:endParaRPr lang="en-SG" sz="900" dirty="0"/>
+                    </a:p>
+                  </a:txBody>
+                  <a:tcPr/>
+                </a:tc>
+              </a:tr>
+              <a:tr h="288032">
+                <a:tc>
+                  <a:txBody>
+                    <a:bodyPr/>
+                    <a:lstStyle/>
+                    <a:p>
+                      <a:r>
+                        <a:rPr lang="en-SG" sz="1000" b="1" dirty="0" smtClean="0"/>
+                        <a:t>Seller</a:t>
+                      </a:r>
+                      <a:endParaRPr lang="en-SG" sz="1000" b="1" dirty="0"/>
+                    </a:p>
+                  </a:txBody>
+                  <a:tcPr/>
+                </a:tc>
+                <a:tc>
+                  <a:txBody>
+                    <a:bodyPr/>
+                    <a:lstStyle/>
+                    <a:p>
+                      <a:r>
+                        <a:rPr lang="en-SG" sz="900" u="sng" dirty="0" smtClean="0"/>
+                        <a:t>MonicaCheng@hotmail.com</a:t>
+                      </a:r>
+                      <a:endParaRPr lang="en-SG" sz="900" u="sng" dirty="0"/>
+                    </a:p>
+                  </a:txBody>
+                  <a:tcPr/>
+                </a:tc>
+              </a:tr>
+            </a:tbl>
+          </a:graphicData>
+        </a:graphic>
+      </p:graphicFrame>
+      <p:graphicFrame>
+        <p:nvGraphicFramePr>
+          <p:cNvPr id="36" name="Table 35"/>
+          <p:cNvGraphicFramePr>
+            <a:graphicFrameLocks noGrp="1"/>
+          </p:cNvGraphicFramePr>
+          <p:nvPr>
+            <p:extLst>
+              <p:ext uri="{D42A27DB-BD31-4B8C-83A1-F6EECF244321}">
+                <p14:modId xmlns:p14="http://schemas.microsoft.com/office/powerpoint/2010/main" val="2979539069"/>
+              </p:ext>
+            </p:extLst>
+          </p:nvPr>
+        </p:nvGraphicFramePr>
+        <p:xfrm>
+          <a:off x="2963380" y="3721596"/>
+          <a:ext cx="2808312" cy="1944216"/>
+        </p:xfrm>
+        <a:graphic>
+          <a:graphicData uri="http://schemas.openxmlformats.org/drawingml/2006/table">
+            <a:tbl>
+              <a:tblPr firstRow="1" bandRow="1">
+                <a:tableStyleId>{5C22544A-7EE6-4342-B048-85BDC9FD1C3A}</a:tableStyleId>
+              </a:tblPr>
+              <a:tblGrid>
+                <a:gridCol w="864096"/>
+                <a:gridCol w="1944216"/>
+              </a:tblGrid>
+              <a:tr h="279767">
+                <a:tc gridSpan="2">
+                  <a:txBody>
+                    <a:bodyPr/>
+                    <a:lstStyle/>
+                    <a:p>
+                      <a:pPr algn="ctr"/>
+                      <a:r>
+                        <a:rPr lang="en-SG" sz="1200" dirty="0" smtClean="0"/>
+                        <a:t>OLD NEWSPAPERS </a:t>
+                      </a:r>
+                      <a:endParaRPr lang="en-SG" sz="1200" dirty="0"/>
+                    </a:p>
+                  </a:txBody>
+                  <a:tcPr/>
+                </a:tc>
+                <a:tc hMerge="1">
+                  <a:txBody>
+                    <a:bodyPr/>
+                    <a:lstStyle/>
+                    <a:p>
+                      <a:endParaRPr lang="en-SG" dirty="0"/>
+                    </a:p>
+                  </a:txBody>
+                  <a:tcPr/>
+                </a:tc>
+              </a:tr>
+              <a:tr h="299170">
+                <a:tc>
+                  <a:txBody>
+                    <a:bodyPr/>
+                    <a:lstStyle/>
+                    <a:p>
+                      <a:r>
+                        <a:rPr lang="en-SG" sz="1000" b="1" dirty="0" smtClean="0"/>
+                        <a:t>Category</a:t>
+                      </a:r>
+                      <a:endParaRPr lang="en-SG" sz="1000" b="1" dirty="0"/>
+                    </a:p>
+                  </a:txBody>
+                  <a:tcPr/>
+                </a:tc>
+                <a:tc>
+                  <a:txBody>
+                    <a:bodyPr/>
+                    <a:lstStyle/>
+                    <a:p>
+                      <a:r>
+                        <a:rPr lang="en-SG" sz="900" dirty="0" smtClean="0"/>
+                        <a:t>Newspapers/Cardboards</a:t>
+                      </a:r>
+                      <a:endParaRPr lang="en-SG" sz="900" dirty="0"/>
+                    </a:p>
+                  </a:txBody>
+                  <a:tcPr/>
+                </a:tc>
+              </a:tr>
+              <a:tr h="285159">
+                <a:tc>
+                  <a:txBody>
+                    <a:bodyPr/>
+                    <a:lstStyle/>
+                    <a:p>
+                      <a:r>
+                        <a:rPr lang="en-SG" sz="1000" b="1" dirty="0" smtClean="0"/>
+                        <a:t>Condition</a:t>
+                      </a:r>
+                      <a:endParaRPr lang="en-SG" sz="1000" b="1" dirty="0"/>
+                    </a:p>
+                  </a:txBody>
+                  <a:tcPr/>
+                </a:tc>
+                <a:tc>
+                  <a:txBody>
+                    <a:bodyPr/>
+                    <a:lstStyle/>
+                    <a:p>
+                      <a:r>
+                        <a:rPr lang="en-US" sz="900" dirty="0" smtClean="0"/>
+                        <a:t>10/10</a:t>
+                      </a:r>
+                      <a:endParaRPr lang="en-SG" sz="900" dirty="0"/>
+                    </a:p>
+                  </a:txBody>
+                  <a:tcPr/>
+                </a:tc>
+              </a:tr>
+              <a:tr h="288032">
+                <a:tc>
+                  <a:txBody>
+                    <a:bodyPr/>
+                    <a:lstStyle/>
+                    <a:p>
+                      <a:r>
+                        <a:rPr lang="en-SG" sz="1000" b="1" dirty="0" smtClean="0"/>
+                        <a:t>Price</a:t>
+                      </a:r>
+                      <a:endParaRPr lang="en-SG" sz="1000" b="1" dirty="0"/>
+                    </a:p>
+                  </a:txBody>
+                  <a:tcPr/>
+                </a:tc>
+                <a:tc>
+                  <a:txBody>
+                    <a:bodyPr/>
+                    <a:lstStyle/>
+                    <a:p>
+                      <a:r>
+                        <a:rPr lang="en-US" sz="900" dirty="0" smtClean="0"/>
+                        <a:t>$7.00</a:t>
+                      </a:r>
+                      <a:endParaRPr lang="en-SG" sz="900" dirty="0"/>
+                    </a:p>
+                  </a:txBody>
+                  <a:tcPr/>
+                </a:tc>
+              </a:tr>
+              <a:tr h="416957">
+                <a:tc>
+                  <a:txBody>
+                    <a:bodyPr/>
+                    <a:lstStyle/>
+                    <a:p>
+                      <a:r>
+                        <a:rPr lang="en-SG" sz="1000" b="1" dirty="0" smtClean="0"/>
+                        <a:t>Description</a:t>
+                      </a:r>
+                      <a:endParaRPr lang="en-SG" sz="1000" b="1" dirty="0"/>
+                    </a:p>
+                  </a:txBody>
+                  <a:tcPr/>
+                </a:tc>
+                <a:tc>
+                  <a:txBody>
+                    <a:bodyPr/>
+                    <a:lstStyle/>
+                    <a:p>
+                      <a:r>
+                        <a:rPr lang="en-SG" sz="900" dirty="0" smtClean="0"/>
+                        <a:t>Straits Times, </a:t>
+                      </a:r>
+                      <a:r>
+                        <a:rPr lang="en-SG" sz="900" dirty="0" err="1" smtClean="0"/>
+                        <a:t>Newpaper</a:t>
+                      </a:r>
+                      <a:r>
+                        <a:rPr lang="en-SG" sz="900" dirty="0" smtClean="0"/>
+                        <a:t> from the past 3 months. Weight is close to 15kg </a:t>
+                      </a:r>
+                      <a:endParaRPr lang="en-SG" sz="900" dirty="0"/>
+                    </a:p>
+                  </a:txBody>
+                  <a:tcPr/>
+                </a:tc>
+              </a:tr>
+              <a:tr h="289168">
+                <a:tc>
+                  <a:txBody>
+                    <a:bodyPr/>
+                    <a:lstStyle/>
+                    <a:p>
+                      <a:r>
+                        <a:rPr lang="en-SG" sz="1000" b="1" dirty="0" smtClean="0"/>
+                        <a:t>Seller</a:t>
+                      </a:r>
+                      <a:endParaRPr lang="en-SG" sz="1000" b="1" dirty="0"/>
+                    </a:p>
+                  </a:txBody>
+                  <a:tcPr/>
+                </a:tc>
+                <a:tc>
+                  <a:txBody>
+                    <a:bodyPr/>
+                    <a:lstStyle/>
+                    <a:p>
+                      <a:r>
+                        <a:rPr lang="en-SG" sz="900" u="sng" dirty="0" smtClean="0"/>
+                        <a:t>MonicaCheng@hotmail.com</a:t>
+                      </a:r>
+                      <a:endParaRPr lang="en-SG" sz="900" u="sng" dirty="0"/>
+                    </a:p>
+                  </a:txBody>
+                  <a:tcPr/>
+                </a:tc>
+              </a:tr>
+            </a:tbl>
+          </a:graphicData>
+        </a:graphic>
+      </p:graphicFrame>
+      <p:graphicFrame>
+        <p:nvGraphicFramePr>
+          <p:cNvPr id="37" name="Table 36"/>
+          <p:cNvGraphicFramePr>
+            <a:graphicFrameLocks noGrp="1"/>
+          </p:cNvGraphicFramePr>
+          <p:nvPr>
+            <p:extLst>
+              <p:ext uri="{D42A27DB-BD31-4B8C-83A1-F6EECF244321}">
+                <p14:modId xmlns:p14="http://schemas.microsoft.com/office/powerpoint/2010/main" val="2994825103"/>
+              </p:ext>
+            </p:extLst>
+          </p:nvPr>
+        </p:nvGraphicFramePr>
+        <p:xfrm>
+          <a:off x="5796136" y="3721596"/>
+          <a:ext cx="2808312" cy="1944216"/>
+        </p:xfrm>
+        <a:graphic>
+          <a:graphicData uri="http://schemas.openxmlformats.org/drawingml/2006/table">
+            <a:tbl>
+              <a:tblPr firstRow="1" bandRow="1">
+                <a:tableStyleId>{21E4AEA4-8DFA-4A89-87EB-49C32662AFE0}</a:tableStyleId>
+              </a:tblPr>
+              <a:tblGrid>
+                <a:gridCol w="864096"/>
+                <a:gridCol w="1944216"/>
+              </a:tblGrid>
+              <a:tr h="279767">
+                <a:tc gridSpan="2">
+                  <a:txBody>
+                    <a:bodyPr/>
+                    <a:lstStyle/>
+                    <a:p>
+                      <a:pPr algn="ctr"/>
+                      <a:r>
+                        <a:rPr lang="en-SG" sz="1200" dirty="0" smtClean="0"/>
+                        <a:t>SPOILT</a:t>
+                      </a:r>
+                      <a:r>
+                        <a:rPr lang="en-SG" sz="1200" baseline="0" dirty="0" smtClean="0"/>
+                        <a:t> VCR</a:t>
+                      </a:r>
+                      <a:endParaRPr lang="en-SG" sz="1200" dirty="0"/>
+                    </a:p>
+                  </a:txBody>
+                  <a:tcPr/>
+                </a:tc>
+                <a:tc hMerge="1">
+                  <a:txBody>
+                    <a:bodyPr/>
+                    <a:lstStyle/>
+                    <a:p>
+                      <a:endParaRPr lang="en-SG" dirty="0"/>
+                    </a:p>
+                  </a:txBody>
+                  <a:tcPr/>
+                </a:tc>
+              </a:tr>
+              <a:tr h="299170">
+                <a:tc>
+                  <a:txBody>
+                    <a:bodyPr/>
+                    <a:lstStyle/>
+                    <a:p>
+                      <a:r>
+                        <a:rPr lang="en-SG" sz="1000" b="1" dirty="0" smtClean="0"/>
+                        <a:t>Category</a:t>
+                      </a:r>
+                      <a:endParaRPr lang="en-SG" sz="1000" b="1" dirty="0"/>
+                    </a:p>
+                  </a:txBody>
+                  <a:tcPr/>
+                </a:tc>
+                <a:tc>
+                  <a:txBody>
+                    <a:bodyPr/>
+                    <a:lstStyle/>
+                    <a:p>
+                      <a:r>
+                        <a:rPr lang="en-SG" sz="900" dirty="0" smtClean="0"/>
+                        <a:t>Electronics</a:t>
+                      </a:r>
+                      <a:endParaRPr lang="en-SG" sz="900" dirty="0"/>
+                    </a:p>
+                  </a:txBody>
+                  <a:tcPr/>
+                </a:tc>
+              </a:tr>
+              <a:tr h="285159">
+                <a:tc>
+                  <a:txBody>
+                    <a:bodyPr/>
+                    <a:lstStyle/>
+                    <a:p>
+                      <a:r>
+                        <a:rPr lang="en-SG" sz="1000" b="1" dirty="0" smtClean="0"/>
+                        <a:t>Condition</a:t>
+                      </a:r>
+                      <a:endParaRPr lang="en-SG" sz="1000" b="1" dirty="0"/>
+                    </a:p>
+                  </a:txBody>
+                  <a:tcPr/>
+                </a:tc>
+                <a:tc>
+                  <a:txBody>
+                    <a:bodyPr/>
+                    <a:lstStyle/>
+                    <a:p>
+                      <a:r>
+                        <a:rPr lang="en-US" sz="900" dirty="0" smtClean="0"/>
+                        <a:t>2/10</a:t>
+                      </a:r>
+                      <a:endParaRPr lang="en-SG" sz="900" dirty="0"/>
+                    </a:p>
+                  </a:txBody>
+                  <a:tcPr/>
+                </a:tc>
+              </a:tr>
+              <a:tr h="288032">
+                <a:tc>
+                  <a:txBody>
+                    <a:bodyPr/>
+                    <a:lstStyle/>
+                    <a:p>
+                      <a:r>
+                        <a:rPr lang="en-SG" sz="1000" b="1" dirty="0" smtClean="0"/>
+                        <a:t>Price</a:t>
+                      </a:r>
+                      <a:endParaRPr lang="en-SG" sz="1000" b="1" dirty="0"/>
+                    </a:p>
+                  </a:txBody>
+                  <a:tcPr/>
+                </a:tc>
+                <a:tc>
+                  <a:txBody>
+                    <a:bodyPr/>
+                    <a:lstStyle/>
+                    <a:p>
+                      <a:r>
+                        <a:rPr lang="en-US" sz="900" dirty="0" smtClean="0"/>
+                        <a:t>$5.00</a:t>
+                      </a:r>
+                      <a:endParaRPr lang="en-SG" sz="900" dirty="0"/>
+                    </a:p>
+                  </a:txBody>
+                  <a:tcPr/>
+                </a:tc>
+              </a:tr>
+              <a:tr h="416957">
+                <a:tc>
+                  <a:txBody>
+                    <a:bodyPr/>
+                    <a:lstStyle/>
+                    <a:p>
+                      <a:r>
+                        <a:rPr lang="en-SG" sz="1000" b="1" dirty="0" smtClean="0"/>
+                        <a:t>Description</a:t>
+                      </a:r>
+                      <a:endParaRPr lang="en-SG" sz="1000" b="1" dirty="0"/>
+                    </a:p>
+                  </a:txBody>
+                  <a:tcPr/>
+                </a:tc>
+                <a:tc>
+                  <a:txBody>
+                    <a:bodyPr/>
+                    <a:lstStyle/>
+                    <a:p>
+                      <a:r>
+                        <a:rPr lang="en-SG" sz="900" dirty="0" smtClean="0"/>
+                        <a:t>VCR is over 10 years old &amp; is no longer usable. However, parts are still intact</a:t>
+                      </a:r>
+                      <a:endParaRPr lang="en-SG" sz="900" dirty="0"/>
+                    </a:p>
+                  </a:txBody>
+                  <a:tcPr/>
+                </a:tc>
+              </a:tr>
+              <a:tr h="289168">
+                <a:tc>
+                  <a:txBody>
+                    <a:bodyPr/>
+                    <a:lstStyle/>
+                    <a:p>
+                      <a:r>
+                        <a:rPr lang="en-SG" sz="1000" b="1" dirty="0" smtClean="0"/>
+                        <a:t>Seller</a:t>
+                      </a:r>
+                      <a:endParaRPr lang="en-SG" sz="1000" b="1" dirty="0"/>
+                    </a:p>
+                  </a:txBody>
+                  <a:tcPr/>
+                </a:tc>
+                <a:tc>
+                  <a:txBody>
+                    <a:bodyPr/>
+                    <a:lstStyle/>
+                    <a:p>
+                      <a:r>
+                        <a:rPr lang="en-SG" sz="900" u="sng" dirty="0" smtClean="0"/>
+                        <a:t>uncleDesmond@conman.com</a:t>
+                      </a:r>
+                    </a:p>
+                  </a:txBody>
+                  <a:tcPr/>
+                </a:tc>
+              </a:tr>
+            </a:tbl>
+          </a:graphicData>
+        </a:graphic>
+      </p:graphicFrame>
     </p:spTree>
     <p:extLst>
       <p:ext uri="{BB962C8B-B14F-4D97-AF65-F5344CB8AC3E}">
@@ -19466,6 +22285,2627 @@
       </p:par>
     </p:tnLst>
   </p:timing>
+</p:sld>
+</file>
+
+<file path=ppt/slides/slide7.xml><?xml version="1.0" encoding="utf-8"?>
+<p:sld xmlns:a="http://schemas.openxmlformats.org/drawingml/2006/main" xmlns:r="http://schemas.openxmlformats.org/officeDocument/2006/relationships" xmlns:p="http://schemas.openxmlformats.org/presentationml/2006/main">
+  <p:cSld>
+    <p:spTree>
+      <p:nvGrpSpPr>
+        <p:cNvPr id="1" name=""/>
+        <p:cNvGrpSpPr/>
+        <p:nvPr/>
+      </p:nvGrpSpPr>
+      <p:grpSpPr>
+        <a:xfrm>
+          <a:off x="0" y="0"/>
+          <a:ext cx="0" cy="0"/>
+          <a:chOff x="0" y="0"/>
+          <a:chExt cx="0" cy="0"/>
+        </a:xfrm>
+      </p:grpSpPr>
+      <p:sp>
+        <p:nvSpPr>
+          <p:cNvPr id="4" name="Rectangle 3"/>
+          <p:cNvSpPr/>
+          <p:nvPr/>
+        </p:nvSpPr>
+        <p:spPr>
+          <a:xfrm>
+            <a:off x="611559" y="769268"/>
+            <a:ext cx="1944217" cy="504056"/>
+          </a:xfrm>
+          <a:prstGeom prst="rect">
+            <a:avLst/>
+          </a:prstGeom>
+          <a:solidFill>
+            <a:schemeClr val="accent1">
+              <a:lumMod val="60000"/>
+              <a:lumOff val="40000"/>
+            </a:schemeClr>
+          </a:solidFill>
+          <a:ln>
+            <a:solidFill>
+              <a:schemeClr val="bg1"/>
+            </a:solidFill>
+          </a:ln>
+          <a:effectLst>
+            <a:softEdge rad="31750"/>
+          </a:effectLst>
+        </p:spPr>
+        <p:style>
+          <a:lnRef idx="2">
+            <a:schemeClr val="accent1">
+              <a:shade val="50000"/>
+            </a:schemeClr>
+          </a:lnRef>
+          <a:fillRef idx="1">
+            <a:schemeClr val="accent1"/>
+          </a:fillRef>
+          <a:effectRef idx="0">
+            <a:schemeClr val="accent1"/>
+          </a:effectRef>
+          <a:fontRef idx="minor">
+            <a:schemeClr val="lt1"/>
+          </a:fontRef>
+        </p:style>
+        <p:txBody>
+          <a:bodyPr rtlCol="0" anchor="ctr"/>
+          <a:lstStyle/>
+          <a:p>
+            <a:pPr algn="ctr"/>
+            <a:r>
+              <a:rPr lang="en-US" b="1" dirty="0" smtClean="0">
+                <a:solidFill>
+                  <a:schemeClr val="tx1"/>
+                </a:solidFill>
+              </a:rPr>
+              <a:t>ADD ITEM</a:t>
+            </a:r>
+            <a:endParaRPr lang="en-SG" b="1" dirty="0">
+              <a:solidFill>
+                <a:schemeClr val="tx1"/>
+              </a:solidFill>
+            </a:endParaRPr>
+          </a:p>
+        </p:txBody>
+      </p:sp>
+      <p:sp>
+        <p:nvSpPr>
+          <p:cNvPr id="5" name="Rectangle 4"/>
+          <p:cNvSpPr/>
+          <p:nvPr/>
+        </p:nvSpPr>
+        <p:spPr>
+          <a:xfrm>
+            <a:off x="539551" y="1489348"/>
+            <a:ext cx="2160000" cy="2160000"/>
+          </a:xfrm>
+          <a:prstGeom prst="rect">
+            <a:avLst/>
+          </a:prstGeom>
+          <a:solidFill>
+            <a:schemeClr val="bg1"/>
+          </a:solidFill>
+          <a:ln>
+            <a:solidFill>
+              <a:schemeClr val="tx1"/>
+            </a:solidFill>
+          </a:ln>
+        </p:spPr>
+        <p:style>
+          <a:lnRef idx="2">
+            <a:schemeClr val="accent1">
+              <a:shade val="50000"/>
+            </a:schemeClr>
+          </a:lnRef>
+          <a:fillRef idx="1">
+            <a:schemeClr val="accent1"/>
+          </a:fillRef>
+          <a:effectRef idx="0">
+            <a:schemeClr val="accent1"/>
+          </a:effectRef>
+          <a:fontRef idx="minor">
+            <a:schemeClr val="lt1"/>
+          </a:fontRef>
+        </p:style>
+        <p:txBody>
+          <a:bodyPr rtlCol="0" anchor="ctr"/>
+          <a:lstStyle/>
+          <a:p>
+            <a:pPr algn="ctr"/>
+            <a:endParaRPr lang="en-SG"/>
+          </a:p>
+        </p:txBody>
+      </p:sp>
+      <p:sp>
+        <p:nvSpPr>
+          <p:cNvPr id="8" name="Rectangle 7"/>
+          <p:cNvSpPr/>
+          <p:nvPr/>
+        </p:nvSpPr>
+        <p:spPr>
+          <a:xfrm>
+            <a:off x="2123551" y="3815400"/>
+            <a:ext cx="576000" cy="576000"/>
+          </a:xfrm>
+          <a:prstGeom prst="rect">
+            <a:avLst/>
+          </a:prstGeom>
+          <a:solidFill>
+            <a:schemeClr val="bg1"/>
+          </a:solidFill>
+          <a:ln>
+            <a:solidFill>
+              <a:schemeClr val="tx1"/>
+            </a:solidFill>
+          </a:ln>
+        </p:spPr>
+        <p:style>
+          <a:lnRef idx="2">
+            <a:schemeClr val="accent1">
+              <a:shade val="50000"/>
+            </a:schemeClr>
+          </a:lnRef>
+          <a:fillRef idx="1">
+            <a:schemeClr val="accent1"/>
+          </a:fillRef>
+          <a:effectRef idx="0">
+            <a:schemeClr val="accent1"/>
+          </a:effectRef>
+          <a:fontRef idx="minor">
+            <a:schemeClr val="lt1"/>
+          </a:fontRef>
+        </p:style>
+        <p:txBody>
+          <a:bodyPr rtlCol="0" anchor="ctr"/>
+          <a:lstStyle/>
+          <a:p>
+            <a:pPr algn="ctr"/>
+            <a:endParaRPr lang="en-SG"/>
+          </a:p>
+        </p:txBody>
+      </p:sp>
+      <p:sp>
+        <p:nvSpPr>
+          <p:cNvPr id="9" name="Rectangle 8"/>
+          <p:cNvSpPr/>
+          <p:nvPr/>
+        </p:nvSpPr>
+        <p:spPr>
+          <a:xfrm>
+            <a:off x="1331551" y="3815400"/>
+            <a:ext cx="576000" cy="576000"/>
+          </a:xfrm>
+          <a:prstGeom prst="rect">
+            <a:avLst/>
+          </a:prstGeom>
+          <a:solidFill>
+            <a:schemeClr val="bg1"/>
+          </a:solidFill>
+          <a:ln>
+            <a:solidFill>
+              <a:schemeClr val="tx1"/>
+            </a:solidFill>
+          </a:ln>
+        </p:spPr>
+        <p:style>
+          <a:lnRef idx="2">
+            <a:schemeClr val="accent1">
+              <a:shade val="50000"/>
+            </a:schemeClr>
+          </a:lnRef>
+          <a:fillRef idx="1">
+            <a:schemeClr val="accent1"/>
+          </a:fillRef>
+          <a:effectRef idx="0">
+            <a:schemeClr val="accent1"/>
+          </a:effectRef>
+          <a:fontRef idx="minor">
+            <a:schemeClr val="lt1"/>
+          </a:fontRef>
+        </p:style>
+        <p:txBody>
+          <a:bodyPr rtlCol="0" anchor="ctr"/>
+          <a:lstStyle/>
+          <a:p>
+            <a:pPr algn="ctr"/>
+            <a:endParaRPr lang="en-SG"/>
+          </a:p>
+        </p:txBody>
+      </p:sp>
+      <p:sp>
+        <p:nvSpPr>
+          <p:cNvPr id="10" name="Rectangle 9"/>
+          <p:cNvSpPr/>
+          <p:nvPr/>
+        </p:nvSpPr>
+        <p:spPr>
+          <a:xfrm>
+            <a:off x="539551" y="3815400"/>
+            <a:ext cx="576000" cy="576000"/>
+          </a:xfrm>
+          <a:prstGeom prst="rect">
+            <a:avLst/>
+          </a:prstGeom>
+          <a:solidFill>
+            <a:schemeClr val="bg1"/>
+          </a:solidFill>
+          <a:ln>
+            <a:solidFill>
+              <a:schemeClr val="tx1"/>
+            </a:solidFill>
+          </a:ln>
+        </p:spPr>
+        <p:style>
+          <a:lnRef idx="2">
+            <a:schemeClr val="accent1">
+              <a:shade val="50000"/>
+            </a:schemeClr>
+          </a:lnRef>
+          <a:fillRef idx="1">
+            <a:schemeClr val="accent1"/>
+          </a:fillRef>
+          <a:effectRef idx="0">
+            <a:schemeClr val="accent1"/>
+          </a:effectRef>
+          <a:fontRef idx="minor">
+            <a:schemeClr val="lt1"/>
+          </a:fontRef>
+        </p:style>
+        <p:txBody>
+          <a:bodyPr rtlCol="0" anchor="ctr"/>
+          <a:lstStyle/>
+          <a:p>
+            <a:pPr algn="ctr"/>
+            <a:endParaRPr lang="en-SG"/>
+          </a:p>
+        </p:txBody>
+      </p:sp>
+      <p:sp>
+        <p:nvSpPr>
+          <p:cNvPr id="11" name="Plus 10"/>
+          <p:cNvSpPr/>
+          <p:nvPr/>
+        </p:nvSpPr>
+        <p:spPr>
+          <a:xfrm>
+            <a:off x="1079579" y="2029288"/>
+            <a:ext cx="1079943" cy="1080120"/>
+          </a:xfrm>
+          <a:prstGeom prst="mathPlus">
+            <a:avLst/>
+          </a:prstGeom>
+        </p:spPr>
+        <p:style>
+          <a:lnRef idx="2">
+            <a:schemeClr val="accent1">
+              <a:shade val="50000"/>
+            </a:schemeClr>
+          </a:lnRef>
+          <a:fillRef idx="1">
+            <a:schemeClr val="accent1"/>
+          </a:fillRef>
+          <a:effectRef idx="0">
+            <a:schemeClr val="accent1"/>
+          </a:effectRef>
+          <a:fontRef idx="minor">
+            <a:schemeClr val="lt1"/>
+          </a:fontRef>
+        </p:style>
+        <p:txBody>
+          <a:bodyPr rtlCol="0" anchor="ctr"/>
+          <a:lstStyle/>
+          <a:p>
+            <a:pPr algn="ctr"/>
+            <a:endParaRPr lang="en-SG"/>
+          </a:p>
+        </p:txBody>
+      </p:sp>
+      <p:sp>
+        <p:nvSpPr>
+          <p:cNvPr id="12" name="TextBox 11"/>
+          <p:cNvSpPr txBox="1"/>
+          <p:nvPr/>
+        </p:nvSpPr>
+        <p:spPr>
+          <a:xfrm>
+            <a:off x="791667" y="3280016"/>
+            <a:ext cx="1584000" cy="369332"/>
+          </a:xfrm>
+          <a:prstGeom prst="rect">
+            <a:avLst/>
+          </a:prstGeom>
+          <a:noFill/>
+        </p:spPr>
+        <p:txBody>
+          <a:bodyPr wrap="square" rtlCol="0">
+            <a:spAutoFit/>
+          </a:bodyPr>
+          <a:lstStyle/>
+          <a:p>
+            <a:pPr algn="ctr"/>
+            <a:r>
+              <a:rPr lang="en-US" dirty="0" smtClean="0"/>
+              <a:t>Add Pictures!</a:t>
+            </a:r>
+            <a:endParaRPr lang="en-SG" dirty="0"/>
+          </a:p>
+        </p:txBody>
+      </p:sp>
+      <p:sp>
+        <p:nvSpPr>
+          <p:cNvPr id="13" name="TextBox 12"/>
+          <p:cNvSpPr txBox="1"/>
+          <p:nvPr/>
+        </p:nvSpPr>
+        <p:spPr>
+          <a:xfrm>
+            <a:off x="4960906" y="2166080"/>
+            <a:ext cx="446169" cy="261610"/>
+          </a:xfrm>
+          <a:prstGeom prst="rect">
+            <a:avLst/>
+          </a:prstGeom>
+          <a:noFill/>
+          <a:ln>
+            <a:solidFill>
+              <a:schemeClr val="bg1"/>
+            </a:solidFill>
+          </a:ln>
+        </p:spPr>
+        <p:txBody>
+          <a:bodyPr wrap="square" rtlCol="0">
+            <a:spAutoFit/>
+          </a:bodyPr>
+          <a:lstStyle/>
+          <a:p>
+            <a:r>
+              <a:rPr lang="en-US" sz="1100" b="1" dirty="0" smtClean="0"/>
+              <a:t>/10</a:t>
+            </a:r>
+            <a:endParaRPr lang="en-SG" sz="1100" b="1" dirty="0"/>
+          </a:p>
+        </p:txBody>
+      </p:sp>
+      <p:sp>
+        <p:nvSpPr>
+          <p:cNvPr id="14" name="TextBox 13"/>
+          <p:cNvSpPr txBox="1"/>
+          <p:nvPr/>
+        </p:nvSpPr>
+        <p:spPr>
+          <a:xfrm>
+            <a:off x="4470973" y="1849388"/>
+            <a:ext cx="1584176" cy="184666"/>
+          </a:xfrm>
+          <a:prstGeom prst="rect">
+            <a:avLst/>
+          </a:prstGeom>
+          <a:noFill/>
+          <a:ln w="19050">
+            <a:solidFill>
+              <a:schemeClr val="tx1"/>
+            </a:solidFill>
+          </a:ln>
+        </p:spPr>
+        <p:txBody>
+          <a:bodyPr wrap="square" rtlCol="0">
+            <a:spAutoFit/>
+          </a:bodyPr>
+          <a:lstStyle/>
+          <a:p>
+            <a:endParaRPr lang="en-SG" dirty="0"/>
+          </a:p>
+        </p:txBody>
+      </p:sp>
+      <p:sp>
+        <p:nvSpPr>
+          <p:cNvPr id="15" name="TextBox 14"/>
+          <p:cNvSpPr txBox="1"/>
+          <p:nvPr/>
+        </p:nvSpPr>
+        <p:spPr>
+          <a:xfrm>
+            <a:off x="4470973" y="1489348"/>
+            <a:ext cx="1584176" cy="184666"/>
+          </a:xfrm>
+          <a:prstGeom prst="rect">
+            <a:avLst/>
+          </a:prstGeom>
+          <a:noFill/>
+          <a:ln w="19050">
+            <a:solidFill>
+              <a:schemeClr val="tx1"/>
+            </a:solidFill>
+          </a:ln>
+        </p:spPr>
+        <p:txBody>
+          <a:bodyPr wrap="square" rtlCol="0">
+            <a:spAutoFit/>
+          </a:bodyPr>
+          <a:lstStyle/>
+          <a:p>
+            <a:endParaRPr lang="en-SG" dirty="0"/>
+          </a:p>
+        </p:txBody>
+      </p:sp>
+      <p:sp>
+        <p:nvSpPr>
+          <p:cNvPr id="16" name="TextBox 15"/>
+          <p:cNvSpPr txBox="1"/>
+          <p:nvPr/>
+        </p:nvSpPr>
+        <p:spPr>
+          <a:xfrm>
+            <a:off x="4470971" y="2556897"/>
+            <a:ext cx="1586512" cy="560351"/>
+          </a:xfrm>
+          <a:prstGeom prst="rect">
+            <a:avLst/>
+          </a:prstGeom>
+          <a:noFill/>
+          <a:ln w="19050">
+            <a:solidFill>
+              <a:schemeClr val="tx1"/>
+            </a:solidFill>
+          </a:ln>
+        </p:spPr>
+        <p:txBody>
+          <a:bodyPr wrap="square" rtlCol="0">
+            <a:spAutoFit/>
+          </a:bodyPr>
+          <a:lstStyle/>
+          <a:p>
+            <a:endParaRPr lang="en-SG" dirty="0"/>
+          </a:p>
+        </p:txBody>
+      </p:sp>
+      <p:sp>
+        <p:nvSpPr>
+          <p:cNvPr id="17" name="TextBox 16"/>
+          <p:cNvSpPr txBox="1"/>
+          <p:nvPr/>
+        </p:nvSpPr>
+        <p:spPr>
+          <a:xfrm>
+            <a:off x="4470971" y="2196858"/>
+            <a:ext cx="489935" cy="184666"/>
+          </a:xfrm>
+          <a:prstGeom prst="rect">
+            <a:avLst/>
+          </a:prstGeom>
+          <a:noFill/>
+          <a:ln w="19050">
+            <a:solidFill>
+              <a:schemeClr val="tx1"/>
+            </a:solidFill>
+          </a:ln>
+        </p:spPr>
+        <p:txBody>
+          <a:bodyPr wrap="square" rtlCol="0">
+            <a:spAutoFit/>
+          </a:bodyPr>
+          <a:lstStyle/>
+          <a:p>
+            <a:endParaRPr lang="en-SG" dirty="0"/>
+          </a:p>
+        </p:txBody>
+      </p:sp>
+      <p:sp>
+        <p:nvSpPr>
+          <p:cNvPr id="19" name="TextBox 18"/>
+          <p:cNvSpPr txBox="1"/>
+          <p:nvPr/>
+        </p:nvSpPr>
+        <p:spPr>
+          <a:xfrm>
+            <a:off x="4644008" y="3277234"/>
+            <a:ext cx="1413475" cy="184666"/>
+          </a:xfrm>
+          <a:prstGeom prst="rect">
+            <a:avLst/>
+          </a:prstGeom>
+          <a:noFill/>
+          <a:ln w="19050">
+            <a:solidFill>
+              <a:schemeClr val="tx1"/>
+            </a:solidFill>
+          </a:ln>
+        </p:spPr>
+        <p:txBody>
+          <a:bodyPr wrap="square" rtlCol="0">
+            <a:spAutoFit/>
+          </a:bodyPr>
+          <a:lstStyle/>
+          <a:p>
+            <a:endParaRPr lang="en-SG" dirty="0"/>
+          </a:p>
+        </p:txBody>
+      </p:sp>
+      <p:sp>
+        <p:nvSpPr>
+          <p:cNvPr id="20" name="TextBox 19"/>
+          <p:cNvSpPr txBox="1"/>
+          <p:nvPr/>
+        </p:nvSpPr>
+        <p:spPr>
+          <a:xfrm>
+            <a:off x="3004730" y="1454723"/>
+            <a:ext cx="1423257" cy="261610"/>
+          </a:xfrm>
+          <a:prstGeom prst="rect">
+            <a:avLst/>
+          </a:prstGeom>
+          <a:noFill/>
+          <a:ln>
+            <a:solidFill>
+              <a:schemeClr val="bg1"/>
+            </a:solidFill>
+          </a:ln>
+        </p:spPr>
+        <p:txBody>
+          <a:bodyPr wrap="square" rtlCol="0">
+            <a:spAutoFit/>
+          </a:bodyPr>
+          <a:lstStyle/>
+          <a:p>
+            <a:pPr algn="r"/>
+            <a:r>
+              <a:rPr lang="en-US" sz="1100" b="1" dirty="0" smtClean="0"/>
+              <a:t>Item Name</a:t>
+            </a:r>
+            <a:r>
+              <a:rPr lang="en-US" sz="1100" b="1" dirty="0" smtClean="0"/>
+              <a:t>:</a:t>
+            </a:r>
+            <a:endParaRPr lang="en-SG" sz="1100" b="1" dirty="0"/>
+          </a:p>
+        </p:txBody>
+      </p:sp>
+      <p:sp>
+        <p:nvSpPr>
+          <p:cNvPr id="21" name="TextBox 20"/>
+          <p:cNvSpPr txBox="1"/>
+          <p:nvPr/>
+        </p:nvSpPr>
+        <p:spPr>
+          <a:xfrm>
+            <a:off x="3004730" y="1814763"/>
+            <a:ext cx="1423257" cy="261610"/>
+          </a:xfrm>
+          <a:prstGeom prst="rect">
+            <a:avLst/>
+          </a:prstGeom>
+          <a:noFill/>
+          <a:ln>
+            <a:solidFill>
+              <a:schemeClr val="bg1"/>
+            </a:solidFill>
+          </a:ln>
+        </p:spPr>
+        <p:txBody>
+          <a:bodyPr wrap="square" rtlCol="0">
+            <a:spAutoFit/>
+          </a:bodyPr>
+          <a:lstStyle/>
+          <a:p>
+            <a:pPr algn="r"/>
+            <a:r>
+              <a:rPr lang="en-US" sz="1100" b="1" dirty="0" smtClean="0"/>
+              <a:t>Category:</a:t>
+            </a:r>
+            <a:endParaRPr lang="en-SG" sz="1100" b="1" dirty="0"/>
+          </a:p>
+        </p:txBody>
+      </p:sp>
+      <p:sp>
+        <p:nvSpPr>
+          <p:cNvPr id="22" name="TextBox 21"/>
+          <p:cNvSpPr txBox="1"/>
+          <p:nvPr/>
+        </p:nvSpPr>
+        <p:spPr>
+          <a:xfrm>
+            <a:off x="3004728" y="2162233"/>
+            <a:ext cx="1423257" cy="261610"/>
+          </a:xfrm>
+          <a:prstGeom prst="rect">
+            <a:avLst/>
+          </a:prstGeom>
+          <a:noFill/>
+          <a:ln>
+            <a:solidFill>
+              <a:schemeClr val="bg1"/>
+            </a:solidFill>
+          </a:ln>
+        </p:spPr>
+        <p:txBody>
+          <a:bodyPr wrap="square" rtlCol="0">
+            <a:spAutoFit/>
+          </a:bodyPr>
+          <a:lstStyle/>
+          <a:p>
+            <a:pPr algn="r"/>
+            <a:r>
+              <a:rPr lang="en-US" sz="1100" b="1" dirty="0" smtClean="0"/>
+              <a:t>Condition:</a:t>
+            </a:r>
+            <a:endParaRPr lang="en-SG" sz="1100" b="1" dirty="0"/>
+          </a:p>
+        </p:txBody>
+      </p:sp>
+      <p:sp>
+        <p:nvSpPr>
+          <p:cNvPr id="23" name="TextBox 22"/>
+          <p:cNvSpPr txBox="1"/>
+          <p:nvPr/>
+        </p:nvSpPr>
+        <p:spPr>
+          <a:xfrm>
+            <a:off x="3004727" y="2522273"/>
+            <a:ext cx="1423257" cy="261610"/>
+          </a:xfrm>
+          <a:prstGeom prst="rect">
+            <a:avLst/>
+          </a:prstGeom>
+          <a:noFill/>
+          <a:ln>
+            <a:solidFill>
+              <a:schemeClr val="bg1"/>
+            </a:solidFill>
+          </a:ln>
+        </p:spPr>
+        <p:txBody>
+          <a:bodyPr wrap="square" rtlCol="0">
+            <a:spAutoFit/>
+          </a:bodyPr>
+          <a:lstStyle/>
+          <a:p>
+            <a:pPr algn="r"/>
+            <a:r>
+              <a:rPr lang="en-US" sz="1100" b="1" dirty="0" smtClean="0"/>
+              <a:t>Details:</a:t>
+            </a:r>
+            <a:endParaRPr lang="en-SG" sz="1100" b="1" dirty="0"/>
+          </a:p>
+        </p:txBody>
+      </p:sp>
+      <p:sp>
+        <p:nvSpPr>
+          <p:cNvPr id="24" name="TextBox 23"/>
+          <p:cNvSpPr txBox="1"/>
+          <p:nvPr/>
+        </p:nvSpPr>
+        <p:spPr>
+          <a:xfrm>
+            <a:off x="3184546" y="3242609"/>
+            <a:ext cx="1423257" cy="261610"/>
+          </a:xfrm>
+          <a:prstGeom prst="rect">
+            <a:avLst/>
+          </a:prstGeom>
+          <a:noFill/>
+          <a:ln>
+            <a:solidFill>
+              <a:schemeClr val="bg1"/>
+            </a:solidFill>
+          </a:ln>
+        </p:spPr>
+        <p:txBody>
+          <a:bodyPr wrap="square" rtlCol="0">
+            <a:spAutoFit/>
+          </a:bodyPr>
+          <a:lstStyle/>
+          <a:p>
+            <a:pPr algn="r"/>
+            <a:r>
+              <a:rPr lang="en-US" sz="1100" b="1" dirty="0" smtClean="0"/>
+              <a:t>Price:    $</a:t>
+            </a:r>
+            <a:endParaRPr lang="en-SG" sz="1100" b="1" dirty="0"/>
+          </a:p>
+        </p:txBody>
+      </p:sp>
+      <p:sp>
+        <p:nvSpPr>
+          <p:cNvPr id="37" name="TextBox 36"/>
+          <p:cNvSpPr txBox="1"/>
+          <p:nvPr/>
+        </p:nvSpPr>
+        <p:spPr>
+          <a:xfrm>
+            <a:off x="4391902" y="1146366"/>
+            <a:ext cx="1584176" cy="253916"/>
+          </a:xfrm>
+          <a:prstGeom prst="rect">
+            <a:avLst/>
+          </a:prstGeom>
+          <a:noFill/>
+          <a:ln w="19050">
+            <a:solidFill>
+              <a:schemeClr val="bg1"/>
+            </a:solidFill>
+          </a:ln>
+        </p:spPr>
+        <p:txBody>
+          <a:bodyPr wrap="square" rtlCol="0">
+            <a:spAutoFit/>
+          </a:bodyPr>
+          <a:lstStyle/>
+          <a:p>
+            <a:r>
+              <a:rPr lang="en-US" sz="1050" b="1" dirty="0" smtClean="0">
+                <a:solidFill>
+                  <a:srgbClr val="FF0000"/>
+                </a:solidFill>
+              </a:rPr>
+              <a:t>Available</a:t>
+            </a:r>
+            <a:r>
+              <a:rPr lang="en-US" sz="1050" b="1" dirty="0" smtClean="0"/>
+              <a:t> </a:t>
+            </a:r>
+            <a:endParaRPr lang="en-SG" sz="1050" b="1" dirty="0"/>
+          </a:p>
+        </p:txBody>
+      </p:sp>
+      <p:sp>
+        <p:nvSpPr>
+          <p:cNvPr id="38" name="TextBox 37"/>
+          <p:cNvSpPr txBox="1"/>
+          <p:nvPr/>
+        </p:nvSpPr>
+        <p:spPr>
+          <a:xfrm>
+            <a:off x="3004730" y="1146366"/>
+            <a:ext cx="1423257" cy="261610"/>
+          </a:xfrm>
+          <a:prstGeom prst="rect">
+            <a:avLst/>
+          </a:prstGeom>
+          <a:noFill/>
+          <a:ln>
+            <a:solidFill>
+              <a:schemeClr val="bg1"/>
+            </a:solidFill>
+          </a:ln>
+        </p:spPr>
+        <p:txBody>
+          <a:bodyPr wrap="square" rtlCol="0">
+            <a:spAutoFit/>
+          </a:bodyPr>
+          <a:lstStyle/>
+          <a:p>
+            <a:pPr algn="r"/>
+            <a:r>
+              <a:rPr lang="en-US" sz="1100" b="1" dirty="0" smtClean="0"/>
+              <a:t>Status:</a:t>
+            </a:r>
+            <a:endParaRPr lang="en-SG" sz="1100" b="1" dirty="0"/>
+          </a:p>
+        </p:txBody>
+      </p:sp>
+      <p:sp>
+        <p:nvSpPr>
+          <p:cNvPr id="42" name="Rectangle 41"/>
+          <p:cNvSpPr/>
+          <p:nvPr/>
+        </p:nvSpPr>
+        <p:spPr>
+          <a:xfrm>
+            <a:off x="3716358" y="3649348"/>
+            <a:ext cx="1244548" cy="742052"/>
+          </a:xfrm>
+          <a:prstGeom prst="rect">
+            <a:avLst/>
+          </a:prstGeom>
+          <a:scene3d>
+            <a:camera prst="orthographicFront"/>
+            <a:lightRig rig="threePt" dir="t"/>
+          </a:scene3d>
+          <a:sp3d>
+            <a:bevelT/>
+          </a:sp3d>
+        </p:spPr>
+        <p:style>
+          <a:lnRef idx="2">
+            <a:schemeClr val="accent1">
+              <a:shade val="50000"/>
+            </a:schemeClr>
+          </a:lnRef>
+          <a:fillRef idx="1">
+            <a:schemeClr val="accent1"/>
+          </a:fillRef>
+          <a:effectRef idx="0">
+            <a:schemeClr val="accent1"/>
+          </a:effectRef>
+          <a:fontRef idx="minor">
+            <a:schemeClr val="lt1"/>
+          </a:fontRef>
+        </p:style>
+        <p:txBody>
+          <a:bodyPr rtlCol="0" anchor="ctr"/>
+          <a:lstStyle/>
+          <a:p>
+            <a:pPr algn="ctr"/>
+            <a:r>
+              <a:rPr lang="en-US" sz="2400" b="1" dirty="0" smtClean="0"/>
+              <a:t>ADD</a:t>
+            </a:r>
+            <a:endParaRPr lang="en-SG" sz="2400" b="1" dirty="0"/>
+          </a:p>
+        </p:txBody>
+      </p:sp>
+      <p:sp>
+        <p:nvSpPr>
+          <p:cNvPr id="44" name="Rectangle 43"/>
+          <p:cNvSpPr/>
+          <p:nvPr/>
+        </p:nvSpPr>
+        <p:spPr>
+          <a:xfrm>
+            <a:off x="5436096" y="3649348"/>
+            <a:ext cx="1244548" cy="742052"/>
+          </a:xfrm>
+          <a:prstGeom prst="rect">
+            <a:avLst/>
+          </a:prstGeom>
+          <a:scene3d>
+            <a:camera prst="orthographicFront"/>
+            <a:lightRig rig="threePt" dir="t"/>
+          </a:scene3d>
+          <a:sp3d>
+            <a:bevelT/>
+          </a:sp3d>
+        </p:spPr>
+        <p:style>
+          <a:lnRef idx="2">
+            <a:schemeClr val="accent1">
+              <a:shade val="50000"/>
+            </a:schemeClr>
+          </a:lnRef>
+          <a:fillRef idx="1">
+            <a:schemeClr val="accent1"/>
+          </a:fillRef>
+          <a:effectRef idx="0">
+            <a:schemeClr val="accent1"/>
+          </a:effectRef>
+          <a:fontRef idx="minor">
+            <a:schemeClr val="lt1"/>
+          </a:fontRef>
+        </p:style>
+        <p:txBody>
+          <a:bodyPr rtlCol="0" anchor="ctr"/>
+          <a:lstStyle/>
+          <a:p>
+            <a:pPr algn="ctr"/>
+            <a:r>
+              <a:rPr lang="en-US" sz="2400" b="1" dirty="0" smtClean="0"/>
+              <a:t>CANCEL</a:t>
+            </a:r>
+            <a:endParaRPr lang="en-SG" sz="2400" b="1" dirty="0"/>
+          </a:p>
+        </p:txBody>
+      </p:sp>
+    </p:spTree>
+    <p:extLst>
+      <p:ext uri="{BB962C8B-B14F-4D97-AF65-F5344CB8AC3E}">
+        <p14:creationId xmlns:p14="http://schemas.microsoft.com/office/powerpoint/2010/main" val="2522050965"/>
+      </p:ext>
+    </p:extLst>
+  </p:cSld>
+  <p:clrMapOvr>
+    <a:masterClrMapping/>
+  </p:clrMapOvr>
+</p:sld>
+</file>
+
+<file path=ppt/slides/slide8.xml><?xml version="1.0" encoding="utf-8"?>
+<p:sld xmlns:a="http://schemas.openxmlformats.org/drawingml/2006/main" xmlns:r="http://schemas.openxmlformats.org/officeDocument/2006/relationships" xmlns:p="http://schemas.openxmlformats.org/presentationml/2006/main">
+  <p:cSld>
+    <p:spTree>
+      <p:nvGrpSpPr>
+        <p:cNvPr id="1" name=""/>
+        <p:cNvGrpSpPr/>
+        <p:nvPr/>
+      </p:nvGrpSpPr>
+      <p:grpSpPr>
+        <a:xfrm>
+          <a:off x="0" y="0"/>
+          <a:ext cx="0" cy="0"/>
+          <a:chOff x="0" y="0"/>
+          <a:chExt cx="0" cy="0"/>
+        </a:xfrm>
+      </p:grpSpPr>
+      <p:sp>
+        <p:nvSpPr>
+          <p:cNvPr id="4" name="Rectangle 3"/>
+          <p:cNvSpPr/>
+          <p:nvPr/>
+        </p:nvSpPr>
+        <p:spPr>
+          <a:xfrm>
+            <a:off x="611559" y="769268"/>
+            <a:ext cx="1944217" cy="504056"/>
+          </a:xfrm>
+          <a:prstGeom prst="rect">
+            <a:avLst/>
+          </a:prstGeom>
+          <a:solidFill>
+            <a:schemeClr val="accent1">
+              <a:lumMod val="60000"/>
+              <a:lumOff val="40000"/>
+            </a:schemeClr>
+          </a:solidFill>
+          <a:ln>
+            <a:solidFill>
+              <a:schemeClr val="bg1"/>
+            </a:solidFill>
+          </a:ln>
+          <a:effectLst>
+            <a:softEdge rad="31750"/>
+          </a:effectLst>
+        </p:spPr>
+        <p:style>
+          <a:lnRef idx="2">
+            <a:schemeClr val="accent1">
+              <a:shade val="50000"/>
+            </a:schemeClr>
+          </a:lnRef>
+          <a:fillRef idx="1">
+            <a:schemeClr val="accent1"/>
+          </a:fillRef>
+          <a:effectRef idx="0">
+            <a:schemeClr val="accent1"/>
+          </a:effectRef>
+          <a:fontRef idx="minor">
+            <a:schemeClr val="lt1"/>
+          </a:fontRef>
+        </p:style>
+        <p:txBody>
+          <a:bodyPr rtlCol="0" anchor="ctr"/>
+          <a:lstStyle/>
+          <a:p>
+            <a:pPr algn="ctr"/>
+            <a:r>
+              <a:rPr lang="en-US" b="1" dirty="0" smtClean="0">
+                <a:solidFill>
+                  <a:schemeClr val="tx1"/>
+                </a:solidFill>
+              </a:rPr>
+              <a:t>EDIT ITEM</a:t>
+            </a:r>
+            <a:endParaRPr lang="en-SG" b="1" dirty="0">
+              <a:solidFill>
+                <a:schemeClr val="tx1"/>
+              </a:solidFill>
+            </a:endParaRPr>
+          </a:p>
+        </p:txBody>
+      </p:sp>
+      <p:sp>
+        <p:nvSpPr>
+          <p:cNvPr id="5" name="Rectangle 4"/>
+          <p:cNvSpPr/>
+          <p:nvPr/>
+        </p:nvSpPr>
+        <p:spPr>
+          <a:xfrm>
+            <a:off x="539551" y="1489348"/>
+            <a:ext cx="2160000" cy="2160000"/>
+          </a:xfrm>
+          <a:prstGeom prst="rect">
+            <a:avLst/>
+          </a:prstGeom>
+          <a:solidFill>
+            <a:schemeClr val="bg1"/>
+          </a:solidFill>
+          <a:ln>
+            <a:solidFill>
+              <a:schemeClr val="tx1"/>
+            </a:solidFill>
+          </a:ln>
+        </p:spPr>
+        <p:style>
+          <a:lnRef idx="2">
+            <a:schemeClr val="accent1">
+              <a:shade val="50000"/>
+            </a:schemeClr>
+          </a:lnRef>
+          <a:fillRef idx="1">
+            <a:schemeClr val="accent1"/>
+          </a:fillRef>
+          <a:effectRef idx="0">
+            <a:schemeClr val="accent1"/>
+          </a:effectRef>
+          <a:fontRef idx="minor">
+            <a:schemeClr val="lt1"/>
+          </a:fontRef>
+        </p:style>
+        <p:txBody>
+          <a:bodyPr rtlCol="0" anchor="ctr"/>
+          <a:lstStyle/>
+          <a:p>
+            <a:pPr algn="ctr"/>
+            <a:endParaRPr lang="en-SG"/>
+          </a:p>
+        </p:txBody>
+      </p:sp>
+      <p:sp>
+        <p:nvSpPr>
+          <p:cNvPr id="8" name="Rectangle 7"/>
+          <p:cNvSpPr/>
+          <p:nvPr/>
+        </p:nvSpPr>
+        <p:spPr>
+          <a:xfrm>
+            <a:off x="2123551" y="3815400"/>
+            <a:ext cx="576000" cy="576000"/>
+          </a:xfrm>
+          <a:prstGeom prst="rect">
+            <a:avLst/>
+          </a:prstGeom>
+          <a:solidFill>
+            <a:schemeClr val="bg1"/>
+          </a:solidFill>
+          <a:ln>
+            <a:solidFill>
+              <a:schemeClr val="tx1"/>
+            </a:solidFill>
+          </a:ln>
+        </p:spPr>
+        <p:style>
+          <a:lnRef idx="2">
+            <a:schemeClr val="accent1">
+              <a:shade val="50000"/>
+            </a:schemeClr>
+          </a:lnRef>
+          <a:fillRef idx="1">
+            <a:schemeClr val="accent1"/>
+          </a:fillRef>
+          <a:effectRef idx="0">
+            <a:schemeClr val="accent1"/>
+          </a:effectRef>
+          <a:fontRef idx="minor">
+            <a:schemeClr val="lt1"/>
+          </a:fontRef>
+        </p:style>
+        <p:txBody>
+          <a:bodyPr rtlCol="0" anchor="ctr"/>
+          <a:lstStyle/>
+          <a:p>
+            <a:pPr algn="ctr"/>
+            <a:endParaRPr lang="en-SG"/>
+          </a:p>
+        </p:txBody>
+      </p:sp>
+      <p:sp>
+        <p:nvSpPr>
+          <p:cNvPr id="9" name="Rectangle 8"/>
+          <p:cNvSpPr/>
+          <p:nvPr/>
+        </p:nvSpPr>
+        <p:spPr>
+          <a:xfrm>
+            <a:off x="1331551" y="3815400"/>
+            <a:ext cx="576000" cy="576000"/>
+          </a:xfrm>
+          <a:prstGeom prst="rect">
+            <a:avLst/>
+          </a:prstGeom>
+          <a:solidFill>
+            <a:schemeClr val="bg1"/>
+          </a:solidFill>
+          <a:ln>
+            <a:solidFill>
+              <a:schemeClr val="tx1"/>
+            </a:solidFill>
+          </a:ln>
+        </p:spPr>
+        <p:style>
+          <a:lnRef idx="2">
+            <a:schemeClr val="accent1">
+              <a:shade val="50000"/>
+            </a:schemeClr>
+          </a:lnRef>
+          <a:fillRef idx="1">
+            <a:schemeClr val="accent1"/>
+          </a:fillRef>
+          <a:effectRef idx="0">
+            <a:schemeClr val="accent1"/>
+          </a:effectRef>
+          <a:fontRef idx="minor">
+            <a:schemeClr val="lt1"/>
+          </a:fontRef>
+        </p:style>
+        <p:txBody>
+          <a:bodyPr rtlCol="0" anchor="ctr"/>
+          <a:lstStyle/>
+          <a:p>
+            <a:pPr algn="ctr"/>
+            <a:endParaRPr lang="en-SG"/>
+          </a:p>
+        </p:txBody>
+      </p:sp>
+      <p:sp>
+        <p:nvSpPr>
+          <p:cNvPr id="10" name="Rectangle 9"/>
+          <p:cNvSpPr/>
+          <p:nvPr/>
+        </p:nvSpPr>
+        <p:spPr>
+          <a:xfrm>
+            <a:off x="539551" y="3815400"/>
+            <a:ext cx="576000" cy="576000"/>
+          </a:xfrm>
+          <a:prstGeom prst="rect">
+            <a:avLst/>
+          </a:prstGeom>
+          <a:solidFill>
+            <a:schemeClr val="bg1"/>
+          </a:solidFill>
+          <a:ln>
+            <a:solidFill>
+              <a:schemeClr val="tx1"/>
+            </a:solidFill>
+          </a:ln>
+        </p:spPr>
+        <p:style>
+          <a:lnRef idx="2">
+            <a:schemeClr val="accent1">
+              <a:shade val="50000"/>
+            </a:schemeClr>
+          </a:lnRef>
+          <a:fillRef idx="1">
+            <a:schemeClr val="accent1"/>
+          </a:fillRef>
+          <a:effectRef idx="0">
+            <a:schemeClr val="accent1"/>
+          </a:effectRef>
+          <a:fontRef idx="minor">
+            <a:schemeClr val="lt1"/>
+          </a:fontRef>
+        </p:style>
+        <p:txBody>
+          <a:bodyPr rtlCol="0" anchor="ctr"/>
+          <a:lstStyle/>
+          <a:p>
+            <a:pPr algn="ctr"/>
+            <a:endParaRPr lang="en-SG"/>
+          </a:p>
+        </p:txBody>
+      </p:sp>
+      <p:sp>
+        <p:nvSpPr>
+          <p:cNvPr id="11" name="Plus 10"/>
+          <p:cNvSpPr/>
+          <p:nvPr/>
+        </p:nvSpPr>
+        <p:spPr>
+          <a:xfrm>
+            <a:off x="2141565" y="3793604"/>
+            <a:ext cx="539971" cy="597796"/>
+          </a:xfrm>
+          <a:prstGeom prst="mathPlus">
+            <a:avLst/>
+          </a:prstGeom>
+        </p:spPr>
+        <p:style>
+          <a:lnRef idx="2">
+            <a:schemeClr val="accent1">
+              <a:shade val="50000"/>
+            </a:schemeClr>
+          </a:lnRef>
+          <a:fillRef idx="1">
+            <a:schemeClr val="accent1"/>
+          </a:fillRef>
+          <a:effectRef idx="0">
+            <a:schemeClr val="accent1"/>
+          </a:effectRef>
+          <a:fontRef idx="minor">
+            <a:schemeClr val="lt1"/>
+          </a:fontRef>
+        </p:style>
+        <p:txBody>
+          <a:bodyPr rtlCol="0" anchor="ctr"/>
+          <a:lstStyle/>
+          <a:p>
+            <a:pPr algn="ctr"/>
+            <a:endParaRPr lang="en-SG"/>
+          </a:p>
+        </p:txBody>
+      </p:sp>
+      <p:sp>
+        <p:nvSpPr>
+          <p:cNvPr id="13" name="TextBox 12"/>
+          <p:cNvSpPr txBox="1"/>
+          <p:nvPr/>
+        </p:nvSpPr>
+        <p:spPr>
+          <a:xfrm>
+            <a:off x="4960906" y="2166080"/>
+            <a:ext cx="446169" cy="261610"/>
+          </a:xfrm>
+          <a:prstGeom prst="rect">
+            <a:avLst/>
+          </a:prstGeom>
+          <a:noFill/>
+          <a:ln>
+            <a:solidFill>
+              <a:schemeClr val="bg1"/>
+            </a:solidFill>
+          </a:ln>
+        </p:spPr>
+        <p:txBody>
+          <a:bodyPr wrap="square" rtlCol="0">
+            <a:spAutoFit/>
+          </a:bodyPr>
+          <a:lstStyle/>
+          <a:p>
+            <a:r>
+              <a:rPr lang="en-US" sz="1100" b="1" dirty="0" smtClean="0"/>
+              <a:t>/10</a:t>
+            </a:r>
+            <a:endParaRPr lang="en-SG" sz="1100" b="1" dirty="0"/>
+          </a:p>
+        </p:txBody>
+      </p:sp>
+      <p:sp>
+        <p:nvSpPr>
+          <p:cNvPr id="14" name="TextBox 13"/>
+          <p:cNvSpPr txBox="1"/>
+          <p:nvPr/>
+        </p:nvSpPr>
+        <p:spPr>
+          <a:xfrm>
+            <a:off x="4470973" y="1849388"/>
+            <a:ext cx="1584176" cy="246221"/>
+          </a:xfrm>
+          <a:prstGeom prst="rect">
+            <a:avLst/>
+          </a:prstGeom>
+          <a:noFill/>
+          <a:ln w="19050">
+            <a:solidFill>
+              <a:schemeClr val="tx1"/>
+            </a:solidFill>
+          </a:ln>
+        </p:spPr>
+        <p:txBody>
+          <a:bodyPr wrap="square" rtlCol="0">
+            <a:spAutoFit/>
+          </a:bodyPr>
+          <a:lstStyle/>
+          <a:p>
+            <a:r>
+              <a:rPr lang="en-SG" sz="1000" b="1" dirty="0"/>
+              <a:t>Electronics</a:t>
+            </a:r>
+            <a:endParaRPr lang="en-SG" sz="1000" b="1" dirty="0"/>
+          </a:p>
+        </p:txBody>
+      </p:sp>
+      <p:sp>
+        <p:nvSpPr>
+          <p:cNvPr id="15" name="TextBox 14"/>
+          <p:cNvSpPr txBox="1"/>
+          <p:nvPr/>
+        </p:nvSpPr>
+        <p:spPr>
+          <a:xfrm>
+            <a:off x="4470973" y="1489348"/>
+            <a:ext cx="1584176" cy="246221"/>
+          </a:xfrm>
+          <a:prstGeom prst="rect">
+            <a:avLst/>
+          </a:prstGeom>
+          <a:noFill/>
+          <a:ln w="19050">
+            <a:solidFill>
+              <a:schemeClr val="tx1"/>
+            </a:solidFill>
+          </a:ln>
+        </p:spPr>
+        <p:txBody>
+          <a:bodyPr wrap="square" rtlCol="0">
+            <a:spAutoFit/>
+          </a:bodyPr>
+          <a:lstStyle/>
+          <a:p>
+            <a:r>
+              <a:rPr lang="en-SG" sz="1000" b="1" dirty="0"/>
+              <a:t>2.1 LOGITECH SPEAKERS</a:t>
+            </a:r>
+            <a:endParaRPr lang="en-SG" sz="1000" b="1" dirty="0"/>
+          </a:p>
+        </p:txBody>
+      </p:sp>
+      <p:sp>
+        <p:nvSpPr>
+          <p:cNvPr id="16" name="TextBox 15"/>
+          <p:cNvSpPr txBox="1"/>
+          <p:nvPr/>
+        </p:nvSpPr>
+        <p:spPr>
+          <a:xfrm>
+            <a:off x="4470971" y="2556897"/>
+            <a:ext cx="1584178" cy="553998"/>
+          </a:xfrm>
+          <a:prstGeom prst="rect">
+            <a:avLst/>
+          </a:prstGeom>
+          <a:noFill/>
+          <a:ln w="19050">
+            <a:solidFill>
+              <a:schemeClr val="tx1"/>
+            </a:solidFill>
+          </a:ln>
+        </p:spPr>
+        <p:txBody>
+          <a:bodyPr wrap="square" rtlCol="0">
+            <a:spAutoFit/>
+          </a:bodyPr>
+          <a:lstStyle/>
+          <a:p>
+            <a:r>
+              <a:rPr lang="en-US" sz="1000" b="1" dirty="0"/>
+              <a:t>Item is in great </a:t>
+            </a:r>
+            <a:r>
+              <a:rPr lang="en-US" sz="1000" b="1" dirty="0" smtClean="0"/>
+              <a:t>shape</a:t>
+            </a:r>
+          </a:p>
+          <a:p>
+            <a:endParaRPr lang="en-US" sz="1000" b="1" dirty="0" smtClean="0"/>
+          </a:p>
+          <a:p>
+            <a:endParaRPr lang="en-SG" sz="1000" b="1" dirty="0"/>
+          </a:p>
+        </p:txBody>
+      </p:sp>
+      <p:sp>
+        <p:nvSpPr>
+          <p:cNvPr id="17" name="TextBox 16"/>
+          <p:cNvSpPr txBox="1"/>
+          <p:nvPr/>
+        </p:nvSpPr>
+        <p:spPr>
+          <a:xfrm>
+            <a:off x="4470971" y="2196858"/>
+            <a:ext cx="489935" cy="246221"/>
+          </a:xfrm>
+          <a:prstGeom prst="rect">
+            <a:avLst/>
+          </a:prstGeom>
+          <a:noFill/>
+          <a:ln w="19050">
+            <a:solidFill>
+              <a:schemeClr val="tx1"/>
+            </a:solidFill>
+          </a:ln>
+        </p:spPr>
+        <p:txBody>
+          <a:bodyPr wrap="square" rtlCol="0">
+            <a:spAutoFit/>
+          </a:bodyPr>
+          <a:lstStyle/>
+          <a:p>
+            <a:r>
+              <a:rPr lang="en-US" sz="1000" b="1" dirty="0"/>
+              <a:t>8</a:t>
+            </a:r>
+            <a:endParaRPr lang="en-SG" sz="1000" b="1" dirty="0"/>
+          </a:p>
+        </p:txBody>
+      </p:sp>
+      <p:sp>
+        <p:nvSpPr>
+          <p:cNvPr id="19" name="TextBox 18"/>
+          <p:cNvSpPr txBox="1"/>
+          <p:nvPr/>
+        </p:nvSpPr>
+        <p:spPr>
+          <a:xfrm>
+            <a:off x="4644008" y="3277234"/>
+            <a:ext cx="1413475" cy="246221"/>
+          </a:xfrm>
+          <a:prstGeom prst="rect">
+            <a:avLst/>
+          </a:prstGeom>
+          <a:noFill/>
+          <a:ln w="19050">
+            <a:solidFill>
+              <a:schemeClr val="tx1"/>
+            </a:solidFill>
+          </a:ln>
+        </p:spPr>
+        <p:txBody>
+          <a:bodyPr wrap="square" rtlCol="0">
+            <a:spAutoFit/>
+          </a:bodyPr>
+          <a:lstStyle/>
+          <a:p>
+            <a:r>
+              <a:rPr lang="en-US" sz="1000" b="1" dirty="0"/>
+              <a:t>34.50</a:t>
+            </a:r>
+            <a:endParaRPr lang="en-SG" sz="1000" b="1" dirty="0"/>
+          </a:p>
+        </p:txBody>
+      </p:sp>
+      <p:sp>
+        <p:nvSpPr>
+          <p:cNvPr id="20" name="TextBox 19"/>
+          <p:cNvSpPr txBox="1"/>
+          <p:nvPr/>
+        </p:nvSpPr>
+        <p:spPr>
+          <a:xfrm>
+            <a:off x="3004730" y="1454723"/>
+            <a:ext cx="1423257" cy="261610"/>
+          </a:xfrm>
+          <a:prstGeom prst="rect">
+            <a:avLst/>
+          </a:prstGeom>
+          <a:noFill/>
+          <a:ln>
+            <a:solidFill>
+              <a:schemeClr val="bg1"/>
+            </a:solidFill>
+          </a:ln>
+        </p:spPr>
+        <p:txBody>
+          <a:bodyPr wrap="square" rtlCol="0">
+            <a:spAutoFit/>
+          </a:bodyPr>
+          <a:lstStyle/>
+          <a:p>
+            <a:pPr algn="r"/>
+            <a:r>
+              <a:rPr lang="en-US" sz="1100" b="1" dirty="0" smtClean="0"/>
+              <a:t>Item Name</a:t>
+            </a:r>
+            <a:r>
+              <a:rPr lang="en-US" sz="1100" b="1" dirty="0" smtClean="0"/>
+              <a:t>:</a:t>
+            </a:r>
+            <a:endParaRPr lang="en-SG" sz="1100" b="1" dirty="0"/>
+          </a:p>
+        </p:txBody>
+      </p:sp>
+      <p:sp>
+        <p:nvSpPr>
+          <p:cNvPr id="21" name="TextBox 20"/>
+          <p:cNvSpPr txBox="1"/>
+          <p:nvPr/>
+        </p:nvSpPr>
+        <p:spPr>
+          <a:xfrm>
+            <a:off x="3004730" y="1814763"/>
+            <a:ext cx="1423257" cy="261610"/>
+          </a:xfrm>
+          <a:prstGeom prst="rect">
+            <a:avLst/>
+          </a:prstGeom>
+          <a:noFill/>
+          <a:ln>
+            <a:solidFill>
+              <a:schemeClr val="bg1"/>
+            </a:solidFill>
+          </a:ln>
+        </p:spPr>
+        <p:txBody>
+          <a:bodyPr wrap="square" rtlCol="0">
+            <a:spAutoFit/>
+          </a:bodyPr>
+          <a:lstStyle/>
+          <a:p>
+            <a:pPr algn="r"/>
+            <a:r>
+              <a:rPr lang="en-US" sz="1100" b="1" dirty="0" smtClean="0"/>
+              <a:t>Category:</a:t>
+            </a:r>
+            <a:endParaRPr lang="en-SG" sz="1100" b="1" dirty="0"/>
+          </a:p>
+        </p:txBody>
+      </p:sp>
+      <p:sp>
+        <p:nvSpPr>
+          <p:cNvPr id="22" name="TextBox 21"/>
+          <p:cNvSpPr txBox="1"/>
+          <p:nvPr/>
+        </p:nvSpPr>
+        <p:spPr>
+          <a:xfrm>
+            <a:off x="3004728" y="2162233"/>
+            <a:ext cx="1423257" cy="261610"/>
+          </a:xfrm>
+          <a:prstGeom prst="rect">
+            <a:avLst/>
+          </a:prstGeom>
+          <a:noFill/>
+          <a:ln>
+            <a:solidFill>
+              <a:schemeClr val="bg1"/>
+            </a:solidFill>
+          </a:ln>
+        </p:spPr>
+        <p:txBody>
+          <a:bodyPr wrap="square" rtlCol="0">
+            <a:spAutoFit/>
+          </a:bodyPr>
+          <a:lstStyle/>
+          <a:p>
+            <a:pPr algn="r"/>
+            <a:r>
+              <a:rPr lang="en-US" sz="1100" b="1" dirty="0" smtClean="0"/>
+              <a:t>Condition:</a:t>
+            </a:r>
+            <a:endParaRPr lang="en-SG" sz="1100" b="1" dirty="0"/>
+          </a:p>
+        </p:txBody>
+      </p:sp>
+      <p:sp>
+        <p:nvSpPr>
+          <p:cNvPr id="23" name="TextBox 22"/>
+          <p:cNvSpPr txBox="1"/>
+          <p:nvPr/>
+        </p:nvSpPr>
+        <p:spPr>
+          <a:xfrm>
+            <a:off x="3004727" y="2522273"/>
+            <a:ext cx="1423257" cy="261610"/>
+          </a:xfrm>
+          <a:prstGeom prst="rect">
+            <a:avLst/>
+          </a:prstGeom>
+          <a:noFill/>
+          <a:ln>
+            <a:solidFill>
+              <a:schemeClr val="bg1"/>
+            </a:solidFill>
+          </a:ln>
+        </p:spPr>
+        <p:txBody>
+          <a:bodyPr wrap="square" rtlCol="0">
+            <a:spAutoFit/>
+          </a:bodyPr>
+          <a:lstStyle/>
+          <a:p>
+            <a:pPr algn="r"/>
+            <a:r>
+              <a:rPr lang="en-US" sz="1100" b="1" dirty="0" smtClean="0"/>
+              <a:t>Details:</a:t>
+            </a:r>
+            <a:endParaRPr lang="en-SG" sz="1100" b="1" dirty="0"/>
+          </a:p>
+        </p:txBody>
+      </p:sp>
+      <p:sp>
+        <p:nvSpPr>
+          <p:cNvPr id="24" name="TextBox 23"/>
+          <p:cNvSpPr txBox="1"/>
+          <p:nvPr/>
+        </p:nvSpPr>
+        <p:spPr>
+          <a:xfrm>
+            <a:off x="3184546" y="3242609"/>
+            <a:ext cx="1423257" cy="261610"/>
+          </a:xfrm>
+          <a:prstGeom prst="rect">
+            <a:avLst/>
+          </a:prstGeom>
+          <a:noFill/>
+          <a:ln>
+            <a:solidFill>
+              <a:schemeClr val="bg1"/>
+            </a:solidFill>
+          </a:ln>
+        </p:spPr>
+        <p:txBody>
+          <a:bodyPr wrap="square" rtlCol="0">
+            <a:spAutoFit/>
+          </a:bodyPr>
+          <a:lstStyle/>
+          <a:p>
+            <a:pPr algn="r"/>
+            <a:r>
+              <a:rPr lang="en-US" sz="1100" b="1" dirty="0" smtClean="0"/>
+              <a:t>Price:    $</a:t>
+            </a:r>
+            <a:endParaRPr lang="en-SG" sz="1100" b="1" dirty="0"/>
+          </a:p>
+        </p:txBody>
+      </p:sp>
+      <p:sp>
+        <p:nvSpPr>
+          <p:cNvPr id="37" name="TextBox 36"/>
+          <p:cNvSpPr txBox="1"/>
+          <p:nvPr/>
+        </p:nvSpPr>
+        <p:spPr>
+          <a:xfrm>
+            <a:off x="4391902" y="1146366"/>
+            <a:ext cx="1584176" cy="253916"/>
+          </a:xfrm>
+          <a:prstGeom prst="rect">
+            <a:avLst/>
+          </a:prstGeom>
+          <a:noFill/>
+          <a:ln w="19050">
+            <a:solidFill>
+              <a:schemeClr val="bg1"/>
+            </a:solidFill>
+          </a:ln>
+        </p:spPr>
+        <p:txBody>
+          <a:bodyPr wrap="square" rtlCol="0">
+            <a:spAutoFit/>
+          </a:bodyPr>
+          <a:lstStyle/>
+          <a:p>
+            <a:r>
+              <a:rPr lang="en-US" sz="1050" b="1" dirty="0" smtClean="0">
+                <a:solidFill>
+                  <a:srgbClr val="FF0000"/>
+                </a:solidFill>
+              </a:rPr>
+              <a:t>Available</a:t>
+            </a:r>
+            <a:r>
+              <a:rPr lang="en-US" sz="1050" b="1" dirty="0" smtClean="0"/>
+              <a:t> </a:t>
+            </a:r>
+            <a:endParaRPr lang="en-SG" sz="1050" b="1" dirty="0"/>
+          </a:p>
+        </p:txBody>
+      </p:sp>
+      <p:sp>
+        <p:nvSpPr>
+          <p:cNvPr id="38" name="TextBox 37"/>
+          <p:cNvSpPr txBox="1"/>
+          <p:nvPr/>
+        </p:nvSpPr>
+        <p:spPr>
+          <a:xfrm>
+            <a:off x="3004730" y="1146366"/>
+            <a:ext cx="1423257" cy="261610"/>
+          </a:xfrm>
+          <a:prstGeom prst="rect">
+            <a:avLst/>
+          </a:prstGeom>
+          <a:noFill/>
+          <a:ln>
+            <a:solidFill>
+              <a:schemeClr val="bg1"/>
+            </a:solidFill>
+          </a:ln>
+        </p:spPr>
+        <p:txBody>
+          <a:bodyPr wrap="square" rtlCol="0">
+            <a:spAutoFit/>
+          </a:bodyPr>
+          <a:lstStyle/>
+          <a:p>
+            <a:pPr algn="r"/>
+            <a:r>
+              <a:rPr lang="en-US" sz="1100" b="1" dirty="0" smtClean="0"/>
+              <a:t>Status:</a:t>
+            </a:r>
+            <a:endParaRPr lang="en-SG" sz="1100" b="1" dirty="0"/>
+          </a:p>
+        </p:txBody>
+      </p:sp>
+      <p:sp>
+        <p:nvSpPr>
+          <p:cNvPr id="42" name="Rectangle 41"/>
+          <p:cNvSpPr/>
+          <p:nvPr/>
+        </p:nvSpPr>
+        <p:spPr>
+          <a:xfrm>
+            <a:off x="4903019" y="3649348"/>
+            <a:ext cx="939056" cy="742052"/>
+          </a:xfrm>
+          <a:prstGeom prst="rect">
+            <a:avLst/>
+          </a:prstGeom>
+          <a:scene3d>
+            <a:camera prst="orthographicFront"/>
+            <a:lightRig rig="threePt" dir="t"/>
+          </a:scene3d>
+          <a:sp3d>
+            <a:bevelT/>
+          </a:sp3d>
+        </p:spPr>
+        <p:style>
+          <a:lnRef idx="2">
+            <a:schemeClr val="accent1">
+              <a:shade val="50000"/>
+            </a:schemeClr>
+          </a:lnRef>
+          <a:fillRef idx="1">
+            <a:schemeClr val="accent1"/>
+          </a:fillRef>
+          <a:effectRef idx="0">
+            <a:schemeClr val="accent1"/>
+          </a:effectRef>
+          <a:fontRef idx="minor">
+            <a:schemeClr val="lt1"/>
+          </a:fontRef>
+        </p:style>
+        <p:txBody>
+          <a:bodyPr rtlCol="0" anchor="ctr"/>
+          <a:lstStyle/>
+          <a:p>
+            <a:pPr algn="ctr"/>
+            <a:r>
+              <a:rPr lang="en-US" sz="1600" b="1" dirty="0" smtClean="0"/>
+              <a:t>CHANGE STATUS</a:t>
+            </a:r>
+            <a:endParaRPr lang="en-SG" sz="1600" b="1" dirty="0"/>
+          </a:p>
+        </p:txBody>
+      </p:sp>
+      <p:sp>
+        <p:nvSpPr>
+          <p:cNvPr id="44" name="Rectangle 43"/>
+          <p:cNvSpPr/>
+          <p:nvPr/>
+        </p:nvSpPr>
+        <p:spPr>
+          <a:xfrm>
+            <a:off x="6441256" y="3649348"/>
+            <a:ext cx="939056" cy="742052"/>
+          </a:xfrm>
+          <a:prstGeom prst="rect">
+            <a:avLst/>
+          </a:prstGeom>
+          <a:scene3d>
+            <a:camera prst="orthographicFront"/>
+            <a:lightRig rig="threePt" dir="t"/>
+          </a:scene3d>
+          <a:sp3d>
+            <a:bevelT/>
+          </a:sp3d>
+        </p:spPr>
+        <p:style>
+          <a:lnRef idx="2">
+            <a:schemeClr val="accent1">
+              <a:shade val="50000"/>
+            </a:schemeClr>
+          </a:lnRef>
+          <a:fillRef idx="1">
+            <a:schemeClr val="accent1"/>
+          </a:fillRef>
+          <a:effectRef idx="0">
+            <a:schemeClr val="accent1"/>
+          </a:effectRef>
+          <a:fontRef idx="minor">
+            <a:schemeClr val="lt1"/>
+          </a:fontRef>
+        </p:style>
+        <p:txBody>
+          <a:bodyPr rtlCol="0" anchor="ctr"/>
+          <a:lstStyle/>
+          <a:p>
+            <a:pPr algn="ctr"/>
+            <a:r>
+              <a:rPr lang="en-US" sz="1600" b="1" dirty="0" smtClean="0"/>
+              <a:t>DELETE ITEM</a:t>
+            </a:r>
+            <a:endParaRPr lang="en-SG" sz="1600" b="1" dirty="0"/>
+          </a:p>
+        </p:txBody>
+      </p:sp>
+      <p:pic>
+        <p:nvPicPr>
+          <p:cNvPr id="25" name="Picture 2" descr="C:\Users\Zu Cheng\Desktop\IDP\IDP\Karung Guni App\img\Items\Logitech Speakers 1.jpg"/>
+          <p:cNvPicPr>
+            <a:picLocks noChangeAspect="1" noChangeArrowheads="1"/>
+          </p:cNvPicPr>
+          <p:nvPr/>
+        </p:nvPicPr>
+        <p:blipFill>
+          <a:blip r:embed="rId2">
+            <a:extLst>
+              <a:ext uri="{28A0092B-C50C-407E-A947-70E740481C1C}">
+                <a14:useLocalDpi xmlns:a14="http://schemas.microsoft.com/office/drawing/2010/main" val="0"/>
+              </a:ext>
+            </a:extLst>
+          </a:blip>
+          <a:srcRect/>
+          <a:stretch>
+            <a:fillRect/>
+          </a:stretch>
+        </p:blipFill>
+        <p:spPr bwMode="auto">
+          <a:xfrm>
+            <a:off x="581196" y="1791541"/>
+            <a:ext cx="2076709" cy="1578026"/>
+          </a:xfrm>
+          <a:prstGeom prst="rect">
+            <a:avLst/>
+          </a:prstGeom>
+          <a:noFill/>
+          <a:extLst>
+            <a:ext uri="{909E8E84-426E-40DD-AFC4-6F175D3DCCD1}">
+              <a14:hiddenFill xmlns:a14="http://schemas.microsoft.com/office/drawing/2010/main">
+                <a:solidFill>
+                  <a:srgbClr val="FFFFFF"/>
+                </a:solidFill>
+              </a14:hiddenFill>
+            </a:ext>
+          </a:extLst>
+        </p:spPr>
+      </p:pic>
+      <p:sp>
+        <p:nvSpPr>
+          <p:cNvPr id="26" name="Rectangle 25"/>
+          <p:cNvSpPr/>
+          <p:nvPr/>
+        </p:nvSpPr>
+        <p:spPr>
+          <a:xfrm>
+            <a:off x="3370441" y="3649348"/>
+            <a:ext cx="939056" cy="742052"/>
+          </a:xfrm>
+          <a:prstGeom prst="rect">
+            <a:avLst/>
+          </a:prstGeom>
+          <a:scene3d>
+            <a:camera prst="orthographicFront"/>
+            <a:lightRig rig="threePt" dir="t"/>
+          </a:scene3d>
+          <a:sp3d>
+            <a:bevelT/>
+          </a:sp3d>
+        </p:spPr>
+        <p:style>
+          <a:lnRef idx="2">
+            <a:schemeClr val="accent1">
+              <a:shade val="50000"/>
+            </a:schemeClr>
+          </a:lnRef>
+          <a:fillRef idx="1">
+            <a:schemeClr val="accent1"/>
+          </a:fillRef>
+          <a:effectRef idx="0">
+            <a:schemeClr val="accent1"/>
+          </a:effectRef>
+          <a:fontRef idx="minor">
+            <a:schemeClr val="lt1"/>
+          </a:fontRef>
+        </p:style>
+        <p:txBody>
+          <a:bodyPr rtlCol="0" anchor="ctr"/>
+          <a:lstStyle/>
+          <a:p>
+            <a:pPr algn="ctr"/>
+            <a:r>
+              <a:rPr lang="en-US" sz="1600" b="1" dirty="0" smtClean="0"/>
+              <a:t>UPDATE</a:t>
+            </a:r>
+            <a:endParaRPr lang="en-SG" sz="1600" b="1" dirty="0"/>
+          </a:p>
+        </p:txBody>
+      </p:sp>
+      <p:sp>
+        <p:nvSpPr>
+          <p:cNvPr id="27" name="Plus 26"/>
+          <p:cNvSpPr/>
+          <p:nvPr/>
+        </p:nvSpPr>
+        <p:spPr>
+          <a:xfrm>
+            <a:off x="1349565" y="3793604"/>
+            <a:ext cx="539971" cy="597796"/>
+          </a:xfrm>
+          <a:prstGeom prst="mathPlus">
+            <a:avLst/>
+          </a:prstGeom>
+        </p:spPr>
+        <p:style>
+          <a:lnRef idx="2">
+            <a:schemeClr val="accent1">
+              <a:shade val="50000"/>
+            </a:schemeClr>
+          </a:lnRef>
+          <a:fillRef idx="1">
+            <a:schemeClr val="accent1"/>
+          </a:fillRef>
+          <a:effectRef idx="0">
+            <a:schemeClr val="accent1"/>
+          </a:effectRef>
+          <a:fontRef idx="minor">
+            <a:schemeClr val="lt1"/>
+          </a:fontRef>
+        </p:style>
+        <p:txBody>
+          <a:bodyPr rtlCol="0" anchor="ctr"/>
+          <a:lstStyle/>
+          <a:p>
+            <a:pPr algn="ctr"/>
+            <a:endParaRPr lang="en-SG"/>
+          </a:p>
+        </p:txBody>
+      </p:sp>
+      <p:sp>
+        <p:nvSpPr>
+          <p:cNvPr id="28" name="Plus 27"/>
+          <p:cNvSpPr/>
+          <p:nvPr/>
+        </p:nvSpPr>
+        <p:spPr>
+          <a:xfrm>
+            <a:off x="539552" y="3793604"/>
+            <a:ext cx="539971" cy="597796"/>
+          </a:xfrm>
+          <a:prstGeom prst="mathPlus">
+            <a:avLst/>
+          </a:prstGeom>
+        </p:spPr>
+        <p:style>
+          <a:lnRef idx="2">
+            <a:schemeClr val="accent1">
+              <a:shade val="50000"/>
+            </a:schemeClr>
+          </a:lnRef>
+          <a:fillRef idx="1">
+            <a:schemeClr val="accent1"/>
+          </a:fillRef>
+          <a:effectRef idx="0">
+            <a:schemeClr val="accent1"/>
+          </a:effectRef>
+          <a:fontRef idx="minor">
+            <a:schemeClr val="lt1"/>
+          </a:fontRef>
+        </p:style>
+        <p:txBody>
+          <a:bodyPr rtlCol="0" anchor="ctr"/>
+          <a:lstStyle/>
+          <a:p>
+            <a:pPr algn="ctr"/>
+            <a:endParaRPr lang="en-SG"/>
+          </a:p>
+        </p:txBody>
+      </p:sp>
+      <p:sp>
+        <p:nvSpPr>
+          <p:cNvPr id="2" name="Multiply 1"/>
+          <p:cNvSpPr/>
+          <p:nvPr/>
+        </p:nvSpPr>
+        <p:spPr>
+          <a:xfrm>
+            <a:off x="2453437" y="1489348"/>
+            <a:ext cx="246355" cy="229235"/>
+          </a:xfrm>
+          <a:prstGeom prst="mathMultiply">
+            <a:avLst/>
+          </a:prstGeom>
+        </p:spPr>
+        <p:style>
+          <a:lnRef idx="2">
+            <a:schemeClr val="accent2">
+              <a:shade val="50000"/>
+            </a:schemeClr>
+          </a:lnRef>
+          <a:fillRef idx="1">
+            <a:schemeClr val="accent2"/>
+          </a:fillRef>
+          <a:effectRef idx="0">
+            <a:schemeClr val="accent2"/>
+          </a:effectRef>
+          <a:fontRef idx="minor">
+            <a:schemeClr val="lt1"/>
+          </a:fontRef>
+        </p:style>
+        <p:txBody>
+          <a:bodyPr rtlCol="0" anchor="ctr"/>
+          <a:lstStyle/>
+          <a:p>
+            <a:pPr algn="ctr"/>
+            <a:endParaRPr lang="en-SG"/>
+          </a:p>
+        </p:txBody>
+      </p:sp>
+    </p:spTree>
+    <p:extLst>
+      <p:ext uri="{BB962C8B-B14F-4D97-AF65-F5344CB8AC3E}">
+        <p14:creationId xmlns:p14="http://schemas.microsoft.com/office/powerpoint/2010/main" val="2418842468"/>
+      </p:ext>
+    </p:extLst>
+  </p:cSld>
+  <p:clrMapOvr>
+    <a:masterClrMapping/>
+  </p:clrMapOvr>
+</p:sld>
+</file>
+
+<file path=ppt/slides/slide9.xml><?xml version="1.0" encoding="utf-8"?>
+<p:sld xmlns:a="http://schemas.openxmlformats.org/drawingml/2006/main" xmlns:r="http://schemas.openxmlformats.org/officeDocument/2006/relationships" xmlns:p="http://schemas.openxmlformats.org/presentationml/2006/main">
+  <p:cSld>
+    <p:spTree>
+      <p:nvGrpSpPr>
+        <p:cNvPr id="1" name=""/>
+        <p:cNvGrpSpPr/>
+        <p:nvPr/>
+      </p:nvGrpSpPr>
+      <p:grpSpPr>
+        <a:xfrm>
+          <a:off x="0" y="0"/>
+          <a:ext cx="0" cy="0"/>
+          <a:chOff x="0" y="0"/>
+          <a:chExt cx="0" cy="0"/>
+        </a:xfrm>
+      </p:grpSpPr>
+      <p:grpSp>
+        <p:nvGrpSpPr>
+          <p:cNvPr id="6" name="Group 5"/>
+          <p:cNvGrpSpPr/>
+          <p:nvPr/>
+        </p:nvGrpSpPr>
+        <p:grpSpPr>
+          <a:xfrm>
+            <a:off x="1454288" y="2474210"/>
+            <a:ext cx="3852120" cy="1679434"/>
+            <a:chOff x="2483768" y="1705372"/>
+            <a:chExt cx="4464376" cy="1988554"/>
+          </a:xfrm>
+        </p:grpSpPr>
+        <p:grpSp>
+          <p:nvGrpSpPr>
+            <p:cNvPr id="4" name="Group 3"/>
+            <p:cNvGrpSpPr/>
+            <p:nvPr/>
+          </p:nvGrpSpPr>
+          <p:grpSpPr>
+            <a:xfrm>
+              <a:off x="2483768" y="1705372"/>
+              <a:ext cx="4464376" cy="1080744"/>
+              <a:chOff x="1547664" y="1386631"/>
+              <a:chExt cx="4464376" cy="1080744"/>
+            </a:xfrm>
+          </p:grpSpPr>
+          <p:pic>
+            <p:nvPicPr>
+              <p:cNvPr id="3076" name="Picture 4" descr="http://www.clker.com/cliparts/e/8/3/a/11949864601483835659smiley103.svg.med.png"/>
+              <p:cNvPicPr>
+                <a:picLocks noChangeAspect="1" noChangeArrowheads="1"/>
+              </p:cNvPicPr>
+              <p:nvPr/>
+            </p:nvPicPr>
+            <p:blipFill>
+              <a:blip r:embed="rId2" cstate="print">
+                <a:extLst>
+                  <a:ext uri="{28A0092B-C50C-407E-A947-70E740481C1C}">
+                    <a14:useLocalDpi xmlns:a14="http://schemas.microsoft.com/office/drawing/2010/main" val="0"/>
+                  </a:ext>
+                </a:extLst>
+              </a:blip>
+              <a:srcRect/>
+              <a:stretch>
+                <a:fillRect/>
+              </a:stretch>
+            </p:blipFill>
+            <p:spPr bwMode="auto">
+              <a:xfrm>
+                <a:off x="3284795" y="1386631"/>
+                <a:ext cx="1080000" cy="1080000"/>
+              </a:xfrm>
+              <a:prstGeom prst="rect">
+                <a:avLst/>
+              </a:prstGeom>
+              <a:noFill/>
+              <a:extLst>
+                <a:ext uri="{909E8E84-426E-40DD-AFC4-6F175D3DCCD1}">
+                  <a14:hiddenFill xmlns:a14="http://schemas.microsoft.com/office/drawing/2010/main">
+                    <a:solidFill>
+                      <a:srgbClr val="FFFFFF"/>
+                    </a:solidFill>
+                  </a14:hiddenFill>
+                </a:ext>
+              </a:extLst>
+            </p:spPr>
+          </p:pic>
+          <p:pic>
+            <p:nvPicPr>
+              <p:cNvPr id="3078" name="Picture 6" descr="http://www.clker.com/cliparts/7/1/0/b/119498645723678292smiley100.svg.med.png"/>
+              <p:cNvPicPr>
+                <a:picLocks noChangeAspect="1" noChangeArrowheads="1"/>
+              </p:cNvPicPr>
+              <p:nvPr/>
+            </p:nvPicPr>
+            <p:blipFill>
+              <a:blip r:embed="rId3" cstate="print">
+                <a:extLst>
+                  <a:ext uri="{28A0092B-C50C-407E-A947-70E740481C1C}">
+                    <a14:useLocalDpi xmlns:a14="http://schemas.microsoft.com/office/drawing/2010/main" val="0"/>
+                  </a:ext>
+                </a:extLst>
+              </a:blip>
+              <a:srcRect/>
+              <a:stretch>
+                <a:fillRect/>
+              </a:stretch>
+            </p:blipFill>
+            <p:spPr bwMode="auto">
+              <a:xfrm>
+                <a:off x="1547664" y="1386631"/>
+                <a:ext cx="1080000" cy="1080000"/>
+              </a:xfrm>
+              <a:prstGeom prst="rect">
+                <a:avLst/>
+              </a:prstGeom>
+              <a:noFill/>
+              <a:extLst>
+                <a:ext uri="{909E8E84-426E-40DD-AFC4-6F175D3DCCD1}">
+                  <a14:hiddenFill xmlns:a14="http://schemas.microsoft.com/office/drawing/2010/main">
+                    <a:solidFill>
+                      <a:srgbClr val="FFFFFF"/>
+                    </a:solidFill>
+                  </a14:hiddenFill>
+                </a:ext>
+              </a:extLst>
+            </p:spPr>
+          </p:pic>
+          <p:pic>
+            <p:nvPicPr>
+              <p:cNvPr id="3080" name="Picture 8" descr="http://www.clker.com/cliparts/d/b/9/e/1194986459994010940smiley102.svg.med.png"/>
+              <p:cNvPicPr>
+                <a:picLocks noChangeAspect="1" noChangeArrowheads="1"/>
+              </p:cNvPicPr>
+              <p:nvPr/>
+            </p:nvPicPr>
+            <p:blipFill>
+              <a:blip r:embed="rId4" cstate="print">
+                <a:extLst>
+                  <a:ext uri="{28A0092B-C50C-407E-A947-70E740481C1C}">
+                    <a14:useLocalDpi xmlns:a14="http://schemas.microsoft.com/office/drawing/2010/main" val="0"/>
+                  </a:ext>
+                </a:extLst>
+              </a:blip>
+              <a:srcRect/>
+              <a:stretch>
+                <a:fillRect/>
+              </a:stretch>
+            </p:blipFill>
+            <p:spPr bwMode="auto">
+              <a:xfrm>
+                <a:off x="4932040" y="1387375"/>
+                <a:ext cx="1080000" cy="1080000"/>
+              </a:xfrm>
+              <a:prstGeom prst="rect">
+                <a:avLst/>
+              </a:prstGeom>
+              <a:noFill/>
+              <a:extLst>
+                <a:ext uri="{909E8E84-426E-40DD-AFC4-6F175D3DCCD1}">
+                  <a14:hiddenFill xmlns:a14="http://schemas.microsoft.com/office/drawing/2010/main">
+                    <a:solidFill>
+                      <a:srgbClr val="FFFFFF"/>
+                    </a:solidFill>
+                  </a14:hiddenFill>
+                </a:ext>
+              </a:extLst>
+            </p:spPr>
+          </p:pic>
+        </p:grpSp>
+        <p:sp>
+          <p:nvSpPr>
+            <p:cNvPr id="5" name="TextBox 4"/>
+            <p:cNvSpPr txBox="1"/>
+            <p:nvPr/>
+          </p:nvSpPr>
+          <p:spPr>
+            <a:xfrm>
+              <a:off x="2627784" y="3001516"/>
+              <a:ext cx="792088" cy="692410"/>
+            </a:xfrm>
+            <a:prstGeom prst="rect">
+              <a:avLst/>
+            </a:prstGeom>
+            <a:noFill/>
+            <a:ln>
+              <a:solidFill>
+                <a:schemeClr val="tx1"/>
+              </a:solidFill>
+            </a:ln>
+          </p:spPr>
+          <p:txBody>
+            <a:bodyPr wrap="square" rtlCol="0">
+              <a:spAutoFit/>
+            </a:bodyPr>
+            <a:lstStyle/>
+            <a:p>
+              <a:pPr algn="ctr"/>
+              <a:r>
+                <a:rPr lang="en-US" sz="3200" b="1" dirty="0" smtClean="0"/>
+                <a:t>4</a:t>
+              </a:r>
+              <a:endParaRPr lang="en-SG" sz="3200" b="1" dirty="0"/>
+            </a:p>
+          </p:txBody>
+        </p:sp>
+        <p:sp>
+          <p:nvSpPr>
+            <p:cNvPr id="10" name="TextBox 9"/>
+            <p:cNvSpPr txBox="1"/>
+            <p:nvPr/>
+          </p:nvSpPr>
+          <p:spPr>
+            <a:xfrm>
+              <a:off x="4364855" y="3001516"/>
+              <a:ext cx="792088" cy="692410"/>
+            </a:xfrm>
+            <a:prstGeom prst="rect">
+              <a:avLst/>
+            </a:prstGeom>
+            <a:noFill/>
+            <a:ln>
+              <a:solidFill>
+                <a:schemeClr val="tx1"/>
+              </a:solidFill>
+            </a:ln>
+          </p:spPr>
+          <p:txBody>
+            <a:bodyPr wrap="square" rtlCol="0">
+              <a:spAutoFit/>
+            </a:bodyPr>
+            <a:lstStyle/>
+            <a:p>
+              <a:pPr algn="ctr"/>
+              <a:r>
+                <a:rPr lang="en-US" sz="3200" b="1" dirty="0" smtClean="0"/>
+                <a:t>4</a:t>
+              </a:r>
+              <a:endParaRPr lang="en-SG" sz="3200" b="1" dirty="0"/>
+            </a:p>
+          </p:txBody>
+        </p:sp>
+        <p:sp>
+          <p:nvSpPr>
+            <p:cNvPr id="11" name="TextBox 10"/>
+            <p:cNvSpPr txBox="1"/>
+            <p:nvPr/>
+          </p:nvSpPr>
+          <p:spPr>
+            <a:xfrm>
+              <a:off x="6012099" y="3001516"/>
+              <a:ext cx="792088" cy="692410"/>
+            </a:xfrm>
+            <a:prstGeom prst="rect">
+              <a:avLst/>
+            </a:prstGeom>
+            <a:noFill/>
+            <a:ln>
+              <a:solidFill>
+                <a:schemeClr val="tx1"/>
+              </a:solidFill>
+            </a:ln>
+          </p:spPr>
+          <p:txBody>
+            <a:bodyPr wrap="square" rtlCol="0">
+              <a:spAutoFit/>
+            </a:bodyPr>
+            <a:lstStyle/>
+            <a:p>
+              <a:pPr algn="ctr"/>
+              <a:r>
+                <a:rPr lang="en-US" sz="3200" b="1" dirty="0"/>
+                <a:t>2</a:t>
+              </a:r>
+              <a:endParaRPr lang="en-SG" sz="3200" b="1" dirty="0"/>
+            </a:p>
+          </p:txBody>
+        </p:sp>
+      </p:grpSp>
+      <p:sp>
+        <p:nvSpPr>
+          <p:cNvPr id="13" name="TextBox 12"/>
+          <p:cNvSpPr txBox="1"/>
+          <p:nvPr/>
+        </p:nvSpPr>
+        <p:spPr>
+          <a:xfrm>
+            <a:off x="-36511" y="1145141"/>
+            <a:ext cx="1425587" cy="276999"/>
+          </a:xfrm>
+          <a:prstGeom prst="rect">
+            <a:avLst/>
+          </a:prstGeom>
+          <a:noFill/>
+          <a:ln>
+            <a:solidFill>
+              <a:schemeClr val="bg1"/>
+            </a:solidFill>
+          </a:ln>
+        </p:spPr>
+        <p:txBody>
+          <a:bodyPr wrap="square" rtlCol="0">
+            <a:spAutoFit/>
+          </a:bodyPr>
+          <a:lstStyle/>
+          <a:p>
+            <a:pPr algn="r"/>
+            <a:r>
+              <a:rPr lang="en-US" sz="1200" b="1" dirty="0" smtClean="0"/>
+              <a:t>Buyer’s Name</a:t>
+            </a:r>
+            <a:endParaRPr lang="en-SG" sz="1200" b="1" dirty="0"/>
+          </a:p>
+        </p:txBody>
+      </p:sp>
+      <p:sp>
+        <p:nvSpPr>
+          <p:cNvPr id="14" name="TextBox 13"/>
+          <p:cNvSpPr txBox="1"/>
+          <p:nvPr/>
+        </p:nvSpPr>
+        <p:spPr>
+          <a:xfrm>
+            <a:off x="-34179" y="1508256"/>
+            <a:ext cx="1425587" cy="276999"/>
+          </a:xfrm>
+          <a:prstGeom prst="rect">
+            <a:avLst/>
+          </a:prstGeom>
+          <a:noFill/>
+          <a:ln>
+            <a:solidFill>
+              <a:schemeClr val="bg1"/>
+            </a:solidFill>
+          </a:ln>
+        </p:spPr>
+        <p:txBody>
+          <a:bodyPr wrap="square" rtlCol="0">
+            <a:spAutoFit/>
+          </a:bodyPr>
+          <a:lstStyle/>
+          <a:p>
+            <a:pPr algn="r"/>
+            <a:r>
+              <a:rPr lang="en-US" sz="1200" b="1" dirty="0" smtClean="0"/>
+              <a:t>Email:</a:t>
+            </a:r>
+            <a:endParaRPr lang="en-SG" sz="1200" b="1" dirty="0"/>
+          </a:p>
+        </p:txBody>
+      </p:sp>
+      <p:sp>
+        <p:nvSpPr>
+          <p:cNvPr id="15" name="TextBox 14"/>
+          <p:cNvSpPr txBox="1"/>
+          <p:nvPr/>
+        </p:nvSpPr>
+        <p:spPr>
+          <a:xfrm>
+            <a:off x="-36512" y="1865221"/>
+            <a:ext cx="1425587" cy="276999"/>
+          </a:xfrm>
+          <a:prstGeom prst="rect">
+            <a:avLst/>
+          </a:prstGeom>
+          <a:noFill/>
+          <a:ln>
+            <a:solidFill>
+              <a:schemeClr val="bg1"/>
+            </a:solidFill>
+          </a:ln>
+        </p:spPr>
+        <p:txBody>
+          <a:bodyPr wrap="square" rtlCol="0">
+            <a:spAutoFit/>
+          </a:bodyPr>
+          <a:lstStyle/>
+          <a:p>
+            <a:pPr algn="r"/>
+            <a:r>
+              <a:rPr lang="en-US" sz="1200" b="1" dirty="0" smtClean="0"/>
+              <a:t>Contact</a:t>
+            </a:r>
+            <a:r>
+              <a:rPr lang="en-US" sz="1200" b="1" dirty="0" smtClean="0"/>
+              <a:t>:</a:t>
+            </a:r>
+            <a:endParaRPr lang="en-SG" sz="1200" b="1" dirty="0"/>
+          </a:p>
+        </p:txBody>
+      </p:sp>
+      <p:sp>
+        <p:nvSpPr>
+          <p:cNvPr id="16" name="TextBox 15"/>
+          <p:cNvSpPr txBox="1"/>
+          <p:nvPr/>
+        </p:nvSpPr>
+        <p:spPr>
+          <a:xfrm>
+            <a:off x="-17760" y="2380646"/>
+            <a:ext cx="1425587" cy="276999"/>
+          </a:xfrm>
+          <a:prstGeom prst="rect">
+            <a:avLst/>
+          </a:prstGeom>
+          <a:noFill/>
+          <a:ln>
+            <a:solidFill>
+              <a:schemeClr val="bg1"/>
+            </a:solidFill>
+          </a:ln>
+        </p:spPr>
+        <p:txBody>
+          <a:bodyPr wrap="square" rtlCol="0">
+            <a:spAutoFit/>
+          </a:bodyPr>
+          <a:lstStyle/>
+          <a:p>
+            <a:pPr algn="r"/>
+            <a:r>
+              <a:rPr lang="en-US" sz="1200" b="1" dirty="0" smtClean="0"/>
+              <a:t>Rating</a:t>
+            </a:r>
+            <a:r>
+              <a:rPr lang="en-US" sz="1200" b="1" dirty="0" smtClean="0"/>
+              <a:t>:</a:t>
+            </a:r>
+            <a:endParaRPr lang="en-SG" sz="1200" b="1" dirty="0"/>
+          </a:p>
+        </p:txBody>
+      </p:sp>
+      <p:sp>
+        <p:nvSpPr>
+          <p:cNvPr id="17" name="TextBox 16"/>
+          <p:cNvSpPr txBox="1"/>
+          <p:nvPr/>
+        </p:nvSpPr>
+        <p:spPr>
+          <a:xfrm>
+            <a:off x="1438545" y="1145141"/>
+            <a:ext cx="1807098" cy="276999"/>
+          </a:xfrm>
+          <a:prstGeom prst="rect">
+            <a:avLst/>
+          </a:prstGeom>
+          <a:noFill/>
+          <a:ln w="19050">
+            <a:solidFill>
+              <a:schemeClr val="bg1"/>
+            </a:solidFill>
+          </a:ln>
+        </p:spPr>
+        <p:txBody>
+          <a:bodyPr wrap="square" rtlCol="0">
+            <a:spAutoFit/>
+          </a:bodyPr>
+          <a:lstStyle/>
+          <a:p>
+            <a:r>
+              <a:rPr lang="en-US" sz="1200" b="1" dirty="0" smtClean="0"/>
+              <a:t>Ong Lye Tat</a:t>
+            </a:r>
+            <a:endParaRPr lang="en-SG" sz="1200" b="1" dirty="0"/>
+          </a:p>
+        </p:txBody>
+      </p:sp>
+      <p:sp>
+        <p:nvSpPr>
+          <p:cNvPr id="18" name="TextBox 17"/>
+          <p:cNvSpPr txBox="1"/>
+          <p:nvPr/>
+        </p:nvSpPr>
+        <p:spPr>
+          <a:xfrm>
+            <a:off x="1454288" y="1508256"/>
+            <a:ext cx="1791355" cy="276999"/>
+          </a:xfrm>
+          <a:prstGeom prst="rect">
+            <a:avLst/>
+          </a:prstGeom>
+          <a:noFill/>
+          <a:ln w="19050">
+            <a:solidFill>
+              <a:schemeClr val="bg1"/>
+            </a:solidFill>
+          </a:ln>
+        </p:spPr>
+        <p:txBody>
+          <a:bodyPr wrap="square" rtlCol="0">
+            <a:spAutoFit/>
+          </a:bodyPr>
+          <a:lstStyle/>
+          <a:p>
+            <a:r>
+              <a:rPr lang="en-US" sz="1200" b="1" dirty="0" smtClean="0"/>
+              <a:t>ongLyeTat@gmail.com</a:t>
+            </a:r>
+            <a:endParaRPr lang="en-SG" sz="1200" b="1" dirty="0"/>
+          </a:p>
+        </p:txBody>
+      </p:sp>
+      <p:sp>
+        <p:nvSpPr>
+          <p:cNvPr id="19" name="TextBox 18"/>
+          <p:cNvSpPr txBox="1"/>
+          <p:nvPr/>
+        </p:nvSpPr>
+        <p:spPr>
+          <a:xfrm>
+            <a:off x="1442705" y="1888304"/>
+            <a:ext cx="1802938" cy="253916"/>
+          </a:xfrm>
+          <a:prstGeom prst="rect">
+            <a:avLst/>
+          </a:prstGeom>
+          <a:noFill/>
+          <a:ln w="19050">
+            <a:solidFill>
+              <a:schemeClr val="bg1"/>
+            </a:solidFill>
+          </a:ln>
+        </p:spPr>
+        <p:txBody>
+          <a:bodyPr wrap="square" rtlCol="0">
+            <a:spAutoFit/>
+          </a:bodyPr>
+          <a:lstStyle/>
+          <a:p>
+            <a:r>
+              <a:rPr lang="en-US" sz="1050" b="1" dirty="0" smtClean="0"/>
+              <a:t>97124747</a:t>
+            </a:r>
+            <a:endParaRPr lang="en-SG" sz="1000" b="1" dirty="0"/>
+          </a:p>
+        </p:txBody>
+      </p:sp>
+      <p:sp>
+        <p:nvSpPr>
+          <p:cNvPr id="7" name="TextBox 6"/>
+          <p:cNvSpPr txBox="1"/>
+          <p:nvPr/>
+        </p:nvSpPr>
+        <p:spPr>
+          <a:xfrm>
+            <a:off x="179508" y="625252"/>
+            <a:ext cx="2403934" cy="400110"/>
+          </a:xfrm>
+          <a:prstGeom prst="rect">
+            <a:avLst/>
+          </a:prstGeom>
+          <a:noFill/>
+          <a:ln>
+            <a:solidFill>
+              <a:schemeClr val="tx2"/>
+            </a:solidFill>
+          </a:ln>
+        </p:spPr>
+        <p:txBody>
+          <a:bodyPr wrap="square" rtlCol="0">
+            <a:spAutoFit/>
+          </a:bodyPr>
+          <a:lstStyle/>
+          <a:p>
+            <a:r>
+              <a:rPr lang="en-US" sz="2000" b="1" dirty="0" smtClean="0"/>
+              <a:t>BUYER’S PROFILE</a:t>
+            </a:r>
+            <a:endParaRPr lang="en-SG" sz="2000" b="1" dirty="0"/>
+          </a:p>
+        </p:txBody>
+      </p:sp>
+    </p:spTree>
+    <p:extLst>
+      <p:ext uri="{BB962C8B-B14F-4D97-AF65-F5344CB8AC3E}">
+        <p14:creationId xmlns:p14="http://schemas.microsoft.com/office/powerpoint/2010/main" val="638935489"/>
+      </p:ext>
+    </p:extLst>
+  </p:cSld>
+  <p:clrMapOvr>
+    <a:masterClrMapping/>
+  </p:clrMapOvr>
 </p:sld>
 </file>
 

--- a/Mock Up.pptx
+++ b/Mock Up.pptx
@@ -8,7 +8,7 @@
     <p:sldMasterId id="2147483672" r:id="rId4"/>
   </p:sldMasterIdLst>
   <p:notesMasterIdLst>
-    <p:notesMasterId r:id="rId16"/>
+    <p:notesMasterId r:id="rId17"/>
   </p:notesMasterIdLst>
   <p:sldIdLst>
     <p:sldId id="261" r:id="rId5"/>
@@ -19,9 +19,10 @@
     <p:sldId id="260" r:id="rId10"/>
     <p:sldId id="263" r:id="rId11"/>
     <p:sldId id="267" r:id="rId12"/>
-    <p:sldId id="264" r:id="rId13"/>
-    <p:sldId id="265" r:id="rId14"/>
-    <p:sldId id="266" r:id="rId15"/>
+    <p:sldId id="266" r:id="rId13"/>
+    <p:sldId id="268" r:id="rId14"/>
+    <p:sldId id="264" r:id="rId15"/>
+    <p:sldId id="265" r:id="rId16"/>
   </p:sldIdLst>
   <p:sldSz cx="9144000" cy="5715000" type="screen16x10"/>
   <p:notesSz cx="6858000" cy="9144000"/>
@@ -14313,6 +14314,1521 @@
           <a:chExt cx="0" cy="0"/>
         </a:xfrm>
       </p:grpSpPr>
+      <p:sp>
+        <p:nvSpPr>
+          <p:cNvPr id="5" name="Rectangle 4"/>
+          <p:cNvSpPr/>
+          <p:nvPr/>
+        </p:nvSpPr>
+        <p:spPr>
+          <a:xfrm>
+            <a:off x="539551" y="769268"/>
+            <a:ext cx="1944217" cy="504056"/>
+          </a:xfrm>
+          <a:prstGeom prst="rect">
+            <a:avLst/>
+          </a:prstGeom>
+          <a:solidFill>
+            <a:schemeClr val="accent1">
+              <a:lumMod val="60000"/>
+              <a:lumOff val="40000"/>
+            </a:schemeClr>
+          </a:solidFill>
+          <a:ln>
+            <a:solidFill>
+              <a:schemeClr val="bg1"/>
+            </a:solidFill>
+          </a:ln>
+          <a:effectLst>
+            <a:softEdge rad="31750"/>
+          </a:effectLst>
+        </p:spPr>
+        <p:style>
+          <a:lnRef idx="2">
+            <a:schemeClr val="accent1">
+              <a:shade val="50000"/>
+            </a:schemeClr>
+          </a:lnRef>
+          <a:fillRef idx="1">
+            <a:schemeClr val="accent1"/>
+          </a:fillRef>
+          <a:effectRef idx="0">
+            <a:schemeClr val="accent1"/>
+          </a:effectRef>
+          <a:fontRef idx="minor">
+            <a:schemeClr val="lt1"/>
+          </a:fontRef>
+        </p:style>
+        <p:txBody>
+          <a:bodyPr rtlCol="0" anchor="ctr"/>
+          <a:lstStyle/>
+          <a:p>
+            <a:pPr algn="ctr"/>
+            <a:r>
+              <a:rPr lang="en-US" b="1" dirty="0" smtClean="0">
+                <a:solidFill>
+                  <a:schemeClr val="tx1"/>
+                </a:solidFill>
+              </a:rPr>
+              <a:t>REGISTER - SELLER</a:t>
+            </a:r>
+            <a:endParaRPr lang="en-SG" b="1" dirty="0">
+              <a:solidFill>
+                <a:schemeClr val="tx1"/>
+              </a:solidFill>
+            </a:endParaRPr>
+          </a:p>
+        </p:txBody>
+      </p:sp>
+      <p:graphicFrame>
+        <p:nvGraphicFramePr>
+          <p:cNvPr id="6" name="Table 5"/>
+          <p:cNvGraphicFramePr>
+            <a:graphicFrameLocks noGrp="1"/>
+          </p:cNvGraphicFramePr>
+          <p:nvPr>
+            <p:extLst>
+              <p:ext uri="{D42A27DB-BD31-4B8C-83A1-F6EECF244321}">
+                <p14:modId xmlns:p14="http://schemas.microsoft.com/office/powerpoint/2010/main" val="1663159884"/>
+              </p:ext>
+            </p:extLst>
+          </p:nvPr>
+        </p:nvGraphicFramePr>
+        <p:xfrm>
+          <a:off x="1187624" y="1489348"/>
+          <a:ext cx="6096000" cy="2520279"/>
+        </p:xfrm>
+        <a:graphic>
+          <a:graphicData uri="http://schemas.openxmlformats.org/drawingml/2006/table">
+            <a:tbl>
+              <a:tblPr bandRow="1">
+                <a:tableStyleId>{5C22544A-7EE6-4342-B048-85BDC9FD1C3A}</a:tableStyleId>
+              </a:tblPr>
+              <a:tblGrid>
+                <a:gridCol w="6096000"/>
+              </a:tblGrid>
+              <a:tr h="840093">
+                <a:tc>
+                  <a:txBody>
+                    <a:bodyPr/>
+                    <a:lstStyle/>
+                    <a:p>
+                      <a:pPr marL="0" indent="0" algn="l">
+                        <a:buFont typeface="Arial" panose="020B0604020202020204" pitchFamily="34" charset="0"/>
+                        <a:buNone/>
+                      </a:pPr>
+                      <a:r>
+                        <a:rPr lang="en-US" sz="1200" b="1" dirty="0" smtClean="0">
+                          <a:solidFill>
+                            <a:schemeClr val="tx2"/>
+                          </a:solidFill>
+                        </a:rPr>
+                        <a:t>10.89AM – 22-9-2014</a:t>
+                      </a:r>
+                    </a:p>
+                    <a:p>
+                      <a:pPr marL="171450" indent="-171450" algn="l">
+                        <a:buFont typeface="Arial" panose="020B0604020202020204" pitchFamily="34" charset="0"/>
+                        <a:buChar char="•"/>
+                      </a:pPr>
+                      <a:r>
+                        <a:rPr lang="en-US" sz="1200" b="1" u="sng" baseline="0" dirty="0" smtClean="0"/>
+                        <a:t>Ong Lye Tat</a:t>
+                      </a:r>
+                      <a:r>
+                        <a:rPr lang="en-US" sz="1200" b="1" baseline="0" dirty="0" smtClean="0"/>
+                        <a:t> has offered  $50 for </a:t>
+                      </a:r>
+                      <a:r>
+                        <a:rPr lang="en-US" sz="1200" b="1" u="sng" baseline="0" dirty="0" smtClean="0"/>
+                        <a:t>2.1 LOGITECH SPEAKERS</a:t>
+                      </a:r>
+                      <a:r>
+                        <a:rPr lang="en-US" sz="1200" b="1" u="none" baseline="0" dirty="0" smtClean="0"/>
+                        <a:t> </a:t>
+                      </a:r>
+                      <a:r>
+                        <a:rPr lang="en-US" sz="1200" b="1" baseline="0" dirty="0" smtClean="0"/>
+                        <a:t>&amp; </a:t>
+                      </a:r>
+                      <a:br>
+                        <a:rPr lang="en-US" sz="1200" b="1" baseline="0" dirty="0" smtClean="0"/>
+                      </a:br>
+                      <a:r>
+                        <a:rPr lang="en-US" sz="1200" b="1" u="sng" baseline="0" dirty="0" smtClean="0"/>
+                        <a:t>OLD NEWSPAPERS</a:t>
+                      </a:r>
+                      <a:endParaRPr lang="en-SG" sz="1200" b="1" u="sng" dirty="0"/>
+                    </a:p>
+                  </a:txBody>
+                  <a:tcPr>
+                    <a:lnL w="12700" cap="flat" cmpd="sng" algn="ctr">
+                      <a:solidFill>
+                        <a:schemeClr val="tx1"/>
+                      </a:solidFill>
+                      <a:prstDash val="solid"/>
+                      <a:round/>
+                      <a:headEnd type="none" w="med" len="med"/>
+                      <a:tailEnd type="none" w="med" len="med"/>
+                    </a:lnL>
+                    <a:lnR w="12700" cap="flat" cmpd="sng" algn="ctr">
+                      <a:solidFill>
+                        <a:schemeClr val="tx1"/>
+                      </a:solidFill>
+                      <a:prstDash val="solid"/>
+                      <a:round/>
+                      <a:headEnd type="none" w="med" len="med"/>
+                      <a:tailEnd type="none" w="med" len="med"/>
+                    </a:lnR>
+                    <a:lnT w="12700" cap="flat" cmpd="sng" algn="ctr">
+                      <a:solidFill>
+                        <a:schemeClr val="tx1"/>
+                      </a:solidFill>
+                      <a:prstDash val="solid"/>
+                      <a:round/>
+                      <a:headEnd type="none" w="med" len="med"/>
+                      <a:tailEnd type="none" w="med" len="med"/>
+                    </a:lnT>
+                    <a:lnB w="12700" cap="flat" cmpd="sng" algn="ctr">
+                      <a:solidFill>
+                        <a:schemeClr val="tx1"/>
+                      </a:solidFill>
+                      <a:prstDash val="solid"/>
+                      <a:round/>
+                      <a:headEnd type="none" w="med" len="med"/>
+                      <a:tailEnd type="none" w="med" len="med"/>
+                    </a:lnB>
+                    <a:solidFill>
+                      <a:schemeClr val="bg2"/>
+                    </a:solidFill>
+                  </a:tcPr>
+                </a:tc>
+              </a:tr>
+              <a:tr h="840093">
+                <a:tc>
+                  <a:txBody>
+                    <a:bodyPr/>
+                    <a:lstStyle/>
+                    <a:p>
+                      <a:pPr marL="0" marR="0" indent="0" algn="l" defTabSz="914400" rtl="0" eaLnBrk="1" fontAlgn="auto" latinLnBrk="0" hangingPunct="1">
+                        <a:lnSpc>
+                          <a:spcPct val="100000"/>
+                        </a:lnSpc>
+                        <a:spcBef>
+                          <a:spcPts val="0"/>
+                        </a:spcBef>
+                        <a:spcAft>
+                          <a:spcPts val="0"/>
+                        </a:spcAft>
+                        <a:buClrTx/>
+                        <a:buSzTx/>
+                        <a:buFont typeface="Arial" panose="020B0604020202020204" pitchFamily="34" charset="0"/>
+                        <a:buNone/>
+                        <a:tabLst/>
+                        <a:defRPr/>
+                      </a:pPr>
+                      <a:r>
+                        <a:rPr lang="en-US" sz="1200" b="1" dirty="0" smtClean="0">
+                          <a:solidFill>
+                            <a:schemeClr val="tx2"/>
+                          </a:solidFill>
+                        </a:rPr>
+                        <a:t>10.89AM – 22-9-2014</a:t>
+                      </a:r>
+                    </a:p>
+                    <a:p>
+                      <a:pPr marL="171450" marR="0" indent="-171450" algn="l" defTabSz="914400" rtl="0" eaLnBrk="1" fontAlgn="auto" latinLnBrk="0" hangingPunct="1">
+                        <a:lnSpc>
+                          <a:spcPct val="100000"/>
+                        </a:lnSpc>
+                        <a:spcBef>
+                          <a:spcPts val="0"/>
+                        </a:spcBef>
+                        <a:spcAft>
+                          <a:spcPts val="0"/>
+                        </a:spcAft>
+                        <a:buClrTx/>
+                        <a:buSzTx/>
+                        <a:buFont typeface="Arial" panose="020B0604020202020204" pitchFamily="34" charset="0"/>
+                        <a:buChar char="•"/>
+                        <a:tabLst/>
+                        <a:defRPr/>
+                      </a:pPr>
+                      <a:r>
+                        <a:rPr lang="en-US" sz="1200" b="1" u="sng" baseline="0" dirty="0" smtClean="0"/>
+                        <a:t>Mary Tan </a:t>
+                      </a:r>
+                      <a:r>
+                        <a:rPr lang="en-US" sz="1200" b="1" baseline="0" dirty="0" smtClean="0"/>
+                        <a:t>has offered $30 for </a:t>
+                      </a:r>
+                      <a:r>
+                        <a:rPr lang="en-US" sz="1200" b="1" u="sng" baseline="0" dirty="0" smtClean="0"/>
+                        <a:t>2.1 LOGITECH SPEAKERS</a:t>
+                      </a:r>
+                      <a:r>
+                        <a:rPr lang="en-US" sz="1200" b="1" u="none" baseline="0" dirty="0" smtClean="0"/>
+                        <a:t> </a:t>
+                      </a:r>
+                      <a:r>
+                        <a:rPr lang="en-US" sz="1200" b="1" baseline="0" dirty="0" smtClean="0"/>
+                        <a:t>&amp; </a:t>
+                      </a:r>
+                      <a:br>
+                        <a:rPr lang="en-US" sz="1200" b="1" baseline="0" dirty="0" smtClean="0"/>
+                      </a:br>
+                      <a:r>
+                        <a:rPr lang="en-US" sz="1200" b="1" u="sng" baseline="0" dirty="0" smtClean="0"/>
+                        <a:t>OLD NEWSPAPERS</a:t>
+                      </a:r>
+                      <a:endParaRPr lang="en-SG" sz="1200" b="1" dirty="0"/>
+                    </a:p>
+                  </a:txBody>
+                  <a:tcPr>
+                    <a:lnL w="12700" cap="flat" cmpd="sng" algn="ctr">
+                      <a:solidFill>
+                        <a:schemeClr val="tx1"/>
+                      </a:solidFill>
+                      <a:prstDash val="solid"/>
+                      <a:round/>
+                      <a:headEnd type="none" w="med" len="med"/>
+                      <a:tailEnd type="none" w="med" len="med"/>
+                    </a:lnL>
+                    <a:lnR w="12700" cap="flat" cmpd="sng" algn="ctr">
+                      <a:solidFill>
+                        <a:schemeClr val="tx1"/>
+                      </a:solidFill>
+                      <a:prstDash val="solid"/>
+                      <a:round/>
+                      <a:headEnd type="none" w="med" len="med"/>
+                      <a:tailEnd type="none" w="med" len="med"/>
+                    </a:lnR>
+                    <a:lnT w="12700" cap="flat" cmpd="sng" algn="ctr">
+                      <a:solidFill>
+                        <a:schemeClr val="tx1"/>
+                      </a:solidFill>
+                      <a:prstDash val="solid"/>
+                      <a:round/>
+                      <a:headEnd type="none" w="med" len="med"/>
+                      <a:tailEnd type="none" w="med" len="med"/>
+                    </a:lnT>
+                    <a:lnB w="12700" cap="flat" cmpd="sng" algn="ctr">
+                      <a:solidFill>
+                        <a:schemeClr val="tx1"/>
+                      </a:solidFill>
+                      <a:prstDash val="solid"/>
+                      <a:round/>
+                      <a:headEnd type="none" w="med" len="med"/>
+                      <a:tailEnd type="none" w="med" len="med"/>
+                    </a:lnB>
+                    <a:solidFill>
+                      <a:schemeClr val="bg2"/>
+                    </a:solidFill>
+                  </a:tcPr>
+                </a:tc>
+              </a:tr>
+              <a:tr h="840093">
+                <a:tc>
+                  <a:txBody>
+                    <a:bodyPr/>
+                    <a:lstStyle/>
+                    <a:p>
+                      <a:pPr marL="0" marR="0" indent="0" algn="l" defTabSz="914400" rtl="0" eaLnBrk="1" fontAlgn="auto" latinLnBrk="0" hangingPunct="1">
+                        <a:lnSpc>
+                          <a:spcPct val="100000"/>
+                        </a:lnSpc>
+                        <a:spcBef>
+                          <a:spcPts val="0"/>
+                        </a:spcBef>
+                        <a:spcAft>
+                          <a:spcPts val="0"/>
+                        </a:spcAft>
+                        <a:buClrTx/>
+                        <a:buSzTx/>
+                        <a:buFont typeface="Arial" panose="020B0604020202020204" pitchFamily="34" charset="0"/>
+                        <a:buNone/>
+                        <a:tabLst/>
+                        <a:defRPr/>
+                      </a:pPr>
+                      <a:r>
+                        <a:rPr lang="en-US" sz="1200" b="1" dirty="0" smtClean="0">
+                          <a:solidFill>
+                            <a:schemeClr val="tx2"/>
+                          </a:solidFill>
+                        </a:rPr>
+                        <a:t>10.89AM – 22-9-2014</a:t>
+                      </a:r>
+                    </a:p>
+                    <a:p>
+                      <a:pPr marL="171450" marR="0" indent="-171450" algn="l" defTabSz="914400" rtl="0" eaLnBrk="1" fontAlgn="auto" latinLnBrk="0" hangingPunct="1">
+                        <a:lnSpc>
+                          <a:spcPct val="100000"/>
+                        </a:lnSpc>
+                        <a:spcBef>
+                          <a:spcPts val="0"/>
+                        </a:spcBef>
+                        <a:spcAft>
+                          <a:spcPts val="0"/>
+                        </a:spcAft>
+                        <a:buClrTx/>
+                        <a:buSzTx/>
+                        <a:buFont typeface="Arial" panose="020B0604020202020204" pitchFamily="34" charset="0"/>
+                        <a:buChar char="•"/>
+                        <a:tabLst/>
+                        <a:defRPr/>
+                      </a:pPr>
+                      <a:r>
+                        <a:rPr lang="en-US" sz="1200" baseline="0" dirty="0" smtClean="0"/>
+                        <a:t> </a:t>
+                      </a:r>
+                      <a:r>
+                        <a:rPr lang="en-US" sz="1200" b="1" u="sng" baseline="0" dirty="0" smtClean="0"/>
+                        <a:t>Heng ah </a:t>
+                      </a:r>
+                      <a:r>
+                        <a:rPr lang="en-US" sz="1200" b="1" u="sng" baseline="0" dirty="0" err="1" smtClean="0"/>
+                        <a:t>Sio</a:t>
+                      </a:r>
+                      <a:r>
+                        <a:rPr lang="en-US" sz="1200" b="1" u="sng" baseline="0" dirty="0" smtClean="0"/>
+                        <a:t> </a:t>
+                      </a:r>
+                      <a:r>
+                        <a:rPr lang="en-US" sz="1200" b="1" baseline="0" dirty="0" smtClean="0"/>
+                        <a:t>has offered $40 for </a:t>
+                      </a:r>
+                      <a:r>
+                        <a:rPr lang="en-US" sz="1200" b="1" u="sng" baseline="0" dirty="0" smtClean="0"/>
+                        <a:t>2.1 LOGITECH SPEAKERS</a:t>
+                      </a:r>
+                      <a:endParaRPr lang="en-SG" sz="1200" b="1" u="sng" dirty="0"/>
+                    </a:p>
+                  </a:txBody>
+                  <a:tcPr>
+                    <a:lnL w="12700" cap="flat" cmpd="sng" algn="ctr">
+                      <a:solidFill>
+                        <a:schemeClr val="tx1"/>
+                      </a:solidFill>
+                      <a:prstDash val="solid"/>
+                      <a:round/>
+                      <a:headEnd type="none" w="med" len="med"/>
+                      <a:tailEnd type="none" w="med" len="med"/>
+                    </a:lnL>
+                    <a:lnR w="12700" cap="flat" cmpd="sng" algn="ctr">
+                      <a:solidFill>
+                        <a:schemeClr val="tx1"/>
+                      </a:solidFill>
+                      <a:prstDash val="solid"/>
+                      <a:round/>
+                      <a:headEnd type="none" w="med" len="med"/>
+                      <a:tailEnd type="none" w="med" len="med"/>
+                    </a:lnR>
+                    <a:lnT w="12700" cap="flat" cmpd="sng" algn="ctr">
+                      <a:solidFill>
+                        <a:schemeClr val="tx1"/>
+                      </a:solidFill>
+                      <a:prstDash val="solid"/>
+                      <a:round/>
+                      <a:headEnd type="none" w="med" len="med"/>
+                      <a:tailEnd type="none" w="med" len="med"/>
+                    </a:lnT>
+                    <a:lnB w="12700" cap="flat" cmpd="sng" algn="ctr">
+                      <a:solidFill>
+                        <a:schemeClr val="tx1"/>
+                      </a:solidFill>
+                      <a:prstDash val="solid"/>
+                      <a:round/>
+                      <a:headEnd type="none" w="med" len="med"/>
+                      <a:tailEnd type="none" w="med" len="med"/>
+                    </a:lnB>
+                    <a:solidFill>
+                      <a:schemeClr val="bg2"/>
+                    </a:solidFill>
+                  </a:tcPr>
+                </a:tc>
+              </a:tr>
+            </a:tbl>
+          </a:graphicData>
+        </a:graphic>
+      </p:graphicFrame>
+      <p:sp>
+        <p:nvSpPr>
+          <p:cNvPr id="7" name="Rounded Rectangle 6"/>
+          <p:cNvSpPr/>
+          <p:nvPr/>
+        </p:nvSpPr>
+        <p:spPr>
+          <a:xfrm>
+            <a:off x="5436096" y="1777380"/>
+            <a:ext cx="720080" cy="288032"/>
+          </a:xfrm>
+          <a:prstGeom prst="roundRect">
+            <a:avLst/>
+          </a:prstGeom>
+          <a:solidFill>
+            <a:srgbClr val="92D050"/>
+          </a:solidFill>
+          <a:ln>
+            <a:noFill/>
+          </a:ln>
+          <a:effectLst>
+            <a:outerShdw blurRad="44450" dist="27940" dir="5400000" algn="ctr">
+              <a:srgbClr val="000000">
+                <a:alpha val="32000"/>
+              </a:srgbClr>
+            </a:outerShdw>
+          </a:effectLst>
+          <a:scene3d>
+            <a:camera prst="orthographicFront">
+              <a:rot lat="0" lon="0" rev="0"/>
+            </a:camera>
+            <a:lightRig rig="balanced" dir="t">
+              <a:rot lat="0" lon="0" rev="8700000"/>
+            </a:lightRig>
+          </a:scene3d>
+          <a:sp3d>
+            <a:bevelT w="190500" h="38100"/>
+          </a:sp3d>
+        </p:spPr>
+        <p:style>
+          <a:lnRef idx="2">
+            <a:schemeClr val="accent3">
+              <a:shade val="50000"/>
+            </a:schemeClr>
+          </a:lnRef>
+          <a:fillRef idx="1">
+            <a:schemeClr val="accent3"/>
+          </a:fillRef>
+          <a:effectRef idx="0">
+            <a:schemeClr val="accent3"/>
+          </a:effectRef>
+          <a:fontRef idx="minor">
+            <a:schemeClr val="lt1"/>
+          </a:fontRef>
+        </p:style>
+        <p:txBody>
+          <a:bodyPr rtlCol="0" anchor="ctr"/>
+          <a:lstStyle/>
+          <a:p>
+            <a:pPr algn="ctr"/>
+            <a:r>
+              <a:rPr lang="en-US" sz="1100" b="1" dirty="0" smtClean="0">
+                <a:solidFill>
+                  <a:sysClr val="windowText" lastClr="000000"/>
+                </a:solidFill>
+              </a:rPr>
+              <a:t>ACCEPT</a:t>
+            </a:r>
+            <a:endParaRPr lang="en-SG" sz="1100" b="1" dirty="0">
+              <a:solidFill>
+                <a:sysClr val="windowText" lastClr="000000"/>
+              </a:solidFill>
+            </a:endParaRPr>
+          </a:p>
+        </p:txBody>
+      </p:sp>
+      <p:sp>
+        <p:nvSpPr>
+          <p:cNvPr id="8" name="Rounded Rectangle 7"/>
+          <p:cNvSpPr/>
+          <p:nvPr/>
+        </p:nvSpPr>
+        <p:spPr>
+          <a:xfrm>
+            <a:off x="6308576" y="1785764"/>
+            <a:ext cx="720080" cy="288032"/>
+          </a:xfrm>
+          <a:prstGeom prst="roundRect">
+            <a:avLst/>
+          </a:prstGeom>
+          <a:solidFill>
+            <a:srgbClr val="FF0000">
+              <a:tint val="66000"/>
+              <a:satMod val="160000"/>
+            </a:srgbClr>
+          </a:solidFill>
+          <a:ln>
+            <a:noFill/>
+          </a:ln>
+          <a:effectLst>
+            <a:outerShdw blurRad="44450" dist="27940" dir="5400000" algn="ctr">
+              <a:srgbClr val="000000">
+                <a:alpha val="32000"/>
+              </a:srgbClr>
+            </a:outerShdw>
+          </a:effectLst>
+          <a:scene3d>
+            <a:camera prst="orthographicFront">
+              <a:rot lat="0" lon="0" rev="0"/>
+            </a:camera>
+            <a:lightRig rig="balanced" dir="t">
+              <a:rot lat="0" lon="0" rev="8700000"/>
+            </a:lightRig>
+          </a:scene3d>
+          <a:sp3d>
+            <a:bevelT w="190500" h="38100"/>
+          </a:sp3d>
+        </p:spPr>
+        <p:style>
+          <a:lnRef idx="2">
+            <a:schemeClr val="accent2">
+              <a:shade val="50000"/>
+            </a:schemeClr>
+          </a:lnRef>
+          <a:fillRef idx="1">
+            <a:schemeClr val="accent2"/>
+          </a:fillRef>
+          <a:effectRef idx="0">
+            <a:schemeClr val="accent2"/>
+          </a:effectRef>
+          <a:fontRef idx="minor">
+            <a:schemeClr val="lt1"/>
+          </a:fontRef>
+        </p:style>
+        <p:txBody>
+          <a:bodyPr rtlCol="0" anchor="ctr"/>
+          <a:lstStyle/>
+          <a:p>
+            <a:pPr algn="ctr"/>
+            <a:r>
+              <a:rPr lang="en-US" sz="1100" b="1" dirty="0" smtClean="0">
+                <a:solidFill>
+                  <a:sysClr val="windowText" lastClr="000000"/>
+                </a:solidFill>
+              </a:rPr>
+              <a:t>DECLINE</a:t>
+            </a:r>
+            <a:endParaRPr lang="en-SG" sz="1050" b="1" dirty="0">
+              <a:solidFill>
+                <a:sysClr val="windowText" lastClr="000000"/>
+              </a:solidFill>
+            </a:endParaRPr>
+          </a:p>
+        </p:txBody>
+      </p:sp>
+      <p:sp>
+        <p:nvSpPr>
+          <p:cNvPr id="9" name="Rounded Rectangle 8"/>
+          <p:cNvSpPr/>
+          <p:nvPr/>
+        </p:nvSpPr>
+        <p:spPr>
+          <a:xfrm>
+            <a:off x="5436096" y="2633092"/>
+            <a:ext cx="720080" cy="288032"/>
+          </a:xfrm>
+          <a:prstGeom prst="roundRect">
+            <a:avLst/>
+          </a:prstGeom>
+          <a:solidFill>
+            <a:srgbClr val="92D050"/>
+          </a:solidFill>
+          <a:ln>
+            <a:noFill/>
+          </a:ln>
+          <a:effectLst>
+            <a:outerShdw blurRad="44450" dist="27940" dir="5400000" algn="ctr">
+              <a:srgbClr val="000000">
+                <a:alpha val="32000"/>
+              </a:srgbClr>
+            </a:outerShdw>
+          </a:effectLst>
+          <a:scene3d>
+            <a:camera prst="orthographicFront">
+              <a:rot lat="0" lon="0" rev="0"/>
+            </a:camera>
+            <a:lightRig rig="balanced" dir="t">
+              <a:rot lat="0" lon="0" rev="8700000"/>
+            </a:lightRig>
+          </a:scene3d>
+          <a:sp3d>
+            <a:bevelT w="190500" h="38100"/>
+          </a:sp3d>
+        </p:spPr>
+        <p:style>
+          <a:lnRef idx="2">
+            <a:schemeClr val="accent3">
+              <a:shade val="50000"/>
+            </a:schemeClr>
+          </a:lnRef>
+          <a:fillRef idx="1">
+            <a:schemeClr val="accent3"/>
+          </a:fillRef>
+          <a:effectRef idx="0">
+            <a:schemeClr val="accent3"/>
+          </a:effectRef>
+          <a:fontRef idx="minor">
+            <a:schemeClr val="lt1"/>
+          </a:fontRef>
+        </p:style>
+        <p:txBody>
+          <a:bodyPr rtlCol="0" anchor="ctr"/>
+          <a:lstStyle/>
+          <a:p>
+            <a:pPr algn="ctr"/>
+            <a:r>
+              <a:rPr lang="en-US" sz="1100" b="1" dirty="0" smtClean="0">
+                <a:solidFill>
+                  <a:sysClr val="windowText" lastClr="000000"/>
+                </a:solidFill>
+              </a:rPr>
+              <a:t>ACCEPT</a:t>
+            </a:r>
+            <a:endParaRPr lang="en-SG" sz="1100" b="1" dirty="0">
+              <a:solidFill>
+                <a:sysClr val="windowText" lastClr="000000"/>
+              </a:solidFill>
+            </a:endParaRPr>
+          </a:p>
+        </p:txBody>
+      </p:sp>
+      <p:sp>
+        <p:nvSpPr>
+          <p:cNvPr id="10" name="Rounded Rectangle 9"/>
+          <p:cNvSpPr/>
+          <p:nvPr/>
+        </p:nvSpPr>
+        <p:spPr>
+          <a:xfrm>
+            <a:off x="6308576" y="2641476"/>
+            <a:ext cx="720080" cy="288032"/>
+          </a:xfrm>
+          <a:prstGeom prst="roundRect">
+            <a:avLst/>
+          </a:prstGeom>
+          <a:solidFill>
+            <a:srgbClr val="FF0000">
+              <a:tint val="66000"/>
+              <a:satMod val="160000"/>
+            </a:srgbClr>
+          </a:solidFill>
+          <a:ln>
+            <a:noFill/>
+          </a:ln>
+          <a:effectLst>
+            <a:outerShdw blurRad="44450" dist="27940" dir="5400000" algn="ctr">
+              <a:srgbClr val="000000">
+                <a:alpha val="32000"/>
+              </a:srgbClr>
+            </a:outerShdw>
+          </a:effectLst>
+          <a:scene3d>
+            <a:camera prst="orthographicFront">
+              <a:rot lat="0" lon="0" rev="0"/>
+            </a:camera>
+            <a:lightRig rig="balanced" dir="t">
+              <a:rot lat="0" lon="0" rev="8700000"/>
+            </a:lightRig>
+          </a:scene3d>
+          <a:sp3d>
+            <a:bevelT w="190500" h="38100"/>
+          </a:sp3d>
+        </p:spPr>
+        <p:style>
+          <a:lnRef idx="2">
+            <a:schemeClr val="accent2">
+              <a:shade val="50000"/>
+            </a:schemeClr>
+          </a:lnRef>
+          <a:fillRef idx="1">
+            <a:schemeClr val="accent2"/>
+          </a:fillRef>
+          <a:effectRef idx="0">
+            <a:schemeClr val="accent2"/>
+          </a:effectRef>
+          <a:fontRef idx="minor">
+            <a:schemeClr val="lt1"/>
+          </a:fontRef>
+        </p:style>
+        <p:txBody>
+          <a:bodyPr rtlCol="0" anchor="ctr"/>
+          <a:lstStyle/>
+          <a:p>
+            <a:pPr algn="ctr"/>
+            <a:r>
+              <a:rPr lang="en-US" sz="1100" b="1" dirty="0" smtClean="0">
+                <a:solidFill>
+                  <a:sysClr val="windowText" lastClr="000000"/>
+                </a:solidFill>
+              </a:rPr>
+              <a:t>DECLINE</a:t>
+            </a:r>
+            <a:endParaRPr lang="en-SG" sz="1050" b="1" dirty="0">
+              <a:solidFill>
+                <a:sysClr val="windowText" lastClr="000000"/>
+              </a:solidFill>
+            </a:endParaRPr>
+          </a:p>
+        </p:txBody>
+      </p:sp>
+      <p:sp>
+        <p:nvSpPr>
+          <p:cNvPr id="11" name="Rounded Rectangle 10"/>
+          <p:cNvSpPr/>
+          <p:nvPr/>
+        </p:nvSpPr>
+        <p:spPr>
+          <a:xfrm>
+            <a:off x="5436096" y="3429744"/>
+            <a:ext cx="720080" cy="288032"/>
+          </a:xfrm>
+          <a:prstGeom prst="roundRect">
+            <a:avLst/>
+          </a:prstGeom>
+          <a:solidFill>
+            <a:srgbClr val="92D050"/>
+          </a:solidFill>
+          <a:ln>
+            <a:noFill/>
+          </a:ln>
+          <a:effectLst>
+            <a:outerShdw blurRad="44450" dist="27940" dir="5400000" algn="ctr">
+              <a:srgbClr val="000000">
+                <a:alpha val="32000"/>
+              </a:srgbClr>
+            </a:outerShdw>
+          </a:effectLst>
+          <a:scene3d>
+            <a:camera prst="orthographicFront">
+              <a:rot lat="0" lon="0" rev="0"/>
+            </a:camera>
+            <a:lightRig rig="balanced" dir="t">
+              <a:rot lat="0" lon="0" rev="8700000"/>
+            </a:lightRig>
+          </a:scene3d>
+          <a:sp3d>
+            <a:bevelT w="190500" h="38100"/>
+          </a:sp3d>
+        </p:spPr>
+        <p:style>
+          <a:lnRef idx="2">
+            <a:schemeClr val="accent3">
+              <a:shade val="50000"/>
+            </a:schemeClr>
+          </a:lnRef>
+          <a:fillRef idx="1">
+            <a:schemeClr val="accent3"/>
+          </a:fillRef>
+          <a:effectRef idx="0">
+            <a:schemeClr val="accent3"/>
+          </a:effectRef>
+          <a:fontRef idx="minor">
+            <a:schemeClr val="lt1"/>
+          </a:fontRef>
+        </p:style>
+        <p:txBody>
+          <a:bodyPr rtlCol="0" anchor="ctr"/>
+          <a:lstStyle/>
+          <a:p>
+            <a:pPr algn="ctr"/>
+            <a:r>
+              <a:rPr lang="en-US" sz="1100" b="1" dirty="0" smtClean="0">
+                <a:solidFill>
+                  <a:sysClr val="windowText" lastClr="000000"/>
+                </a:solidFill>
+              </a:rPr>
+              <a:t>ACCEPT</a:t>
+            </a:r>
+            <a:endParaRPr lang="en-SG" sz="1100" b="1" dirty="0">
+              <a:solidFill>
+                <a:sysClr val="windowText" lastClr="000000"/>
+              </a:solidFill>
+            </a:endParaRPr>
+          </a:p>
+        </p:txBody>
+      </p:sp>
+      <p:sp>
+        <p:nvSpPr>
+          <p:cNvPr id="12" name="Rounded Rectangle 11"/>
+          <p:cNvSpPr/>
+          <p:nvPr/>
+        </p:nvSpPr>
+        <p:spPr>
+          <a:xfrm>
+            <a:off x="6308576" y="3438128"/>
+            <a:ext cx="720080" cy="288032"/>
+          </a:xfrm>
+          <a:prstGeom prst="roundRect">
+            <a:avLst/>
+          </a:prstGeom>
+          <a:solidFill>
+            <a:srgbClr val="FF0000">
+              <a:tint val="66000"/>
+              <a:satMod val="160000"/>
+            </a:srgbClr>
+          </a:solidFill>
+          <a:ln>
+            <a:noFill/>
+          </a:ln>
+          <a:effectLst>
+            <a:outerShdw blurRad="44450" dist="27940" dir="5400000" algn="ctr">
+              <a:srgbClr val="000000">
+                <a:alpha val="32000"/>
+              </a:srgbClr>
+            </a:outerShdw>
+          </a:effectLst>
+          <a:scene3d>
+            <a:camera prst="orthographicFront">
+              <a:rot lat="0" lon="0" rev="0"/>
+            </a:camera>
+            <a:lightRig rig="balanced" dir="t">
+              <a:rot lat="0" lon="0" rev="8700000"/>
+            </a:lightRig>
+          </a:scene3d>
+          <a:sp3d>
+            <a:bevelT w="190500" h="38100"/>
+          </a:sp3d>
+        </p:spPr>
+        <p:style>
+          <a:lnRef idx="2">
+            <a:schemeClr val="accent2">
+              <a:shade val="50000"/>
+            </a:schemeClr>
+          </a:lnRef>
+          <a:fillRef idx="1">
+            <a:schemeClr val="accent2"/>
+          </a:fillRef>
+          <a:effectRef idx="0">
+            <a:schemeClr val="accent2"/>
+          </a:effectRef>
+          <a:fontRef idx="minor">
+            <a:schemeClr val="lt1"/>
+          </a:fontRef>
+        </p:style>
+        <p:txBody>
+          <a:bodyPr rtlCol="0" anchor="ctr"/>
+          <a:lstStyle/>
+          <a:p>
+            <a:pPr algn="ctr"/>
+            <a:r>
+              <a:rPr lang="en-US" sz="1100" b="1" dirty="0" smtClean="0">
+                <a:solidFill>
+                  <a:sysClr val="windowText" lastClr="000000"/>
+                </a:solidFill>
+              </a:rPr>
+              <a:t>DECLINE</a:t>
+            </a:r>
+            <a:endParaRPr lang="en-SG" sz="1050" b="1" dirty="0">
+              <a:solidFill>
+                <a:sysClr val="windowText" lastClr="000000"/>
+              </a:solidFill>
+            </a:endParaRPr>
+          </a:p>
+        </p:txBody>
+      </p:sp>
+    </p:spTree>
+    <p:extLst>
+      <p:ext uri="{BB962C8B-B14F-4D97-AF65-F5344CB8AC3E}">
+        <p14:creationId xmlns:p14="http://schemas.microsoft.com/office/powerpoint/2010/main" val="2960138656"/>
+      </p:ext>
+    </p:extLst>
+  </p:cSld>
+  <p:clrMapOvr>
+    <a:masterClrMapping/>
+  </p:clrMapOvr>
+</p:sld>
+</file>
+
+<file path=ppt/slides/slide11.xml><?xml version="1.0" encoding="utf-8"?>
+<p:sld xmlns:a="http://schemas.openxmlformats.org/drawingml/2006/main" xmlns:r="http://schemas.openxmlformats.org/officeDocument/2006/relationships" xmlns:p="http://schemas.openxmlformats.org/presentationml/2006/main">
+  <p:cSld>
+    <p:spTree>
+      <p:nvGrpSpPr>
+        <p:cNvPr id="1" name=""/>
+        <p:cNvGrpSpPr/>
+        <p:nvPr/>
+      </p:nvGrpSpPr>
+      <p:grpSpPr>
+        <a:xfrm>
+          <a:off x="0" y="0"/>
+          <a:ext cx="0" cy="0"/>
+          <a:chOff x="0" y="0"/>
+          <a:chExt cx="0" cy="0"/>
+        </a:xfrm>
+      </p:grpSpPr>
+      <p:grpSp>
+        <p:nvGrpSpPr>
+          <p:cNvPr id="6" name="Group 5"/>
+          <p:cNvGrpSpPr/>
+          <p:nvPr/>
+        </p:nvGrpSpPr>
+        <p:grpSpPr>
+          <a:xfrm>
+            <a:off x="1454288" y="2474210"/>
+            <a:ext cx="3852120" cy="1679434"/>
+            <a:chOff x="2483768" y="1705372"/>
+            <a:chExt cx="4464376" cy="1988554"/>
+          </a:xfrm>
+        </p:grpSpPr>
+        <p:grpSp>
+          <p:nvGrpSpPr>
+            <p:cNvPr id="4" name="Group 3"/>
+            <p:cNvGrpSpPr/>
+            <p:nvPr/>
+          </p:nvGrpSpPr>
+          <p:grpSpPr>
+            <a:xfrm>
+              <a:off x="2483768" y="1705372"/>
+              <a:ext cx="4464376" cy="1080744"/>
+              <a:chOff x="1547664" y="1386631"/>
+              <a:chExt cx="4464376" cy="1080744"/>
+            </a:xfrm>
+          </p:grpSpPr>
+          <p:pic>
+            <p:nvPicPr>
+              <p:cNvPr id="3076" name="Picture 4" descr="http://www.clker.com/cliparts/e/8/3/a/11949864601483835659smiley103.svg.med.png"/>
+              <p:cNvPicPr>
+                <a:picLocks noChangeAspect="1" noChangeArrowheads="1"/>
+              </p:cNvPicPr>
+              <p:nvPr/>
+            </p:nvPicPr>
+            <p:blipFill>
+              <a:blip r:embed="rId2" cstate="print">
+                <a:extLst>
+                  <a:ext uri="{28A0092B-C50C-407E-A947-70E740481C1C}">
+                    <a14:useLocalDpi xmlns:a14="http://schemas.microsoft.com/office/drawing/2010/main" val="0"/>
+                  </a:ext>
+                </a:extLst>
+              </a:blip>
+              <a:srcRect/>
+              <a:stretch>
+                <a:fillRect/>
+              </a:stretch>
+            </p:blipFill>
+            <p:spPr bwMode="auto">
+              <a:xfrm>
+                <a:off x="3284795" y="1386631"/>
+                <a:ext cx="1080000" cy="1080000"/>
+              </a:xfrm>
+              <a:prstGeom prst="rect">
+                <a:avLst/>
+              </a:prstGeom>
+              <a:noFill/>
+              <a:extLst>
+                <a:ext uri="{909E8E84-426E-40DD-AFC4-6F175D3DCCD1}">
+                  <a14:hiddenFill xmlns:a14="http://schemas.microsoft.com/office/drawing/2010/main">
+                    <a:solidFill>
+                      <a:srgbClr val="FFFFFF"/>
+                    </a:solidFill>
+                  </a14:hiddenFill>
+                </a:ext>
+              </a:extLst>
+            </p:spPr>
+          </p:pic>
+          <p:pic>
+            <p:nvPicPr>
+              <p:cNvPr id="3078" name="Picture 6" descr="http://www.clker.com/cliparts/7/1/0/b/119498645723678292smiley100.svg.med.png"/>
+              <p:cNvPicPr>
+                <a:picLocks noChangeAspect="1" noChangeArrowheads="1"/>
+              </p:cNvPicPr>
+              <p:nvPr/>
+            </p:nvPicPr>
+            <p:blipFill>
+              <a:blip r:embed="rId3" cstate="print">
+                <a:extLst>
+                  <a:ext uri="{28A0092B-C50C-407E-A947-70E740481C1C}">
+                    <a14:useLocalDpi xmlns:a14="http://schemas.microsoft.com/office/drawing/2010/main" val="0"/>
+                  </a:ext>
+                </a:extLst>
+              </a:blip>
+              <a:srcRect/>
+              <a:stretch>
+                <a:fillRect/>
+              </a:stretch>
+            </p:blipFill>
+            <p:spPr bwMode="auto">
+              <a:xfrm>
+                <a:off x="1547664" y="1386631"/>
+                <a:ext cx="1080000" cy="1080000"/>
+              </a:xfrm>
+              <a:prstGeom prst="rect">
+                <a:avLst/>
+              </a:prstGeom>
+              <a:noFill/>
+              <a:extLst>
+                <a:ext uri="{909E8E84-426E-40DD-AFC4-6F175D3DCCD1}">
+                  <a14:hiddenFill xmlns:a14="http://schemas.microsoft.com/office/drawing/2010/main">
+                    <a:solidFill>
+                      <a:srgbClr val="FFFFFF"/>
+                    </a:solidFill>
+                  </a14:hiddenFill>
+                </a:ext>
+              </a:extLst>
+            </p:spPr>
+          </p:pic>
+          <p:pic>
+            <p:nvPicPr>
+              <p:cNvPr id="3080" name="Picture 8" descr="http://www.clker.com/cliparts/d/b/9/e/1194986459994010940smiley102.svg.med.png"/>
+              <p:cNvPicPr>
+                <a:picLocks noChangeAspect="1" noChangeArrowheads="1"/>
+              </p:cNvPicPr>
+              <p:nvPr/>
+            </p:nvPicPr>
+            <p:blipFill>
+              <a:blip r:embed="rId4" cstate="print">
+                <a:extLst>
+                  <a:ext uri="{28A0092B-C50C-407E-A947-70E740481C1C}">
+                    <a14:useLocalDpi xmlns:a14="http://schemas.microsoft.com/office/drawing/2010/main" val="0"/>
+                  </a:ext>
+                </a:extLst>
+              </a:blip>
+              <a:srcRect/>
+              <a:stretch>
+                <a:fillRect/>
+              </a:stretch>
+            </p:blipFill>
+            <p:spPr bwMode="auto">
+              <a:xfrm>
+                <a:off x="4932040" y="1387375"/>
+                <a:ext cx="1080000" cy="1080000"/>
+              </a:xfrm>
+              <a:prstGeom prst="rect">
+                <a:avLst/>
+              </a:prstGeom>
+              <a:noFill/>
+              <a:extLst>
+                <a:ext uri="{909E8E84-426E-40DD-AFC4-6F175D3DCCD1}">
+                  <a14:hiddenFill xmlns:a14="http://schemas.microsoft.com/office/drawing/2010/main">
+                    <a:solidFill>
+                      <a:srgbClr val="FFFFFF"/>
+                    </a:solidFill>
+                  </a14:hiddenFill>
+                </a:ext>
+              </a:extLst>
+            </p:spPr>
+          </p:pic>
+        </p:grpSp>
+        <p:sp>
+          <p:nvSpPr>
+            <p:cNvPr id="5" name="TextBox 4"/>
+            <p:cNvSpPr txBox="1"/>
+            <p:nvPr/>
+          </p:nvSpPr>
+          <p:spPr>
+            <a:xfrm>
+              <a:off x="2627784" y="3001516"/>
+              <a:ext cx="792088" cy="692410"/>
+            </a:xfrm>
+            <a:prstGeom prst="rect">
+              <a:avLst/>
+            </a:prstGeom>
+            <a:noFill/>
+            <a:ln>
+              <a:solidFill>
+                <a:schemeClr val="tx1"/>
+              </a:solidFill>
+            </a:ln>
+          </p:spPr>
+          <p:txBody>
+            <a:bodyPr wrap="square" rtlCol="0">
+              <a:spAutoFit/>
+            </a:bodyPr>
+            <a:lstStyle/>
+            <a:p>
+              <a:pPr algn="ctr"/>
+              <a:r>
+                <a:rPr lang="en-US" sz="3200" b="1" dirty="0" smtClean="0"/>
+                <a:t>4</a:t>
+              </a:r>
+              <a:endParaRPr lang="en-SG" sz="3200" b="1" dirty="0"/>
+            </a:p>
+          </p:txBody>
+        </p:sp>
+        <p:sp>
+          <p:nvSpPr>
+            <p:cNvPr id="10" name="TextBox 9"/>
+            <p:cNvSpPr txBox="1"/>
+            <p:nvPr/>
+          </p:nvSpPr>
+          <p:spPr>
+            <a:xfrm>
+              <a:off x="4364855" y="3001516"/>
+              <a:ext cx="792088" cy="692410"/>
+            </a:xfrm>
+            <a:prstGeom prst="rect">
+              <a:avLst/>
+            </a:prstGeom>
+            <a:noFill/>
+            <a:ln>
+              <a:solidFill>
+                <a:schemeClr val="tx1"/>
+              </a:solidFill>
+            </a:ln>
+          </p:spPr>
+          <p:txBody>
+            <a:bodyPr wrap="square" rtlCol="0">
+              <a:spAutoFit/>
+            </a:bodyPr>
+            <a:lstStyle/>
+            <a:p>
+              <a:pPr algn="ctr"/>
+              <a:r>
+                <a:rPr lang="en-US" sz="3200" b="1" dirty="0" smtClean="0"/>
+                <a:t>4</a:t>
+              </a:r>
+              <a:endParaRPr lang="en-SG" sz="3200" b="1" dirty="0"/>
+            </a:p>
+          </p:txBody>
+        </p:sp>
+        <p:sp>
+          <p:nvSpPr>
+            <p:cNvPr id="11" name="TextBox 10"/>
+            <p:cNvSpPr txBox="1"/>
+            <p:nvPr/>
+          </p:nvSpPr>
+          <p:spPr>
+            <a:xfrm>
+              <a:off x="6012099" y="3001516"/>
+              <a:ext cx="792088" cy="692410"/>
+            </a:xfrm>
+            <a:prstGeom prst="rect">
+              <a:avLst/>
+            </a:prstGeom>
+            <a:noFill/>
+            <a:ln>
+              <a:solidFill>
+                <a:schemeClr val="tx1"/>
+              </a:solidFill>
+            </a:ln>
+          </p:spPr>
+          <p:txBody>
+            <a:bodyPr wrap="square" rtlCol="0">
+              <a:spAutoFit/>
+            </a:bodyPr>
+            <a:lstStyle/>
+            <a:p>
+              <a:pPr algn="ctr"/>
+              <a:r>
+                <a:rPr lang="en-US" sz="3200" b="1" dirty="0"/>
+                <a:t>2</a:t>
+              </a:r>
+              <a:endParaRPr lang="en-SG" sz="3200" b="1" dirty="0"/>
+            </a:p>
+          </p:txBody>
+        </p:sp>
+      </p:grpSp>
+      <p:sp>
+        <p:nvSpPr>
+          <p:cNvPr id="13" name="TextBox 12"/>
+          <p:cNvSpPr txBox="1"/>
+          <p:nvPr/>
+        </p:nvSpPr>
+        <p:spPr>
+          <a:xfrm>
+            <a:off x="-36511" y="1145141"/>
+            <a:ext cx="1425587" cy="276999"/>
+          </a:xfrm>
+          <a:prstGeom prst="rect">
+            <a:avLst/>
+          </a:prstGeom>
+          <a:noFill/>
+          <a:ln>
+            <a:solidFill>
+              <a:schemeClr val="bg1"/>
+            </a:solidFill>
+          </a:ln>
+        </p:spPr>
+        <p:txBody>
+          <a:bodyPr wrap="square" rtlCol="0">
+            <a:spAutoFit/>
+          </a:bodyPr>
+          <a:lstStyle/>
+          <a:p>
+            <a:pPr algn="r"/>
+            <a:r>
+              <a:rPr lang="en-US" sz="1200" b="1" dirty="0" smtClean="0"/>
+              <a:t>Buyer’s Name</a:t>
+            </a:r>
+            <a:endParaRPr lang="en-SG" sz="1200" b="1" dirty="0"/>
+          </a:p>
+        </p:txBody>
+      </p:sp>
+      <p:sp>
+        <p:nvSpPr>
+          <p:cNvPr id="14" name="TextBox 13"/>
+          <p:cNvSpPr txBox="1"/>
+          <p:nvPr/>
+        </p:nvSpPr>
+        <p:spPr>
+          <a:xfrm>
+            <a:off x="-34179" y="1508256"/>
+            <a:ext cx="1425587" cy="276999"/>
+          </a:xfrm>
+          <a:prstGeom prst="rect">
+            <a:avLst/>
+          </a:prstGeom>
+          <a:noFill/>
+          <a:ln>
+            <a:solidFill>
+              <a:schemeClr val="bg1"/>
+            </a:solidFill>
+          </a:ln>
+        </p:spPr>
+        <p:txBody>
+          <a:bodyPr wrap="square" rtlCol="0">
+            <a:spAutoFit/>
+          </a:bodyPr>
+          <a:lstStyle/>
+          <a:p>
+            <a:pPr algn="r"/>
+            <a:r>
+              <a:rPr lang="en-US" sz="1200" b="1" dirty="0" smtClean="0"/>
+              <a:t>Email:</a:t>
+            </a:r>
+            <a:endParaRPr lang="en-SG" sz="1200" b="1" dirty="0"/>
+          </a:p>
+        </p:txBody>
+      </p:sp>
+      <p:sp>
+        <p:nvSpPr>
+          <p:cNvPr id="15" name="TextBox 14"/>
+          <p:cNvSpPr txBox="1"/>
+          <p:nvPr/>
+        </p:nvSpPr>
+        <p:spPr>
+          <a:xfrm>
+            <a:off x="-36512" y="1865221"/>
+            <a:ext cx="1425587" cy="276999"/>
+          </a:xfrm>
+          <a:prstGeom prst="rect">
+            <a:avLst/>
+          </a:prstGeom>
+          <a:noFill/>
+          <a:ln>
+            <a:solidFill>
+              <a:schemeClr val="bg1"/>
+            </a:solidFill>
+          </a:ln>
+        </p:spPr>
+        <p:txBody>
+          <a:bodyPr wrap="square" rtlCol="0">
+            <a:spAutoFit/>
+          </a:bodyPr>
+          <a:lstStyle/>
+          <a:p>
+            <a:pPr algn="r"/>
+            <a:r>
+              <a:rPr lang="en-US" sz="1200" b="1" dirty="0" smtClean="0"/>
+              <a:t>Contact</a:t>
+            </a:r>
+            <a:r>
+              <a:rPr lang="en-US" sz="1200" b="1" dirty="0" smtClean="0"/>
+              <a:t>:</a:t>
+            </a:r>
+            <a:endParaRPr lang="en-SG" sz="1200" b="1" dirty="0"/>
+          </a:p>
+        </p:txBody>
+      </p:sp>
+      <p:sp>
+        <p:nvSpPr>
+          <p:cNvPr id="16" name="TextBox 15"/>
+          <p:cNvSpPr txBox="1"/>
+          <p:nvPr/>
+        </p:nvSpPr>
+        <p:spPr>
+          <a:xfrm>
+            <a:off x="-17760" y="2380646"/>
+            <a:ext cx="1425587" cy="276999"/>
+          </a:xfrm>
+          <a:prstGeom prst="rect">
+            <a:avLst/>
+          </a:prstGeom>
+          <a:noFill/>
+          <a:ln>
+            <a:solidFill>
+              <a:schemeClr val="bg1"/>
+            </a:solidFill>
+          </a:ln>
+        </p:spPr>
+        <p:txBody>
+          <a:bodyPr wrap="square" rtlCol="0">
+            <a:spAutoFit/>
+          </a:bodyPr>
+          <a:lstStyle/>
+          <a:p>
+            <a:pPr algn="r"/>
+            <a:r>
+              <a:rPr lang="en-US" sz="1200" b="1" dirty="0" smtClean="0"/>
+              <a:t>Rating</a:t>
+            </a:r>
+            <a:r>
+              <a:rPr lang="en-US" sz="1200" b="1" dirty="0" smtClean="0"/>
+              <a:t>:</a:t>
+            </a:r>
+            <a:endParaRPr lang="en-SG" sz="1200" b="1" dirty="0"/>
+          </a:p>
+        </p:txBody>
+      </p:sp>
+      <p:sp>
+        <p:nvSpPr>
+          <p:cNvPr id="17" name="TextBox 16"/>
+          <p:cNvSpPr txBox="1"/>
+          <p:nvPr/>
+        </p:nvSpPr>
+        <p:spPr>
+          <a:xfrm>
+            <a:off x="1438545" y="1145141"/>
+            <a:ext cx="1807098" cy="276999"/>
+          </a:xfrm>
+          <a:prstGeom prst="rect">
+            <a:avLst/>
+          </a:prstGeom>
+          <a:noFill/>
+          <a:ln w="19050">
+            <a:solidFill>
+              <a:schemeClr val="bg1"/>
+            </a:solidFill>
+          </a:ln>
+        </p:spPr>
+        <p:txBody>
+          <a:bodyPr wrap="square" rtlCol="0">
+            <a:spAutoFit/>
+          </a:bodyPr>
+          <a:lstStyle/>
+          <a:p>
+            <a:r>
+              <a:rPr lang="en-US" sz="1200" b="1" dirty="0" smtClean="0"/>
+              <a:t>Ong Lye Tat</a:t>
+            </a:r>
+            <a:endParaRPr lang="en-SG" sz="1200" b="1" dirty="0"/>
+          </a:p>
+        </p:txBody>
+      </p:sp>
+      <p:sp>
+        <p:nvSpPr>
+          <p:cNvPr id="18" name="TextBox 17"/>
+          <p:cNvSpPr txBox="1"/>
+          <p:nvPr/>
+        </p:nvSpPr>
+        <p:spPr>
+          <a:xfrm>
+            <a:off x="1454288" y="1508256"/>
+            <a:ext cx="1791355" cy="276999"/>
+          </a:xfrm>
+          <a:prstGeom prst="rect">
+            <a:avLst/>
+          </a:prstGeom>
+          <a:noFill/>
+          <a:ln w="19050">
+            <a:solidFill>
+              <a:schemeClr val="bg1"/>
+            </a:solidFill>
+          </a:ln>
+        </p:spPr>
+        <p:txBody>
+          <a:bodyPr wrap="square" rtlCol="0">
+            <a:spAutoFit/>
+          </a:bodyPr>
+          <a:lstStyle/>
+          <a:p>
+            <a:r>
+              <a:rPr lang="en-US" sz="1200" b="1" dirty="0" smtClean="0"/>
+              <a:t>ongLyeTat@gmail.com</a:t>
+            </a:r>
+            <a:endParaRPr lang="en-SG" sz="1200" b="1" dirty="0"/>
+          </a:p>
+        </p:txBody>
+      </p:sp>
+      <p:sp>
+        <p:nvSpPr>
+          <p:cNvPr id="19" name="TextBox 18"/>
+          <p:cNvSpPr txBox="1"/>
+          <p:nvPr/>
+        </p:nvSpPr>
+        <p:spPr>
+          <a:xfrm>
+            <a:off x="1442705" y="1888304"/>
+            <a:ext cx="1802938" cy="253916"/>
+          </a:xfrm>
+          <a:prstGeom prst="rect">
+            <a:avLst/>
+          </a:prstGeom>
+          <a:noFill/>
+          <a:ln w="19050">
+            <a:solidFill>
+              <a:schemeClr val="bg1"/>
+            </a:solidFill>
+          </a:ln>
+        </p:spPr>
+        <p:txBody>
+          <a:bodyPr wrap="square" rtlCol="0">
+            <a:spAutoFit/>
+          </a:bodyPr>
+          <a:lstStyle/>
+          <a:p>
+            <a:r>
+              <a:rPr lang="en-US" sz="1050" b="1" dirty="0" smtClean="0"/>
+              <a:t>97124747</a:t>
+            </a:r>
+            <a:endParaRPr lang="en-SG" sz="1000" b="1" dirty="0"/>
+          </a:p>
+        </p:txBody>
+      </p:sp>
+      <p:sp>
+        <p:nvSpPr>
+          <p:cNvPr id="7" name="TextBox 6"/>
+          <p:cNvSpPr txBox="1"/>
+          <p:nvPr/>
+        </p:nvSpPr>
+        <p:spPr>
+          <a:xfrm>
+            <a:off x="179508" y="625252"/>
+            <a:ext cx="2403934" cy="400110"/>
+          </a:xfrm>
+          <a:prstGeom prst="rect">
+            <a:avLst/>
+          </a:prstGeom>
+          <a:noFill/>
+          <a:ln>
+            <a:solidFill>
+              <a:schemeClr val="tx2"/>
+            </a:solidFill>
+          </a:ln>
+        </p:spPr>
+        <p:txBody>
+          <a:bodyPr wrap="square" rtlCol="0">
+            <a:spAutoFit/>
+          </a:bodyPr>
+          <a:lstStyle/>
+          <a:p>
+            <a:r>
+              <a:rPr lang="en-US" sz="2000" b="1" dirty="0" smtClean="0"/>
+              <a:t>BUYER’S PROFILE</a:t>
+            </a:r>
+            <a:endParaRPr lang="en-SG" sz="2000" b="1" dirty="0"/>
+          </a:p>
+        </p:txBody>
+      </p:sp>
+    </p:spTree>
+    <p:extLst>
+      <p:ext uri="{BB962C8B-B14F-4D97-AF65-F5344CB8AC3E}">
+        <p14:creationId xmlns:p14="http://schemas.microsoft.com/office/powerpoint/2010/main" val="638935489"/>
+      </p:ext>
+    </p:extLst>
+  </p:cSld>
+  <p:clrMapOvr>
+    <a:masterClrMapping/>
+  </p:clrMapOvr>
+</p:sld>
+</file>
+
+<file path=ppt/slides/slide12.xml><?xml version="1.0" encoding="utf-8"?>
+<p:sld xmlns:a="http://schemas.openxmlformats.org/drawingml/2006/main" xmlns:r="http://schemas.openxmlformats.org/officeDocument/2006/relationships" xmlns:p="http://schemas.openxmlformats.org/presentationml/2006/main">
+  <p:cSld>
+    <p:spTree>
+      <p:nvGrpSpPr>
+        <p:cNvPr id="1" name=""/>
+        <p:cNvGrpSpPr/>
+        <p:nvPr/>
+      </p:nvGrpSpPr>
+      <p:grpSpPr>
+        <a:xfrm>
+          <a:off x="0" y="0"/>
+          <a:ext cx="0" cy="0"/>
+          <a:chOff x="0" y="0"/>
+          <a:chExt cx="0" cy="0"/>
+        </a:xfrm>
+      </p:grpSpPr>
       <p:pic>
         <p:nvPicPr>
           <p:cNvPr id="4" name="Picture 2" descr="C:\Users\Zu Cheng\Desktop\IDP\IDP\Karung Guni App\img\Items\Logitech Speakers 1.jpg"/>
@@ -14336,7 +15852,7 @@
         </p:blipFill>
         <p:spPr bwMode="auto">
           <a:xfrm>
-            <a:off x="767099" y="2340135"/>
+            <a:off x="767099" y="2628167"/>
             <a:ext cx="2076709" cy="1578026"/>
           </a:xfrm>
           <a:prstGeom prst="rect">
@@ -14377,7 +15893,7 @@
         </p:blipFill>
         <p:spPr bwMode="auto">
           <a:xfrm>
-            <a:off x="3491880" y="2363837"/>
+            <a:off x="3491880" y="2651869"/>
             <a:ext cx="2272828" cy="1511777"/>
           </a:xfrm>
           <a:prstGeom prst="rect">
@@ -14403,7 +15919,7 @@
         </p:nvSpPr>
         <p:spPr>
           <a:xfrm>
-            <a:off x="3203848" y="1885959"/>
+            <a:off x="3203848" y="2173991"/>
             <a:ext cx="2808312" cy="3203789"/>
           </a:xfrm>
           <a:prstGeom prst="frame">
@@ -14454,7 +15970,7 @@
         </p:nvSpPr>
         <p:spPr>
           <a:xfrm>
-            <a:off x="395536" y="1885959"/>
+            <a:off x="395536" y="2173991"/>
             <a:ext cx="2808312" cy="3203789"/>
           </a:xfrm>
           <a:prstGeom prst="frame">
@@ -14506,13 +16022,13 @@
           <p:nvPr>
             <p:extLst>
               <p:ext uri="{D42A27DB-BD31-4B8C-83A1-F6EECF244321}">
-                <p14:modId xmlns:p14="http://schemas.microsoft.com/office/powerpoint/2010/main" val="3625159656"/>
+                <p14:modId xmlns:p14="http://schemas.microsoft.com/office/powerpoint/2010/main" val="1675041708"/>
               </p:ext>
             </p:extLst>
           </p:nvPr>
         </p:nvGraphicFramePr>
         <p:xfrm>
-          <a:off x="395536" y="3947622"/>
+          <a:off x="395536" y="4235654"/>
           <a:ext cx="2808312" cy="852811"/>
         </p:xfrm>
         <a:graphic>
@@ -14629,13 +16145,13 @@
           <p:nvPr>
             <p:extLst>
               <p:ext uri="{D42A27DB-BD31-4B8C-83A1-F6EECF244321}">
-                <p14:modId xmlns:p14="http://schemas.microsoft.com/office/powerpoint/2010/main" val="2773329433"/>
+                <p14:modId xmlns:p14="http://schemas.microsoft.com/office/powerpoint/2010/main" val="806581684"/>
               </p:ext>
             </p:extLst>
           </p:nvPr>
         </p:nvGraphicFramePr>
         <p:xfrm>
-          <a:off x="3203848" y="3947622"/>
+          <a:off x="3203848" y="4235654"/>
           <a:ext cx="2808312" cy="852958"/>
         </p:xfrm>
         <a:graphic>
@@ -14991,7 +16507,7 @@
         </p:nvSpPr>
         <p:spPr>
           <a:xfrm>
-            <a:off x="395536" y="1777380"/>
+            <a:off x="395536" y="2065412"/>
             <a:ext cx="5616624" cy="251059"/>
           </a:xfrm>
           <a:prstGeom prst="rect">
@@ -15021,7 +16537,7 @@
             <a:pPr algn="ctr"/>
             <a:r>
               <a:rPr lang="en-SG" b="1" u="sng" dirty="0" smtClean="0"/>
-              <a:t>SELLER: MonicaCheng@hotmail.com</a:t>
+              <a:t>SELLER: Monica Cheng</a:t>
             </a:r>
             <a:endParaRPr lang="en-SG" b="1" u="sng" dirty="0"/>
           </a:p>
@@ -15035,7 +16551,7 @@
         </p:nvSpPr>
         <p:spPr>
           <a:xfrm>
-            <a:off x="395536" y="2020096"/>
+            <a:off x="395536" y="2308128"/>
             <a:ext cx="5616624" cy="251059"/>
           </a:xfrm>
           <a:prstGeom prst="rect">
@@ -15087,40 +16603,54 @@
           </a:p>
         </p:txBody>
       </p:sp>
+      <p:sp>
+        <p:nvSpPr>
+          <p:cNvPr id="24" name="Rectangle 23"/>
+          <p:cNvSpPr/>
+          <p:nvPr/>
+        </p:nvSpPr>
+        <p:spPr>
+          <a:xfrm>
+            <a:off x="391220" y="1807574"/>
+            <a:ext cx="5616624" cy="251059"/>
+          </a:xfrm>
+          <a:prstGeom prst="rect">
+            <a:avLst/>
+          </a:prstGeom>
+        </p:spPr>
+        <p:style>
+          <a:lnRef idx="2">
+            <a:schemeClr val="accent4">
+              <a:shade val="50000"/>
+            </a:schemeClr>
+          </a:lnRef>
+          <a:fillRef idx="1">
+            <a:schemeClr val="accent4"/>
+          </a:fillRef>
+          <a:effectRef idx="0">
+            <a:schemeClr val="accent4"/>
+          </a:effectRef>
+          <a:fontRef idx="minor">
+            <a:schemeClr val="lt1"/>
+          </a:fontRef>
+        </p:style>
+        <p:txBody>
+          <a:bodyPr rtlCol="0" anchor="ctr"/>
+          <a:lstStyle/>
+          <a:p>
+            <a:pPr algn="ctr"/>
+            <a:r>
+              <a:rPr lang="en-SG" b="1" dirty="0" smtClean="0"/>
+              <a:t>CONTACT: 96969696</a:t>
+            </a:r>
+            <a:endParaRPr lang="en-SG" b="1" dirty="0"/>
+          </a:p>
+        </p:txBody>
+      </p:sp>
     </p:spTree>
     <p:extLst>
       <p:ext uri="{BB962C8B-B14F-4D97-AF65-F5344CB8AC3E}">
         <p14:creationId xmlns:p14="http://schemas.microsoft.com/office/powerpoint/2010/main" val="148207585"/>
-      </p:ext>
-    </p:extLst>
-  </p:cSld>
-  <p:clrMapOvr>
-    <a:masterClrMapping/>
-  </p:clrMapOvr>
-</p:sld>
-</file>
-
-<file path=ppt/slides/slide11.xml><?xml version="1.0" encoding="utf-8"?>
-<p:sld xmlns:a="http://schemas.openxmlformats.org/drawingml/2006/main" xmlns:r="http://schemas.openxmlformats.org/officeDocument/2006/relationships" xmlns:p="http://schemas.openxmlformats.org/presentationml/2006/main">
-  <p:cSld>
-    <p:spTree>
-      <p:nvGrpSpPr>
-        <p:cNvPr id="1" name=""/>
-        <p:cNvGrpSpPr/>
-        <p:nvPr/>
-      </p:nvGrpSpPr>
-      <p:grpSpPr>
-        <a:xfrm>
-          <a:off x="0" y="0"/>
-          <a:ext cx="0" cy="0"/>
-          <a:chOff x="0" y="0"/>
-          <a:chExt cx="0" cy="0"/>
-        </a:xfrm>
-      </p:grpSpPr>
-    </p:spTree>
-    <p:extLst>
-      <p:ext uri="{BB962C8B-B14F-4D97-AF65-F5344CB8AC3E}">
-        <p14:creationId xmlns:p14="http://schemas.microsoft.com/office/powerpoint/2010/main" val="3925852709"/>
       </p:ext>
     </p:extLst>
   </p:cSld>
@@ -15660,7 +17190,7 @@
         <p:spPr>
           <a:xfrm>
             <a:off x="1602769" y="1589639"/>
-            <a:ext cx="1584176" cy="184666"/>
+            <a:ext cx="1584176" cy="246221"/>
           </a:xfrm>
           <a:prstGeom prst="rect">
             <a:avLst/>
@@ -15678,7 +17208,7 @@
           </a:bodyPr>
           <a:lstStyle/>
           <a:p>
-            <a:endParaRPr lang="en-SG" dirty="0"/>
+            <a:endParaRPr lang="en-SG" sz="1000" b="1" dirty="0"/>
           </a:p>
         </p:txBody>
       </p:sp>
@@ -15691,7 +17221,7 @@
         <p:spPr>
           <a:xfrm>
             <a:off x="1602769" y="3029799"/>
-            <a:ext cx="1584176" cy="184666"/>
+            <a:ext cx="1584176" cy="246221"/>
           </a:xfrm>
           <a:prstGeom prst="rect">
             <a:avLst/>
@@ -15709,7 +17239,7 @@
           </a:bodyPr>
           <a:lstStyle/>
           <a:p>
-            <a:endParaRPr lang="en-SG" dirty="0"/>
+            <a:endParaRPr lang="en-SG" sz="1000" b="1" dirty="0"/>
           </a:p>
         </p:txBody>
       </p:sp>
@@ -15722,7 +17252,7 @@
         <p:spPr>
           <a:xfrm>
             <a:off x="1602769" y="2309719"/>
-            <a:ext cx="1584176" cy="184666"/>
+            <a:ext cx="1584176" cy="246221"/>
           </a:xfrm>
           <a:prstGeom prst="rect">
             <a:avLst/>
@@ -15740,7 +17270,7 @@
           </a:bodyPr>
           <a:lstStyle/>
           <a:p>
-            <a:endParaRPr lang="en-SG" dirty="0"/>
+            <a:endParaRPr lang="en-SG" sz="1000" b="1" dirty="0"/>
           </a:p>
         </p:txBody>
       </p:sp>
@@ -15753,7 +17283,7 @@
         <p:spPr>
           <a:xfrm>
             <a:off x="1602769" y="2669759"/>
-            <a:ext cx="1584176" cy="184666"/>
+            <a:ext cx="1584176" cy="246221"/>
           </a:xfrm>
           <a:prstGeom prst="rect">
             <a:avLst/>
@@ -15771,7 +17301,7 @@
           </a:bodyPr>
           <a:lstStyle/>
           <a:p>
-            <a:endParaRPr lang="en-SG" dirty="0"/>
+            <a:endParaRPr lang="en-SG" sz="1000" b="1" dirty="0"/>
           </a:p>
         </p:txBody>
       </p:sp>
@@ -15784,7 +17314,7 @@
         <p:spPr>
           <a:xfrm>
             <a:off x="1602769" y="1952754"/>
-            <a:ext cx="1584176" cy="184666"/>
+            <a:ext cx="1584176" cy="246221"/>
           </a:xfrm>
           <a:prstGeom prst="rect">
             <a:avLst/>
@@ -15802,7 +17332,7 @@
           </a:bodyPr>
           <a:lstStyle/>
           <a:p>
-            <a:endParaRPr lang="en-SG" dirty="0"/>
+            <a:endParaRPr lang="en-SG" sz="1000" b="1" dirty="0"/>
           </a:p>
         </p:txBody>
       </p:sp>
@@ -15814,8 +17344,8 @@
         </p:nvSpPr>
         <p:spPr>
           <a:xfrm>
-            <a:off x="1602767" y="3737308"/>
-            <a:ext cx="1586512" cy="560351"/>
+            <a:off x="1602766" y="3737308"/>
+            <a:ext cx="1586513" cy="560352"/>
           </a:xfrm>
           <a:prstGeom prst="rect">
             <a:avLst/>
@@ -15833,7 +17363,7 @@
           </a:bodyPr>
           <a:lstStyle/>
           <a:p>
-            <a:endParaRPr lang="en-SG" dirty="0"/>
+            <a:endParaRPr lang="en-SG" sz="1000" b="1" dirty="0"/>
           </a:p>
         </p:txBody>
       </p:sp>
@@ -15846,7 +17376,7 @@
         <p:spPr>
           <a:xfrm>
             <a:off x="1602767" y="3377269"/>
-            <a:ext cx="489935" cy="184666"/>
+            <a:ext cx="489935" cy="246221"/>
           </a:xfrm>
           <a:prstGeom prst="rect">
             <a:avLst/>
@@ -15864,7 +17394,7 @@
           </a:bodyPr>
           <a:lstStyle/>
           <a:p>
-            <a:endParaRPr lang="en-SG" dirty="0"/>
+            <a:endParaRPr lang="en-SG" sz="1000" b="1" dirty="0"/>
           </a:p>
         </p:txBody>
       </p:sp>
@@ -15877,7 +17407,7 @@
         <p:spPr>
           <a:xfrm>
             <a:off x="2538871" y="3377269"/>
-            <a:ext cx="489935" cy="184666"/>
+            <a:ext cx="489935" cy="246221"/>
           </a:xfrm>
           <a:prstGeom prst="rect">
             <a:avLst/>
@@ -15895,7 +17425,7 @@
           </a:bodyPr>
           <a:lstStyle/>
           <a:p>
-            <a:endParaRPr lang="en-SG" dirty="0"/>
+            <a:endParaRPr lang="en-SG" sz="1000" b="1" dirty="0"/>
           </a:p>
         </p:txBody>
       </p:sp>
@@ -15908,7 +17438,7 @@
         <p:spPr>
           <a:xfrm>
             <a:off x="1605103" y="4457645"/>
-            <a:ext cx="1584176" cy="184666"/>
+            <a:ext cx="1584176" cy="246221"/>
           </a:xfrm>
           <a:prstGeom prst="rect">
             <a:avLst/>
@@ -15926,7 +17456,7 @@
           </a:bodyPr>
           <a:lstStyle/>
           <a:p>
-            <a:endParaRPr lang="en-SG" dirty="0"/>
+            <a:endParaRPr lang="en-SG" sz="1000" b="1" dirty="0"/>
           </a:p>
         </p:txBody>
       </p:sp>
@@ -16935,7 +18465,7 @@
         <p:spPr>
           <a:xfrm>
             <a:off x="1602769" y="1589639"/>
-            <a:ext cx="1584176" cy="184666"/>
+            <a:ext cx="1584176" cy="246221"/>
           </a:xfrm>
           <a:prstGeom prst="rect">
             <a:avLst/>
@@ -16953,7 +18483,7 @@
           </a:bodyPr>
           <a:lstStyle/>
           <a:p>
-            <a:endParaRPr lang="en-SG" dirty="0"/>
+            <a:endParaRPr lang="en-SG" sz="1000" b="1" dirty="0"/>
           </a:p>
         </p:txBody>
       </p:sp>
@@ -16966,7 +18496,7 @@
         <p:spPr>
           <a:xfrm>
             <a:off x="1602769" y="3029799"/>
-            <a:ext cx="1584176" cy="184666"/>
+            <a:ext cx="1584176" cy="246221"/>
           </a:xfrm>
           <a:prstGeom prst="rect">
             <a:avLst/>
@@ -16984,7 +18514,7 @@
           </a:bodyPr>
           <a:lstStyle/>
           <a:p>
-            <a:endParaRPr lang="en-SG" dirty="0"/>
+            <a:endParaRPr lang="en-SG" sz="1000" b="1" dirty="0"/>
           </a:p>
         </p:txBody>
       </p:sp>
@@ -16997,7 +18527,7 @@
         <p:spPr>
           <a:xfrm>
             <a:off x="1602769" y="2309719"/>
-            <a:ext cx="1584176" cy="184666"/>
+            <a:ext cx="1584176" cy="246221"/>
           </a:xfrm>
           <a:prstGeom prst="rect">
             <a:avLst/>
@@ -17015,7 +18545,7 @@
           </a:bodyPr>
           <a:lstStyle/>
           <a:p>
-            <a:endParaRPr lang="en-SG" dirty="0"/>
+            <a:endParaRPr lang="en-SG" sz="1000" b="1" dirty="0"/>
           </a:p>
         </p:txBody>
       </p:sp>
@@ -17028,7 +18558,7 @@
         <p:spPr>
           <a:xfrm>
             <a:off x="1602769" y="2669759"/>
-            <a:ext cx="1584176" cy="184666"/>
+            <a:ext cx="1584176" cy="246221"/>
           </a:xfrm>
           <a:prstGeom prst="rect">
             <a:avLst/>
@@ -17046,7 +18576,7 @@
           </a:bodyPr>
           <a:lstStyle/>
           <a:p>
-            <a:endParaRPr lang="en-SG" dirty="0"/>
+            <a:endParaRPr lang="en-SG" sz="1000" b="1" dirty="0"/>
           </a:p>
         </p:txBody>
       </p:sp>
@@ -17059,7 +18589,7 @@
         <p:spPr>
           <a:xfrm>
             <a:off x="1602769" y="1952754"/>
-            <a:ext cx="1584176" cy="184666"/>
+            <a:ext cx="1584176" cy="246221"/>
           </a:xfrm>
           <a:prstGeom prst="rect">
             <a:avLst/>
@@ -17077,7 +18607,7 @@
           </a:bodyPr>
           <a:lstStyle/>
           <a:p>
-            <a:endParaRPr lang="en-SG" dirty="0"/>
+            <a:endParaRPr lang="en-SG" sz="1000" b="1" dirty="0"/>
           </a:p>
         </p:txBody>
       </p:sp>
@@ -17089,8 +18619,8 @@
         </p:nvSpPr>
         <p:spPr>
           <a:xfrm>
-            <a:off x="1602767" y="3737308"/>
-            <a:ext cx="1586512" cy="560351"/>
+            <a:off x="1602766" y="3737308"/>
+            <a:ext cx="1889113" cy="560352"/>
           </a:xfrm>
           <a:prstGeom prst="rect">
             <a:avLst/>
@@ -17108,7 +18638,7 @@
           </a:bodyPr>
           <a:lstStyle/>
           <a:p>
-            <a:endParaRPr lang="en-SG" dirty="0"/>
+            <a:endParaRPr lang="en-SG" sz="1000" b="1" dirty="0"/>
           </a:p>
         </p:txBody>
       </p:sp>
@@ -17121,7 +18651,7 @@
         <p:spPr>
           <a:xfrm>
             <a:off x="1602767" y="3377269"/>
-            <a:ext cx="489935" cy="184666"/>
+            <a:ext cx="489935" cy="246221"/>
           </a:xfrm>
           <a:prstGeom prst="rect">
             <a:avLst/>
@@ -17139,7 +18669,7 @@
           </a:bodyPr>
           <a:lstStyle/>
           <a:p>
-            <a:endParaRPr lang="en-SG" dirty="0"/>
+            <a:endParaRPr lang="en-SG" sz="1000" b="1" dirty="0"/>
           </a:p>
         </p:txBody>
       </p:sp>
@@ -17152,7 +18682,7 @@
         <p:spPr>
           <a:xfrm>
             <a:off x="2538871" y="3377269"/>
-            <a:ext cx="489935" cy="184666"/>
+            <a:ext cx="489935" cy="246221"/>
           </a:xfrm>
           <a:prstGeom prst="rect">
             <a:avLst/>
@@ -17170,7 +18700,7 @@
           </a:bodyPr>
           <a:lstStyle/>
           <a:p>
-            <a:endParaRPr lang="en-SG" dirty="0"/>
+            <a:endParaRPr lang="en-SG" sz="1000" b="1" dirty="0"/>
           </a:p>
         </p:txBody>
       </p:sp>
@@ -17183,7 +18713,7 @@
         <p:spPr>
           <a:xfrm>
             <a:off x="1605103" y="4457645"/>
-            <a:ext cx="1584176" cy="184666"/>
+            <a:ext cx="1584176" cy="246221"/>
           </a:xfrm>
           <a:prstGeom prst="rect">
             <a:avLst/>
@@ -17201,7 +18731,7 @@
           </a:bodyPr>
           <a:lstStyle/>
           <a:p>
-            <a:endParaRPr lang="en-SG" dirty="0"/>
+            <a:endParaRPr lang="en-SG" sz="1000" b="1" dirty="0"/>
           </a:p>
         </p:txBody>
       </p:sp>
@@ -18172,7 +19702,7 @@
         <p:spPr>
           <a:xfrm>
             <a:off x="1602769" y="1589639"/>
-            <a:ext cx="1584176" cy="184666"/>
+            <a:ext cx="1745094" cy="246221"/>
           </a:xfrm>
           <a:prstGeom prst="rect">
             <a:avLst/>
@@ -18190,7 +19720,11 @@
           </a:bodyPr>
           <a:lstStyle/>
           <a:p>
-            <a:endParaRPr lang="en-SG" dirty="0"/>
+            <a:r>
+              <a:rPr lang="en-SG" sz="1000" b="1" dirty="0"/>
+              <a:t>MonicaCheng@hotmail.com</a:t>
+            </a:r>
+            <a:endParaRPr lang="en-SG" sz="1000" b="1" dirty="0"/>
           </a:p>
         </p:txBody>
       </p:sp>
@@ -18203,7 +19737,7 @@
         <p:spPr>
           <a:xfrm>
             <a:off x="1602769" y="3029799"/>
-            <a:ext cx="1584176" cy="184666"/>
+            <a:ext cx="1584176" cy="246221"/>
           </a:xfrm>
           <a:prstGeom prst="rect">
             <a:avLst/>
@@ -18221,7 +19755,11 @@
           </a:bodyPr>
           <a:lstStyle/>
           <a:p>
-            <a:endParaRPr lang="en-SG" dirty="0"/>
+            <a:r>
+              <a:rPr lang="en-US" sz="1000" b="1" dirty="0" smtClean="0"/>
+              <a:t>96969696</a:t>
+            </a:r>
+            <a:endParaRPr lang="en-SG" sz="1000" b="1" dirty="0"/>
           </a:p>
         </p:txBody>
       </p:sp>
@@ -18234,7 +19772,7 @@
         <p:spPr>
           <a:xfrm>
             <a:off x="1602769" y="2309719"/>
-            <a:ext cx="1584176" cy="184666"/>
+            <a:ext cx="1584176" cy="246221"/>
           </a:xfrm>
           <a:prstGeom prst="rect">
             <a:avLst/>
@@ -18252,7 +19790,11 @@
           </a:bodyPr>
           <a:lstStyle/>
           <a:p>
-            <a:endParaRPr lang="en-SG" dirty="0"/>
+            <a:r>
+              <a:rPr lang="en-US" sz="1000" b="1" dirty="0"/>
+              <a:t>********</a:t>
+            </a:r>
+            <a:endParaRPr lang="en-SG" sz="1000" b="1" dirty="0"/>
           </a:p>
         </p:txBody>
       </p:sp>
@@ -18265,7 +19807,7 @@
         <p:spPr>
           <a:xfrm>
             <a:off x="1602769" y="2669759"/>
-            <a:ext cx="1584176" cy="184666"/>
+            <a:ext cx="1584176" cy="246221"/>
           </a:xfrm>
           <a:prstGeom prst="rect">
             <a:avLst/>
@@ -18283,7 +19825,11 @@
           </a:bodyPr>
           <a:lstStyle/>
           <a:p>
-            <a:endParaRPr lang="en-SG" dirty="0"/>
+            <a:r>
+              <a:rPr lang="en-US" sz="1000" b="1" dirty="0"/>
+              <a:t>Monica Cheng</a:t>
+            </a:r>
+            <a:endParaRPr lang="en-SG" sz="1000" b="1" dirty="0"/>
           </a:p>
         </p:txBody>
       </p:sp>
@@ -18296,7 +19842,7 @@
         <p:spPr>
           <a:xfrm>
             <a:off x="1602769" y="1952754"/>
-            <a:ext cx="1584176" cy="184666"/>
+            <a:ext cx="1584176" cy="246221"/>
           </a:xfrm>
           <a:prstGeom prst="rect">
             <a:avLst/>
@@ -18314,7 +19860,11 @@
           </a:bodyPr>
           <a:lstStyle/>
           <a:p>
-            <a:endParaRPr lang="en-SG" dirty="0"/>
+            <a:r>
+              <a:rPr lang="en-US" sz="1000" b="1" dirty="0" smtClean="0"/>
+              <a:t>********</a:t>
+            </a:r>
+            <a:endParaRPr lang="en-SG" sz="1000" b="1" dirty="0"/>
           </a:p>
         </p:txBody>
       </p:sp>
@@ -18326,8 +19876,8 @@
         </p:nvSpPr>
         <p:spPr>
           <a:xfrm>
-            <a:off x="1602767" y="3737308"/>
-            <a:ext cx="1586512" cy="560351"/>
+            <a:off x="1602766" y="3737308"/>
+            <a:ext cx="1889115" cy="553998"/>
           </a:xfrm>
           <a:prstGeom prst="rect">
             <a:avLst/>
@@ -18345,7 +19895,20 @@
           </a:bodyPr>
           <a:lstStyle/>
           <a:p>
-            <a:endParaRPr lang="en-SG" dirty="0"/>
+            <a:r>
+              <a:rPr lang="en-US" sz="1000" b="1" dirty="0" err="1" smtClean="0"/>
+              <a:t>Bedok</a:t>
+            </a:r>
+            <a:r>
+              <a:rPr lang="en-US" sz="1000" b="1" dirty="0" smtClean="0"/>
+              <a:t> Ave 5</a:t>
+            </a:r>
+          </a:p>
+          <a:p>
+            <a:endParaRPr lang="en-US" sz="1000" b="1" dirty="0"/>
+          </a:p>
+          <a:p>
+            <a:endParaRPr lang="en-SG" sz="1000" b="1" dirty="0"/>
           </a:p>
         </p:txBody>
       </p:sp>
@@ -18358,7 +19921,7 @@
         <p:spPr>
           <a:xfrm>
             <a:off x="1602767" y="3377269"/>
-            <a:ext cx="489935" cy="184666"/>
+            <a:ext cx="489935" cy="246221"/>
           </a:xfrm>
           <a:prstGeom prst="rect">
             <a:avLst/>
@@ -18376,7 +19939,11 @@
           </a:bodyPr>
           <a:lstStyle/>
           <a:p>
-            <a:endParaRPr lang="en-SG" dirty="0"/>
+            <a:r>
+              <a:rPr lang="en-US" sz="1000" b="1" dirty="0" smtClean="0"/>
+              <a:t>85</a:t>
+            </a:r>
+            <a:endParaRPr lang="en-SG" sz="1000" b="1" dirty="0"/>
           </a:p>
         </p:txBody>
       </p:sp>
@@ -18389,7 +19956,7 @@
         <p:spPr>
           <a:xfrm>
             <a:off x="2538871" y="3377269"/>
-            <a:ext cx="489935" cy="184666"/>
+            <a:ext cx="808992" cy="246221"/>
           </a:xfrm>
           <a:prstGeom prst="rect">
             <a:avLst/>
@@ -18407,7 +19974,11 @@
           </a:bodyPr>
           <a:lstStyle/>
           <a:p>
-            <a:endParaRPr lang="en-SG" dirty="0"/>
+            <a:r>
+              <a:rPr lang="en-US" sz="1000" b="1" dirty="0" smtClean="0"/>
+              <a:t>#10-237</a:t>
+            </a:r>
+            <a:endParaRPr lang="en-SG" sz="1000" b="1" dirty="0"/>
           </a:p>
         </p:txBody>
       </p:sp>
@@ -18420,7 +19991,7 @@
         <p:spPr>
           <a:xfrm>
             <a:off x="1605103" y="4457645"/>
-            <a:ext cx="1584176" cy="184666"/>
+            <a:ext cx="1584176" cy="246221"/>
           </a:xfrm>
           <a:prstGeom prst="rect">
             <a:avLst/>
@@ -18438,7 +20009,11 @@
           </a:bodyPr>
           <a:lstStyle/>
           <a:p>
-            <a:endParaRPr lang="en-SG" dirty="0"/>
+            <a:r>
+              <a:rPr lang="en-US" sz="1000" b="1" dirty="0" smtClean="0"/>
+              <a:t>520085</a:t>
+            </a:r>
+            <a:endParaRPr lang="en-SG" sz="1000" b="1" dirty="0"/>
           </a:p>
         </p:txBody>
       </p:sp>
@@ -24343,563 +25918,286 @@
           <a:chExt cx="0" cy="0"/>
         </a:xfrm>
       </p:grpSpPr>
-      <p:grpSp>
-        <p:nvGrpSpPr>
-          <p:cNvPr id="6" name="Group 5"/>
-          <p:cNvGrpSpPr/>
+      <p:sp>
+        <p:nvSpPr>
+          <p:cNvPr id="6" name="Rectangular Callout 5"/>
+          <p:cNvSpPr/>
           <p:nvPr/>
-        </p:nvGrpSpPr>
-        <p:grpSpPr>
-          <a:xfrm>
-            <a:off x="1454288" y="2474210"/>
-            <a:ext cx="3852120" cy="1679434"/>
-            <a:chOff x="2483768" y="1705372"/>
-            <a:chExt cx="4464376" cy="1988554"/>
-          </a:xfrm>
-        </p:grpSpPr>
-        <p:grpSp>
-          <p:nvGrpSpPr>
-            <p:cNvPr id="4" name="Group 3"/>
-            <p:cNvGrpSpPr/>
-            <p:nvPr/>
-          </p:nvGrpSpPr>
-          <p:grpSpPr>
-            <a:xfrm>
-              <a:off x="2483768" y="1705372"/>
-              <a:ext cx="4464376" cy="1080744"/>
-              <a:chOff x="1547664" y="1386631"/>
-              <a:chExt cx="4464376" cy="1080744"/>
-            </a:xfrm>
-          </p:grpSpPr>
-          <p:pic>
-            <p:nvPicPr>
-              <p:cNvPr id="3076" name="Picture 4" descr="http://www.clker.com/cliparts/e/8/3/a/11949864601483835659smiley103.svg.med.png"/>
-              <p:cNvPicPr>
-                <a:picLocks noChangeAspect="1" noChangeArrowheads="1"/>
-              </p:cNvPicPr>
-              <p:nvPr/>
-            </p:nvPicPr>
-            <p:blipFill>
-              <a:blip r:embed="rId2" cstate="print">
-                <a:extLst>
-                  <a:ext uri="{28A0092B-C50C-407E-A947-70E740481C1C}">
-                    <a14:useLocalDpi xmlns:a14="http://schemas.microsoft.com/office/drawing/2010/main" val="0"/>
-                  </a:ext>
-                </a:extLst>
-              </a:blip>
-              <a:srcRect/>
-              <a:stretch>
-                <a:fillRect/>
-              </a:stretch>
-            </p:blipFill>
-            <p:spPr bwMode="auto">
-              <a:xfrm>
-                <a:off x="3284795" y="1386631"/>
-                <a:ext cx="1080000" cy="1080000"/>
-              </a:xfrm>
-              <a:prstGeom prst="rect">
-                <a:avLst/>
-              </a:prstGeom>
-              <a:noFill/>
-              <a:extLst>
-                <a:ext uri="{909E8E84-426E-40DD-AFC4-6F175D3DCCD1}">
-                  <a14:hiddenFill xmlns:a14="http://schemas.microsoft.com/office/drawing/2010/main">
-                    <a:solidFill>
-                      <a:srgbClr val="FFFFFF"/>
-                    </a:solidFill>
-                  </a14:hiddenFill>
-                </a:ext>
-              </a:extLst>
-            </p:spPr>
-          </p:pic>
-          <p:pic>
-            <p:nvPicPr>
-              <p:cNvPr id="3078" name="Picture 6" descr="http://www.clker.com/cliparts/7/1/0/b/119498645723678292smiley100.svg.med.png"/>
-              <p:cNvPicPr>
-                <a:picLocks noChangeAspect="1" noChangeArrowheads="1"/>
-              </p:cNvPicPr>
-              <p:nvPr/>
-            </p:nvPicPr>
-            <p:blipFill>
-              <a:blip r:embed="rId3" cstate="print">
-                <a:extLst>
-                  <a:ext uri="{28A0092B-C50C-407E-A947-70E740481C1C}">
-                    <a14:useLocalDpi xmlns:a14="http://schemas.microsoft.com/office/drawing/2010/main" val="0"/>
-                  </a:ext>
-                </a:extLst>
-              </a:blip>
-              <a:srcRect/>
-              <a:stretch>
-                <a:fillRect/>
-              </a:stretch>
-            </p:blipFill>
-            <p:spPr bwMode="auto">
-              <a:xfrm>
-                <a:off x="1547664" y="1386631"/>
-                <a:ext cx="1080000" cy="1080000"/>
-              </a:xfrm>
-              <a:prstGeom prst="rect">
-                <a:avLst/>
-              </a:prstGeom>
-              <a:noFill/>
-              <a:extLst>
-                <a:ext uri="{909E8E84-426E-40DD-AFC4-6F175D3DCCD1}">
-                  <a14:hiddenFill xmlns:a14="http://schemas.microsoft.com/office/drawing/2010/main">
-                    <a:solidFill>
-                      <a:srgbClr val="FFFFFF"/>
-                    </a:solidFill>
-                  </a14:hiddenFill>
-                </a:ext>
-              </a:extLst>
-            </p:spPr>
-          </p:pic>
-          <p:pic>
-            <p:nvPicPr>
-              <p:cNvPr id="3080" name="Picture 8" descr="http://www.clker.com/cliparts/d/b/9/e/1194986459994010940smiley102.svg.med.png"/>
-              <p:cNvPicPr>
-                <a:picLocks noChangeAspect="1" noChangeArrowheads="1"/>
-              </p:cNvPicPr>
-              <p:nvPr/>
-            </p:nvPicPr>
-            <p:blipFill>
-              <a:blip r:embed="rId4" cstate="print">
-                <a:extLst>
-                  <a:ext uri="{28A0092B-C50C-407E-A947-70E740481C1C}">
-                    <a14:useLocalDpi xmlns:a14="http://schemas.microsoft.com/office/drawing/2010/main" val="0"/>
-                  </a:ext>
-                </a:extLst>
-              </a:blip>
-              <a:srcRect/>
-              <a:stretch>
-                <a:fillRect/>
-              </a:stretch>
-            </p:blipFill>
-            <p:spPr bwMode="auto">
-              <a:xfrm>
-                <a:off x="4932040" y="1387375"/>
-                <a:ext cx="1080000" cy="1080000"/>
-              </a:xfrm>
-              <a:prstGeom prst="rect">
-                <a:avLst/>
-              </a:prstGeom>
-              <a:noFill/>
-              <a:extLst>
-                <a:ext uri="{909E8E84-426E-40DD-AFC4-6F175D3DCCD1}">
-                  <a14:hiddenFill xmlns:a14="http://schemas.microsoft.com/office/drawing/2010/main">
-                    <a:solidFill>
-                      <a:srgbClr val="FFFFFF"/>
-                    </a:solidFill>
-                  </a14:hiddenFill>
-                </a:ext>
-              </a:extLst>
-            </p:spPr>
-          </p:pic>
-        </p:grpSp>
-        <p:sp>
-          <p:nvSpPr>
-            <p:cNvPr id="5" name="TextBox 4"/>
-            <p:cNvSpPr txBox="1"/>
-            <p:nvPr/>
-          </p:nvSpPr>
-          <p:spPr>
-            <a:xfrm>
-              <a:off x="2627784" y="3001516"/>
-              <a:ext cx="792088" cy="692410"/>
-            </a:xfrm>
-            <a:prstGeom prst="rect">
-              <a:avLst/>
-            </a:prstGeom>
-            <a:noFill/>
-            <a:ln>
-              <a:solidFill>
-                <a:schemeClr val="tx1"/>
-              </a:solidFill>
-            </a:ln>
-          </p:spPr>
-          <p:txBody>
-            <a:bodyPr wrap="square" rtlCol="0">
-              <a:spAutoFit/>
-            </a:bodyPr>
-            <a:lstStyle/>
-            <a:p>
-              <a:pPr algn="ctr"/>
-              <a:r>
-                <a:rPr lang="en-US" sz="3200" b="1" dirty="0" smtClean="0"/>
-                <a:t>4</a:t>
-              </a:r>
-              <a:endParaRPr lang="en-SG" sz="3200" b="1" dirty="0"/>
-            </a:p>
-          </p:txBody>
-        </p:sp>
-        <p:sp>
-          <p:nvSpPr>
-            <p:cNvPr id="10" name="TextBox 9"/>
-            <p:cNvSpPr txBox="1"/>
-            <p:nvPr/>
-          </p:nvSpPr>
-          <p:spPr>
-            <a:xfrm>
-              <a:off x="4364855" y="3001516"/>
-              <a:ext cx="792088" cy="692410"/>
-            </a:xfrm>
-            <a:prstGeom prst="rect">
-              <a:avLst/>
-            </a:prstGeom>
-            <a:noFill/>
-            <a:ln>
-              <a:solidFill>
-                <a:schemeClr val="tx1"/>
-              </a:solidFill>
-            </a:ln>
-          </p:spPr>
-          <p:txBody>
-            <a:bodyPr wrap="square" rtlCol="0">
-              <a:spAutoFit/>
-            </a:bodyPr>
-            <a:lstStyle/>
-            <a:p>
-              <a:pPr algn="ctr"/>
-              <a:r>
-                <a:rPr lang="en-US" sz="3200" b="1" dirty="0" smtClean="0"/>
-                <a:t>4</a:t>
-              </a:r>
-              <a:endParaRPr lang="en-SG" sz="3200" b="1" dirty="0"/>
-            </a:p>
-          </p:txBody>
-        </p:sp>
-        <p:sp>
-          <p:nvSpPr>
-            <p:cNvPr id="11" name="TextBox 10"/>
-            <p:cNvSpPr txBox="1"/>
-            <p:nvPr/>
-          </p:nvSpPr>
-          <p:spPr>
-            <a:xfrm>
-              <a:off x="6012099" y="3001516"/>
-              <a:ext cx="792088" cy="692410"/>
-            </a:xfrm>
-            <a:prstGeom prst="rect">
-              <a:avLst/>
-            </a:prstGeom>
-            <a:noFill/>
-            <a:ln>
-              <a:solidFill>
-                <a:schemeClr val="tx1"/>
-              </a:solidFill>
-            </a:ln>
-          </p:spPr>
-          <p:txBody>
-            <a:bodyPr wrap="square" rtlCol="0">
-              <a:spAutoFit/>
-            </a:bodyPr>
-            <a:lstStyle/>
-            <a:p>
-              <a:pPr algn="ctr"/>
-              <a:r>
-                <a:rPr lang="en-US" sz="3200" b="1" dirty="0"/>
-                <a:t>2</a:t>
-              </a:r>
-              <a:endParaRPr lang="en-SG" sz="3200" b="1" dirty="0"/>
-            </a:p>
-          </p:txBody>
-        </p:sp>
-      </p:grpSp>
-      <p:sp>
-        <p:nvSpPr>
-          <p:cNvPr id="13" name="TextBox 12"/>
-          <p:cNvSpPr txBox="1"/>
-          <p:nvPr/>
-        </p:nvSpPr>
-        <p:spPr>
-          <a:xfrm>
-            <a:off x="-36511" y="1145141"/>
-            <a:ext cx="1425587" cy="276999"/>
-          </a:xfrm>
-          <a:prstGeom prst="rect">
-            <a:avLst/>
-          </a:prstGeom>
-          <a:noFill/>
+        </p:nvSpPr>
+        <p:spPr>
+          <a:xfrm>
+            <a:off x="5209108" y="661256"/>
+            <a:ext cx="2771800" cy="756084"/>
+          </a:xfrm>
+          <a:prstGeom prst="wedgeRectCallout">
+            <a:avLst>
+              <a:gd name="adj1" fmla="val 32775"/>
+              <a:gd name="adj2" fmla="val -76521"/>
+            </a:avLst>
+          </a:prstGeom>
+          <a:solidFill>
+            <a:schemeClr val="bg2"/>
+          </a:solidFill>
           <a:ln>
             <a:solidFill>
               <a:schemeClr val="bg1"/>
             </a:solidFill>
           </a:ln>
         </p:spPr>
-        <p:txBody>
-          <a:bodyPr wrap="square" rtlCol="0">
-            <a:spAutoFit/>
-          </a:bodyPr>
-          <a:lstStyle/>
-          <a:p>
-            <a:pPr algn="r"/>
-            <a:r>
-              <a:rPr lang="en-US" sz="1200" b="1" dirty="0" smtClean="0"/>
-              <a:t>Buyer’s Name</a:t>
-            </a:r>
-            <a:endParaRPr lang="en-SG" sz="1200" b="1" dirty="0"/>
-          </a:p>
-        </p:txBody>
-      </p:sp>
-      <p:sp>
-        <p:nvSpPr>
-          <p:cNvPr id="14" name="TextBox 13"/>
-          <p:cNvSpPr txBox="1"/>
+        <p:style>
+          <a:lnRef idx="2">
+            <a:schemeClr val="accent1">
+              <a:shade val="50000"/>
+            </a:schemeClr>
+          </a:lnRef>
+          <a:fillRef idx="1">
+            <a:schemeClr val="accent1"/>
+          </a:fillRef>
+          <a:effectRef idx="0">
+            <a:schemeClr val="accent1"/>
+          </a:effectRef>
+          <a:fontRef idx="minor">
+            <a:schemeClr val="lt1"/>
+          </a:fontRef>
+        </p:style>
+        <p:txBody>
+          <a:bodyPr rtlCol="0" anchor="ctr"/>
+          <a:lstStyle/>
+          <a:p>
+            <a:pPr lvl="1"/>
+            <a:r>
+              <a:rPr lang="en-US" sz="1200" b="1" u="sng" dirty="0" smtClean="0">
+                <a:solidFill>
+                  <a:schemeClr val="tx1"/>
+                </a:solidFill>
+              </a:rPr>
+              <a:t>Ong Lye Tat </a:t>
+            </a:r>
+            <a:r>
+              <a:rPr lang="en-US" sz="1200" b="1" dirty="0" smtClean="0">
+                <a:solidFill>
+                  <a:schemeClr val="tx1"/>
+                </a:solidFill>
+              </a:rPr>
+              <a:t>has sent </a:t>
+            </a:r>
+            <a:br>
+              <a:rPr lang="en-US" sz="1200" b="1" dirty="0" smtClean="0">
+                <a:solidFill>
+                  <a:schemeClr val="tx1"/>
+                </a:solidFill>
+              </a:rPr>
+            </a:br>
+            <a:r>
+              <a:rPr lang="en-US" sz="1200" b="1" dirty="0" smtClean="0">
+                <a:solidFill>
+                  <a:schemeClr val="tx1"/>
+                </a:solidFill>
+              </a:rPr>
+              <a:t>you an offer for 2 items </a:t>
+            </a:r>
+            <a:endParaRPr lang="en-SG" sz="1200" b="1" dirty="0">
+              <a:solidFill>
+                <a:schemeClr val="tx1"/>
+              </a:solidFill>
+            </a:endParaRPr>
+          </a:p>
+        </p:txBody>
+      </p:sp>
+      <p:sp>
+        <p:nvSpPr>
+          <p:cNvPr id="7" name="Rectangle 6"/>
+          <p:cNvSpPr/>
           <p:nvPr/>
         </p:nvSpPr>
         <p:spPr>
           <a:xfrm>
-            <a:off x="-34179" y="1508256"/>
-            <a:ext cx="1425587" cy="276999"/>
-          </a:xfrm>
-          <a:prstGeom prst="rect">
-            <a:avLst/>
-          </a:prstGeom>
-          <a:noFill/>
+            <a:off x="5209108" y="1417340"/>
+            <a:ext cx="2771800" cy="396044"/>
+          </a:xfrm>
+          <a:prstGeom prst="rect">
+            <a:avLst/>
+          </a:prstGeom>
+          <a:solidFill>
+            <a:schemeClr val="bg2"/>
+          </a:solidFill>
           <a:ln>
             <a:solidFill>
               <a:schemeClr val="bg1"/>
             </a:solidFill>
           </a:ln>
         </p:spPr>
-        <p:txBody>
-          <a:bodyPr wrap="square" rtlCol="0">
-            <a:spAutoFit/>
-          </a:bodyPr>
-          <a:lstStyle/>
-          <a:p>
-            <a:pPr algn="r"/>
-            <a:r>
-              <a:rPr lang="en-US" sz="1200" b="1" dirty="0" smtClean="0"/>
-              <a:t>Email:</a:t>
-            </a:r>
-            <a:endParaRPr lang="en-SG" sz="1200" b="1" dirty="0"/>
-          </a:p>
-        </p:txBody>
-      </p:sp>
-      <p:sp>
-        <p:nvSpPr>
-          <p:cNvPr id="15" name="TextBox 14"/>
-          <p:cNvSpPr txBox="1"/>
+        <p:style>
+          <a:lnRef idx="2">
+            <a:schemeClr val="accent1">
+              <a:shade val="50000"/>
+            </a:schemeClr>
+          </a:lnRef>
+          <a:fillRef idx="1">
+            <a:schemeClr val="accent1"/>
+          </a:fillRef>
+          <a:effectRef idx="0">
+            <a:schemeClr val="accent1"/>
+          </a:effectRef>
+          <a:fontRef idx="minor">
+            <a:schemeClr val="lt1"/>
+          </a:fontRef>
+        </p:style>
+        <p:txBody>
+          <a:bodyPr rtlCol="0" anchor="ctr"/>
+          <a:lstStyle/>
+          <a:p>
+            <a:r>
+              <a:rPr lang="en-US" sz="1200" b="1" u="sng" dirty="0" smtClean="0">
+                <a:solidFill>
+                  <a:schemeClr val="tx1"/>
+                </a:solidFill>
+              </a:rPr>
+              <a:t>Mary Tan </a:t>
+            </a:r>
+            <a:r>
+              <a:rPr lang="en-US" sz="1200" b="1" dirty="0" smtClean="0">
+                <a:solidFill>
+                  <a:schemeClr val="tx1"/>
+                </a:solidFill>
+              </a:rPr>
+              <a:t>has sent you an offer</a:t>
+            </a:r>
+            <a:endParaRPr lang="en-SG" sz="1200" b="1" dirty="0">
+              <a:solidFill>
+                <a:schemeClr val="tx1"/>
+              </a:solidFill>
+            </a:endParaRPr>
+          </a:p>
+        </p:txBody>
+      </p:sp>
+      <p:pic>
+        <p:nvPicPr>
+          <p:cNvPr id="9" name="Picture 2" descr="C:\Users\Zu Cheng\Desktop\IDP\IDP\Karung Guni App\img\Items\Logitech Speakers 1.jpg"/>
+          <p:cNvPicPr>
+            <a:picLocks noChangeAspect="1" noChangeArrowheads="1"/>
+          </p:cNvPicPr>
           <p:nvPr/>
-        </p:nvSpPr>
-        <p:spPr>
-          <a:xfrm>
-            <a:off x="-36512" y="1865221"/>
-            <a:ext cx="1425587" cy="276999"/>
+        </p:nvPicPr>
+        <p:blipFill>
+          <a:blip r:embed="rId2" cstate="print">
+            <a:extLst>
+              <a:ext uri="{28A0092B-C50C-407E-A947-70E740481C1C}">
+                <a14:useLocalDpi xmlns:a14="http://schemas.microsoft.com/office/drawing/2010/main" val="0"/>
+              </a:ext>
+            </a:extLst>
+          </a:blip>
+          <a:srcRect/>
+          <a:stretch>
+            <a:fillRect/>
+          </a:stretch>
+        </p:blipFill>
+        <p:spPr bwMode="auto">
+          <a:xfrm>
+            <a:off x="7363526" y="1026302"/>
+            <a:ext cx="431780" cy="328096"/>
           </a:xfrm>
           <a:prstGeom prst="rect">
             <a:avLst/>
           </a:prstGeom>
           <a:noFill/>
-          <a:ln>
-            <a:solidFill>
-              <a:schemeClr val="bg1"/>
-            </a:solidFill>
-          </a:ln>
-        </p:spPr>
-        <p:txBody>
-          <a:bodyPr wrap="square" rtlCol="0">
-            <a:spAutoFit/>
-          </a:bodyPr>
-          <a:lstStyle/>
-          <a:p>
-            <a:pPr algn="r"/>
-            <a:r>
-              <a:rPr lang="en-US" sz="1200" b="1" dirty="0" smtClean="0"/>
-              <a:t>Contact</a:t>
-            </a:r>
-            <a:r>
-              <a:rPr lang="en-US" sz="1200" b="1" dirty="0" smtClean="0"/>
-              <a:t>:</a:t>
-            </a:r>
-            <a:endParaRPr lang="en-SG" sz="1200" b="1" dirty="0"/>
-          </a:p>
-        </p:txBody>
-      </p:sp>
-      <p:sp>
-        <p:nvSpPr>
-          <p:cNvPr id="16" name="TextBox 15"/>
-          <p:cNvSpPr txBox="1"/>
+          <a:extLst>
+            <a:ext uri="{909E8E84-426E-40DD-AFC4-6F175D3DCCD1}">
+              <a14:hiddenFill xmlns:a14="http://schemas.microsoft.com/office/drawing/2010/main">
+                <a:solidFill>
+                  <a:srgbClr val="FFFFFF"/>
+                </a:solidFill>
+              </a14:hiddenFill>
+            </a:ext>
+          </a:extLst>
+        </p:spPr>
+      </p:pic>
+      <p:pic>
+        <p:nvPicPr>
+          <p:cNvPr id="10" name="Picture 4" descr="C:\Users\Zu Cheng\Desktop\IDP\IDP\Karung Guni App\img\Items\newspaper.jpg"/>
+          <p:cNvPicPr>
+            <a:picLocks noChangeAspect="1" noChangeArrowheads="1"/>
+          </p:cNvPicPr>
           <p:nvPr/>
-        </p:nvSpPr>
-        <p:spPr>
-          <a:xfrm>
-            <a:off x="-17760" y="2380646"/>
-            <a:ext cx="1425587" cy="276999"/>
+        </p:nvPicPr>
+        <p:blipFill>
+          <a:blip r:embed="rId3" cstate="print">
+            <a:extLst>
+              <a:ext uri="{28A0092B-C50C-407E-A947-70E740481C1C}">
+                <a14:useLocalDpi xmlns:a14="http://schemas.microsoft.com/office/drawing/2010/main" val="0"/>
+              </a:ext>
+            </a:extLst>
+          </a:blip>
+          <a:srcRect/>
+          <a:stretch>
+            <a:fillRect/>
+          </a:stretch>
+        </p:blipFill>
+        <p:spPr bwMode="auto">
+          <a:xfrm>
+            <a:off x="7339804" y="697260"/>
+            <a:ext cx="472556" cy="314322"/>
           </a:xfrm>
           <a:prstGeom prst="rect">
             <a:avLst/>
           </a:prstGeom>
           <a:noFill/>
-          <a:ln>
-            <a:solidFill>
-              <a:schemeClr val="bg1"/>
-            </a:solidFill>
-          </a:ln>
-        </p:spPr>
-        <p:txBody>
-          <a:bodyPr wrap="square" rtlCol="0">
-            <a:spAutoFit/>
-          </a:bodyPr>
-          <a:lstStyle/>
-          <a:p>
-            <a:pPr algn="r"/>
-            <a:r>
-              <a:rPr lang="en-US" sz="1200" b="1" dirty="0" smtClean="0"/>
-              <a:t>Rating</a:t>
-            </a:r>
-            <a:r>
-              <a:rPr lang="en-US" sz="1200" b="1" dirty="0" smtClean="0"/>
-              <a:t>:</a:t>
-            </a:r>
-            <a:endParaRPr lang="en-SG" sz="1200" b="1" dirty="0"/>
-          </a:p>
-        </p:txBody>
-      </p:sp>
-      <p:sp>
-        <p:nvSpPr>
-          <p:cNvPr id="17" name="TextBox 16"/>
-          <p:cNvSpPr txBox="1"/>
+          <a:extLst>
+            <a:ext uri="{909E8E84-426E-40DD-AFC4-6F175D3DCCD1}">
+              <a14:hiddenFill xmlns:a14="http://schemas.microsoft.com/office/drawing/2010/main">
+                <a:solidFill>
+                  <a:srgbClr val="FFFFFF"/>
+                </a:solidFill>
+              </a14:hiddenFill>
+            </a:ext>
+          </a:extLst>
+        </p:spPr>
+      </p:pic>
+      <p:pic>
+        <p:nvPicPr>
+          <p:cNvPr id="11" name="Picture 2" descr="C:\Users\Zu Cheng\Desktop\IDP\IDP\Karung Guni App\img\Items\Logitech Speakers 1.jpg"/>
+          <p:cNvPicPr>
+            <a:picLocks noChangeAspect="1" noChangeArrowheads="1"/>
+          </p:cNvPicPr>
           <p:nvPr/>
-        </p:nvSpPr>
-        <p:spPr>
-          <a:xfrm>
-            <a:off x="1438545" y="1145141"/>
-            <a:ext cx="1807098" cy="276999"/>
+        </p:nvPicPr>
+        <p:blipFill>
+          <a:blip r:embed="rId2" cstate="print">
+            <a:extLst>
+              <a:ext uri="{28A0092B-C50C-407E-A947-70E740481C1C}">
+                <a14:useLocalDpi xmlns:a14="http://schemas.microsoft.com/office/drawing/2010/main" val="0"/>
+              </a:ext>
+            </a:extLst>
+          </a:blip>
+          <a:srcRect/>
+          <a:stretch>
+            <a:fillRect/>
+          </a:stretch>
+        </p:blipFill>
+        <p:spPr bwMode="auto">
+          <a:xfrm>
+            <a:off x="7360192" y="1457902"/>
+            <a:ext cx="431780" cy="328096"/>
           </a:xfrm>
           <a:prstGeom prst="rect">
             <a:avLst/>
           </a:prstGeom>
           <a:noFill/>
-          <a:ln w="19050">
-            <a:solidFill>
-              <a:schemeClr val="bg1"/>
-            </a:solidFill>
-          </a:ln>
-        </p:spPr>
-        <p:txBody>
-          <a:bodyPr wrap="square" rtlCol="0">
-            <a:spAutoFit/>
-          </a:bodyPr>
-          <a:lstStyle/>
-          <a:p>
-            <a:r>
-              <a:rPr lang="en-US" sz="1200" b="1" dirty="0" smtClean="0"/>
-              <a:t>Ong Lye Tat</a:t>
-            </a:r>
-            <a:endParaRPr lang="en-SG" sz="1200" b="1" dirty="0"/>
-          </a:p>
-        </p:txBody>
-      </p:sp>
-      <p:sp>
-        <p:nvSpPr>
-          <p:cNvPr id="18" name="TextBox 17"/>
-          <p:cNvSpPr txBox="1"/>
-          <p:nvPr/>
-        </p:nvSpPr>
-        <p:spPr>
-          <a:xfrm>
-            <a:off x="1454288" y="1508256"/>
-            <a:ext cx="1791355" cy="276999"/>
-          </a:xfrm>
-          <a:prstGeom prst="rect">
-            <a:avLst/>
-          </a:prstGeom>
-          <a:noFill/>
-          <a:ln w="19050">
-            <a:solidFill>
-              <a:schemeClr val="bg1"/>
-            </a:solidFill>
-          </a:ln>
-        </p:spPr>
-        <p:txBody>
-          <a:bodyPr wrap="square" rtlCol="0">
-            <a:spAutoFit/>
-          </a:bodyPr>
-          <a:lstStyle/>
-          <a:p>
-            <a:r>
-              <a:rPr lang="en-US" sz="1200" b="1" dirty="0" smtClean="0"/>
-              <a:t>ongLyeTat@gmail.com</a:t>
-            </a:r>
-            <a:endParaRPr lang="en-SG" sz="1200" b="1" dirty="0"/>
-          </a:p>
-        </p:txBody>
-      </p:sp>
-      <p:sp>
-        <p:nvSpPr>
-          <p:cNvPr id="19" name="TextBox 18"/>
-          <p:cNvSpPr txBox="1"/>
-          <p:nvPr/>
-        </p:nvSpPr>
-        <p:spPr>
-          <a:xfrm>
-            <a:off x="1442705" y="1888304"/>
-            <a:ext cx="1802938" cy="253916"/>
-          </a:xfrm>
-          <a:prstGeom prst="rect">
-            <a:avLst/>
-          </a:prstGeom>
-          <a:noFill/>
-          <a:ln w="19050">
-            <a:solidFill>
-              <a:schemeClr val="bg1"/>
-            </a:solidFill>
-          </a:ln>
-        </p:spPr>
-        <p:txBody>
-          <a:bodyPr wrap="square" rtlCol="0">
-            <a:spAutoFit/>
-          </a:bodyPr>
-          <a:lstStyle/>
-          <a:p>
-            <a:r>
-              <a:rPr lang="en-US" sz="1050" b="1" dirty="0" smtClean="0"/>
-              <a:t>97124747</a:t>
-            </a:r>
-            <a:endParaRPr lang="en-SG" sz="1000" b="1" dirty="0"/>
-          </a:p>
-        </p:txBody>
-      </p:sp>
-      <p:sp>
-        <p:nvSpPr>
-          <p:cNvPr id="7" name="TextBox 6"/>
-          <p:cNvSpPr txBox="1"/>
-          <p:nvPr/>
-        </p:nvSpPr>
-        <p:spPr>
-          <a:xfrm>
-            <a:off x="179508" y="625252"/>
-            <a:ext cx="2403934" cy="400110"/>
-          </a:xfrm>
-          <a:prstGeom prst="rect">
-            <a:avLst/>
-          </a:prstGeom>
-          <a:noFill/>
-          <a:ln>
-            <a:solidFill>
-              <a:schemeClr val="tx2"/>
-            </a:solidFill>
-          </a:ln>
-        </p:spPr>
-        <p:txBody>
-          <a:bodyPr wrap="square" rtlCol="0">
-            <a:spAutoFit/>
-          </a:bodyPr>
-          <a:lstStyle/>
-          <a:p>
-            <a:r>
-              <a:rPr lang="en-US" sz="2000" b="1" dirty="0" smtClean="0"/>
-              <a:t>BUYER’S PROFILE</a:t>
-            </a:r>
-            <a:endParaRPr lang="en-SG" sz="2000" b="1" dirty="0"/>
-          </a:p>
-        </p:txBody>
-      </p:sp>
+          <a:extLst>
+            <a:ext uri="{909E8E84-426E-40DD-AFC4-6F175D3DCCD1}">
+              <a14:hiddenFill xmlns:a14="http://schemas.microsoft.com/office/drawing/2010/main">
+                <a:solidFill>
+                  <a:srgbClr val="FFFFFF"/>
+                </a:solidFill>
+              </a14:hiddenFill>
+            </a:ext>
+          </a:extLst>
+        </p:spPr>
+      </p:pic>
     </p:spTree>
     <p:extLst>
       <p:ext uri="{BB962C8B-B14F-4D97-AF65-F5344CB8AC3E}">
-        <p14:creationId xmlns:p14="http://schemas.microsoft.com/office/powerpoint/2010/main" val="638935489"/>
+        <p14:creationId xmlns:p14="http://schemas.microsoft.com/office/powerpoint/2010/main" val="3925852709"/>
       </p:ext>
     </p:extLst>
   </p:cSld>
